--- a/Results.pptx
+++ b/Results.pptx
@@ -13,15 +13,18 @@
     <p:sldId id="268" r:id="rId7"/>
     <p:sldId id="269" r:id="rId8"/>
     <p:sldId id="270" r:id="rId9"/>
-    <p:sldId id="273" r:id="rId10"/>
-    <p:sldId id="274" r:id="rId11"/>
-    <p:sldId id="262" r:id="rId12"/>
-    <p:sldId id="257" r:id="rId13"/>
-    <p:sldId id="258" r:id="rId14"/>
-    <p:sldId id="259" r:id="rId15"/>
-    <p:sldId id="260" r:id="rId16"/>
-    <p:sldId id="271" r:id="rId17"/>
-    <p:sldId id="272" r:id="rId18"/>
+    <p:sldId id="275" r:id="rId10"/>
+    <p:sldId id="273" r:id="rId11"/>
+    <p:sldId id="274" r:id="rId12"/>
+    <p:sldId id="271" r:id="rId13"/>
+    <p:sldId id="272" r:id="rId14"/>
+    <p:sldId id="262" r:id="rId15"/>
+    <p:sldId id="257" r:id="rId16"/>
+    <p:sldId id="258" r:id="rId17"/>
+    <p:sldId id="259" r:id="rId18"/>
+    <p:sldId id="260" r:id="rId19"/>
+    <p:sldId id="276" r:id="rId20"/>
+    <p:sldId id="277" r:id="rId21"/>
   </p:sldIdLst>
   <p:sldSz cx="12192000" cy="6858000"/>
   <p:notesSz cx="6858000" cy="9144000"/>
@@ -120,6 +123,11 @@
       </a:defRPr>
     </a:lvl9pPr>
   </p:defaultTextStyle>
+  <p:extLst>
+    <p:ext uri="{EFAFB233-063F-42B5-8137-9DF3F51BA10A}">
+      <p15:sldGuideLst xmlns:p15="http://schemas.microsoft.com/office/powerpoint/2012/main"/>
+    </p:ext>
+  </p:extLst>
 </p:presentation>
 </file>
 
@@ -272,7 +280,7 @@
           <a:p>
             <a:fld id="{11841B7E-D9DB-4FF3-B314-935473DD573A}" type="datetimeFigureOut">
               <a:rPr lang="en-GB" smtClean="0"/>
-              <a:t>18/02/2021</a:t>
+              <a:t>19/02/2021</a:t>
             </a:fld>
             <a:endParaRPr lang="en-GB"/>
           </a:p>
@@ -472,7 +480,7 @@
           <a:p>
             <a:fld id="{11841B7E-D9DB-4FF3-B314-935473DD573A}" type="datetimeFigureOut">
               <a:rPr lang="en-GB" smtClean="0"/>
-              <a:t>18/02/2021</a:t>
+              <a:t>19/02/2021</a:t>
             </a:fld>
             <a:endParaRPr lang="en-GB"/>
           </a:p>
@@ -682,7 +690,7 @@
           <a:p>
             <a:fld id="{11841B7E-D9DB-4FF3-B314-935473DD573A}" type="datetimeFigureOut">
               <a:rPr lang="en-GB" smtClean="0"/>
-              <a:t>18/02/2021</a:t>
+              <a:t>19/02/2021</a:t>
             </a:fld>
             <a:endParaRPr lang="en-GB"/>
           </a:p>
@@ -882,7 +890,7 @@
           <a:p>
             <a:fld id="{11841B7E-D9DB-4FF3-B314-935473DD573A}" type="datetimeFigureOut">
               <a:rPr lang="en-GB" smtClean="0"/>
-              <a:t>18/02/2021</a:t>
+              <a:t>19/02/2021</a:t>
             </a:fld>
             <a:endParaRPr lang="en-GB"/>
           </a:p>
@@ -1158,7 +1166,7 @@
           <a:p>
             <a:fld id="{11841B7E-D9DB-4FF3-B314-935473DD573A}" type="datetimeFigureOut">
               <a:rPr lang="en-GB" smtClean="0"/>
-              <a:t>18/02/2021</a:t>
+              <a:t>19/02/2021</a:t>
             </a:fld>
             <a:endParaRPr lang="en-GB"/>
           </a:p>
@@ -1426,7 +1434,7 @@
           <a:p>
             <a:fld id="{11841B7E-D9DB-4FF3-B314-935473DD573A}" type="datetimeFigureOut">
               <a:rPr lang="en-GB" smtClean="0"/>
-              <a:t>18/02/2021</a:t>
+              <a:t>19/02/2021</a:t>
             </a:fld>
             <a:endParaRPr lang="en-GB"/>
           </a:p>
@@ -1841,7 +1849,7 @@
           <a:p>
             <a:fld id="{11841B7E-D9DB-4FF3-B314-935473DD573A}" type="datetimeFigureOut">
               <a:rPr lang="en-GB" smtClean="0"/>
-              <a:t>18/02/2021</a:t>
+              <a:t>19/02/2021</a:t>
             </a:fld>
             <a:endParaRPr lang="en-GB"/>
           </a:p>
@@ -1983,7 +1991,7 @@
           <a:p>
             <a:fld id="{11841B7E-D9DB-4FF3-B314-935473DD573A}" type="datetimeFigureOut">
               <a:rPr lang="en-GB" smtClean="0"/>
-              <a:t>18/02/2021</a:t>
+              <a:t>19/02/2021</a:t>
             </a:fld>
             <a:endParaRPr lang="en-GB"/>
           </a:p>
@@ -2096,7 +2104,7 @@
           <a:p>
             <a:fld id="{11841B7E-D9DB-4FF3-B314-935473DD573A}" type="datetimeFigureOut">
               <a:rPr lang="en-GB" smtClean="0"/>
-              <a:t>18/02/2021</a:t>
+              <a:t>19/02/2021</a:t>
             </a:fld>
             <a:endParaRPr lang="en-GB"/>
           </a:p>
@@ -2409,7 +2417,7 @@
           <a:p>
             <a:fld id="{11841B7E-D9DB-4FF3-B314-935473DD573A}" type="datetimeFigureOut">
               <a:rPr lang="en-GB" smtClean="0"/>
-              <a:t>18/02/2021</a:t>
+              <a:t>19/02/2021</a:t>
             </a:fld>
             <a:endParaRPr lang="en-GB"/>
           </a:p>
@@ -2698,7 +2706,7 @@
           <a:p>
             <a:fld id="{11841B7E-D9DB-4FF3-B314-935473DD573A}" type="datetimeFigureOut">
               <a:rPr lang="en-GB" smtClean="0"/>
-              <a:t>18/02/2021</a:t>
+              <a:t>19/02/2021</a:t>
             </a:fld>
             <a:endParaRPr lang="en-GB"/>
           </a:p>
@@ -2941,7 +2949,7 @@
           <a:p>
             <a:fld id="{11841B7E-D9DB-4FF3-B314-935473DD573A}" type="datetimeFigureOut">
               <a:rPr lang="en-GB" smtClean="0"/>
-              <a:t>18/02/2021</a:t>
+              <a:t>19/02/2021</a:t>
             </a:fld>
             <a:endParaRPr lang="en-GB"/>
           </a:p>
@@ -3451,6 +3459,118 @@
           <p:cNvPr id="2" name="Title 1">
             <a:extLst>
               <a:ext uri="{FF2B5EF4-FFF2-40B4-BE49-F238E27FC236}">
+                <a16:creationId xmlns:a16="http://schemas.microsoft.com/office/drawing/2014/main" id="{0E38578D-012D-4975-9925-7B7CE723501F}"/>
+              </a:ext>
+            </a:extLst>
+          </p:cNvPr>
+          <p:cNvSpPr>
+            <a:spLocks noGrp="1"/>
+          </p:cNvSpPr>
+          <p:nvPr>
+            <p:ph type="ctrTitle"/>
+          </p:nvPr>
+        </p:nvSpPr>
+        <p:spPr/>
+        <p:txBody>
+          <a:bodyPr/>
+          <a:lstStyle/>
+          <a:p>
+            <a:r>
+              <a:rPr lang="nl-NL" dirty="0" err="1"/>
+              <a:t>Wilcoxon</a:t>
+            </a:r>
+            <a:endParaRPr lang="en-GB" dirty="0"/>
+          </a:p>
+        </p:txBody>
+      </p:sp>
+      <p:sp>
+        <p:nvSpPr>
+          <p:cNvPr id="3" name="Subtitle 2">
+            <a:extLst>
+              <a:ext uri="{FF2B5EF4-FFF2-40B4-BE49-F238E27FC236}">
+                <a16:creationId xmlns:a16="http://schemas.microsoft.com/office/drawing/2014/main" id="{D4711863-5B31-485A-9E72-B4B3FD996FDB}"/>
+              </a:ext>
+            </a:extLst>
+          </p:cNvPr>
+          <p:cNvSpPr>
+            <a:spLocks noGrp="1"/>
+          </p:cNvSpPr>
+          <p:nvPr>
+            <p:ph type="subTitle" idx="1"/>
+          </p:nvPr>
+        </p:nvSpPr>
+        <p:spPr/>
+        <p:txBody>
+          <a:bodyPr/>
+          <a:lstStyle/>
+          <a:p>
+            <a:r>
+              <a:rPr lang="nl-NL" dirty="0" err="1"/>
+              <a:t>Only</a:t>
+            </a:r>
+            <a:r>
+              <a:rPr lang="nl-NL" dirty="0"/>
+              <a:t>: </a:t>
+            </a:r>
+            <a:r>
+              <a:rPr lang="nl-NL" dirty="0" err="1"/>
+              <a:t>Lipoprotein</a:t>
+            </a:r>
+            <a:r>
+              <a:rPr lang="nl-NL" dirty="0"/>
+              <a:t> </a:t>
+            </a:r>
+            <a:r>
+              <a:rPr lang="nl-NL" dirty="0" err="1"/>
+              <a:t>Main</a:t>
+            </a:r>
+            <a:r>
+              <a:rPr lang="nl-NL" dirty="0"/>
+              <a:t> </a:t>
+            </a:r>
+            <a:r>
+              <a:rPr lang="nl-NL" dirty="0" err="1"/>
+              <a:t>Fractions</a:t>
+            </a:r>
+            <a:endParaRPr lang="en-GB" dirty="0"/>
+          </a:p>
+        </p:txBody>
+      </p:sp>
+    </p:spTree>
+    <p:extLst>
+      <p:ext uri="{BB962C8B-B14F-4D97-AF65-F5344CB8AC3E}">
+        <p14:creationId xmlns:p14="http://schemas.microsoft.com/office/powerpoint/2010/main" val="2637551100"/>
+      </p:ext>
+    </p:extLst>
+  </p:cSld>
+  <p:clrMapOvr>
+    <a:masterClrMapping/>
+  </p:clrMapOvr>
+</p:sld>
+</file>
+
+<file path=ppt/slides/slide11.xml><?xml version="1.0" encoding="utf-8"?>
+<p:sld xmlns:a="http://schemas.openxmlformats.org/drawingml/2006/main" xmlns:r="http://schemas.openxmlformats.org/officeDocument/2006/relationships" xmlns:p="http://schemas.openxmlformats.org/presentationml/2006/main">
+  <p:cSld>
+    <p:spTree>
+      <p:nvGrpSpPr>
+        <p:cNvPr id="1" name=""/>
+        <p:cNvGrpSpPr/>
+        <p:nvPr/>
+      </p:nvGrpSpPr>
+      <p:grpSpPr>
+        <a:xfrm>
+          <a:off x="0" y="0"/>
+          <a:ext cx="0" cy="0"/>
+          <a:chOff x="0" y="0"/>
+          <a:chExt cx="0" cy="0"/>
+        </a:xfrm>
+      </p:grpSpPr>
+      <p:sp>
+        <p:nvSpPr>
+          <p:cNvPr id="2" name="Title 1">
+            <a:extLst>
+              <a:ext uri="{FF2B5EF4-FFF2-40B4-BE49-F238E27FC236}">
                 <a16:creationId xmlns:a16="http://schemas.microsoft.com/office/drawing/2014/main" id="{A4DBB473-F6C9-4D4D-9633-C365A2473601}"/>
               </a:ext>
             </a:extLst>
@@ -3539,7 +3659,7 @@
 </p:sld>
 </file>
 
-<file path=ppt/slides/slide11.xml><?xml version="1.0" encoding="utf-8"?>
+<file path=ppt/slides/slide12.xml><?xml version="1.0" encoding="utf-8"?>
 <p:sld xmlns:a="http://schemas.openxmlformats.org/drawingml/2006/main" xmlns:r="http://schemas.openxmlformats.org/officeDocument/2006/relationships" xmlns:p="http://schemas.openxmlformats.org/presentationml/2006/main">
   <p:cSld>
     <p:spTree>
@@ -3561,6 +3681,331 @@
           <p:cNvPr id="2" name="Title 1">
             <a:extLst>
               <a:ext uri="{FF2B5EF4-FFF2-40B4-BE49-F238E27FC236}">
+                <a16:creationId xmlns:a16="http://schemas.microsoft.com/office/drawing/2014/main" id="{F91311AA-6D9F-4C0F-A923-3C06389449F6}"/>
+              </a:ext>
+            </a:extLst>
+          </p:cNvPr>
+          <p:cNvSpPr>
+            <a:spLocks noGrp="1"/>
+          </p:cNvSpPr>
+          <p:nvPr>
+            <p:ph type="ctrTitle"/>
+          </p:nvPr>
+        </p:nvSpPr>
+        <p:spPr/>
+        <p:txBody>
+          <a:bodyPr/>
+          <a:lstStyle/>
+          <a:p>
+            <a:r>
+              <a:rPr lang="nl-NL" dirty="0"/>
+              <a:t>Random </a:t>
+            </a:r>
+            <a:r>
+              <a:rPr lang="nl-NL" dirty="0" err="1"/>
+              <a:t>Forest</a:t>
+            </a:r>
+            <a:endParaRPr lang="en-GB" dirty="0"/>
+          </a:p>
+        </p:txBody>
+      </p:sp>
+      <p:sp>
+        <p:nvSpPr>
+          <p:cNvPr id="3" name="Subtitle 2">
+            <a:extLst>
+              <a:ext uri="{FF2B5EF4-FFF2-40B4-BE49-F238E27FC236}">
+                <a16:creationId xmlns:a16="http://schemas.microsoft.com/office/drawing/2014/main" id="{BF796E3C-42F6-4383-AF5E-698EDE8C39B1}"/>
+              </a:ext>
+            </a:extLst>
+          </p:cNvPr>
+          <p:cNvSpPr>
+            <a:spLocks noGrp="1"/>
+          </p:cNvSpPr>
+          <p:nvPr>
+            <p:ph type="subTitle" idx="1"/>
+          </p:nvPr>
+        </p:nvSpPr>
+        <p:spPr/>
+        <p:txBody>
+          <a:bodyPr/>
+          <a:lstStyle/>
+          <a:p>
+            <a:r>
+              <a:rPr lang="nl-NL" dirty="0" err="1"/>
+              <a:t>Only</a:t>
+            </a:r>
+            <a:r>
+              <a:rPr lang="nl-NL" dirty="0"/>
+              <a:t> </a:t>
+            </a:r>
+            <a:r>
+              <a:rPr lang="nl-NL" dirty="0" err="1"/>
+              <a:t>Lipoprotein</a:t>
+            </a:r>
+            <a:r>
+              <a:rPr lang="nl-NL" dirty="0"/>
+              <a:t> </a:t>
+            </a:r>
+            <a:r>
+              <a:rPr lang="nl-NL" dirty="0" err="1"/>
+              <a:t>Main</a:t>
+            </a:r>
+            <a:r>
+              <a:rPr lang="nl-NL" dirty="0"/>
+              <a:t> </a:t>
+            </a:r>
+            <a:r>
+              <a:rPr lang="nl-NL" dirty="0" err="1"/>
+              <a:t>Fractions</a:t>
+            </a:r>
+            <a:endParaRPr lang="en-GB" dirty="0"/>
+          </a:p>
+        </p:txBody>
+      </p:sp>
+    </p:spTree>
+    <p:extLst>
+      <p:ext uri="{BB962C8B-B14F-4D97-AF65-F5344CB8AC3E}">
+        <p14:creationId xmlns:p14="http://schemas.microsoft.com/office/powerpoint/2010/main" val="2732764209"/>
+      </p:ext>
+    </p:extLst>
+  </p:cSld>
+  <p:clrMapOvr>
+    <a:masterClrMapping/>
+  </p:clrMapOvr>
+</p:sld>
+</file>
+
+<file path=ppt/slides/slide13.xml><?xml version="1.0" encoding="utf-8"?>
+<p:sld xmlns:a="http://schemas.openxmlformats.org/drawingml/2006/main" xmlns:r="http://schemas.openxmlformats.org/officeDocument/2006/relationships" xmlns:p="http://schemas.openxmlformats.org/presentationml/2006/main">
+  <p:cSld>
+    <p:spTree>
+      <p:nvGrpSpPr>
+        <p:cNvPr id="1" name=""/>
+        <p:cNvGrpSpPr/>
+        <p:nvPr/>
+      </p:nvGrpSpPr>
+      <p:grpSpPr>
+        <a:xfrm>
+          <a:off x="0" y="0"/>
+          <a:ext cx="0" cy="0"/>
+          <a:chOff x="0" y="0"/>
+          <a:chExt cx="0" cy="0"/>
+        </a:xfrm>
+      </p:grpSpPr>
+      <p:sp>
+        <p:nvSpPr>
+          <p:cNvPr id="2" name="Title 1">
+            <a:extLst>
+              <a:ext uri="{FF2B5EF4-FFF2-40B4-BE49-F238E27FC236}">
+                <a16:creationId xmlns:a16="http://schemas.microsoft.com/office/drawing/2014/main" id="{B32702EB-928A-45ED-A536-25B7A89F3B12}"/>
+              </a:ext>
+            </a:extLst>
+          </p:cNvPr>
+          <p:cNvSpPr>
+            <a:spLocks noGrp="1"/>
+          </p:cNvSpPr>
+          <p:nvPr>
+            <p:ph type="title"/>
+          </p:nvPr>
+        </p:nvSpPr>
+        <p:spPr/>
+        <p:txBody>
+          <a:bodyPr/>
+          <a:lstStyle/>
+          <a:p>
+            <a:pPr algn="ctr"/>
+            <a:r>
+              <a:rPr lang="nl-NL" dirty="0"/>
+              <a:t>Random </a:t>
+            </a:r>
+            <a:r>
+              <a:rPr lang="nl-NL" dirty="0" err="1"/>
+              <a:t>Forest</a:t>
+            </a:r>
+            <a:endParaRPr lang="en-GB" dirty="0"/>
+          </a:p>
+        </p:txBody>
+      </p:sp>
+      <p:sp>
+        <p:nvSpPr>
+          <p:cNvPr id="3" name="Content Placeholder 2">
+            <a:extLst>
+              <a:ext uri="{FF2B5EF4-FFF2-40B4-BE49-F238E27FC236}">
+                <a16:creationId xmlns:a16="http://schemas.microsoft.com/office/drawing/2014/main" id="{2CC461EF-BB81-4D3C-AD18-819545C6B1CD}"/>
+              </a:ext>
+            </a:extLst>
+          </p:cNvPr>
+          <p:cNvSpPr>
+            <a:spLocks noGrp="1"/>
+          </p:cNvSpPr>
+          <p:nvPr>
+            <p:ph idx="1"/>
+          </p:nvPr>
+        </p:nvSpPr>
+        <p:spPr/>
+        <p:txBody>
+          <a:bodyPr/>
+          <a:lstStyle/>
+          <a:p>
+            <a:endParaRPr lang="en-GB"/>
+          </a:p>
+        </p:txBody>
+      </p:sp>
+      <p:pic>
+        <p:nvPicPr>
+          <p:cNvPr id="5" name="Picture 4">
+            <a:extLst>
+              <a:ext uri="{FF2B5EF4-FFF2-40B4-BE49-F238E27FC236}">
+                <a16:creationId xmlns:a16="http://schemas.microsoft.com/office/drawing/2014/main" id="{976DC88E-6624-4631-A578-8198A0910B15}"/>
+              </a:ext>
+            </a:extLst>
+          </p:cNvPr>
+          <p:cNvPicPr>
+            <a:picLocks noChangeAspect="1"/>
+          </p:cNvPicPr>
+          <p:nvPr/>
+        </p:nvPicPr>
+        <p:blipFill>
+          <a:blip r:embed="rId2"/>
+          <a:stretch>
+            <a:fillRect/>
+          </a:stretch>
+        </p:blipFill>
+        <p:spPr>
+          <a:xfrm>
+            <a:off x="0" y="1530219"/>
+            <a:ext cx="5400000" cy="1581376"/>
+          </a:xfrm>
+          <a:prstGeom prst="rect">
+            <a:avLst/>
+          </a:prstGeom>
+        </p:spPr>
+      </p:pic>
+      <p:pic>
+        <p:nvPicPr>
+          <p:cNvPr id="7" name="Picture 6">
+            <a:extLst>
+              <a:ext uri="{FF2B5EF4-FFF2-40B4-BE49-F238E27FC236}">
+                <a16:creationId xmlns:a16="http://schemas.microsoft.com/office/drawing/2014/main" id="{2ECA9882-230F-4411-9B84-B92A1A0EC72F}"/>
+              </a:ext>
+            </a:extLst>
+          </p:cNvPr>
+          <p:cNvPicPr>
+            <a:picLocks noChangeAspect="1"/>
+          </p:cNvPicPr>
+          <p:nvPr/>
+        </p:nvPicPr>
+        <p:blipFill>
+          <a:blip r:embed="rId3"/>
+          <a:stretch>
+            <a:fillRect/>
+          </a:stretch>
+        </p:blipFill>
+        <p:spPr>
+          <a:xfrm>
+            <a:off x="6792000" y="1436492"/>
+            <a:ext cx="5400000" cy="1675103"/>
+          </a:xfrm>
+          <a:prstGeom prst="rect">
+            <a:avLst/>
+          </a:prstGeom>
+        </p:spPr>
+      </p:pic>
+      <p:pic>
+        <p:nvPicPr>
+          <p:cNvPr id="9" name="Picture 8">
+            <a:extLst>
+              <a:ext uri="{FF2B5EF4-FFF2-40B4-BE49-F238E27FC236}">
+                <a16:creationId xmlns:a16="http://schemas.microsoft.com/office/drawing/2014/main" id="{7C6D8E62-A83C-48A1-9226-9FAB6C636388}"/>
+              </a:ext>
+            </a:extLst>
+          </p:cNvPr>
+          <p:cNvPicPr>
+            <a:picLocks noChangeAspect="1"/>
+          </p:cNvPicPr>
+          <p:nvPr/>
+        </p:nvPicPr>
+        <p:blipFill>
+          <a:blip r:embed="rId4"/>
+          <a:stretch>
+            <a:fillRect/>
+          </a:stretch>
+        </p:blipFill>
+        <p:spPr>
+          <a:xfrm>
+            <a:off x="0" y="3938849"/>
+            <a:ext cx="5400000" cy="1865455"/>
+          </a:xfrm>
+          <a:prstGeom prst="rect">
+            <a:avLst/>
+          </a:prstGeom>
+        </p:spPr>
+      </p:pic>
+      <p:pic>
+        <p:nvPicPr>
+          <p:cNvPr id="11" name="Picture 10">
+            <a:extLst>
+              <a:ext uri="{FF2B5EF4-FFF2-40B4-BE49-F238E27FC236}">
+                <a16:creationId xmlns:a16="http://schemas.microsoft.com/office/drawing/2014/main" id="{2FA86100-14E6-4727-BF31-3DC65F6D1A8F}"/>
+              </a:ext>
+            </a:extLst>
+          </p:cNvPr>
+          <p:cNvPicPr>
+            <a:picLocks noChangeAspect="1"/>
+          </p:cNvPicPr>
+          <p:nvPr/>
+        </p:nvPicPr>
+        <p:blipFill>
+          <a:blip r:embed="rId5"/>
+          <a:stretch>
+            <a:fillRect/>
+          </a:stretch>
+        </p:blipFill>
+        <p:spPr>
+          <a:xfrm>
+            <a:off x="6792000" y="4126127"/>
+            <a:ext cx="5400000" cy="1678177"/>
+          </a:xfrm>
+          <a:prstGeom prst="rect">
+            <a:avLst/>
+          </a:prstGeom>
+        </p:spPr>
+      </p:pic>
+    </p:spTree>
+    <p:extLst>
+      <p:ext uri="{BB962C8B-B14F-4D97-AF65-F5344CB8AC3E}">
+        <p14:creationId xmlns:p14="http://schemas.microsoft.com/office/powerpoint/2010/main" val="1899961975"/>
+      </p:ext>
+    </p:extLst>
+  </p:cSld>
+  <p:clrMapOvr>
+    <a:masterClrMapping/>
+  </p:clrMapOvr>
+</p:sld>
+</file>
+
+<file path=ppt/slides/slide14.xml><?xml version="1.0" encoding="utf-8"?>
+<p:sld xmlns:a="http://schemas.openxmlformats.org/drawingml/2006/main" xmlns:r="http://schemas.openxmlformats.org/officeDocument/2006/relationships" xmlns:p="http://schemas.openxmlformats.org/presentationml/2006/main">
+  <p:cSld>
+    <p:spTree>
+      <p:nvGrpSpPr>
+        <p:cNvPr id="1" name=""/>
+        <p:cNvGrpSpPr/>
+        <p:nvPr/>
+      </p:nvGrpSpPr>
+      <p:grpSpPr>
+        <a:xfrm>
+          <a:off x="0" y="0"/>
+          <a:ext cx="0" cy="0"/>
+          <a:chOff x="0" y="0"/>
+          <a:chExt cx="0" cy="0"/>
+        </a:xfrm>
+      </p:grpSpPr>
+      <p:sp>
+        <p:nvSpPr>
+          <p:cNvPr id="2" name="Title 1">
+            <a:extLst>
+              <a:ext uri="{FF2B5EF4-FFF2-40B4-BE49-F238E27FC236}">
                 <a16:creationId xmlns:a16="http://schemas.microsoft.com/office/drawing/2014/main" id="{F160B8E8-41A5-40C6-8851-99D34325CED8}"/>
               </a:ext>
             </a:extLst>
@@ -3610,7 +4055,35 @@
           <a:bodyPr/>
           <a:lstStyle/>
           <a:p>
-            <a:endParaRPr lang="en-GB"/>
+            <a:r>
+              <a:rPr lang="nl-NL" dirty="0" err="1"/>
+              <a:t>Only</a:t>
+            </a:r>
+            <a:r>
+              <a:rPr lang="nl-NL" dirty="0"/>
+              <a:t>: </a:t>
+            </a:r>
+            <a:r>
+              <a:rPr lang="nl-NL" dirty="0" err="1"/>
+              <a:t>Lipoprotein</a:t>
+            </a:r>
+            <a:r>
+              <a:rPr lang="nl-NL" dirty="0"/>
+              <a:t> </a:t>
+            </a:r>
+            <a:r>
+              <a:rPr lang="nl-NL" dirty="0" err="1"/>
+              <a:t>Main</a:t>
+            </a:r>
+            <a:r>
+              <a:rPr lang="nl-NL" dirty="0"/>
+              <a:t> </a:t>
+            </a:r>
+            <a:r>
+              <a:rPr lang="nl-NL" dirty="0" err="1"/>
+              <a:t>Fractions</a:t>
+            </a:r>
+            <a:endParaRPr lang="en-GB" dirty="0"/>
           </a:p>
         </p:txBody>
       </p:sp>
@@ -3627,7 +4100,7 @@
 </p:sld>
 </file>
 
-<file path=ppt/slides/slide12.xml><?xml version="1.0" encoding="utf-8"?>
+<file path=ppt/slides/slide15.xml><?xml version="1.0" encoding="utf-8"?>
 <p:sld xmlns:a="http://schemas.openxmlformats.org/drawingml/2006/main" xmlns:r="http://schemas.openxmlformats.org/officeDocument/2006/relationships" xmlns:p="http://schemas.openxmlformats.org/presentationml/2006/main">
   <p:cSld>
     <p:spTree>
@@ -3745,7 +4218,7 @@
 </p:sld>
 </file>
 
-<file path=ppt/slides/slide13.xml><?xml version="1.0" encoding="utf-8"?>
+<file path=ppt/slides/slide16.xml><?xml version="1.0" encoding="utf-8"?>
 <p:sld xmlns:a="http://schemas.openxmlformats.org/drawingml/2006/main" xmlns:r="http://schemas.openxmlformats.org/officeDocument/2006/relationships" xmlns:p="http://schemas.openxmlformats.org/presentationml/2006/main">
   <p:cSld>
     <p:spTree>
@@ -3859,7 +4332,7 @@
 </p:sld>
 </file>
 
-<file path=ppt/slides/slide14.xml><?xml version="1.0" encoding="utf-8"?>
+<file path=ppt/slides/slide17.xml><?xml version="1.0" encoding="utf-8"?>
 <p:sld xmlns:a="http://schemas.openxmlformats.org/drawingml/2006/main" xmlns:r="http://schemas.openxmlformats.org/officeDocument/2006/relationships" xmlns:p="http://schemas.openxmlformats.org/presentationml/2006/main">
   <p:cSld>
     <p:spTree>
@@ -3973,7 +4446,7 @@
 </p:sld>
 </file>
 
-<file path=ppt/slides/slide15.xml><?xml version="1.0" encoding="utf-8"?>
+<file path=ppt/slides/slide18.xml><?xml version="1.0" encoding="utf-8"?>
 <p:sld xmlns:a="http://schemas.openxmlformats.org/drawingml/2006/main" xmlns:r="http://schemas.openxmlformats.org/officeDocument/2006/relationships" xmlns:p="http://schemas.openxmlformats.org/presentationml/2006/main">
   <p:cSld>
     <p:spTree>
@@ -4099,7 +4572,7 @@
 </p:sld>
 </file>
 
-<file path=ppt/slides/slide16.xml><?xml version="1.0" encoding="utf-8"?>
+<file path=ppt/slides/slide19.xml><?xml version="1.0" encoding="utf-8"?>
 <p:sld xmlns:a="http://schemas.openxmlformats.org/drawingml/2006/main" xmlns:r="http://schemas.openxmlformats.org/officeDocument/2006/relationships" xmlns:p="http://schemas.openxmlformats.org/presentationml/2006/main">
   <p:cSld>
     <p:spTree>
@@ -4121,7 +4594,7 @@
           <p:cNvPr id="2" name="Title 1">
             <a:extLst>
               <a:ext uri="{FF2B5EF4-FFF2-40B4-BE49-F238E27FC236}">
-                <a16:creationId xmlns:a16="http://schemas.microsoft.com/office/drawing/2014/main" id="{F91311AA-6D9F-4C0F-A923-3C06389449F6}"/>
+                <a16:creationId xmlns:a16="http://schemas.microsoft.com/office/drawing/2014/main" id="{FB291AE7-6B3E-4893-B6DB-3173E79F298B}"/>
               </a:ext>
             </a:extLst>
           </p:cNvPr>
@@ -4139,254 +4612,69 @@
           <a:p>
             <a:r>
               <a:rPr lang="nl-NL" dirty="0"/>
-              <a:t>Random </a:t>
-            </a:r>
+              <a:t>COVSCA</a:t>
+            </a:r>
+            <a:endParaRPr lang="en-GB" dirty="0"/>
+          </a:p>
+        </p:txBody>
+      </p:sp>
+      <p:sp>
+        <p:nvSpPr>
+          <p:cNvPr id="3" name="Subtitle 2">
+            <a:extLst>
+              <a:ext uri="{FF2B5EF4-FFF2-40B4-BE49-F238E27FC236}">
+                <a16:creationId xmlns:a16="http://schemas.microsoft.com/office/drawing/2014/main" id="{7BEE05D5-A717-444F-BBFF-721E19368E52}"/>
+              </a:ext>
+            </a:extLst>
+          </p:cNvPr>
+          <p:cNvSpPr>
+            <a:spLocks noGrp="1"/>
+          </p:cNvSpPr>
+          <p:nvPr>
+            <p:ph type="subTitle" idx="1"/>
+          </p:nvPr>
+        </p:nvSpPr>
+        <p:spPr/>
+        <p:txBody>
+          <a:bodyPr/>
+          <a:lstStyle/>
+          <a:p>
             <a:r>
               <a:rPr lang="nl-NL" dirty="0" err="1"/>
-              <a:t>Forest</a:t>
+              <a:t>Only</a:t>
+            </a:r>
+            <a:r>
+              <a:rPr lang="nl-NL" dirty="0"/>
+              <a:t> </a:t>
+            </a:r>
+            <a:r>
+              <a:rPr lang="nl-NL" dirty="0" err="1"/>
+              <a:t>Lipoprotein</a:t>
+            </a:r>
+            <a:r>
+              <a:rPr lang="nl-NL" dirty="0"/>
+              <a:t> </a:t>
+            </a:r>
+            <a:r>
+              <a:rPr lang="nl-NL" dirty="0" err="1"/>
+              <a:t>Main</a:t>
+            </a:r>
+            <a:r>
+              <a:rPr lang="nl-NL" dirty="0"/>
+              <a:t> </a:t>
+            </a:r>
+            <a:r>
+              <a:rPr lang="nl-NL" dirty="0" err="1"/>
+              <a:t>Fractions</a:t>
             </a:r>
             <a:endParaRPr lang="en-GB" dirty="0"/>
-          </a:p>
-        </p:txBody>
-      </p:sp>
-      <p:sp>
-        <p:nvSpPr>
-          <p:cNvPr id="3" name="Subtitle 2">
-            <a:extLst>
-              <a:ext uri="{FF2B5EF4-FFF2-40B4-BE49-F238E27FC236}">
-                <a16:creationId xmlns:a16="http://schemas.microsoft.com/office/drawing/2014/main" id="{BF796E3C-42F6-4383-AF5E-698EDE8C39B1}"/>
-              </a:ext>
-            </a:extLst>
-          </p:cNvPr>
-          <p:cNvSpPr>
-            <a:spLocks noGrp="1"/>
-          </p:cNvSpPr>
-          <p:nvPr>
-            <p:ph type="subTitle" idx="1"/>
-          </p:nvPr>
-        </p:nvSpPr>
-        <p:spPr/>
-        <p:txBody>
-          <a:bodyPr/>
-          <a:lstStyle/>
-          <a:p>
-            <a:endParaRPr lang="en-GB"/>
           </a:p>
         </p:txBody>
       </p:sp>
     </p:spTree>
     <p:extLst>
       <p:ext uri="{BB962C8B-B14F-4D97-AF65-F5344CB8AC3E}">
-        <p14:creationId xmlns:p14="http://schemas.microsoft.com/office/powerpoint/2010/main" val="2732764209"/>
-      </p:ext>
-    </p:extLst>
-  </p:cSld>
-  <p:clrMapOvr>
-    <a:masterClrMapping/>
-  </p:clrMapOvr>
-</p:sld>
-</file>
-
-<file path=ppt/slides/slide17.xml><?xml version="1.0" encoding="utf-8"?>
-<p:sld xmlns:a="http://schemas.openxmlformats.org/drawingml/2006/main" xmlns:r="http://schemas.openxmlformats.org/officeDocument/2006/relationships" xmlns:p="http://schemas.openxmlformats.org/presentationml/2006/main">
-  <p:cSld>
-    <p:spTree>
-      <p:nvGrpSpPr>
-        <p:cNvPr id="1" name=""/>
-        <p:cNvGrpSpPr/>
-        <p:nvPr/>
-      </p:nvGrpSpPr>
-      <p:grpSpPr>
-        <a:xfrm>
-          <a:off x="0" y="0"/>
-          <a:ext cx="0" cy="0"/>
-          <a:chOff x="0" y="0"/>
-          <a:chExt cx="0" cy="0"/>
-        </a:xfrm>
-      </p:grpSpPr>
-      <p:sp>
-        <p:nvSpPr>
-          <p:cNvPr id="2" name="Title 1">
-            <a:extLst>
-              <a:ext uri="{FF2B5EF4-FFF2-40B4-BE49-F238E27FC236}">
-                <a16:creationId xmlns:a16="http://schemas.microsoft.com/office/drawing/2014/main" id="{B32702EB-928A-45ED-A536-25B7A89F3B12}"/>
-              </a:ext>
-            </a:extLst>
-          </p:cNvPr>
-          <p:cNvSpPr>
-            <a:spLocks noGrp="1"/>
-          </p:cNvSpPr>
-          <p:nvPr>
-            <p:ph type="title"/>
-          </p:nvPr>
-        </p:nvSpPr>
-        <p:spPr/>
-        <p:txBody>
-          <a:bodyPr/>
-          <a:lstStyle/>
-          <a:p>
-            <a:pPr algn="ctr"/>
-            <a:r>
-              <a:rPr lang="nl-NL" dirty="0"/>
-              <a:t>Random </a:t>
-            </a:r>
-            <a:r>
-              <a:rPr lang="nl-NL" dirty="0" err="1"/>
-              <a:t>Forest</a:t>
-            </a:r>
-            <a:endParaRPr lang="en-GB" dirty="0"/>
-          </a:p>
-        </p:txBody>
-      </p:sp>
-      <p:sp>
-        <p:nvSpPr>
-          <p:cNvPr id="3" name="Content Placeholder 2">
-            <a:extLst>
-              <a:ext uri="{FF2B5EF4-FFF2-40B4-BE49-F238E27FC236}">
-                <a16:creationId xmlns:a16="http://schemas.microsoft.com/office/drawing/2014/main" id="{2CC461EF-BB81-4D3C-AD18-819545C6B1CD}"/>
-              </a:ext>
-            </a:extLst>
-          </p:cNvPr>
-          <p:cNvSpPr>
-            <a:spLocks noGrp="1"/>
-          </p:cNvSpPr>
-          <p:nvPr>
-            <p:ph idx="1"/>
-          </p:nvPr>
-        </p:nvSpPr>
-        <p:spPr/>
-        <p:txBody>
-          <a:bodyPr/>
-          <a:lstStyle/>
-          <a:p>
-            <a:endParaRPr lang="en-GB"/>
-          </a:p>
-        </p:txBody>
-      </p:sp>
-      <p:pic>
-        <p:nvPicPr>
-          <p:cNvPr id="5" name="Picture 4">
-            <a:extLst>
-              <a:ext uri="{FF2B5EF4-FFF2-40B4-BE49-F238E27FC236}">
-                <a16:creationId xmlns:a16="http://schemas.microsoft.com/office/drawing/2014/main" id="{976DC88E-6624-4631-A578-8198A0910B15}"/>
-              </a:ext>
-            </a:extLst>
-          </p:cNvPr>
-          <p:cNvPicPr>
-            <a:picLocks noChangeAspect="1"/>
-          </p:cNvPicPr>
-          <p:nvPr/>
-        </p:nvPicPr>
-        <p:blipFill>
-          <a:blip r:embed="rId2"/>
-          <a:stretch>
-            <a:fillRect/>
-          </a:stretch>
-        </p:blipFill>
-        <p:spPr>
-          <a:xfrm>
-            <a:off x="0" y="1530219"/>
-            <a:ext cx="5400000" cy="1581376"/>
-          </a:xfrm>
-          <a:prstGeom prst="rect">
-            <a:avLst/>
-          </a:prstGeom>
-        </p:spPr>
-      </p:pic>
-      <p:pic>
-        <p:nvPicPr>
-          <p:cNvPr id="7" name="Picture 6">
-            <a:extLst>
-              <a:ext uri="{FF2B5EF4-FFF2-40B4-BE49-F238E27FC236}">
-                <a16:creationId xmlns:a16="http://schemas.microsoft.com/office/drawing/2014/main" id="{2ECA9882-230F-4411-9B84-B92A1A0EC72F}"/>
-              </a:ext>
-            </a:extLst>
-          </p:cNvPr>
-          <p:cNvPicPr>
-            <a:picLocks noChangeAspect="1"/>
-          </p:cNvPicPr>
-          <p:nvPr/>
-        </p:nvPicPr>
-        <p:blipFill>
-          <a:blip r:embed="rId3"/>
-          <a:stretch>
-            <a:fillRect/>
-          </a:stretch>
-        </p:blipFill>
-        <p:spPr>
-          <a:xfrm>
-            <a:off x="6792000" y="1436492"/>
-            <a:ext cx="5400000" cy="1675103"/>
-          </a:xfrm>
-          <a:prstGeom prst="rect">
-            <a:avLst/>
-          </a:prstGeom>
-        </p:spPr>
-      </p:pic>
-      <p:pic>
-        <p:nvPicPr>
-          <p:cNvPr id="9" name="Picture 8">
-            <a:extLst>
-              <a:ext uri="{FF2B5EF4-FFF2-40B4-BE49-F238E27FC236}">
-                <a16:creationId xmlns:a16="http://schemas.microsoft.com/office/drawing/2014/main" id="{7C6D8E62-A83C-48A1-9226-9FAB6C636388}"/>
-              </a:ext>
-            </a:extLst>
-          </p:cNvPr>
-          <p:cNvPicPr>
-            <a:picLocks noChangeAspect="1"/>
-          </p:cNvPicPr>
-          <p:nvPr/>
-        </p:nvPicPr>
-        <p:blipFill>
-          <a:blip r:embed="rId4"/>
-          <a:stretch>
-            <a:fillRect/>
-          </a:stretch>
-        </p:blipFill>
-        <p:spPr>
-          <a:xfrm>
-            <a:off x="0" y="3938849"/>
-            <a:ext cx="5400000" cy="1865455"/>
-          </a:xfrm>
-          <a:prstGeom prst="rect">
-            <a:avLst/>
-          </a:prstGeom>
-        </p:spPr>
-      </p:pic>
-      <p:pic>
-        <p:nvPicPr>
-          <p:cNvPr id="11" name="Picture 10">
-            <a:extLst>
-              <a:ext uri="{FF2B5EF4-FFF2-40B4-BE49-F238E27FC236}">
-                <a16:creationId xmlns:a16="http://schemas.microsoft.com/office/drawing/2014/main" id="{2FA86100-14E6-4727-BF31-3DC65F6D1A8F}"/>
-              </a:ext>
-            </a:extLst>
-          </p:cNvPr>
-          <p:cNvPicPr>
-            <a:picLocks noChangeAspect="1"/>
-          </p:cNvPicPr>
-          <p:nvPr/>
-        </p:nvPicPr>
-        <p:blipFill>
-          <a:blip r:embed="rId5"/>
-          <a:stretch>
-            <a:fillRect/>
-          </a:stretch>
-        </p:blipFill>
-        <p:spPr>
-          <a:xfrm>
-            <a:off x="6792000" y="4126127"/>
-            <a:ext cx="5400000" cy="1678177"/>
-          </a:xfrm>
-          <a:prstGeom prst="rect">
-            <a:avLst/>
-          </a:prstGeom>
-        </p:spPr>
-      </p:pic>
-    </p:spTree>
-    <p:extLst>
-      <p:ext uri="{BB962C8B-B14F-4D97-AF65-F5344CB8AC3E}">
-        <p14:creationId xmlns:p14="http://schemas.microsoft.com/office/powerpoint/2010/main" val="1899961975"/>
+        <p14:creationId xmlns:p14="http://schemas.microsoft.com/office/powerpoint/2010/main" val="1156986223"/>
       </p:ext>
     </p:extLst>
   </p:cSld>
@@ -4513,6 +4801,116 @@
     <p:extLst>
       <p:ext uri="{BB962C8B-B14F-4D97-AF65-F5344CB8AC3E}">
         <p14:creationId xmlns:p14="http://schemas.microsoft.com/office/powerpoint/2010/main" val="836000896"/>
+      </p:ext>
+    </p:extLst>
+  </p:cSld>
+  <p:clrMapOvr>
+    <a:masterClrMapping/>
+  </p:clrMapOvr>
+</p:sld>
+</file>
+
+<file path=ppt/slides/slide20.xml><?xml version="1.0" encoding="utf-8"?>
+<p:sld xmlns:a="http://schemas.openxmlformats.org/drawingml/2006/main" xmlns:r="http://schemas.openxmlformats.org/officeDocument/2006/relationships" xmlns:p="http://schemas.openxmlformats.org/presentationml/2006/main">
+  <p:cSld>
+    <p:spTree>
+      <p:nvGrpSpPr>
+        <p:cNvPr id="1" name=""/>
+        <p:cNvGrpSpPr/>
+        <p:nvPr/>
+      </p:nvGrpSpPr>
+      <p:grpSpPr>
+        <a:xfrm>
+          <a:off x="0" y="0"/>
+          <a:ext cx="0" cy="0"/>
+          <a:chOff x="0" y="0"/>
+          <a:chExt cx="0" cy="0"/>
+        </a:xfrm>
+      </p:grpSpPr>
+      <p:sp>
+        <p:nvSpPr>
+          <p:cNvPr id="2" name="Title 1">
+            <a:extLst>
+              <a:ext uri="{FF2B5EF4-FFF2-40B4-BE49-F238E27FC236}">
+                <a16:creationId xmlns:a16="http://schemas.microsoft.com/office/drawing/2014/main" id="{712D02E1-62D8-4060-A127-7FB5DB7260D3}"/>
+              </a:ext>
+            </a:extLst>
+          </p:cNvPr>
+          <p:cNvSpPr>
+            <a:spLocks noGrp="1"/>
+          </p:cNvSpPr>
+          <p:nvPr>
+            <p:ph type="title"/>
+          </p:nvPr>
+        </p:nvSpPr>
+        <p:spPr/>
+        <p:txBody>
+          <a:bodyPr/>
+          <a:lstStyle/>
+          <a:p>
+            <a:endParaRPr lang="en-GB"/>
+          </a:p>
+        </p:txBody>
+      </p:sp>
+      <p:sp>
+        <p:nvSpPr>
+          <p:cNvPr id="3" name="Content Placeholder 2">
+            <a:extLst>
+              <a:ext uri="{FF2B5EF4-FFF2-40B4-BE49-F238E27FC236}">
+                <a16:creationId xmlns:a16="http://schemas.microsoft.com/office/drawing/2014/main" id="{36BF2B10-4382-439F-AD45-C437FEFCD091}"/>
+              </a:ext>
+            </a:extLst>
+          </p:cNvPr>
+          <p:cNvSpPr>
+            <a:spLocks noGrp="1"/>
+          </p:cNvSpPr>
+          <p:nvPr>
+            <p:ph idx="1"/>
+          </p:nvPr>
+        </p:nvSpPr>
+        <p:spPr/>
+        <p:txBody>
+          <a:bodyPr/>
+          <a:lstStyle/>
+          <a:p>
+            <a:endParaRPr lang="en-GB"/>
+          </a:p>
+        </p:txBody>
+      </p:sp>
+      <p:pic>
+        <p:nvPicPr>
+          <p:cNvPr id="5" name="Picture 4">
+            <a:extLst>
+              <a:ext uri="{FF2B5EF4-FFF2-40B4-BE49-F238E27FC236}">
+                <a16:creationId xmlns:a16="http://schemas.microsoft.com/office/drawing/2014/main" id="{FCAC08E3-F7C1-43DE-9EA9-E76FED33A1B8}"/>
+              </a:ext>
+            </a:extLst>
+          </p:cNvPr>
+          <p:cNvPicPr>
+            <a:picLocks noChangeAspect="1"/>
+          </p:cNvPicPr>
+          <p:nvPr/>
+        </p:nvPicPr>
+        <p:blipFill>
+          <a:blip r:embed="rId2"/>
+          <a:stretch>
+            <a:fillRect/>
+          </a:stretch>
+        </p:blipFill>
+        <p:spPr>
+          <a:xfrm>
+            <a:off x="2338387" y="366712"/>
+            <a:ext cx="7515225" cy="6124575"/>
+          </a:xfrm>
+          <a:prstGeom prst="rect">
+            <a:avLst/>
+          </a:prstGeom>
+        </p:spPr>
+      </p:pic>
+    </p:spTree>
+    <p:extLst>
+      <p:ext uri="{BB962C8B-B14F-4D97-AF65-F5344CB8AC3E}">
+        <p14:creationId xmlns:p14="http://schemas.microsoft.com/office/powerpoint/2010/main" val="1139815667"/>
       </p:ext>
     </p:extLst>
   </p:cSld>
@@ -5317,7 +5715,15 @@
             <a:pPr algn="ctr"/>
             <a:r>
               <a:rPr lang="nl-NL" dirty="0"/>
-              <a:t>PCA</a:t>
+              <a:t>PCA (</a:t>
+            </a:r>
+            <a:r>
+              <a:rPr lang="nl-NL" dirty="0" err="1"/>
+              <a:t>all</a:t>
+            </a:r>
+            <a:r>
+              <a:rPr lang="nl-NL" dirty="0"/>
+              <a:t> data)</a:t>
             </a:r>
             <a:endParaRPr lang="en-GB" dirty="0"/>
           </a:p>
@@ -5473,25 +5879,58 @@
           <p:cNvPr id="2" name="Title 1">
             <a:extLst>
               <a:ext uri="{FF2B5EF4-FFF2-40B4-BE49-F238E27FC236}">
-                <a16:creationId xmlns:a16="http://schemas.microsoft.com/office/drawing/2014/main" id="{0E38578D-012D-4975-9925-7B7CE723501F}"/>
-              </a:ext>
-            </a:extLst>
-          </p:cNvPr>
-          <p:cNvSpPr>
-            <a:spLocks noGrp="1"/>
-          </p:cNvSpPr>
-          <p:nvPr>
-            <p:ph type="ctrTitle"/>
-          </p:nvPr>
-        </p:nvSpPr>
-        <p:spPr/>
-        <p:txBody>
-          <a:bodyPr/>
-          <a:lstStyle/>
-          <a:p>
+                <a16:creationId xmlns:a16="http://schemas.microsoft.com/office/drawing/2014/main" id="{451496A1-84FE-49B7-BCAF-B2BC121BA19E}"/>
+              </a:ext>
+            </a:extLst>
+          </p:cNvPr>
+          <p:cNvSpPr>
+            <a:spLocks noGrp="1"/>
+          </p:cNvSpPr>
+          <p:nvPr>
+            <p:ph type="title"/>
+          </p:nvPr>
+        </p:nvSpPr>
+        <p:spPr/>
+        <p:txBody>
+          <a:bodyPr/>
+          <a:lstStyle/>
+          <a:p>
+            <a:pPr algn="ctr"/>
+            <a:r>
+              <a:rPr lang="nl-NL" dirty="0"/>
+              <a:t>PCA (</a:t>
+            </a:r>
             <a:r>
               <a:rPr lang="nl-NL" dirty="0" err="1"/>
-              <a:t>Wilcoxon</a:t>
+              <a:t>only</a:t>
+            </a:r>
+            <a:r>
+              <a:rPr lang="nl-NL" dirty="0"/>
+              <a:t> </a:t>
+            </a:r>
+            <a:r>
+              <a:rPr lang="nl-NL" dirty="0" err="1"/>
+              <a:t>Lipoprotein</a:t>
+            </a:r>
+            <a:r>
+              <a:rPr lang="nl-NL" dirty="0"/>
+              <a:t> </a:t>
+            </a:r>
+            <a:r>
+              <a:rPr lang="nl-NL" dirty="0" err="1"/>
+              <a:t>Main</a:t>
+            </a:r>
+            <a:r>
+              <a:rPr lang="nl-NL" dirty="0"/>
+              <a:t> </a:t>
+            </a:r>
+            <a:r>
+              <a:rPr lang="nl-NL" dirty="0" err="1"/>
+              <a:t>Fractions</a:t>
+            </a:r>
+            <a:r>
+              <a:rPr lang="nl-NL" dirty="0"/>
+              <a:t>)</a:t>
             </a:r>
             <a:endParaRPr lang="en-GB" dirty="0"/>
           </a:p>
@@ -5499,33 +5938,138 @@
       </p:sp>
       <p:sp>
         <p:nvSpPr>
-          <p:cNvPr id="3" name="Subtitle 2">
-            <a:extLst>
-              <a:ext uri="{FF2B5EF4-FFF2-40B4-BE49-F238E27FC236}">
-                <a16:creationId xmlns:a16="http://schemas.microsoft.com/office/drawing/2014/main" id="{D4711863-5B31-485A-9E72-B4B3FD996FDB}"/>
-              </a:ext>
-            </a:extLst>
-          </p:cNvPr>
-          <p:cNvSpPr>
-            <a:spLocks noGrp="1"/>
-          </p:cNvSpPr>
-          <p:nvPr>
-            <p:ph type="subTitle" idx="1"/>
-          </p:nvPr>
-        </p:nvSpPr>
-        <p:spPr/>
-        <p:txBody>
-          <a:bodyPr/>
-          <a:lstStyle/>
-          <a:p>
-            <a:endParaRPr lang="en-GB"/>
-          </a:p>
-        </p:txBody>
-      </p:sp>
+          <p:cNvPr id="3" name="Content Placeholder 2">
+            <a:extLst>
+              <a:ext uri="{FF2B5EF4-FFF2-40B4-BE49-F238E27FC236}">
+                <a16:creationId xmlns:a16="http://schemas.microsoft.com/office/drawing/2014/main" id="{36E84A6C-4472-4396-A4D5-1AB7E31A9FD5}"/>
+              </a:ext>
+            </a:extLst>
+          </p:cNvPr>
+          <p:cNvSpPr>
+            <a:spLocks noGrp="1"/>
+          </p:cNvSpPr>
+          <p:nvPr>
+            <p:ph idx="1"/>
+          </p:nvPr>
+        </p:nvSpPr>
+        <p:spPr/>
+        <p:txBody>
+          <a:bodyPr/>
+          <a:lstStyle/>
+          <a:p>
+            <a:endParaRPr lang="en-GB"/>
+          </a:p>
+        </p:txBody>
+      </p:sp>
+      <p:pic>
+        <p:nvPicPr>
+          <p:cNvPr id="5" name="Picture 4">
+            <a:extLst>
+              <a:ext uri="{FF2B5EF4-FFF2-40B4-BE49-F238E27FC236}">
+                <a16:creationId xmlns:a16="http://schemas.microsoft.com/office/drawing/2014/main" id="{9D21215D-A1D9-42F4-BC6F-3AA045147DE0}"/>
+              </a:ext>
+            </a:extLst>
+          </p:cNvPr>
+          <p:cNvPicPr>
+            <a:picLocks noChangeAspect="1"/>
+          </p:cNvPicPr>
+          <p:nvPr/>
+        </p:nvPicPr>
+        <p:blipFill>
+          <a:blip r:embed="rId2">
+            <a:extLst>
+              <a:ext uri="{28A0092B-C50C-407E-A947-70E740481C1C}">
+                <a14:useLocalDpi xmlns:a14="http://schemas.microsoft.com/office/drawing/2010/main" val="0"/>
+              </a:ext>
+            </a:extLst>
+          </a:blip>
+          <a:srcRect/>
+          <a:stretch/>
+        </p:blipFill>
+        <p:spPr>
+          <a:xfrm>
+            <a:off x="0" y="1708370"/>
+            <a:ext cx="3600000" cy="3441259"/>
+          </a:xfrm>
+          <a:prstGeom prst="rect">
+            <a:avLst/>
+          </a:prstGeom>
+        </p:spPr>
+      </p:pic>
+      <p:pic>
+        <p:nvPicPr>
+          <p:cNvPr id="7" name="Picture 6">
+            <a:extLst>
+              <a:ext uri="{FF2B5EF4-FFF2-40B4-BE49-F238E27FC236}">
+                <a16:creationId xmlns:a16="http://schemas.microsoft.com/office/drawing/2014/main" id="{1E8521D3-EB0B-46FB-89ED-6685B943C983}"/>
+              </a:ext>
+            </a:extLst>
+          </p:cNvPr>
+          <p:cNvPicPr>
+            <a:picLocks noChangeAspect="1"/>
+          </p:cNvPicPr>
+          <p:nvPr/>
+        </p:nvPicPr>
+        <p:blipFill>
+          <a:blip r:embed="rId3">
+            <a:extLst>
+              <a:ext uri="{28A0092B-C50C-407E-A947-70E740481C1C}">
+                <a14:useLocalDpi xmlns:a14="http://schemas.microsoft.com/office/drawing/2010/main" val="0"/>
+              </a:ext>
+            </a:extLst>
+          </a:blip>
+          <a:srcRect/>
+          <a:stretch/>
+        </p:blipFill>
+        <p:spPr>
+          <a:xfrm>
+            <a:off x="4296000" y="1708370"/>
+            <a:ext cx="3600000" cy="3441259"/>
+          </a:xfrm>
+          <a:prstGeom prst="rect">
+            <a:avLst/>
+          </a:prstGeom>
+        </p:spPr>
+      </p:pic>
+      <p:pic>
+        <p:nvPicPr>
+          <p:cNvPr id="9" name="Picture 8">
+            <a:extLst>
+              <a:ext uri="{FF2B5EF4-FFF2-40B4-BE49-F238E27FC236}">
+                <a16:creationId xmlns:a16="http://schemas.microsoft.com/office/drawing/2014/main" id="{92DC944A-0B50-465A-9451-387774E09170}"/>
+              </a:ext>
+            </a:extLst>
+          </p:cNvPr>
+          <p:cNvPicPr>
+            <a:picLocks noChangeAspect="1"/>
+          </p:cNvPicPr>
+          <p:nvPr/>
+        </p:nvPicPr>
+        <p:blipFill>
+          <a:blip r:embed="rId4">
+            <a:extLst>
+              <a:ext uri="{28A0092B-C50C-407E-A947-70E740481C1C}">
+                <a14:useLocalDpi xmlns:a14="http://schemas.microsoft.com/office/drawing/2010/main" val="0"/>
+              </a:ext>
+            </a:extLst>
+          </a:blip>
+          <a:srcRect/>
+          <a:stretch/>
+        </p:blipFill>
+        <p:spPr>
+          <a:xfrm>
+            <a:off x="8592000" y="1708370"/>
+            <a:ext cx="3600000" cy="3441259"/>
+          </a:xfrm>
+          <a:prstGeom prst="rect">
+            <a:avLst/>
+          </a:prstGeom>
+        </p:spPr>
+      </p:pic>
     </p:spTree>
     <p:extLst>
       <p:ext uri="{BB962C8B-B14F-4D97-AF65-F5344CB8AC3E}">
-        <p14:creationId xmlns:p14="http://schemas.microsoft.com/office/powerpoint/2010/main" val="2637551100"/>
+        <p14:creationId xmlns:p14="http://schemas.microsoft.com/office/powerpoint/2010/main" val="3911837286"/>
       </p:ext>
     </p:extLst>
   </p:cSld>

--- a/Results.pptx
+++ b/Results.pptx
@@ -4,6 +4,9 @@
   <p:sldMasterIdLst>
     <p:sldMasterId id="2147483648" r:id="rId1"/>
   </p:sldMasterIdLst>
+  <p:notesMasterIdLst>
+    <p:notesMasterId r:id="rId28"/>
+  </p:notesMasterIdLst>
   <p:sldIdLst>
     <p:sldId id="264" r:id="rId2"/>
     <p:sldId id="263" r:id="rId3"/>
@@ -20,11 +23,17 @@
     <p:sldId id="272" r:id="rId14"/>
     <p:sldId id="262" r:id="rId15"/>
     <p:sldId id="257" r:id="rId16"/>
-    <p:sldId id="258" r:id="rId17"/>
-    <p:sldId id="259" r:id="rId18"/>
-    <p:sldId id="260" r:id="rId19"/>
-    <p:sldId id="276" r:id="rId20"/>
-    <p:sldId id="277" r:id="rId21"/>
+    <p:sldId id="280" r:id="rId17"/>
+    <p:sldId id="258" r:id="rId18"/>
+    <p:sldId id="281" r:id="rId19"/>
+    <p:sldId id="259" r:id="rId20"/>
+    <p:sldId id="282" r:id="rId21"/>
+    <p:sldId id="260" r:id="rId22"/>
+    <p:sldId id="283" r:id="rId23"/>
+    <p:sldId id="276" r:id="rId24"/>
+    <p:sldId id="277" r:id="rId25"/>
+    <p:sldId id="279" r:id="rId26"/>
+    <p:sldId id="278" r:id="rId27"/>
   </p:sldIdLst>
   <p:sldSz cx="12192000" cy="6858000"/>
   <p:notesSz cx="6858000" cy="9144000"/>
@@ -131,6 +140,356 @@
 </p:presentation>
 </file>
 
+<file path=ppt/notesMasters/notesMaster1.xml><?xml version="1.0" encoding="utf-8"?>
+<p:notesMaster xmlns:a="http://schemas.openxmlformats.org/drawingml/2006/main" xmlns:r="http://schemas.openxmlformats.org/officeDocument/2006/relationships" xmlns:p="http://schemas.openxmlformats.org/presentationml/2006/main">
+  <p:cSld>
+    <p:bg>
+      <p:bgRef idx="1001">
+        <a:schemeClr val="bg1"/>
+      </p:bgRef>
+    </p:bg>
+    <p:spTree>
+      <p:nvGrpSpPr>
+        <p:cNvPr id="1" name=""/>
+        <p:cNvGrpSpPr/>
+        <p:nvPr/>
+      </p:nvGrpSpPr>
+      <p:grpSpPr>
+        <a:xfrm>
+          <a:off x="0" y="0"/>
+          <a:ext cx="0" cy="0"/>
+          <a:chOff x="0" y="0"/>
+          <a:chExt cx="0" cy="0"/>
+        </a:xfrm>
+      </p:grpSpPr>
+      <p:sp>
+        <p:nvSpPr>
+          <p:cNvPr id="2" name="Header Placeholder 1"/>
+          <p:cNvSpPr>
+            <a:spLocks noGrp="1"/>
+          </p:cNvSpPr>
+          <p:nvPr>
+            <p:ph type="hdr" sz="quarter"/>
+          </p:nvPr>
+        </p:nvSpPr>
+        <p:spPr>
+          <a:xfrm>
+            <a:off x="0" y="0"/>
+            <a:ext cx="2971800" cy="458788"/>
+          </a:xfrm>
+          <a:prstGeom prst="rect">
+            <a:avLst/>
+          </a:prstGeom>
+        </p:spPr>
+        <p:txBody>
+          <a:bodyPr vert="horz" lIns="91440" tIns="45720" rIns="91440" bIns="45720" rtlCol="0"/>
+          <a:lstStyle>
+            <a:lvl1pPr algn="l">
+              <a:defRPr sz="1200"/>
+            </a:lvl1pPr>
+          </a:lstStyle>
+          <a:p>
+            <a:endParaRPr lang="en-GB"/>
+          </a:p>
+        </p:txBody>
+      </p:sp>
+      <p:sp>
+        <p:nvSpPr>
+          <p:cNvPr id="3" name="Date Placeholder 2"/>
+          <p:cNvSpPr>
+            <a:spLocks noGrp="1"/>
+          </p:cNvSpPr>
+          <p:nvPr>
+            <p:ph type="dt" idx="1"/>
+          </p:nvPr>
+        </p:nvSpPr>
+        <p:spPr>
+          <a:xfrm>
+            <a:off x="3884613" y="0"/>
+            <a:ext cx="2971800" cy="458788"/>
+          </a:xfrm>
+          <a:prstGeom prst="rect">
+            <a:avLst/>
+          </a:prstGeom>
+        </p:spPr>
+        <p:txBody>
+          <a:bodyPr vert="horz" lIns="91440" tIns="45720" rIns="91440" bIns="45720" rtlCol="0"/>
+          <a:lstStyle>
+            <a:lvl1pPr algn="r">
+              <a:defRPr sz="1200"/>
+            </a:lvl1pPr>
+          </a:lstStyle>
+          <a:p>
+            <a:fld id="{0C63EF52-D90F-426D-9200-304740A20DCF}" type="datetimeFigureOut">
+              <a:rPr lang="en-GB" smtClean="0"/>
+              <a:t>22/02/2021</a:t>
+            </a:fld>
+            <a:endParaRPr lang="en-GB"/>
+          </a:p>
+        </p:txBody>
+      </p:sp>
+      <p:sp>
+        <p:nvSpPr>
+          <p:cNvPr id="4" name="Slide Image Placeholder 3"/>
+          <p:cNvSpPr>
+            <a:spLocks noGrp="1" noRot="1" noChangeAspect="1"/>
+          </p:cNvSpPr>
+          <p:nvPr>
+            <p:ph type="sldImg" idx="2"/>
+          </p:nvPr>
+        </p:nvSpPr>
+        <p:spPr>
+          <a:xfrm>
+            <a:off x="685800" y="1143000"/>
+            <a:ext cx="5486400" cy="3086100"/>
+          </a:xfrm>
+          <a:prstGeom prst="rect">
+            <a:avLst/>
+          </a:prstGeom>
+          <a:noFill/>
+          <a:ln w="12700">
+            <a:solidFill>
+              <a:prstClr val="black"/>
+            </a:solidFill>
+          </a:ln>
+        </p:spPr>
+        <p:txBody>
+          <a:bodyPr vert="horz" lIns="91440" tIns="45720" rIns="91440" bIns="45720" rtlCol="0" anchor="ctr"/>
+          <a:lstStyle/>
+          <a:p>
+            <a:endParaRPr lang="en-GB"/>
+          </a:p>
+        </p:txBody>
+      </p:sp>
+      <p:sp>
+        <p:nvSpPr>
+          <p:cNvPr id="5" name="Notes Placeholder 4"/>
+          <p:cNvSpPr>
+            <a:spLocks noGrp="1"/>
+          </p:cNvSpPr>
+          <p:nvPr>
+            <p:ph type="body" sz="quarter" idx="3"/>
+          </p:nvPr>
+        </p:nvSpPr>
+        <p:spPr>
+          <a:xfrm>
+            <a:off x="685800" y="4400550"/>
+            <a:ext cx="5486400" cy="3600450"/>
+          </a:xfrm>
+          <a:prstGeom prst="rect">
+            <a:avLst/>
+          </a:prstGeom>
+        </p:spPr>
+        <p:txBody>
+          <a:bodyPr vert="horz" lIns="91440" tIns="45720" rIns="91440" bIns="45720" rtlCol="0"/>
+          <a:lstStyle/>
+          <a:p>
+            <a:pPr lvl="0"/>
+            <a:r>
+              <a:rPr lang="en-US"/>
+              <a:t>Click to edit Master text styles</a:t>
+            </a:r>
+          </a:p>
+          <a:p>
+            <a:pPr lvl="1"/>
+            <a:r>
+              <a:rPr lang="en-US"/>
+              <a:t>Second level</a:t>
+            </a:r>
+          </a:p>
+          <a:p>
+            <a:pPr lvl="2"/>
+            <a:r>
+              <a:rPr lang="en-US"/>
+              <a:t>Third level</a:t>
+            </a:r>
+          </a:p>
+          <a:p>
+            <a:pPr lvl="3"/>
+            <a:r>
+              <a:rPr lang="en-US"/>
+              <a:t>Fourth level</a:t>
+            </a:r>
+          </a:p>
+          <a:p>
+            <a:pPr lvl="4"/>
+            <a:r>
+              <a:rPr lang="en-US"/>
+              <a:t>Fifth level</a:t>
+            </a:r>
+            <a:endParaRPr lang="en-GB"/>
+          </a:p>
+        </p:txBody>
+      </p:sp>
+      <p:sp>
+        <p:nvSpPr>
+          <p:cNvPr id="6" name="Footer Placeholder 5"/>
+          <p:cNvSpPr>
+            <a:spLocks noGrp="1"/>
+          </p:cNvSpPr>
+          <p:nvPr>
+            <p:ph type="ftr" sz="quarter" idx="4"/>
+          </p:nvPr>
+        </p:nvSpPr>
+        <p:spPr>
+          <a:xfrm>
+            <a:off x="0" y="8685213"/>
+            <a:ext cx="2971800" cy="458787"/>
+          </a:xfrm>
+          <a:prstGeom prst="rect">
+            <a:avLst/>
+          </a:prstGeom>
+        </p:spPr>
+        <p:txBody>
+          <a:bodyPr vert="horz" lIns="91440" tIns="45720" rIns="91440" bIns="45720" rtlCol="0" anchor="b"/>
+          <a:lstStyle>
+            <a:lvl1pPr algn="l">
+              <a:defRPr sz="1200"/>
+            </a:lvl1pPr>
+          </a:lstStyle>
+          <a:p>
+            <a:endParaRPr lang="en-GB"/>
+          </a:p>
+        </p:txBody>
+      </p:sp>
+      <p:sp>
+        <p:nvSpPr>
+          <p:cNvPr id="7" name="Slide Number Placeholder 6"/>
+          <p:cNvSpPr>
+            <a:spLocks noGrp="1"/>
+          </p:cNvSpPr>
+          <p:nvPr>
+            <p:ph type="sldNum" sz="quarter" idx="5"/>
+          </p:nvPr>
+        </p:nvSpPr>
+        <p:spPr>
+          <a:xfrm>
+            <a:off x="3884613" y="8685213"/>
+            <a:ext cx="2971800" cy="458787"/>
+          </a:xfrm>
+          <a:prstGeom prst="rect">
+            <a:avLst/>
+          </a:prstGeom>
+        </p:spPr>
+        <p:txBody>
+          <a:bodyPr vert="horz" lIns="91440" tIns="45720" rIns="91440" bIns="45720" rtlCol="0" anchor="b"/>
+          <a:lstStyle>
+            <a:lvl1pPr algn="r">
+              <a:defRPr sz="1200"/>
+            </a:lvl1pPr>
+          </a:lstStyle>
+          <a:p>
+            <a:fld id="{D9C9F837-822B-4AE3-A8AA-2EDD3F5F0197}" type="slidenum">
+              <a:rPr lang="en-GB" smtClean="0"/>
+              <a:t>‹#›</a:t>
+            </a:fld>
+            <a:endParaRPr lang="en-GB"/>
+          </a:p>
+        </p:txBody>
+      </p:sp>
+    </p:spTree>
+    <p:extLst>
+      <p:ext uri="{BB962C8B-B14F-4D97-AF65-F5344CB8AC3E}">
+        <p14:creationId xmlns:p14="http://schemas.microsoft.com/office/powerpoint/2010/main" val="2025065478"/>
+      </p:ext>
+    </p:extLst>
+  </p:cSld>
+  <p:clrMap bg1="lt1" tx1="dk1" bg2="lt2" tx2="dk2" accent1="accent1" accent2="accent2" accent3="accent3" accent4="accent4" accent5="accent5" accent6="accent6" hlink="hlink" folHlink="folHlink"/>
+  <p:notesStyle>
+    <a:lvl1pPr marL="0" algn="l" defTabSz="914400" rtl="0" eaLnBrk="1" latinLnBrk="0" hangingPunct="1">
+      <a:defRPr sz="1200" kern="1200">
+        <a:solidFill>
+          <a:schemeClr val="tx1"/>
+        </a:solidFill>
+        <a:latin typeface="+mn-lt"/>
+        <a:ea typeface="+mn-ea"/>
+        <a:cs typeface="+mn-cs"/>
+      </a:defRPr>
+    </a:lvl1pPr>
+    <a:lvl2pPr marL="457200" algn="l" defTabSz="914400" rtl="0" eaLnBrk="1" latinLnBrk="0" hangingPunct="1">
+      <a:defRPr sz="1200" kern="1200">
+        <a:solidFill>
+          <a:schemeClr val="tx1"/>
+        </a:solidFill>
+        <a:latin typeface="+mn-lt"/>
+        <a:ea typeface="+mn-ea"/>
+        <a:cs typeface="+mn-cs"/>
+      </a:defRPr>
+    </a:lvl2pPr>
+    <a:lvl3pPr marL="914400" algn="l" defTabSz="914400" rtl="0" eaLnBrk="1" latinLnBrk="0" hangingPunct="1">
+      <a:defRPr sz="1200" kern="1200">
+        <a:solidFill>
+          <a:schemeClr val="tx1"/>
+        </a:solidFill>
+        <a:latin typeface="+mn-lt"/>
+        <a:ea typeface="+mn-ea"/>
+        <a:cs typeface="+mn-cs"/>
+      </a:defRPr>
+    </a:lvl3pPr>
+    <a:lvl4pPr marL="1371600" algn="l" defTabSz="914400" rtl="0" eaLnBrk="1" latinLnBrk="0" hangingPunct="1">
+      <a:defRPr sz="1200" kern="1200">
+        <a:solidFill>
+          <a:schemeClr val="tx1"/>
+        </a:solidFill>
+        <a:latin typeface="+mn-lt"/>
+        <a:ea typeface="+mn-ea"/>
+        <a:cs typeface="+mn-cs"/>
+      </a:defRPr>
+    </a:lvl4pPr>
+    <a:lvl5pPr marL="1828800" algn="l" defTabSz="914400" rtl="0" eaLnBrk="1" latinLnBrk="0" hangingPunct="1">
+      <a:defRPr sz="1200" kern="1200">
+        <a:solidFill>
+          <a:schemeClr val="tx1"/>
+        </a:solidFill>
+        <a:latin typeface="+mn-lt"/>
+        <a:ea typeface="+mn-ea"/>
+        <a:cs typeface="+mn-cs"/>
+      </a:defRPr>
+    </a:lvl5pPr>
+    <a:lvl6pPr marL="2286000" algn="l" defTabSz="914400" rtl="0" eaLnBrk="1" latinLnBrk="0" hangingPunct="1">
+      <a:defRPr sz="1200" kern="1200">
+        <a:solidFill>
+          <a:schemeClr val="tx1"/>
+        </a:solidFill>
+        <a:latin typeface="+mn-lt"/>
+        <a:ea typeface="+mn-ea"/>
+        <a:cs typeface="+mn-cs"/>
+      </a:defRPr>
+    </a:lvl6pPr>
+    <a:lvl7pPr marL="2743200" algn="l" defTabSz="914400" rtl="0" eaLnBrk="1" latinLnBrk="0" hangingPunct="1">
+      <a:defRPr sz="1200" kern="1200">
+        <a:solidFill>
+          <a:schemeClr val="tx1"/>
+        </a:solidFill>
+        <a:latin typeface="+mn-lt"/>
+        <a:ea typeface="+mn-ea"/>
+        <a:cs typeface="+mn-cs"/>
+      </a:defRPr>
+    </a:lvl7pPr>
+    <a:lvl8pPr marL="3200400" algn="l" defTabSz="914400" rtl="0" eaLnBrk="1" latinLnBrk="0" hangingPunct="1">
+      <a:defRPr sz="1200" kern="1200">
+        <a:solidFill>
+          <a:schemeClr val="tx1"/>
+        </a:solidFill>
+        <a:latin typeface="+mn-lt"/>
+        <a:ea typeface="+mn-ea"/>
+        <a:cs typeface="+mn-cs"/>
+      </a:defRPr>
+    </a:lvl8pPr>
+    <a:lvl9pPr marL="3657600" algn="l" defTabSz="914400" rtl="0" eaLnBrk="1" latinLnBrk="0" hangingPunct="1">
+      <a:defRPr sz="1200" kern="1200">
+        <a:solidFill>
+          <a:schemeClr val="tx1"/>
+        </a:solidFill>
+        <a:latin typeface="+mn-lt"/>
+        <a:ea typeface="+mn-ea"/>
+        <a:cs typeface="+mn-cs"/>
+      </a:defRPr>
+    </a:lvl9pPr>
+  </p:notesStyle>
+</p:notesMaster>
+</file>
+
 <file path=ppt/slideLayouts/slideLayout1.xml><?xml version="1.0" encoding="utf-8"?>
 <p:sldLayout xmlns:a="http://schemas.openxmlformats.org/drawingml/2006/main" xmlns:r="http://schemas.openxmlformats.org/officeDocument/2006/relationships" xmlns:p="http://schemas.openxmlformats.org/presentationml/2006/main" type="title" preserve="1">
   <p:cSld name="Title Slide">
@@ -278,9 +637,9 @@
           <a:bodyPr/>
           <a:lstStyle/>
           <a:p>
-            <a:fld id="{11841B7E-D9DB-4FF3-B314-935473DD573A}" type="datetimeFigureOut">
+            <a:fld id="{FCA56757-A30B-4386-A3C6-B56C85ED36BA}" type="datetime1">
               <a:rPr lang="en-GB" smtClean="0"/>
-              <a:t>19/02/2021</a:t>
+              <a:t>22/02/2021</a:t>
             </a:fld>
             <a:endParaRPr lang="en-GB"/>
           </a:p>
@@ -478,9 +837,9 @@
           <a:bodyPr/>
           <a:lstStyle/>
           <a:p>
-            <a:fld id="{11841B7E-D9DB-4FF3-B314-935473DD573A}" type="datetimeFigureOut">
+            <a:fld id="{C926D62D-9BC7-4246-B57D-5F08B6D001F8}" type="datetime1">
               <a:rPr lang="en-GB" smtClean="0"/>
-              <a:t>19/02/2021</a:t>
+              <a:t>22/02/2021</a:t>
             </a:fld>
             <a:endParaRPr lang="en-GB"/>
           </a:p>
@@ -688,9 +1047,9 @@
           <a:bodyPr/>
           <a:lstStyle/>
           <a:p>
-            <a:fld id="{11841B7E-D9DB-4FF3-B314-935473DD573A}" type="datetimeFigureOut">
+            <a:fld id="{1538880A-4189-4160-A6D2-A344617BE577}" type="datetime1">
               <a:rPr lang="en-GB" smtClean="0"/>
-              <a:t>19/02/2021</a:t>
+              <a:t>22/02/2021</a:t>
             </a:fld>
             <a:endParaRPr lang="en-GB"/>
           </a:p>
@@ -888,9 +1247,9 @@
           <a:bodyPr/>
           <a:lstStyle/>
           <a:p>
-            <a:fld id="{11841B7E-D9DB-4FF3-B314-935473DD573A}" type="datetimeFigureOut">
+            <a:fld id="{36135D8E-8E31-4975-B74F-E2E591F27A4B}" type="datetime1">
               <a:rPr lang="en-GB" smtClean="0"/>
-              <a:t>19/02/2021</a:t>
+              <a:t>22/02/2021</a:t>
             </a:fld>
             <a:endParaRPr lang="en-GB"/>
           </a:p>
@@ -1164,9 +1523,9 @@
           <a:bodyPr/>
           <a:lstStyle/>
           <a:p>
-            <a:fld id="{11841B7E-D9DB-4FF3-B314-935473DD573A}" type="datetimeFigureOut">
+            <a:fld id="{02EE8C8A-BA76-472B-B9D9-C8AB17582A5A}" type="datetime1">
               <a:rPr lang="en-GB" smtClean="0"/>
-              <a:t>19/02/2021</a:t>
+              <a:t>22/02/2021</a:t>
             </a:fld>
             <a:endParaRPr lang="en-GB"/>
           </a:p>
@@ -1432,9 +1791,9 @@
           <a:bodyPr/>
           <a:lstStyle/>
           <a:p>
-            <a:fld id="{11841B7E-D9DB-4FF3-B314-935473DD573A}" type="datetimeFigureOut">
+            <a:fld id="{212F6C58-5D1E-4D46-A3CD-4BDA9CE4F09B}" type="datetime1">
               <a:rPr lang="en-GB" smtClean="0"/>
-              <a:t>19/02/2021</a:t>
+              <a:t>22/02/2021</a:t>
             </a:fld>
             <a:endParaRPr lang="en-GB"/>
           </a:p>
@@ -1847,9 +2206,9 @@
           <a:bodyPr/>
           <a:lstStyle/>
           <a:p>
-            <a:fld id="{11841B7E-D9DB-4FF3-B314-935473DD573A}" type="datetimeFigureOut">
+            <a:fld id="{255CAF79-F3F2-419A-A516-EBAD89BCE76F}" type="datetime1">
               <a:rPr lang="en-GB" smtClean="0"/>
-              <a:t>19/02/2021</a:t>
+              <a:t>22/02/2021</a:t>
             </a:fld>
             <a:endParaRPr lang="en-GB"/>
           </a:p>
@@ -1989,9 +2348,9 @@
           <a:bodyPr/>
           <a:lstStyle/>
           <a:p>
-            <a:fld id="{11841B7E-D9DB-4FF3-B314-935473DD573A}" type="datetimeFigureOut">
+            <a:fld id="{A2B607A2-EF1B-4DB5-AC2E-998A17376CEE}" type="datetime1">
               <a:rPr lang="en-GB" smtClean="0"/>
-              <a:t>19/02/2021</a:t>
+              <a:t>22/02/2021</a:t>
             </a:fld>
             <a:endParaRPr lang="en-GB"/>
           </a:p>
@@ -2102,9 +2461,9 @@
           <a:bodyPr/>
           <a:lstStyle/>
           <a:p>
-            <a:fld id="{11841B7E-D9DB-4FF3-B314-935473DD573A}" type="datetimeFigureOut">
+            <a:fld id="{F3F0E4B5-4B7F-4895-979E-5378DF84026F}" type="datetime1">
               <a:rPr lang="en-GB" smtClean="0"/>
-              <a:t>19/02/2021</a:t>
+              <a:t>22/02/2021</a:t>
             </a:fld>
             <a:endParaRPr lang="en-GB"/>
           </a:p>
@@ -2415,9 +2774,9 @@
           <a:bodyPr/>
           <a:lstStyle/>
           <a:p>
-            <a:fld id="{11841B7E-D9DB-4FF3-B314-935473DD573A}" type="datetimeFigureOut">
+            <a:fld id="{ACED96A3-D373-45DE-80FF-2BC662464128}" type="datetime1">
               <a:rPr lang="en-GB" smtClean="0"/>
-              <a:t>19/02/2021</a:t>
+              <a:t>22/02/2021</a:t>
             </a:fld>
             <a:endParaRPr lang="en-GB"/>
           </a:p>
@@ -2704,9 +3063,9 @@
           <a:bodyPr/>
           <a:lstStyle/>
           <a:p>
-            <a:fld id="{11841B7E-D9DB-4FF3-B314-935473DD573A}" type="datetimeFigureOut">
+            <a:fld id="{C5F9F892-0033-4246-AAC1-089D1859F047}" type="datetime1">
               <a:rPr lang="en-GB" smtClean="0"/>
-              <a:t>19/02/2021</a:t>
+              <a:t>22/02/2021</a:t>
             </a:fld>
             <a:endParaRPr lang="en-GB"/>
           </a:p>
@@ -2947,9 +3306,9 @@
             </a:lvl1pPr>
           </a:lstStyle>
           <a:p>
-            <a:fld id="{11841B7E-D9DB-4FF3-B314-935473DD573A}" type="datetimeFigureOut">
+            <a:fld id="{043F1C1D-41C8-4A9B-8835-EFE734DE3055}" type="datetime1">
               <a:rPr lang="en-GB" smtClean="0"/>
-              <a:t>19/02/2021</a:t>
+              <a:t>22/02/2021</a:t>
             </a:fld>
             <a:endParaRPr lang="en-GB"/>
           </a:p>
@@ -3066,6 +3425,7 @@
     <p:sldLayoutId id="2147483658" r:id="rId10"/>
     <p:sldLayoutId id="2147483659" r:id="rId11"/>
   </p:sldLayoutIdLst>
+  <p:hf hdr="0" ftr="0" dt="0"/>
   <p:txStyles>
     <p:titleStyle>
       <a:lvl1pPr algn="l" defTabSz="914400" rtl="0" eaLnBrk="1" latinLnBrk="0" hangingPunct="1">
@@ -3424,6 +3784,35 @@
           </a:p>
         </p:txBody>
       </p:sp>
+      <p:sp>
+        <p:nvSpPr>
+          <p:cNvPr id="4" name="Slide Number Placeholder 3">
+            <a:extLst>
+              <a:ext uri="{FF2B5EF4-FFF2-40B4-BE49-F238E27FC236}">
+                <a16:creationId xmlns:a16="http://schemas.microsoft.com/office/drawing/2014/main" id="{C03ECB4A-4496-4159-816F-E2F1230DC36A}"/>
+              </a:ext>
+            </a:extLst>
+          </p:cNvPr>
+          <p:cNvSpPr>
+            <a:spLocks noGrp="1"/>
+          </p:cNvSpPr>
+          <p:nvPr>
+            <p:ph type="sldNum" sz="quarter" idx="12"/>
+          </p:nvPr>
+        </p:nvSpPr>
+        <p:spPr/>
+        <p:txBody>
+          <a:bodyPr/>
+          <a:lstStyle/>
+          <a:p>
+            <a:fld id="{47D21762-8E6F-420A-9BE8-C943AA3E7C06}" type="slidenum">
+              <a:rPr lang="en-GB" smtClean="0"/>
+              <a:t>1</a:t>
+            </a:fld>
+            <a:endParaRPr lang="en-GB"/>
+          </a:p>
+        </p:txBody>
+      </p:sp>
     </p:spTree>
     <p:extLst>
       <p:ext uri="{BB962C8B-B14F-4D97-AF65-F5344CB8AC3E}">
@@ -3536,6 +3925,35 @@
           </a:p>
         </p:txBody>
       </p:sp>
+      <p:sp>
+        <p:nvSpPr>
+          <p:cNvPr id="4" name="Slide Number Placeholder 3">
+            <a:extLst>
+              <a:ext uri="{FF2B5EF4-FFF2-40B4-BE49-F238E27FC236}">
+                <a16:creationId xmlns:a16="http://schemas.microsoft.com/office/drawing/2014/main" id="{3A6C999F-7776-4CBD-8B02-D87BEE74339A}"/>
+              </a:ext>
+            </a:extLst>
+          </p:cNvPr>
+          <p:cNvSpPr>
+            <a:spLocks noGrp="1"/>
+          </p:cNvSpPr>
+          <p:nvPr>
+            <p:ph type="sldNum" sz="quarter" idx="12"/>
+          </p:nvPr>
+        </p:nvSpPr>
+        <p:spPr/>
+        <p:txBody>
+          <a:bodyPr/>
+          <a:lstStyle/>
+          <a:p>
+            <a:fld id="{47D21762-8E6F-420A-9BE8-C943AA3E7C06}" type="slidenum">
+              <a:rPr lang="en-GB" smtClean="0"/>
+              <a:t>10</a:t>
+            </a:fld>
+            <a:endParaRPr lang="en-GB"/>
+          </a:p>
+        </p:txBody>
+      </p:sp>
     </p:spTree>
     <p:extLst>
       <p:ext uri="{BB962C8B-B14F-4D97-AF65-F5344CB8AC3E}">
@@ -3646,6 +4064,35 @@
           </a:prstGeom>
         </p:spPr>
       </p:pic>
+      <p:sp>
+        <p:nvSpPr>
+          <p:cNvPr id="4" name="Slide Number Placeholder 3">
+            <a:extLst>
+              <a:ext uri="{FF2B5EF4-FFF2-40B4-BE49-F238E27FC236}">
+                <a16:creationId xmlns:a16="http://schemas.microsoft.com/office/drawing/2014/main" id="{DAF1086A-2D84-4633-9D12-C13A98115E6C}"/>
+              </a:ext>
+            </a:extLst>
+          </p:cNvPr>
+          <p:cNvSpPr>
+            <a:spLocks noGrp="1"/>
+          </p:cNvSpPr>
+          <p:nvPr>
+            <p:ph type="sldNum" sz="quarter" idx="12"/>
+          </p:nvPr>
+        </p:nvSpPr>
+        <p:spPr/>
+        <p:txBody>
+          <a:bodyPr/>
+          <a:lstStyle/>
+          <a:p>
+            <a:fld id="{47D21762-8E6F-420A-9BE8-C943AA3E7C06}" type="slidenum">
+              <a:rPr lang="en-GB" smtClean="0"/>
+              <a:t>11</a:t>
+            </a:fld>
+            <a:endParaRPr lang="en-GB"/>
+          </a:p>
+        </p:txBody>
+      </p:sp>
     </p:spTree>
     <p:extLst>
       <p:ext uri="{BB962C8B-B14F-4D97-AF65-F5344CB8AC3E}">
@@ -3762,6 +4209,35 @@
           </a:p>
         </p:txBody>
       </p:sp>
+      <p:sp>
+        <p:nvSpPr>
+          <p:cNvPr id="4" name="Slide Number Placeholder 3">
+            <a:extLst>
+              <a:ext uri="{FF2B5EF4-FFF2-40B4-BE49-F238E27FC236}">
+                <a16:creationId xmlns:a16="http://schemas.microsoft.com/office/drawing/2014/main" id="{A0783EF6-2015-4FF9-A57B-BF97981AE4C5}"/>
+              </a:ext>
+            </a:extLst>
+          </p:cNvPr>
+          <p:cNvSpPr>
+            <a:spLocks noGrp="1"/>
+          </p:cNvSpPr>
+          <p:nvPr>
+            <p:ph type="sldNum" sz="quarter" idx="12"/>
+          </p:nvPr>
+        </p:nvSpPr>
+        <p:spPr/>
+        <p:txBody>
+          <a:bodyPr/>
+          <a:lstStyle/>
+          <a:p>
+            <a:fld id="{47D21762-8E6F-420A-9BE8-C943AA3E7C06}" type="slidenum">
+              <a:rPr lang="en-GB" smtClean="0"/>
+              <a:t>12</a:t>
+            </a:fld>
+            <a:endParaRPr lang="en-GB"/>
+          </a:p>
+        </p:txBody>
+      </p:sp>
     </p:spTree>
     <p:extLst>
       <p:ext uri="{BB962C8B-B14F-4D97-AF65-F5344CB8AC3E}">
@@ -3856,7 +4332,7 @@
           <p:cNvPr id="5" name="Picture 4">
             <a:extLst>
               <a:ext uri="{FF2B5EF4-FFF2-40B4-BE49-F238E27FC236}">
-                <a16:creationId xmlns:a16="http://schemas.microsoft.com/office/drawing/2014/main" id="{976DC88E-6624-4631-A578-8198A0910B15}"/>
+                <a16:creationId xmlns:a16="http://schemas.microsoft.com/office/drawing/2014/main" id="{C700A9E8-FDC8-4933-8E40-1080A6CA309A}"/>
               </a:ext>
             </a:extLst>
           </p:cNvPr>
@@ -3873,104 +4349,43 @@
         </p:blipFill>
         <p:spPr>
           <a:xfrm>
-            <a:off x="0" y="1530219"/>
-            <a:ext cx="5400000" cy="1581376"/>
+            <a:off x="921106" y="2278613"/>
+            <a:ext cx="10349788" cy="2480341"/>
           </a:xfrm>
           <a:prstGeom prst="rect">
             <a:avLst/>
           </a:prstGeom>
         </p:spPr>
       </p:pic>
-      <p:pic>
-        <p:nvPicPr>
-          <p:cNvPr id="7" name="Picture 6">
-            <a:extLst>
-              <a:ext uri="{FF2B5EF4-FFF2-40B4-BE49-F238E27FC236}">
-                <a16:creationId xmlns:a16="http://schemas.microsoft.com/office/drawing/2014/main" id="{2ECA9882-230F-4411-9B84-B92A1A0EC72F}"/>
-              </a:ext>
-            </a:extLst>
-          </p:cNvPr>
-          <p:cNvPicPr>
-            <a:picLocks noChangeAspect="1"/>
-          </p:cNvPicPr>
-          <p:nvPr/>
-        </p:nvPicPr>
-        <p:blipFill>
-          <a:blip r:embed="rId3"/>
-          <a:stretch>
-            <a:fillRect/>
-          </a:stretch>
-        </p:blipFill>
-        <p:spPr>
-          <a:xfrm>
-            <a:off x="6792000" y="1436492"/>
-            <a:ext cx="5400000" cy="1675103"/>
-          </a:xfrm>
-          <a:prstGeom prst="rect">
-            <a:avLst/>
-          </a:prstGeom>
-        </p:spPr>
-      </p:pic>
-      <p:pic>
-        <p:nvPicPr>
-          <p:cNvPr id="9" name="Picture 8">
-            <a:extLst>
-              <a:ext uri="{FF2B5EF4-FFF2-40B4-BE49-F238E27FC236}">
-                <a16:creationId xmlns:a16="http://schemas.microsoft.com/office/drawing/2014/main" id="{7C6D8E62-A83C-48A1-9226-9FAB6C636388}"/>
-              </a:ext>
-            </a:extLst>
-          </p:cNvPr>
-          <p:cNvPicPr>
-            <a:picLocks noChangeAspect="1"/>
-          </p:cNvPicPr>
-          <p:nvPr/>
-        </p:nvPicPr>
-        <p:blipFill>
-          <a:blip r:embed="rId4"/>
-          <a:stretch>
-            <a:fillRect/>
-          </a:stretch>
-        </p:blipFill>
-        <p:spPr>
-          <a:xfrm>
-            <a:off x="0" y="3938849"/>
-            <a:ext cx="5400000" cy="1865455"/>
-          </a:xfrm>
-          <a:prstGeom prst="rect">
-            <a:avLst/>
-          </a:prstGeom>
-        </p:spPr>
-      </p:pic>
-      <p:pic>
-        <p:nvPicPr>
-          <p:cNvPr id="11" name="Picture 10">
-            <a:extLst>
-              <a:ext uri="{FF2B5EF4-FFF2-40B4-BE49-F238E27FC236}">
-                <a16:creationId xmlns:a16="http://schemas.microsoft.com/office/drawing/2014/main" id="{2FA86100-14E6-4727-BF31-3DC65F6D1A8F}"/>
-              </a:ext>
-            </a:extLst>
-          </p:cNvPr>
-          <p:cNvPicPr>
-            <a:picLocks noChangeAspect="1"/>
-          </p:cNvPicPr>
-          <p:nvPr/>
-        </p:nvPicPr>
-        <p:blipFill>
-          <a:blip r:embed="rId5"/>
-          <a:stretch>
-            <a:fillRect/>
-          </a:stretch>
-        </p:blipFill>
-        <p:spPr>
-          <a:xfrm>
-            <a:off x="6792000" y="4126127"/>
-            <a:ext cx="5400000" cy="1678177"/>
-          </a:xfrm>
-          <a:prstGeom prst="rect">
-            <a:avLst/>
-          </a:prstGeom>
-        </p:spPr>
-      </p:pic>
+      <p:sp>
+        <p:nvSpPr>
+          <p:cNvPr id="7" name="Slide Number Placeholder 6">
+            <a:extLst>
+              <a:ext uri="{FF2B5EF4-FFF2-40B4-BE49-F238E27FC236}">
+                <a16:creationId xmlns:a16="http://schemas.microsoft.com/office/drawing/2014/main" id="{DAE92312-2987-4198-BFCF-DB6D82CDE03C}"/>
+              </a:ext>
+            </a:extLst>
+          </p:cNvPr>
+          <p:cNvSpPr>
+            <a:spLocks noGrp="1"/>
+          </p:cNvSpPr>
+          <p:nvPr>
+            <p:ph type="sldNum" sz="quarter" idx="12"/>
+          </p:nvPr>
+        </p:nvSpPr>
+        <p:spPr/>
+        <p:txBody>
+          <a:bodyPr/>
+          <a:lstStyle/>
+          <a:p>
+            <a:fld id="{47D21762-8E6F-420A-9BE8-C943AA3E7C06}" type="slidenum">
+              <a:rPr lang="en-GB" smtClean="0"/>
+              <a:t>13</a:t>
+            </a:fld>
+            <a:endParaRPr lang="en-GB"/>
+          </a:p>
+        </p:txBody>
+      </p:sp>
     </p:spTree>
     <p:extLst>
       <p:ext uri="{BB962C8B-B14F-4D97-AF65-F5344CB8AC3E}">
@@ -4087,6 +4502,35 @@
           </a:p>
         </p:txBody>
       </p:sp>
+      <p:sp>
+        <p:nvSpPr>
+          <p:cNvPr id="4" name="Slide Number Placeholder 3">
+            <a:extLst>
+              <a:ext uri="{FF2B5EF4-FFF2-40B4-BE49-F238E27FC236}">
+                <a16:creationId xmlns:a16="http://schemas.microsoft.com/office/drawing/2014/main" id="{31E84B76-2298-4433-82B4-DC31224AEDA9}"/>
+              </a:ext>
+            </a:extLst>
+          </p:cNvPr>
+          <p:cNvSpPr>
+            <a:spLocks noGrp="1"/>
+          </p:cNvSpPr>
+          <p:nvPr>
+            <p:ph type="sldNum" sz="quarter" idx="12"/>
+          </p:nvPr>
+        </p:nvSpPr>
+        <p:spPr/>
+        <p:txBody>
+          <a:bodyPr/>
+          <a:lstStyle/>
+          <a:p>
+            <a:fld id="{47D21762-8E6F-420A-9BE8-C943AA3E7C06}" type="slidenum">
+              <a:rPr lang="en-GB" smtClean="0"/>
+              <a:t>14</a:t>
+            </a:fld>
+            <a:endParaRPr lang="en-GB"/>
+          </a:p>
+        </p:txBody>
+      </p:sp>
     </p:spTree>
     <p:extLst>
       <p:ext uri="{BB962C8B-B14F-4D97-AF65-F5344CB8AC3E}">
@@ -4140,7 +4584,7 @@
           <a:p>
             <a:r>
               <a:rPr lang="nl-NL" dirty="0"/>
-              <a:t>Man vs. </a:t>
+              <a:t>Men vs. </a:t>
             </a:r>
             <a:r>
               <a:rPr lang="nl-NL" dirty="0" err="1"/>
@@ -4166,12 +4610,40 @@
             <p:ph idx="1"/>
           </p:nvPr>
         </p:nvSpPr>
-        <p:spPr/>
-        <p:txBody>
-          <a:bodyPr/>
-          <a:lstStyle/>
-          <a:p>
-            <a:endParaRPr lang="en-GB"/>
+        <p:spPr>
+          <a:xfrm>
+            <a:off x="134224" y="1825625"/>
+            <a:ext cx="10515600" cy="4351338"/>
+          </a:xfrm>
+        </p:spPr>
+        <p:txBody>
+          <a:bodyPr/>
+          <a:lstStyle/>
+          <a:p>
+            <a:pPr marL="0" indent="0">
+              <a:buNone/>
+            </a:pPr>
+            <a:r>
+              <a:rPr lang="nl-NL" dirty="0"/>
+              <a:t>No </a:t>
+            </a:r>
+            <a:r>
+              <a:rPr lang="nl-NL" dirty="0" err="1"/>
+              <a:t>negative</a:t>
+            </a:r>
+            <a:r>
+              <a:rPr lang="nl-NL" dirty="0"/>
+              <a:t> </a:t>
+            </a:r>
+            <a:r>
+              <a:rPr lang="nl-NL" dirty="0" err="1"/>
+              <a:t>values</a:t>
+            </a:r>
+            <a:r>
+              <a:rPr lang="nl-NL" dirty="0"/>
+              <a:t>?</a:t>
+            </a:r>
+            <a:endParaRPr lang="en-GB" dirty="0"/>
           </a:p>
         </p:txBody>
       </p:sp>
@@ -4205,6 +4677,87 @@
           </a:prstGeom>
         </p:spPr>
       </p:pic>
+      <p:sp>
+        <p:nvSpPr>
+          <p:cNvPr id="4" name="Slide Number Placeholder 3">
+            <a:extLst>
+              <a:ext uri="{FF2B5EF4-FFF2-40B4-BE49-F238E27FC236}">
+                <a16:creationId xmlns:a16="http://schemas.microsoft.com/office/drawing/2014/main" id="{B975F890-6A31-4918-A97B-06A3056306AF}"/>
+              </a:ext>
+            </a:extLst>
+          </p:cNvPr>
+          <p:cNvSpPr>
+            <a:spLocks noGrp="1"/>
+          </p:cNvSpPr>
+          <p:nvPr>
+            <p:ph type="sldNum" sz="quarter" idx="12"/>
+          </p:nvPr>
+        </p:nvSpPr>
+        <p:spPr/>
+        <p:txBody>
+          <a:bodyPr/>
+          <a:lstStyle/>
+          <a:p>
+            <a:fld id="{47D21762-8E6F-420A-9BE8-C943AA3E7C06}" type="slidenum">
+              <a:rPr lang="en-GB" smtClean="0"/>
+              <a:t>15</a:t>
+            </a:fld>
+            <a:endParaRPr lang="en-GB"/>
+          </a:p>
+        </p:txBody>
+      </p:sp>
+      <p:sp>
+        <p:nvSpPr>
+          <p:cNvPr id="6" name="Oval 5">
+            <a:extLst>
+              <a:ext uri="{FF2B5EF4-FFF2-40B4-BE49-F238E27FC236}">
+                <a16:creationId xmlns:a16="http://schemas.microsoft.com/office/drawing/2014/main" id="{627684F0-6BFF-411D-BF17-48A7E0EF81E0}"/>
+              </a:ext>
+            </a:extLst>
+          </p:cNvPr>
+          <p:cNvSpPr/>
+          <p:nvPr/>
+        </p:nvSpPr>
+        <p:spPr>
+          <a:xfrm>
+            <a:off x="5944997" y="5973123"/>
+            <a:ext cx="134224" cy="142612"/>
+          </a:xfrm>
+          <a:prstGeom prst="ellipse">
+            <a:avLst/>
+          </a:prstGeom>
+          <a:noFill/>
+          <a:ln>
+            <a:solidFill>
+              <a:srgbClr val="FF0000"/>
+            </a:solidFill>
+          </a:ln>
+        </p:spPr>
+        <p:style>
+          <a:lnRef idx="2">
+            <a:schemeClr val="accent1">
+              <a:shade val="50000"/>
+            </a:schemeClr>
+          </a:lnRef>
+          <a:fillRef idx="1">
+            <a:schemeClr val="accent1"/>
+          </a:fillRef>
+          <a:effectRef idx="0">
+            <a:schemeClr val="accent1"/>
+          </a:effectRef>
+          <a:fontRef idx="minor">
+            <a:schemeClr val="lt1"/>
+          </a:fontRef>
+        </p:style>
+        <p:txBody>
+          <a:bodyPr rtlCol="0" anchor="ctr"/>
+          <a:lstStyle/>
+          <a:p>
+            <a:pPr algn="ctr"/>
+            <a:endParaRPr lang="en-GB" dirty="0"/>
+          </a:p>
+        </p:txBody>
+      </p:sp>
     </p:spTree>
     <p:extLst>
       <p:ext uri="{BB962C8B-B14F-4D97-AF65-F5344CB8AC3E}">
@@ -4240,7 +4793,7 @@
           <p:cNvPr id="2" name="Title 1">
             <a:extLst>
               <a:ext uri="{FF2B5EF4-FFF2-40B4-BE49-F238E27FC236}">
-                <a16:creationId xmlns:a16="http://schemas.microsoft.com/office/drawing/2014/main" id="{8D294BAD-32D0-46FD-97A1-87C6B5FC1DA9}"/>
+                <a16:creationId xmlns:a16="http://schemas.microsoft.com/office/drawing/2014/main" id="{A131B7E1-1EEF-4D89-8709-961935B772D0}"/>
               </a:ext>
             </a:extLst>
           </p:cNvPr>
@@ -4258,7 +4811,11 @@
           <a:p>
             <a:r>
               <a:rPr lang="nl-NL" dirty="0"/>
-              <a:t>Old vs. Young</a:t>
+              <a:t>Men vs. </a:t>
+            </a:r>
+            <a:r>
+              <a:rPr lang="nl-NL" dirty="0" err="1"/>
+              <a:t>Women</a:t>
             </a:r>
             <a:endParaRPr lang="en-GB" dirty="0"/>
           </a:p>
@@ -4269,7 +4826,7 @@
           <p:cNvPr id="3" name="Content Placeholder 2">
             <a:extLst>
               <a:ext uri="{FF2B5EF4-FFF2-40B4-BE49-F238E27FC236}">
-                <a16:creationId xmlns:a16="http://schemas.microsoft.com/office/drawing/2014/main" id="{027A960A-B4D8-4D25-B4F6-827A2C4935EA}"/>
+                <a16:creationId xmlns:a16="http://schemas.microsoft.com/office/drawing/2014/main" id="{A6ECF279-A374-443D-B3ED-8CA7F609A932}"/>
               </a:ext>
             </a:extLst>
           </p:cNvPr>
@@ -4280,21 +4837,29 @@
             <p:ph idx="1"/>
           </p:nvPr>
         </p:nvSpPr>
-        <p:spPr/>
-        <p:txBody>
-          <a:bodyPr/>
-          <a:lstStyle/>
-          <a:p>
-            <a:endParaRPr lang="en-GB"/>
+        <p:spPr>
+          <a:xfrm>
+            <a:off x="134224" y="1825625"/>
+            <a:ext cx="10515600" cy="4351338"/>
+          </a:xfrm>
+        </p:spPr>
+        <p:txBody>
+          <a:bodyPr/>
+          <a:lstStyle/>
+          <a:p>
+            <a:pPr marL="0" indent="0">
+              <a:buNone/>
+            </a:pPr>
+            <a:endParaRPr lang="en-GB" dirty="0"/>
           </a:p>
         </p:txBody>
       </p:sp>
       <p:pic>
         <p:nvPicPr>
-          <p:cNvPr id="5" name="Picture 4">
-            <a:extLst>
-              <a:ext uri="{FF2B5EF4-FFF2-40B4-BE49-F238E27FC236}">
-                <a16:creationId xmlns:a16="http://schemas.microsoft.com/office/drawing/2014/main" id="{29D73D0A-2D19-46AA-BBC8-0458316D7F94}"/>
+          <p:cNvPr id="6" name="Picture 5">
+            <a:extLst>
+              <a:ext uri="{FF2B5EF4-FFF2-40B4-BE49-F238E27FC236}">
+                <a16:creationId xmlns:a16="http://schemas.microsoft.com/office/drawing/2014/main" id="{A3329C5D-5523-460F-AB87-404BE1BA1109}"/>
               </a:ext>
             </a:extLst>
           </p:cNvPr>
@@ -4311,18 +4876,77 @@
         </p:blipFill>
         <p:spPr>
           <a:xfrm>
-            <a:off x="3043619" y="1453154"/>
-            <a:ext cx="6104762" cy="4723809"/>
+            <a:off x="-2" y="1571623"/>
+            <a:ext cx="6120000" cy="3900000"/>
           </a:xfrm>
           <a:prstGeom prst="rect">
             <a:avLst/>
           </a:prstGeom>
         </p:spPr>
       </p:pic>
+      <p:pic>
+        <p:nvPicPr>
+          <p:cNvPr id="8" name="Picture 7">
+            <a:extLst>
+              <a:ext uri="{FF2B5EF4-FFF2-40B4-BE49-F238E27FC236}">
+                <a16:creationId xmlns:a16="http://schemas.microsoft.com/office/drawing/2014/main" id="{7AF667E6-F589-414A-B86E-512EAA51D87E}"/>
+              </a:ext>
+            </a:extLst>
+          </p:cNvPr>
+          <p:cNvPicPr>
+            <a:picLocks noChangeAspect="1"/>
+          </p:cNvPicPr>
+          <p:nvPr/>
+        </p:nvPicPr>
+        <p:blipFill>
+          <a:blip r:embed="rId3"/>
+          <a:stretch>
+            <a:fillRect/>
+          </a:stretch>
+        </p:blipFill>
+        <p:spPr>
+          <a:xfrm>
+            <a:off x="6072000" y="825014"/>
+            <a:ext cx="6120000" cy="6032986"/>
+          </a:xfrm>
+          <a:prstGeom prst="rect">
+            <a:avLst/>
+          </a:prstGeom>
+        </p:spPr>
+      </p:pic>
+      <p:sp>
+        <p:nvSpPr>
+          <p:cNvPr id="9" name="Slide Number Placeholder 8">
+            <a:extLst>
+              <a:ext uri="{FF2B5EF4-FFF2-40B4-BE49-F238E27FC236}">
+                <a16:creationId xmlns:a16="http://schemas.microsoft.com/office/drawing/2014/main" id="{691000A4-F4E6-4085-AEBD-E182BFBB7521}"/>
+              </a:ext>
+            </a:extLst>
+          </p:cNvPr>
+          <p:cNvSpPr>
+            <a:spLocks noGrp="1"/>
+          </p:cNvSpPr>
+          <p:nvPr>
+            <p:ph type="sldNum" sz="quarter" idx="12"/>
+          </p:nvPr>
+        </p:nvSpPr>
+        <p:spPr/>
+        <p:txBody>
+          <a:bodyPr/>
+          <a:lstStyle/>
+          <a:p>
+            <a:fld id="{47D21762-8E6F-420A-9BE8-C943AA3E7C06}" type="slidenum">
+              <a:rPr lang="en-GB" smtClean="0"/>
+              <a:t>16</a:t>
+            </a:fld>
+            <a:endParaRPr lang="en-GB"/>
+          </a:p>
+        </p:txBody>
+      </p:sp>
     </p:spTree>
     <p:extLst>
       <p:ext uri="{BB962C8B-B14F-4D97-AF65-F5344CB8AC3E}">
-        <p14:creationId xmlns:p14="http://schemas.microsoft.com/office/powerpoint/2010/main" val="4242464471"/>
+        <p14:creationId xmlns:p14="http://schemas.microsoft.com/office/powerpoint/2010/main" val="1653931628"/>
       </p:ext>
     </p:extLst>
   </p:cSld>
@@ -4354,7 +4978,7 @@
           <p:cNvPr id="2" name="Title 1">
             <a:extLst>
               <a:ext uri="{FF2B5EF4-FFF2-40B4-BE49-F238E27FC236}">
-                <a16:creationId xmlns:a16="http://schemas.microsoft.com/office/drawing/2014/main" id="{AD9BE750-E0AD-4A75-A3F9-309F98E20408}"/>
+                <a16:creationId xmlns:a16="http://schemas.microsoft.com/office/drawing/2014/main" id="{8D294BAD-32D0-46FD-97A1-87C6B5FC1DA9}"/>
               </a:ext>
             </a:extLst>
           </p:cNvPr>
@@ -4372,7 +4996,7 @@
           <a:p>
             <a:r>
               <a:rPr lang="nl-NL" dirty="0"/>
-              <a:t>Young men vs. Old men</a:t>
+              <a:t>Old vs. Young</a:t>
             </a:r>
             <a:endParaRPr lang="en-GB" dirty="0"/>
           </a:p>
@@ -4383,7 +5007,7 @@
           <p:cNvPr id="3" name="Content Placeholder 2">
             <a:extLst>
               <a:ext uri="{FF2B5EF4-FFF2-40B4-BE49-F238E27FC236}">
-                <a16:creationId xmlns:a16="http://schemas.microsoft.com/office/drawing/2014/main" id="{92EEC039-BA2F-44EB-8A53-F8E0DAFB9B9B}"/>
+                <a16:creationId xmlns:a16="http://schemas.microsoft.com/office/drawing/2014/main" id="{027A960A-B4D8-4D25-B4F6-827A2C4935EA}"/>
               </a:ext>
             </a:extLst>
           </p:cNvPr>
@@ -4399,7 +5023,7 @@
           <a:bodyPr/>
           <a:lstStyle/>
           <a:p>
-            <a:endParaRPr lang="en-GB"/>
+            <a:endParaRPr lang="en-GB" dirty="0"/>
           </a:p>
         </p:txBody>
       </p:sp>
@@ -4408,7 +5032,7 @@
           <p:cNvPr id="5" name="Picture 4">
             <a:extLst>
               <a:ext uri="{FF2B5EF4-FFF2-40B4-BE49-F238E27FC236}">
-                <a16:creationId xmlns:a16="http://schemas.microsoft.com/office/drawing/2014/main" id="{014C0926-65FC-4E41-A412-A7E3364B9488}"/>
+                <a16:creationId xmlns:a16="http://schemas.microsoft.com/office/drawing/2014/main" id="{29D73D0A-2D19-46AA-BBC8-0458316D7F94}"/>
               </a:ext>
             </a:extLst>
           </p:cNvPr>
@@ -4433,10 +5057,91 @@
           </a:prstGeom>
         </p:spPr>
       </p:pic>
+      <p:sp>
+        <p:nvSpPr>
+          <p:cNvPr id="4" name="Slide Number Placeholder 3">
+            <a:extLst>
+              <a:ext uri="{FF2B5EF4-FFF2-40B4-BE49-F238E27FC236}">
+                <a16:creationId xmlns:a16="http://schemas.microsoft.com/office/drawing/2014/main" id="{F4D7D9DD-56F9-4ED0-92ED-0272E6AA76EA}"/>
+              </a:ext>
+            </a:extLst>
+          </p:cNvPr>
+          <p:cNvSpPr>
+            <a:spLocks noGrp="1"/>
+          </p:cNvSpPr>
+          <p:nvPr>
+            <p:ph type="sldNum" sz="quarter" idx="12"/>
+          </p:nvPr>
+        </p:nvSpPr>
+        <p:spPr/>
+        <p:txBody>
+          <a:bodyPr/>
+          <a:lstStyle/>
+          <a:p>
+            <a:fld id="{47D21762-8E6F-420A-9BE8-C943AA3E7C06}" type="slidenum">
+              <a:rPr lang="en-GB" smtClean="0"/>
+              <a:t>17</a:t>
+            </a:fld>
+            <a:endParaRPr lang="en-GB"/>
+          </a:p>
+        </p:txBody>
+      </p:sp>
+      <p:sp>
+        <p:nvSpPr>
+          <p:cNvPr id="7" name="Oval 6">
+            <a:extLst>
+              <a:ext uri="{FF2B5EF4-FFF2-40B4-BE49-F238E27FC236}">
+                <a16:creationId xmlns:a16="http://schemas.microsoft.com/office/drawing/2014/main" id="{BF09DDDB-65F3-4751-A073-A3489ABB563A}"/>
+              </a:ext>
+            </a:extLst>
+          </p:cNvPr>
+          <p:cNvSpPr/>
+          <p:nvPr/>
+        </p:nvSpPr>
+        <p:spPr>
+          <a:xfrm>
+            <a:off x="5944997" y="5973123"/>
+            <a:ext cx="134224" cy="142612"/>
+          </a:xfrm>
+          <a:prstGeom prst="ellipse">
+            <a:avLst/>
+          </a:prstGeom>
+          <a:noFill/>
+          <a:ln>
+            <a:solidFill>
+              <a:srgbClr val="FF0000"/>
+            </a:solidFill>
+          </a:ln>
+        </p:spPr>
+        <p:style>
+          <a:lnRef idx="2">
+            <a:schemeClr val="accent1">
+              <a:shade val="50000"/>
+            </a:schemeClr>
+          </a:lnRef>
+          <a:fillRef idx="1">
+            <a:schemeClr val="accent1"/>
+          </a:fillRef>
+          <a:effectRef idx="0">
+            <a:schemeClr val="accent1"/>
+          </a:effectRef>
+          <a:fontRef idx="minor">
+            <a:schemeClr val="lt1"/>
+          </a:fontRef>
+        </p:style>
+        <p:txBody>
+          <a:bodyPr rtlCol="0" anchor="ctr"/>
+          <a:lstStyle/>
+          <a:p>
+            <a:pPr algn="ctr"/>
+            <a:endParaRPr lang="en-GB" dirty="0"/>
+          </a:p>
+        </p:txBody>
+      </p:sp>
     </p:spTree>
     <p:extLst>
       <p:ext uri="{BB962C8B-B14F-4D97-AF65-F5344CB8AC3E}">
-        <p14:creationId xmlns:p14="http://schemas.microsoft.com/office/powerpoint/2010/main" val="782174761"/>
+        <p14:creationId xmlns:p14="http://schemas.microsoft.com/office/powerpoint/2010/main" val="4242464471"/>
       </p:ext>
     </p:extLst>
   </p:cSld>
@@ -4468,7 +5173,7 @@
           <p:cNvPr id="2" name="Title 1">
             <a:extLst>
               <a:ext uri="{FF2B5EF4-FFF2-40B4-BE49-F238E27FC236}">
-                <a16:creationId xmlns:a16="http://schemas.microsoft.com/office/drawing/2014/main" id="{3C13B566-32A1-4F99-8EED-A7C6D8475255}"/>
+                <a16:creationId xmlns:a16="http://schemas.microsoft.com/office/drawing/2014/main" id="{8D294BAD-32D0-46FD-97A1-87C6B5FC1DA9}"/>
               </a:ext>
             </a:extLst>
           </p:cNvPr>
@@ -4486,19 +5191,7 @@
           <a:p>
             <a:r>
               <a:rPr lang="nl-NL" dirty="0"/>
-              <a:t>Young </a:t>
-            </a:r>
-            <a:r>
-              <a:rPr lang="nl-NL" dirty="0" err="1"/>
-              <a:t>women</a:t>
-            </a:r>
-            <a:r>
-              <a:rPr lang="nl-NL" dirty="0"/>
-              <a:t> vs. Old </a:t>
-            </a:r>
-            <a:r>
-              <a:rPr lang="nl-NL" dirty="0" err="1"/>
-              <a:t>women</a:t>
+              <a:t>Old vs. Young</a:t>
             </a:r>
             <a:endParaRPr lang="en-GB" dirty="0"/>
           </a:p>
@@ -4509,7 +5202,7 @@
           <p:cNvPr id="3" name="Content Placeholder 2">
             <a:extLst>
               <a:ext uri="{FF2B5EF4-FFF2-40B4-BE49-F238E27FC236}">
-                <a16:creationId xmlns:a16="http://schemas.microsoft.com/office/drawing/2014/main" id="{EDEE13CB-647F-431B-8362-6AFF0D376216}"/>
+                <a16:creationId xmlns:a16="http://schemas.microsoft.com/office/drawing/2014/main" id="{027A960A-B4D8-4D25-B4F6-827A2C4935EA}"/>
               </a:ext>
             </a:extLst>
           </p:cNvPr>
@@ -4531,10 +5224,10 @@
       </p:sp>
       <p:pic>
         <p:nvPicPr>
-          <p:cNvPr id="5" name="Picture 4">
-            <a:extLst>
-              <a:ext uri="{FF2B5EF4-FFF2-40B4-BE49-F238E27FC236}">
-                <a16:creationId xmlns:a16="http://schemas.microsoft.com/office/drawing/2014/main" id="{7F55613A-9351-4585-9B48-EE90B1DF7B53}"/>
+          <p:cNvPr id="6" name="Picture 5">
+            <a:extLst>
+              <a:ext uri="{FF2B5EF4-FFF2-40B4-BE49-F238E27FC236}">
+                <a16:creationId xmlns:a16="http://schemas.microsoft.com/office/drawing/2014/main" id="{48F09DBD-0E84-4EDC-B55F-EB58693BE6FA}"/>
               </a:ext>
             </a:extLst>
           </p:cNvPr>
@@ -4551,18 +5244,77 @@
         </p:blipFill>
         <p:spPr>
           <a:xfrm>
-            <a:off x="3043619" y="1453154"/>
-            <a:ext cx="6104762" cy="4723809"/>
+            <a:off x="6055920" y="950266"/>
+            <a:ext cx="6120000" cy="4957467"/>
           </a:xfrm>
           <a:prstGeom prst="rect">
             <a:avLst/>
           </a:prstGeom>
         </p:spPr>
       </p:pic>
+      <p:pic>
+        <p:nvPicPr>
+          <p:cNvPr id="8" name="Picture 7">
+            <a:extLst>
+              <a:ext uri="{FF2B5EF4-FFF2-40B4-BE49-F238E27FC236}">
+                <a16:creationId xmlns:a16="http://schemas.microsoft.com/office/drawing/2014/main" id="{88DDB5FD-A295-4EEF-9AD6-863113B82276}"/>
+              </a:ext>
+            </a:extLst>
+          </p:cNvPr>
+          <p:cNvPicPr>
+            <a:picLocks noChangeAspect="1"/>
+          </p:cNvPicPr>
+          <p:nvPr/>
+        </p:nvPicPr>
+        <p:blipFill>
+          <a:blip r:embed="rId3"/>
+          <a:stretch>
+            <a:fillRect/>
+          </a:stretch>
+        </p:blipFill>
+        <p:spPr>
+          <a:xfrm>
+            <a:off x="0" y="1270504"/>
+            <a:ext cx="4835190" cy="5272481"/>
+          </a:xfrm>
+          <a:prstGeom prst="rect">
+            <a:avLst/>
+          </a:prstGeom>
+        </p:spPr>
+      </p:pic>
+      <p:sp>
+        <p:nvSpPr>
+          <p:cNvPr id="9" name="Slide Number Placeholder 8">
+            <a:extLst>
+              <a:ext uri="{FF2B5EF4-FFF2-40B4-BE49-F238E27FC236}">
+                <a16:creationId xmlns:a16="http://schemas.microsoft.com/office/drawing/2014/main" id="{CF13D432-40AB-444A-A7D0-4ADAB68B40F2}"/>
+              </a:ext>
+            </a:extLst>
+          </p:cNvPr>
+          <p:cNvSpPr>
+            <a:spLocks noGrp="1"/>
+          </p:cNvSpPr>
+          <p:nvPr>
+            <p:ph type="sldNum" sz="quarter" idx="12"/>
+          </p:nvPr>
+        </p:nvSpPr>
+        <p:spPr/>
+        <p:txBody>
+          <a:bodyPr/>
+          <a:lstStyle/>
+          <a:p>
+            <a:fld id="{47D21762-8E6F-420A-9BE8-C943AA3E7C06}" type="slidenum">
+              <a:rPr lang="en-GB" smtClean="0"/>
+              <a:t>18</a:t>
+            </a:fld>
+            <a:endParaRPr lang="en-GB"/>
+          </a:p>
+        </p:txBody>
+      </p:sp>
     </p:spTree>
     <p:extLst>
       <p:ext uri="{BB962C8B-B14F-4D97-AF65-F5344CB8AC3E}">
-        <p14:creationId xmlns:p14="http://schemas.microsoft.com/office/powerpoint/2010/main" val="3467327411"/>
+        <p14:creationId xmlns:p14="http://schemas.microsoft.com/office/powerpoint/2010/main" val="2019807609"/>
       </p:ext>
     </p:extLst>
   </p:cSld>
@@ -4594,15 +5346,15 @@
           <p:cNvPr id="2" name="Title 1">
             <a:extLst>
               <a:ext uri="{FF2B5EF4-FFF2-40B4-BE49-F238E27FC236}">
-                <a16:creationId xmlns:a16="http://schemas.microsoft.com/office/drawing/2014/main" id="{FB291AE7-6B3E-4893-B6DB-3173E79F298B}"/>
-              </a:ext>
-            </a:extLst>
-          </p:cNvPr>
-          <p:cNvSpPr>
-            <a:spLocks noGrp="1"/>
-          </p:cNvSpPr>
-          <p:nvPr>
-            <p:ph type="ctrTitle"/>
+                <a16:creationId xmlns:a16="http://schemas.microsoft.com/office/drawing/2014/main" id="{AD9BE750-E0AD-4A75-A3F9-309F98E20408}"/>
+              </a:ext>
+            </a:extLst>
+          </p:cNvPr>
+          <p:cNvSpPr>
+            <a:spLocks noGrp="1"/>
+          </p:cNvSpPr>
+          <p:nvPr>
+            <p:ph type="title"/>
           </p:nvPr>
         </p:nvSpPr>
         <p:spPr/>
@@ -4612,7 +5364,7 @@
           <a:p>
             <a:r>
               <a:rPr lang="nl-NL" dirty="0"/>
-              <a:t>COVSCA</a:t>
+              <a:t>Young men vs. Old men</a:t>
             </a:r>
             <a:endParaRPr lang="en-GB" dirty="0"/>
           </a:p>
@@ -4620,53 +5372,136 @@
       </p:sp>
       <p:sp>
         <p:nvSpPr>
-          <p:cNvPr id="3" name="Subtitle 2">
-            <a:extLst>
-              <a:ext uri="{FF2B5EF4-FFF2-40B4-BE49-F238E27FC236}">
-                <a16:creationId xmlns:a16="http://schemas.microsoft.com/office/drawing/2014/main" id="{7BEE05D5-A717-444F-BBFF-721E19368E52}"/>
-              </a:ext>
-            </a:extLst>
-          </p:cNvPr>
-          <p:cNvSpPr>
-            <a:spLocks noGrp="1"/>
-          </p:cNvSpPr>
-          <p:nvPr>
-            <p:ph type="subTitle" idx="1"/>
-          </p:nvPr>
-        </p:nvSpPr>
-        <p:spPr/>
-        <p:txBody>
-          <a:bodyPr/>
-          <a:lstStyle/>
-          <a:p>
-            <a:r>
-              <a:rPr lang="nl-NL" dirty="0" err="1"/>
-              <a:t>Only</a:t>
-            </a:r>
-            <a:r>
-              <a:rPr lang="nl-NL" dirty="0"/>
-              <a:t> </a:t>
-            </a:r>
-            <a:r>
-              <a:rPr lang="nl-NL" dirty="0" err="1"/>
-              <a:t>Lipoprotein</a:t>
-            </a:r>
-            <a:r>
-              <a:rPr lang="nl-NL" dirty="0"/>
-              <a:t> </a:t>
-            </a:r>
-            <a:r>
-              <a:rPr lang="nl-NL" dirty="0" err="1"/>
-              <a:t>Main</a:t>
-            </a:r>
-            <a:r>
-              <a:rPr lang="nl-NL" dirty="0"/>
-              <a:t> </a:t>
-            </a:r>
-            <a:r>
-              <a:rPr lang="nl-NL" dirty="0" err="1"/>
-              <a:t>Fractions</a:t>
-            </a:r>
+          <p:cNvPr id="3" name="Content Placeholder 2">
+            <a:extLst>
+              <a:ext uri="{FF2B5EF4-FFF2-40B4-BE49-F238E27FC236}">
+                <a16:creationId xmlns:a16="http://schemas.microsoft.com/office/drawing/2014/main" id="{92EEC039-BA2F-44EB-8A53-F8E0DAFB9B9B}"/>
+              </a:ext>
+            </a:extLst>
+          </p:cNvPr>
+          <p:cNvSpPr>
+            <a:spLocks noGrp="1"/>
+          </p:cNvSpPr>
+          <p:nvPr>
+            <p:ph idx="1"/>
+          </p:nvPr>
+        </p:nvSpPr>
+        <p:spPr/>
+        <p:txBody>
+          <a:bodyPr/>
+          <a:lstStyle/>
+          <a:p>
+            <a:endParaRPr lang="en-GB"/>
+          </a:p>
+        </p:txBody>
+      </p:sp>
+      <p:pic>
+        <p:nvPicPr>
+          <p:cNvPr id="5" name="Picture 4">
+            <a:extLst>
+              <a:ext uri="{FF2B5EF4-FFF2-40B4-BE49-F238E27FC236}">
+                <a16:creationId xmlns:a16="http://schemas.microsoft.com/office/drawing/2014/main" id="{014C0926-65FC-4E41-A412-A7E3364B9488}"/>
+              </a:ext>
+            </a:extLst>
+          </p:cNvPr>
+          <p:cNvPicPr>
+            <a:picLocks noChangeAspect="1"/>
+          </p:cNvPicPr>
+          <p:nvPr/>
+        </p:nvPicPr>
+        <p:blipFill>
+          <a:blip r:embed="rId2"/>
+          <a:stretch>
+            <a:fillRect/>
+          </a:stretch>
+        </p:blipFill>
+        <p:spPr>
+          <a:xfrm>
+            <a:off x="3043619" y="1453154"/>
+            <a:ext cx="6104762" cy="4723809"/>
+          </a:xfrm>
+          <a:prstGeom prst="rect">
+            <a:avLst/>
+          </a:prstGeom>
+        </p:spPr>
+      </p:pic>
+      <p:sp>
+        <p:nvSpPr>
+          <p:cNvPr id="4" name="Slide Number Placeholder 3">
+            <a:extLst>
+              <a:ext uri="{FF2B5EF4-FFF2-40B4-BE49-F238E27FC236}">
+                <a16:creationId xmlns:a16="http://schemas.microsoft.com/office/drawing/2014/main" id="{90567772-EE4F-4B82-BF55-F93F150086E4}"/>
+              </a:ext>
+            </a:extLst>
+          </p:cNvPr>
+          <p:cNvSpPr>
+            <a:spLocks noGrp="1"/>
+          </p:cNvSpPr>
+          <p:nvPr>
+            <p:ph type="sldNum" sz="quarter" idx="12"/>
+          </p:nvPr>
+        </p:nvSpPr>
+        <p:spPr/>
+        <p:txBody>
+          <a:bodyPr/>
+          <a:lstStyle/>
+          <a:p>
+            <a:fld id="{47D21762-8E6F-420A-9BE8-C943AA3E7C06}" type="slidenum">
+              <a:rPr lang="en-GB" smtClean="0"/>
+              <a:t>19</a:t>
+            </a:fld>
+            <a:endParaRPr lang="en-GB"/>
+          </a:p>
+        </p:txBody>
+      </p:sp>
+      <p:sp>
+        <p:nvSpPr>
+          <p:cNvPr id="7" name="Oval 6">
+            <a:extLst>
+              <a:ext uri="{FF2B5EF4-FFF2-40B4-BE49-F238E27FC236}">
+                <a16:creationId xmlns:a16="http://schemas.microsoft.com/office/drawing/2014/main" id="{B84556B6-1E5B-4C3F-8F2E-9233A0BD0340}"/>
+              </a:ext>
+            </a:extLst>
+          </p:cNvPr>
+          <p:cNvSpPr/>
+          <p:nvPr/>
+        </p:nvSpPr>
+        <p:spPr>
+          <a:xfrm>
+            <a:off x="5944997" y="5973123"/>
+            <a:ext cx="134224" cy="142612"/>
+          </a:xfrm>
+          <a:prstGeom prst="ellipse">
+            <a:avLst/>
+          </a:prstGeom>
+          <a:noFill/>
+          <a:ln>
+            <a:solidFill>
+              <a:srgbClr val="FF0000"/>
+            </a:solidFill>
+          </a:ln>
+        </p:spPr>
+        <p:style>
+          <a:lnRef idx="2">
+            <a:schemeClr val="accent1">
+              <a:shade val="50000"/>
+            </a:schemeClr>
+          </a:lnRef>
+          <a:fillRef idx="1">
+            <a:schemeClr val="accent1"/>
+          </a:fillRef>
+          <a:effectRef idx="0">
+            <a:schemeClr val="accent1"/>
+          </a:effectRef>
+          <a:fontRef idx="minor">
+            <a:schemeClr val="lt1"/>
+          </a:fontRef>
+        </p:style>
+        <p:txBody>
+          <a:bodyPr rtlCol="0" anchor="ctr"/>
+          <a:lstStyle/>
+          <a:p>
+            <a:pPr algn="ctr"/>
             <a:endParaRPr lang="en-GB" dirty="0"/>
           </a:p>
         </p:txBody>
@@ -4674,7 +5509,7 @@
     </p:spTree>
     <p:extLst>
       <p:ext uri="{BB962C8B-B14F-4D97-AF65-F5344CB8AC3E}">
-        <p14:creationId xmlns:p14="http://schemas.microsoft.com/office/powerpoint/2010/main" val="1156986223"/>
+        <p14:creationId xmlns:p14="http://schemas.microsoft.com/office/powerpoint/2010/main" val="782174761"/>
       </p:ext>
     </p:extLst>
   </p:cSld>
@@ -4797,6 +5632,35 @@
           </a:prstGeom>
         </p:spPr>
       </p:pic>
+      <p:sp>
+        <p:nvSpPr>
+          <p:cNvPr id="4" name="Slide Number Placeholder 3">
+            <a:extLst>
+              <a:ext uri="{FF2B5EF4-FFF2-40B4-BE49-F238E27FC236}">
+                <a16:creationId xmlns:a16="http://schemas.microsoft.com/office/drawing/2014/main" id="{BEB0416C-B503-4F63-9248-B382E47AFED9}"/>
+              </a:ext>
+            </a:extLst>
+          </p:cNvPr>
+          <p:cNvSpPr>
+            <a:spLocks noGrp="1"/>
+          </p:cNvSpPr>
+          <p:nvPr>
+            <p:ph type="sldNum" sz="quarter" idx="12"/>
+          </p:nvPr>
+        </p:nvSpPr>
+        <p:spPr/>
+        <p:txBody>
+          <a:bodyPr/>
+          <a:lstStyle/>
+          <a:p>
+            <a:fld id="{47D21762-8E6F-420A-9BE8-C943AA3E7C06}" type="slidenum">
+              <a:rPr lang="en-GB" smtClean="0"/>
+              <a:t>2</a:t>
+            </a:fld>
+            <a:endParaRPr lang="en-GB"/>
+          </a:p>
+        </p:txBody>
+      </p:sp>
     </p:spTree>
     <p:extLst>
       <p:ext uri="{BB962C8B-B14F-4D97-AF65-F5344CB8AC3E}">
@@ -4832,7 +5696,7 @@
           <p:cNvPr id="2" name="Title 1">
             <a:extLst>
               <a:ext uri="{FF2B5EF4-FFF2-40B4-BE49-F238E27FC236}">
-                <a16:creationId xmlns:a16="http://schemas.microsoft.com/office/drawing/2014/main" id="{712D02E1-62D8-4060-A127-7FB5DB7260D3}"/>
+                <a16:creationId xmlns:a16="http://schemas.microsoft.com/office/drawing/2014/main" id="{AD9BE750-E0AD-4A75-A3F9-309F98E20408}"/>
               </a:ext>
             </a:extLst>
           </p:cNvPr>
@@ -4848,7 +5712,11 @@
           <a:bodyPr/>
           <a:lstStyle/>
           <a:p>
-            <a:endParaRPr lang="en-GB"/>
+            <a:r>
+              <a:rPr lang="nl-NL" dirty="0"/>
+              <a:t>Young men vs. Old men</a:t>
+            </a:r>
+            <a:endParaRPr lang="en-GB" dirty="0"/>
           </a:p>
         </p:txBody>
       </p:sp>
@@ -4857,7 +5725,7 @@
           <p:cNvPr id="3" name="Content Placeholder 2">
             <a:extLst>
               <a:ext uri="{FF2B5EF4-FFF2-40B4-BE49-F238E27FC236}">
-                <a16:creationId xmlns:a16="http://schemas.microsoft.com/office/drawing/2014/main" id="{36BF2B10-4382-439F-AD45-C437FEFCD091}"/>
+                <a16:creationId xmlns:a16="http://schemas.microsoft.com/office/drawing/2014/main" id="{92EEC039-BA2F-44EB-8A53-F8E0DAFB9B9B}"/>
               </a:ext>
             </a:extLst>
           </p:cNvPr>
@@ -4879,10 +5747,10 @@
       </p:sp>
       <p:pic>
         <p:nvPicPr>
-          <p:cNvPr id="5" name="Picture 4">
-            <a:extLst>
-              <a:ext uri="{FF2B5EF4-FFF2-40B4-BE49-F238E27FC236}">
-                <a16:creationId xmlns:a16="http://schemas.microsoft.com/office/drawing/2014/main" id="{FCAC08E3-F7C1-43DE-9EA9-E76FED33A1B8}"/>
+          <p:cNvPr id="6" name="Picture 5">
+            <a:extLst>
+              <a:ext uri="{FF2B5EF4-FFF2-40B4-BE49-F238E27FC236}">
+                <a16:creationId xmlns:a16="http://schemas.microsoft.com/office/drawing/2014/main" id="{6F88865A-7141-427C-BFFB-DC5AC77A1B88}"/>
               </a:ext>
             </a:extLst>
           </p:cNvPr>
@@ -4899,18 +5767,1279 @@
         </p:blipFill>
         <p:spPr>
           <a:xfrm>
-            <a:off x="2338387" y="366712"/>
-            <a:ext cx="7515225" cy="6124575"/>
+            <a:off x="0" y="1714500"/>
+            <a:ext cx="6120000" cy="4269767"/>
           </a:xfrm>
           <a:prstGeom prst="rect">
             <a:avLst/>
           </a:prstGeom>
         </p:spPr>
       </p:pic>
+      <p:pic>
+        <p:nvPicPr>
+          <p:cNvPr id="8" name="Picture 7">
+            <a:extLst>
+              <a:ext uri="{FF2B5EF4-FFF2-40B4-BE49-F238E27FC236}">
+                <a16:creationId xmlns:a16="http://schemas.microsoft.com/office/drawing/2014/main" id="{930CCB81-FC97-414F-BA20-A4753B01715C}"/>
+              </a:ext>
+            </a:extLst>
+          </p:cNvPr>
+          <p:cNvPicPr>
+            <a:picLocks noChangeAspect="1"/>
+          </p:cNvPicPr>
+          <p:nvPr/>
+        </p:nvPicPr>
+        <p:blipFill>
+          <a:blip r:embed="rId3"/>
+          <a:stretch>
+            <a:fillRect/>
+          </a:stretch>
+        </p:blipFill>
+        <p:spPr>
+          <a:xfrm>
+            <a:off x="6072000" y="571103"/>
+            <a:ext cx="6120000" cy="6150372"/>
+          </a:xfrm>
+          <a:prstGeom prst="rect">
+            <a:avLst/>
+          </a:prstGeom>
+        </p:spPr>
+      </p:pic>
+      <p:sp>
+        <p:nvSpPr>
+          <p:cNvPr id="9" name="Slide Number Placeholder 8">
+            <a:extLst>
+              <a:ext uri="{FF2B5EF4-FFF2-40B4-BE49-F238E27FC236}">
+                <a16:creationId xmlns:a16="http://schemas.microsoft.com/office/drawing/2014/main" id="{95097991-5D6E-4224-8FEB-75B63FC8349E}"/>
+              </a:ext>
+            </a:extLst>
+          </p:cNvPr>
+          <p:cNvSpPr>
+            <a:spLocks noGrp="1"/>
+          </p:cNvSpPr>
+          <p:nvPr>
+            <p:ph type="sldNum" sz="quarter" idx="12"/>
+          </p:nvPr>
+        </p:nvSpPr>
+        <p:spPr/>
+        <p:txBody>
+          <a:bodyPr/>
+          <a:lstStyle/>
+          <a:p>
+            <a:fld id="{47D21762-8E6F-420A-9BE8-C943AA3E7C06}" type="slidenum">
+              <a:rPr lang="en-GB" smtClean="0"/>
+              <a:t>20</a:t>
+            </a:fld>
+            <a:endParaRPr lang="en-GB"/>
+          </a:p>
+        </p:txBody>
+      </p:sp>
+    </p:spTree>
+    <p:extLst>
+      <p:ext uri="{BB962C8B-B14F-4D97-AF65-F5344CB8AC3E}">
+        <p14:creationId xmlns:p14="http://schemas.microsoft.com/office/powerpoint/2010/main" val="2242727531"/>
+      </p:ext>
+    </p:extLst>
+  </p:cSld>
+  <p:clrMapOvr>
+    <a:masterClrMapping/>
+  </p:clrMapOvr>
+</p:sld>
+</file>
+
+<file path=ppt/slides/slide21.xml><?xml version="1.0" encoding="utf-8"?>
+<p:sld xmlns:a="http://schemas.openxmlformats.org/drawingml/2006/main" xmlns:r="http://schemas.openxmlformats.org/officeDocument/2006/relationships" xmlns:p="http://schemas.openxmlformats.org/presentationml/2006/main">
+  <p:cSld>
+    <p:spTree>
+      <p:nvGrpSpPr>
+        <p:cNvPr id="1" name=""/>
+        <p:cNvGrpSpPr/>
+        <p:nvPr/>
+      </p:nvGrpSpPr>
+      <p:grpSpPr>
+        <a:xfrm>
+          <a:off x="0" y="0"/>
+          <a:ext cx="0" cy="0"/>
+          <a:chOff x="0" y="0"/>
+          <a:chExt cx="0" cy="0"/>
+        </a:xfrm>
+      </p:grpSpPr>
+      <p:sp>
+        <p:nvSpPr>
+          <p:cNvPr id="2" name="Title 1">
+            <a:extLst>
+              <a:ext uri="{FF2B5EF4-FFF2-40B4-BE49-F238E27FC236}">
+                <a16:creationId xmlns:a16="http://schemas.microsoft.com/office/drawing/2014/main" id="{3C13B566-32A1-4F99-8EED-A7C6D8475255}"/>
+              </a:ext>
+            </a:extLst>
+          </p:cNvPr>
+          <p:cNvSpPr>
+            <a:spLocks noGrp="1"/>
+          </p:cNvSpPr>
+          <p:nvPr>
+            <p:ph type="title"/>
+          </p:nvPr>
+        </p:nvSpPr>
+        <p:spPr/>
+        <p:txBody>
+          <a:bodyPr/>
+          <a:lstStyle/>
+          <a:p>
+            <a:r>
+              <a:rPr lang="nl-NL" dirty="0"/>
+              <a:t>Young </a:t>
+            </a:r>
+            <a:r>
+              <a:rPr lang="nl-NL" dirty="0" err="1"/>
+              <a:t>women</a:t>
+            </a:r>
+            <a:r>
+              <a:rPr lang="nl-NL" dirty="0"/>
+              <a:t> vs. Old </a:t>
+            </a:r>
+            <a:r>
+              <a:rPr lang="nl-NL" dirty="0" err="1"/>
+              <a:t>women</a:t>
+            </a:r>
+            <a:endParaRPr lang="en-GB" dirty="0"/>
+          </a:p>
+        </p:txBody>
+      </p:sp>
+      <p:sp>
+        <p:nvSpPr>
+          <p:cNvPr id="3" name="Content Placeholder 2">
+            <a:extLst>
+              <a:ext uri="{FF2B5EF4-FFF2-40B4-BE49-F238E27FC236}">
+                <a16:creationId xmlns:a16="http://schemas.microsoft.com/office/drawing/2014/main" id="{EDEE13CB-647F-431B-8362-6AFF0D376216}"/>
+              </a:ext>
+            </a:extLst>
+          </p:cNvPr>
+          <p:cNvSpPr>
+            <a:spLocks noGrp="1"/>
+          </p:cNvSpPr>
+          <p:nvPr>
+            <p:ph idx="1"/>
+          </p:nvPr>
+        </p:nvSpPr>
+        <p:spPr/>
+        <p:txBody>
+          <a:bodyPr/>
+          <a:lstStyle/>
+          <a:p>
+            <a:endParaRPr lang="en-GB"/>
+          </a:p>
+        </p:txBody>
+      </p:sp>
+      <p:pic>
+        <p:nvPicPr>
+          <p:cNvPr id="5" name="Picture 4">
+            <a:extLst>
+              <a:ext uri="{FF2B5EF4-FFF2-40B4-BE49-F238E27FC236}">
+                <a16:creationId xmlns:a16="http://schemas.microsoft.com/office/drawing/2014/main" id="{7F55613A-9351-4585-9B48-EE90B1DF7B53}"/>
+              </a:ext>
+            </a:extLst>
+          </p:cNvPr>
+          <p:cNvPicPr>
+            <a:picLocks noChangeAspect="1"/>
+          </p:cNvPicPr>
+          <p:nvPr/>
+        </p:nvPicPr>
+        <p:blipFill>
+          <a:blip r:embed="rId2"/>
+          <a:stretch>
+            <a:fillRect/>
+          </a:stretch>
+        </p:blipFill>
+        <p:spPr>
+          <a:xfrm>
+            <a:off x="3043619" y="1453154"/>
+            <a:ext cx="6104762" cy="4723809"/>
+          </a:xfrm>
+          <a:prstGeom prst="rect">
+            <a:avLst/>
+          </a:prstGeom>
+        </p:spPr>
+      </p:pic>
+      <p:sp>
+        <p:nvSpPr>
+          <p:cNvPr id="4" name="Slide Number Placeholder 3">
+            <a:extLst>
+              <a:ext uri="{FF2B5EF4-FFF2-40B4-BE49-F238E27FC236}">
+                <a16:creationId xmlns:a16="http://schemas.microsoft.com/office/drawing/2014/main" id="{019806B9-6E63-4D46-ADBC-F914ED33BA89}"/>
+              </a:ext>
+            </a:extLst>
+          </p:cNvPr>
+          <p:cNvSpPr>
+            <a:spLocks noGrp="1"/>
+          </p:cNvSpPr>
+          <p:nvPr>
+            <p:ph type="sldNum" sz="quarter" idx="12"/>
+          </p:nvPr>
+        </p:nvSpPr>
+        <p:spPr/>
+        <p:txBody>
+          <a:bodyPr/>
+          <a:lstStyle/>
+          <a:p>
+            <a:fld id="{47D21762-8E6F-420A-9BE8-C943AA3E7C06}" type="slidenum">
+              <a:rPr lang="en-GB" smtClean="0"/>
+              <a:t>21</a:t>
+            </a:fld>
+            <a:endParaRPr lang="en-GB"/>
+          </a:p>
+        </p:txBody>
+      </p:sp>
+      <p:sp>
+        <p:nvSpPr>
+          <p:cNvPr id="7" name="Oval 6">
+            <a:extLst>
+              <a:ext uri="{FF2B5EF4-FFF2-40B4-BE49-F238E27FC236}">
+                <a16:creationId xmlns:a16="http://schemas.microsoft.com/office/drawing/2014/main" id="{7098F196-D334-4759-9FEC-C14D7627BA8D}"/>
+              </a:ext>
+            </a:extLst>
+          </p:cNvPr>
+          <p:cNvSpPr/>
+          <p:nvPr/>
+        </p:nvSpPr>
+        <p:spPr>
+          <a:xfrm>
+            <a:off x="5944997" y="5973123"/>
+            <a:ext cx="134224" cy="142612"/>
+          </a:xfrm>
+          <a:prstGeom prst="ellipse">
+            <a:avLst/>
+          </a:prstGeom>
+          <a:noFill/>
+          <a:ln>
+            <a:solidFill>
+              <a:srgbClr val="FF0000"/>
+            </a:solidFill>
+          </a:ln>
+        </p:spPr>
+        <p:style>
+          <a:lnRef idx="2">
+            <a:schemeClr val="accent1">
+              <a:shade val="50000"/>
+            </a:schemeClr>
+          </a:lnRef>
+          <a:fillRef idx="1">
+            <a:schemeClr val="accent1"/>
+          </a:fillRef>
+          <a:effectRef idx="0">
+            <a:schemeClr val="accent1"/>
+          </a:effectRef>
+          <a:fontRef idx="minor">
+            <a:schemeClr val="lt1"/>
+          </a:fontRef>
+        </p:style>
+        <p:txBody>
+          <a:bodyPr rtlCol="0" anchor="ctr"/>
+          <a:lstStyle/>
+          <a:p>
+            <a:pPr algn="ctr"/>
+            <a:endParaRPr lang="en-GB" dirty="0"/>
+          </a:p>
+        </p:txBody>
+      </p:sp>
+    </p:spTree>
+    <p:extLst>
+      <p:ext uri="{BB962C8B-B14F-4D97-AF65-F5344CB8AC3E}">
+        <p14:creationId xmlns:p14="http://schemas.microsoft.com/office/powerpoint/2010/main" val="3467327411"/>
+      </p:ext>
+    </p:extLst>
+  </p:cSld>
+  <p:clrMapOvr>
+    <a:masterClrMapping/>
+  </p:clrMapOvr>
+</p:sld>
+</file>
+
+<file path=ppt/slides/slide22.xml><?xml version="1.0" encoding="utf-8"?>
+<p:sld xmlns:a="http://schemas.openxmlformats.org/drawingml/2006/main" xmlns:r="http://schemas.openxmlformats.org/officeDocument/2006/relationships" xmlns:p="http://schemas.openxmlformats.org/presentationml/2006/main">
+  <p:cSld>
+    <p:spTree>
+      <p:nvGrpSpPr>
+        <p:cNvPr id="1" name=""/>
+        <p:cNvGrpSpPr/>
+        <p:nvPr/>
+      </p:nvGrpSpPr>
+      <p:grpSpPr>
+        <a:xfrm>
+          <a:off x="0" y="0"/>
+          <a:ext cx="0" cy="0"/>
+          <a:chOff x="0" y="0"/>
+          <a:chExt cx="0" cy="0"/>
+        </a:xfrm>
+      </p:grpSpPr>
+      <p:sp>
+        <p:nvSpPr>
+          <p:cNvPr id="2" name="Title 1">
+            <a:extLst>
+              <a:ext uri="{FF2B5EF4-FFF2-40B4-BE49-F238E27FC236}">
+                <a16:creationId xmlns:a16="http://schemas.microsoft.com/office/drawing/2014/main" id="{3C13B566-32A1-4F99-8EED-A7C6D8475255}"/>
+              </a:ext>
+            </a:extLst>
+          </p:cNvPr>
+          <p:cNvSpPr>
+            <a:spLocks noGrp="1"/>
+          </p:cNvSpPr>
+          <p:nvPr>
+            <p:ph type="title"/>
+          </p:nvPr>
+        </p:nvSpPr>
+        <p:spPr/>
+        <p:txBody>
+          <a:bodyPr/>
+          <a:lstStyle/>
+          <a:p>
+            <a:r>
+              <a:rPr lang="nl-NL" dirty="0"/>
+              <a:t>Young </a:t>
+            </a:r>
+            <a:r>
+              <a:rPr lang="nl-NL" dirty="0" err="1"/>
+              <a:t>women</a:t>
+            </a:r>
+            <a:r>
+              <a:rPr lang="nl-NL" dirty="0"/>
+              <a:t> vs. Old </a:t>
+            </a:r>
+            <a:r>
+              <a:rPr lang="nl-NL" dirty="0" err="1"/>
+              <a:t>women</a:t>
+            </a:r>
+            <a:endParaRPr lang="en-GB" dirty="0"/>
+          </a:p>
+        </p:txBody>
+      </p:sp>
+      <p:sp>
+        <p:nvSpPr>
+          <p:cNvPr id="3" name="Content Placeholder 2">
+            <a:extLst>
+              <a:ext uri="{FF2B5EF4-FFF2-40B4-BE49-F238E27FC236}">
+                <a16:creationId xmlns:a16="http://schemas.microsoft.com/office/drawing/2014/main" id="{EDEE13CB-647F-431B-8362-6AFF0D376216}"/>
+              </a:ext>
+            </a:extLst>
+          </p:cNvPr>
+          <p:cNvSpPr>
+            <a:spLocks noGrp="1"/>
+          </p:cNvSpPr>
+          <p:nvPr>
+            <p:ph idx="1"/>
+          </p:nvPr>
+        </p:nvSpPr>
+        <p:spPr/>
+        <p:txBody>
+          <a:bodyPr/>
+          <a:lstStyle/>
+          <a:p>
+            <a:endParaRPr lang="en-GB"/>
+          </a:p>
+        </p:txBody>
+      </p:sp>
+      <p:pic>
+        <p:nvPicPr>
+          <p:cNvPr id="6" name="Picture 5">
+            <a:extLst>
+              <a:ext uri="{FF2B5EF4-FFF2-40B4-BE49-F238E27FC236}">
+                <a16:creationId xmlns:a16="http://schemas.microsoft.com/office/drawing/2014/main" id="{48373593-59F0-4501-BE20-F04E4F8C4A0C}"/>
+              </a:ext>
+            </a:extLst>
+          </p:cNvPr>
+          <p:cNvPicPr>
+            <a:picLocks noChangeAspect="1"/>
+          </p:cNvPicPr>
+          <p:nvPr/>
+        </p:nvPicPr>
+        <p:blipFill>
+          <a:blip r:embed="rId2"/>
+          <a:stretch>
+            <a:fillRect/>
+          </a:stretch>
+        </p:blipFill>
+        <p:spPr>
+          <a:xfrm>
+            <a:off x="131161" y="1888380"/>
+            <a:ext cx="5749501" cy="3901063"/>
+          </a:xfrm>
+          <a:prstGeom prst="rect">
+            <a:avLst/>
+          </a:prstGeom>
+        </p:spPr>
+      </p:pic>
+      <p:pic>
+        <p:nvPicPr>
+          <p:cNvPr id="8" name="Picture 7">
+            <a:extLst>
+              <a:ext uri="{FF2B5EF4-FFF2-40B4-BE49-F238E27FC236}">
+                <a16:creationId xmlns:a16="http://schemas.microsoft.com/office/drawing/2014/main" id="{C2E96F3A-7B3A-48B7-872B-B503C95C69DA}"/>
+              </a:ext>
+            </a:extLst>
+          </p:cNvPr>
+          <p:cNvPicPr>
+            <a:picLocks noChangeAspect="1"/>
+          </p:cNvPicPr>
+          <p:nvPr/>
+        </p:nvPicPr>
+        <p:blipFill>
+          <a:blip r:embed="rId3"/>
+          <a:stretch>
+            <a:fillRect/>
+          </a:stretch>
+        </p:blipFill>
+        <p:spPr>
+          <a:xfrm>
+            <a:off x="7843007" y="1138912"/>
+            <a:ext cx="4348993" cy="5400000"/>
+          </a:xfrm>
+          <a:prstGeom prst="rect">
+            <a:avLst/>
+          </a:prstGeom>
+        </p:spPr>
+      </p:pic>
+      <p:sp>
+        <p:nvSpPr>
+          <p:cNvPr id="9" name="Slide Number Placeholder 8">
+            <a:extLst>
+              <a:ext uri="{FF2B5EF4-FFF2-40B4-BE49-F238E27FC236}">
+                <a16:creationId xmlns:a16="http://schemas.microsoft.com/office/drawing/2014/main" id="{BD95D2EF-359F-418A-BA0A-4EF5C5DCAB76}"/>
+              </a:ext>
+            </a:extLst>
+          </p:cNvPr>
+          <p:cNvSpPr>
+            <a:spLocks noGrp="1"/>
+          </p:cNvSpPr>
+          <p:nvPr>
+            <p:ph type="sldNum" sz="quarter" idx="12"/>
+          </p:nvPr>
+        </p:nvSpPr>
+        <p:spPr/>
+        <p:txBody>
+          <a:bodyPr/>
+          <a:lstStyle/>
+          <a:p>
+            <a:fld id="{47D21762-8E6F-420A-9BE8-C943AA3E7C06}" type="slidenum">
+              <a:rPr lang="en-GB" smtClean="0"/>
+              <a:t>22</a:t>
+            </a:fld>
+            <a:endParaRPr lang="en-GB"/>
+          </a:p>
+        </p:txBody>
+      </p:sp>
+    </p:spTree>
+    <p:extLst>
+      <p:ext uri="{BB962C8B-B14F-4D97-AF65-F5344CB8AC3E}">
+        <p14:creationId xmlns:p14="http://schemas.microsoft.com/office/powerpoint/2010/main" val="3408372754"/>
+      </p:ext>
+    </p:extLst>
+  </p:cSld>
+  <p:clrMapOvr>
+    <a:masterClrMapping/>
+  </p:clrMapOvr>
+</p:sld>
+</file>
+
+<file path=ppt/slides/slide23.xml><?xml version="1.0" encoding="utf-8"?>
+<p:sld xmlns:a="http://schemas.openxmlformats.org/drawingml/2006/main" xmlns:r="http://schemas.openxmlformats.org/officeDocument/2006/relationships" xmlns:p="http://schemas.openxmlformats.org/presentationml/2006/main">
+  <p:cSld>
+    <p:spTree>
+      <p:nvGrpSpPr>
+        <p:cNvPr id="1" name=""/>
+        <p:cNvGrpSpPr/>
+        <p:nvPr/>
+      </p:nvGrpSpPr>
+      <p:grpSpPr>
+        <a:xfrm>
+          <a:off x="0" y="0"/>
+          <a:ext cx="0" cy="0"/>
+          <a:chOff x="0" y="0"/>
+          <a:chExt cx="0" cy="0"/>
+        </a:xfrm>
+      </p:grpSpPr>
+      <p:sp>
+        <p:nvSpPr>
+          <p:cNvPr id="2" name="Title 1">
+            <a:extLst>
+              <a:ext uri="{FF2B5EF4-FFF2-40B4-BE49-F238E27FC236}">
+                <a16:creationId xmlns:a16="http://schemas.microsoft.com/office/drawing/2014/main" id="{FB291AE7-6B3E-4893-B6DB-3173E79F298B}"/>
+              </a:ext>
+            </a:extLst>
+          </p:cNvPr>
+          <p:cNvSpPr>
+            <a:spLocks noGrp="1"/>
+          </p:cNvSpPr>
+          <p:nvPr>
+            <p:ph type="ctrTitle"/>
+          </p:nvPr>
+        </p:nvSpPr>
+        <p:spPr/>
+        <p:txBody>
+          <a:bodyPr/>
+          <a:lstStyle/>
+          <a:p>
+            <a:r>
+              <a:rPr lang="nl-NL" dirty="0"/>
+              <a:t>COVSCA</a:t>
+            </a:r>
+            <a:endParaRPr lang="en-GB" dirty="0"/>
+          </a:p>
+        </p:txBody>
+      </p:sp>
+      <p:sp>
+        <p:nvSpPr>
+          <p:cNvPr id="3" name="Subtitle 2">
+            <a:extLst>
+              <a:ext uri="{FF2B5EF4-FFF2-40B4-BE49-F238E27FC236}">
+                <a16:creationId xmlns:a16="http://schemas.microsoft.com/office/drawing/2014/main" id="{7BEE05D5-A717-444F-BBFF-721E19368E52}"/>
+              </a:ext>
+            </a:extLst>
+          </p:cNvPr>
+          <p:cNvSpPr>
+            <a:spLocks noGrp="1"/>
+          </p:cNvSpPr>
+          <p:nvPr>
+            <p:ph type="subTitle" idx="1"/>
+          </p:nvPr>
+        </p:nvSpPr>
+        <p:spPr/>
+        <p:txBody>
+          <a:bodyPr/>
+          <a:lstStyle/>
+          <a:p>
+            <a:r>
+              <a:rPr lang="nl-NL" dirty="0" err="1"/>
+              <a:t>Only</a:t>
+            </a:r>
+            <a:r>
+              <a:rPr lang="nl-NL" dirty="0"/>
+              <a:t> </a:t>
+            </a:r>
+            <a:r>
+              <a:rPr lang="nl-NL" dirty="0" err="1"/>
+              <a:t>Lipoprotein</a:t>
+            </a:r>
+            <a:r>
+              <a:rPr lang="nl-NL" dirty="0"/>
+              <a:t> </a:t>
+            </a:r>
+            <a:r>
+              <a:rPr lang="nl-NL" dirty="0" err="1"/>
+              <a:t>Main</a:t>
+            </a:r>
+            <a:r>
+              <a:rPr lang="nl-NL" dirty="0"/>
+              <a:t> </a:t>
+            </a:r>
+            <a:r>
+              <a:rPr lang="nl-NL" dirty="0" err="1"/>
+              <a:t>Fractions</a:t>
+            </a:r>
+            <a:endParaRPr lang="en-GB" dirty="0"/>
+          </a:p>
+        </p:txBody>
+      </p:sp>
+      <p:sp>
+        <p:nvSpPr>
+          <p:cNvPr id="4" name="Slide Number Placeholder 3">
+            <a:extLst>
+              <a:ext uri="{FF2B5EF4-FFF2-40B4-BE49-F238E27FC236}">
+                <a16:creationId xmlns:a16="http://schemas.microsoft.com/office/drawing/2014/main" id="{59B0C478-A17C-4FF4-BCFE-3A30DEC53377}"/>
+              </a:ext>
+            </a:extLst>
+          </p:cNvPr>
+          <p:cNvSpPr>
+            <a:spLocks noGrp="1"/>
+          </p:cNvSpPr>
+          <p:nvPr>
+            <p:ph type="sldNum" sz="quarter" idx="12"/>
+          </p:nvPr>
+        </p:nvSpPr>
+        <p:spPr/>
+        <p:txBody>
+          <a:bodyPr/>
+          <a:lstStyle/>
+          <a:p>
+            <a:fld id="{47D21762-8E6F-420A-9BE8-C943AA3E7C06}" type="slidenum">
+              <a:rPr lang="en-GB" smtClean="0"/>
+              <a:t>23</a:t>
+            </a:fld>
+            <a:endParaRPr lang="en-GB"/>
+          </a:p>
+        </p:txBody>
+      </p:sp>
+    </p:spTree>
+    <p:extLst>
+      <p:ext uri="{BB962C8B-B14F-4D97-AF65-F5344CB8AC3E}">
+        <p14:creationId xmlns:p14="http://schemas.microsoft.com/office/powerpoint/2010/main" val="1156986223"/>
+      </p:ext>
+    </p:extLst>
+  </p:cSld>
+  <p:clrMapOvr>
+    <a:masterClrMapping/>
+  </p:clrMapOvr>
+</p:sld>
+</file>
+
+<file path=ppt/slides/slide24.xml><?xml version="1.0" encoding="utf-8"?>
+<p:sld xmlns:a="http://schemas.openxmlformats.org/drawingml/2006/main" xmlns:r="http://schemas.openxmlformats.org/officeDocument/2006/relationships" xmlns:p="http://schemas.openxmlformats.org/presentationml/2006/main">
+  <p:cSld>
+    <p:spTree>
+      <p:nvGrpSpPr>
+        <p:cNvPr id="1" name=""/>
+        <p:cNvGrpSpPr/>
+        <p:nvPr/>
+      </p:nvGrpSpPr>
+      <p:grpSpPr>
+        <a:xfrm>
+          <a:off x="0" y="0"/>
+          <a:ext cx="0" cy="0"/>
+          <a:chOff x="0" y="0"/>
+          <a:chExt cx="0" cy="0"/>
+        </a:xfrm>
+      </p:grpSpPr>
+      <p:sp>
+        <p:nvSpPr>
+          <p:cNvPr id="3" name="Content Placeholder 2">
+            <a:extLst>
+              <a:ext uri="{FF2B5EF4-FFF2-40B4-BE49-F238E27FC236}">
+                <a16:creationId xmlns:a16="http://schemas.microsoft.com/office/drawing/2014/main" id="{36BF2B10-4382-439F-AD45-C437FEFCD091}"/>
+              </a:ext>
+            </a:extLst>
+          </p:cNvPr>
+          <p:cNvSpPr>
+            <a:spLocks noGrp="1"/>
+          </p:cNvSpPr>
+          <p:nvPr>
+            <p:ph idx="1"/>
+          </p:nvPr>
+        </p:nvSpPr>
+        <p:spPr>
+          <a:xfrm>
+            <a:off x="2272973" y="482948"/>
+            <a:ext cx="10515600" cy="4351338"/>
+          </a:xfrm>
+        </p:spPr>
+        <p:txBody>
+          <a:bodyPr/>
+          <a:lstStyle/>
+          <a:p>
+            <a:pPr marL="0" indent="0">
+              <a:buNone/>
+            </a:pPr>
+            <a:r>
+              <a:rPr lang="nl-NL" dirty="0"/>
+              <a:t>Q = [2 2]</a:t>
+            </a:r>
+          </a:p>
+          <a:p>
+            <a:pPr marL="0" indent="0">
+              <a:buNone/>
+            </a:pPr>
+            <a:r>
+              <a:rPr lang="nl-NL" dirty="0" err="1"/>
+              <a:t>Fp</a:t>
+            </a:r>
+            <a:r>
+              <a:rPr lang="nl-NL" dirty="0"/>
+              <a:t> = 37.7973</a:t>
+            </a:r>
+          </a:p>
+        </p:txBody>
+      </p:sp>
+      <p:pic>
+        <p:nvPicPr>
+          <p:cNvPr id="5" name="Picture 4">
+            <a:extLst>
+              <a:ext uri="{FF2B5EF4-FFF2-40B4-BE49-F238E27FC236}">
+                <a16:creationId xmlns:a16="http://schemas.microsoft.com/office/drawing/2014/main" id="{FCAC08E3-F7C1-43DE-9EA9-E76FED33A1B8}"/>
+              </a:ext>
+            </a:extLst>
+          </p:cNvPr>
+          <p:cNvPicPr>
+            <a:picLocks noChangeAspect="1"/>
+          </p:cNvPicPr>
+          <p:nvPr/>
+        </p:nvPicPr>
+        <p:blipFill>
+          <a:blip r:embed="rId2">
+            <a:extLst>
+              <a:ext uri="{28A0092B-C50C-407E-A947-70E740481C1C}">
+                <a14:useLocalDpi xmlns:a14="http://schemas.microsoft.com/office/drawing/2010/main" val="0"/>
+              </a:ext>
+            </a:extLst>
+          </a:blip>
+          <a:srcRect/>
+          <a:stretch/>
+        </p:blipFill>
+        <p:spPr>
+          <a:xfrm>
+            <a:off x="446604" y="1753472"/>
+            <a:ext cx="5627833" cy="4621580"/>
+          </a:xfrm>
+          <a:prstGeom prst="rect">
+            <a:avLst/>
+          </a:prstGeom>
+        </p:spPr>
+      </p:pic>
+      <p:sp>
+        <p:nvSpPr>
+          <p:cNvPr id="4" name="Slide Number Placeholder 3">
+            <a:extLst>
+              <a:ext uri="{FF2B5EF4-FFF2-40B4-BE49-F238E27FC236}">
+                <a16:creationId xmlns:a16="http://schemas.microsoft.com/office/drawing/2014/main" id="{FCED9F6D-225E-43A3-B0FD-ED43812AA3BE}"/>
+              </a:ext>
+            </a:extLst>
+          </p:cNvPr>
+          <p:cNvSpPr>
+            <a:spLocks noGrp="1"/>
+          </p:cNvSpPr>
+          <p:nvPr>
+            <p:ph type="sldNum" sz="quarter" idx="12"/>
+          </p:nvPr>
+        </p:nvSpPr>
+        <p:spPr/>
+        <p:txBody>
+          <a:bodyPr/>
+          <a:lstStyle/>
+          <a:p>
+            <a:fld id="{47D21762-8E6F-420A-9BE8-C943AA3E7C06}" type="slidenum">
+              <a:rPr lang="en-GB" smtClean="0"/>
+              <a:t>24</a:t>
+            </a:fld>
+            <a:endParaRPr lang="en-GB"/>
+          </a:p>
+        </p:txBody>
+      </p:sp>
+      <p:pic>
+        <p:nvPicPr>
+          <p:cNvPr id="9" name="Picture 8">
+            <a:extLst>
+              <a:ext uri="{FF2B5EF4-FFF2-40B4-BE49-F238E27FC236}">
+                <a16:creationId xmlns:a16="http://schemas.microsoft.com/office/drawing/2014/main" id="{89273900-F7F5-4B47-906B-B129D97863C9}"/>
+              </a:ext>
+            </a:extLst>
+          </p:cNvPr>
+          <p:cNvPicPr>
+            <a:picLocks noChangeAspect="1"/>
+          </p:cNvPicPr>
+          <p:nvPr/>
+        </p:nvPicPr>
+        <p:blipFill>
+          <a:blip r:embed="rId3"/>
+          <a:stretch>
+            <a:fillRect/>
+          </a:stretch>
+        </p:blipFill>
+        <p:spPr>
+          <a:xfrm>
+            <a:off x="7595072" y="0"/>
+            <a:ext cx="4317056" cy="6858000"/>
+          </a:xfrm>
+          <a:prstGeom prst="rect">
+            <a:avLst/>
+          </a:prstGeom>
+        </p:spPr>
+      </p:pic>
+      <p:graphicFrame>
+        <p:nvGraphicFramePr>
+          <p:cNvPr id="10" name="Table 9">
+            <a:extLst>
+              <a:ext uri="{FF2B5EF4-FFF2-40B4-BE49-F238E27FC236}">
+                <a16:creationId xmlns:a16="http://schemas.microsoft.com/office/drawing/2014/main" id="{3A995719-182C-47E9-A69A-E1CDCC0972E4}"/>
+              </a:ext>
+            </a:extLst>
+          </p:cNvPr>
+          <p:cNvGraphicFramePr>
+            <a:graphicFrameLocks noGrp="1"/>
+          </p:cNvGraphicFramePr>
+          <p:nvPr>
+            <p:extLst>
+              <p:ext uri="{D42A27DB-BD31-4B8C-83A1-F6EECF244321}">
+                <p14:modId xmlns:p14="http://schemas.microsoft.com/office/powerpoint/2010/main" val="2219543853"/>
+              </p:ext>
+            </p:extLst>
+          </p:nvPr>
+        </p:nvGraphicFramePr>
+        <p:xfrm>
+          <a:off x="5814047" y="482948"/>
+          <a:ext cx="1235710" cy="670560"/>
+        </p:xfrm>
+        <a:graphic>
+          <a:graphicData uri="http://schemas.openxmlformats.org/drawingml/2006/table">
+            <a:tbl>
+              <a:tblPr firstRow="1" firstCol="1" bandRow="1">
+                <a:tableStyleId>{5940675A-B579-460E-94D1-54222C63F5DA}</a:tableStyleId>
+              </a:tblPr>
+              <a:tblGrid>
+                <a:gridCol w="568325">
+                  <a:extLst>
+                    <a:ext uri="{9D8B030D-6E8A-4147-A177-3AD203B41FA5}">
+                      <a16:colId xmlns:a16="http://schemas.microsoft.com/office/drawing/2014/main" val="3485696975"/>
+                    </a:ext>
+                  </a:extLst>
+                </a:gridCol>
+                <a:gridCol w="667385">
+                  <a:extLst>
+                    <a:ext uri="{9D8B030D-6E8A-4147-A177-3AD203B41FA5}">
+                      <a16:colId xmlns:a16="http://schemas.microsoft.com/office/drawing/2014/main" val="2285715717"/>
+                    </a:ext>
+                  </a:extLst>
+                </a:gridCol>
+              </a:tblGrid>
+              <a:tr h="0">
+                <a:tc>
+                  <a:txBody>
+                    <a:bodyPr/>
+                    <a:lstStyle/>
+                    <a:p>
+                      <a:r>
+                        <a:rPr lang="en-GB" sz="1100" b="1" dirty="0">
+                          <a:effectLst/>
+                        </a:rPr>
+                        <a:t>Q</a:t>
+                      </a:r>
+                      <a:endParaRPr lang="en-GB" sz="1100" b="1" dirty="0">
+                        <a:effectLst/>
+                        <a:latin typeface="Calibri" panose="020F0502020204030204" pitchFamily="34" charset="0"/>
+                        <a:ea typeface="Calibri" panose="020F0502020204030204" pitchFamily="34" charset="0"/>
+                        <a:cs typeface="Arial" panose="020B0604020202020204" pitchFamily="34" charset="0"/>
+                      </a:endParaRPr>
+                    </a:p>
+                  </a:txBody>
+                  <a:tcPr marL="68580" marR="68580" marT="0" marB="0"/>
+                </a:tc>
+                <a:tc>
+                  <a:txBody>
+                    <a:bodyPr/>
+                    <a:lstStyle/>
+                    <a:p>
+                      <a:r>
+                        <a:rPr lang="en-GB" sz="1100" b="1" dirty="0" err="1">
+                          <a:effectLst/>
+                        </a:rPr>
+                        <a:t>Fp</a:t>
+                      </a:r>
+                      <a:endParaRPr lang="en-GB" sz="1100" b="1" dirty="0">
+                        <a:effectLst/>
+                        <a:latin typeface="Calibri" panose="020F0502020204030204" pitchFamily="34" charset="0"/>
+                        <a:ea typeface="Calibri" panose="020F0502020204030204" pitchFamily="34" charset="0"/>
+                        <a:cs typeface="Arial" panose="020B0604020202020204" pitchFamily="34" charset="0"/>
+                      </a:endParaRPr>
+                    </a:p>
+                  </a:txBody>
+                  <a:tcPr marL="68580" marR="68580" marT="0" marB="0"/>
+                </a:tc>
+                <a:extLst>
+                  <a:ext uri="{0D108BD9-81ED-4DB2-BD59-A6C34878D82A}">
+                    <a16:rowId xmlns:a16="http://schemas.microsoft.com/office/drawing/2014/main" val="137065130"/>
+                  </a:ext>
+                </a:extLst>
+              </a:tr>
+              <a:tr h="0">
+                <a:tc>
+                  <a:txBody>
+                    <a:bodyPr/>
+                    <a:lstStyle/>
+                    <a:p>
+                      <a:r>
+                        <a:rPr lang="en-GB" sz="1100">
+                          <a:effectLst/>
+                        </a:rPr>
+                        <a:t>[1 1]</a:t>
+                      </a:r>
+                      <a:endParaRPr lang="en-GB" sz="1100">
+                        <a:effectLst/>
+                        <a:latin typeface="Calibri" panose="020F0502020204030204" pitchFamily="34" charset="0"/>
+                        <a:ea typeface="Calibri" panose="020F0502020204030204" pitchFamily="34" charset="0"/>
+                        <a:cs typeface="Arial" panose="020B0604020202020204" pitchFamily="34" charset="0"/>
+                      </a:endParaRPr>
+                    </a:p>
+                  </a:txBody>
+                  <a:tcPr marL="68580" marR="68580" marT="0" marB="0"/>
+                </a:tc>
+                <a:tc>
+                  <a:txBody>
+                    <a:bodyPr/>
+                    <a:lstStyle/>
+                    <a:p>
+                      <a:r>
+                        <a:rPr lang="en-GB" sz="1100">
+                          <a:effectLst/>
+                        </a:rPr>
+                        <a:t>23.5398</a:t>
+                      </a:r>
+                      <a:endParaRPr lang="en-GB" sz="1100">
+                        <a:effectLst/>
+                        <a:latin typeface="Calibri" panose="020F0502020204030204" pitchFamily="34" charset="0"/>
+                        <a:ea typeface="Calibri" panose="020F0502020204030204" pitchFamily="34" charset="0"/>
+                        <a:cs typeface="Arial" panose="020B0604020202020204" pitchFamily="34" charset="0"/>
+                      </a:endParaRPr>
+                    </a:p>
+                  </a:txBody>
+                  <a:tcPr marL="68580" marR="68580" marT="0" marB="0"/>
+                </a:tc>
+                <a:extLst>
+                  <a:ext uri="{0D108BD9-81ED-4DB2-BD59-A6C34878D82A}">
+                    <a16:rowId xmlns:a16="http://schemas.microsoft.com/office/drawing/2014/main" val="1353523583"/>
+                  </a:ext>
+                </a:extLst>
+              </a:tr>
+              <a:tr h="0">
+                <a:tc>
+                  <a:txBody>
+                    <a:bodyPr/>
+                    <a:lstStyle/>
+                    <a:p>
+                      <a:r>
+                        <a:rPr lang="en-GB" sz="1100">
+                          <a:effectLst/>
+                        </a:rPr>
+                        <a:t>[1 2]</a:t>
+                      </a:r>
+                      <a:endParaRPr lang="en-GB" sz="1100">
+                        <a:effectLst/>
+                        <a:latin typeface="Calibri" panose="020F0502020204030204" pitchFamily="34" charset="0"/>
+                        <a:ea typeface="Calibri" panose="020F0502020204030204" pitchFamily="34" charset="0"/>
+                        <a:cs typeface="Arial" panose="020B0604020202020204" pitchFamily="34" charset="0"/>
+                      </a:endParaRPr>
+                    </a:p>
+                  </a:txBody>
+                  <a:tcPr marL="68580" marR="68580" marT="0" marB="0"/>
+                </a:tc>
+                <a:tc>
+                  <a:txBody>
+                    <a:bodyPr/>
+                    <a:lstStyle/>
+                    <a:p>
+                      <a:r>
+                        <a:rPr lang="en-GB" sz="1100">
+                          <a:effectLst/>
+                        </a:rPr>
+                        <a:t>34.9452</a:t>
+                      </a:r>
+                      <a:endParaRPr lang="en-GB" sz="1100">
+                        <a:effectLst/>
+                        <a:latin typeface="Calibri" panose="020F0502020204030204" pitchFamily="34" charset="0"/>
+                        <a:ea typeface="Calibri" panose="020F0502020204030204" pitchFamily="34" charset="0"/>
+                        <a:cs typeface="Arial" panose="020B0604020202020204" pitchFamily="34" charset="0"/>
+                      </a:endParaRPr>
+                    </a:p>
+                  </a:txBody>
+                  <a:tcPr marL="68580" marR="68580" marT="0" marB="0"/>
+                </a:tc>
+                <a:extLst>
+                  <a:ext uri="{0D108BD9-81ED-4DB2-BD59-A6C34878D82A}">
+                    <a16:rowId xmlns:a16="http://schemas.microsoft.com/office/drawing/2014/main" val="630570935"/>
+                  </a:ext>
+                </a:extLst>
+              </a:tr>
+              <a:tr h="0">
+                <a:tc>
+                  <a:txBody>
+                    <a:bodyPr/>
+                    <a:lstStyle/>
+                    <a:p>
+                      <a:r>
+                        <a:rPr lang="en-GB" sz="1100">
+                          <a:effectLst/>
+                        </a:rPr>
+                        <a:t>[2 2]</a:t>
+                      </a:r>
+                      <a:endParaRPr lang="en-GB" sz="1100">
+                        <a:effectLst/>
+                        <a:latin typeface="Calibri" panose="020F0502020204030204" pitchFamily="34" charset="0"/>
+                        <a:ea typeface="Calibri" panose="020F0502020204030204" pitchFamily="34" charset="0"/>
+                        <a:cs typeface="Arial" panose="020B0604020202020204" pitchFamily="34" charset="0"/>
+                      </a:endParaRPr>
+                    </a:p>
+                  </a:txBody>
+                  <a:tcPr marL="68580" marR="68580" marT="0" marB="0"/>
+                </a:tc>
+                <a:tc>
+                  <a:txBody>
+                    <a:bodyPr/>
+                    <a:lstStyle/>
+                    <a:p>
+                      <a:r>
+                        <a:rPr lang="en-GB" sz="1100" dirty="0">
+                          <a:effectLst/>
+                        </a:rPr>
+                        <a:t>37.7973</a:t>
+                      </a:r>
+                      <a:endParaRPr lang="en-GB" sz="1100" dirty="0">
+                        <a:effectLst/>
+                        <a:latin typeface="Calibri" panose="020F0502020204030204" pitchFamily="34" charset="0"/>
+                        <a:ea typeface="Calibri" panose="020F0502020204030204" pitchFamily="34" charset="0"/>
+                        <a:cs typeface="Arial" panose="020B0604020202020204" pitchFamily="34" charset="0"/>
+                      </a:endParaRPr>
+                    </a:p>
+                  </a:txBody>
+                  <a:tcPr marL="68580" marR="68580" marT="0" marB="0"/>
+                </a:tc>
+                <a:extLst>
+                  <a:ext uri="{0D108BD9-81ED-4DB2-BD59-A6C34878D82A}">
+                    <a16:rowId xmlns:a16="http://schemas.microsoft.com/office/drawing/2014/main" val="2422056678"/>
+                  </a:ext>
+                </a:extLst>
+              </a:tr>
+            </a:tbl>
+          </a:graphicData>
+        </a:graphic>
+      </p:graphicFrame>
     </p:spTree>
     <p:extLst>
       <p:ext uri="{BB962C8B-B14F-4D97-AF65-F5344CB8AC3E}">
         <p14:creationId xmlns:p14="http://schemas.microsoft.com/office/powerpoint/2010/main" val="1139815667"/>
+      </p:ext>
+    </p:extLst>
+  </p:cSld>
+  <p:clrMapOvr>
+    <a:masterClrMapping/>
+  </p:clrMapOvr>
+</p:sld>
+</file>
+
+<file path=ppt/slides/slide25.xml><?xml version="1.0" encoding="utf-8"?>
+<p:sld xmlns:a="http://schemas.openxmlformats.org/drawingml/2006/main" xmlns:r="http://schemas.openxmlformats.org/officeDocument/2006/relationships" xmlns:p="http://schemas.openxmlformats.org/presentationml/2006/main">
+  <p:cSld>
+    <p:spTree>
+      <p:nvGrpSpPr>
+        <p:cNvPr id="1" name=""/>
+        <p:cNvGrpSpPr/>
+        <p:nvPr/>
+      </p:nvGrpSpPr>
+      <p:grpSpPr>
+        <a:xfrm>
+          <a:off x="0" y="0"/>
+          <a:ext cx="0" cy="0"/>
+          <a:chOff x="0" y="0"/>
+          <a:chExt cx="0" cy="0"/>
+        </a:xfrm>
+      </p:grpSpPr>
+      <p:sp>
+        <p:nvSpPr>
+          <p:cNvPr id="2" name="Title 1">
+            <a:extLst>
+              <a:ext uri="{FF2B5EF4-FFF2-40B4-BE49-F238E27FC236}">
+                <a16:creationId xmlns:a16="http://schemas.microsoft.com/office/drawing/2014/main" id="{38AAAAEA-1171-42A0-B017-85C483456732}"/>
+              </a:ext>
+            </a:extLst>
+          </p:cNvPr>
+          <p:cNvSpPr>
+            <a:spLocks noGrp="1"/>
+          </p:cNvSpPr>
+          <p:nvPr>
+            <p:ph type="ctrTitle"/>
+          </p:nvPr>
+        </p:nvSpPr>
+        <p:spPr/>
+        <p:txBody>
+          <a:bodyPr/>
+          <a:lstStyle/>
+          <a:p>
+            <a:r>
+              <a:rPr lang="nl-NL" dirty="0"/>
+              <a:t>INDSCAL</a:t>
+            </a:r>
+            <a:endParaRPr lang="en-GB" dirty="0"/>
+          </a:p>
+        </p:txBody>
+      </p:sp>
+      <p:sp>
+        <p:nvSpPr>
+          <p:cNvPr id="3" name="Subtitle 2">
+            <a:extLst>
+              <a:ext uri="{FF2B5EF4-FFF2-40B4-BE49-F238E27FC236}">
+                <a16:creationId xmlns:a16="http://schemas.microsoft.com/office/drawing/2014/main" id="{52F2507D-4828-48AF-9702-024D996D8E44}"/>
+              </a:ext>
+            </a:extLst>
+          </p:cNvPr>
+          <p:cNvSpPr>
+            <a:spLocks noGrp="1"/>
+          </p:cNvSpPr>
+          <p:nvPr>
+            <p:ph type="subTitle" idx="1"/>
+          </p:nvPr>
+        </p:nvSpPr>
+        <p:spPr/>
+        <p:txBody>
+          <a:bodyPr/>
+          <a:lstStyle/>
+          <a:p>
+            <a:r>
+              <a:rPr lang="nl-NL" dirty="0" err="1"/>
+              <a:t>Only</a:t>
+            </a:r>
+            <a:r>
+              <a:rPr lang="nl-NL" dirty="0"/>
+              <a:t> </a:t>
+            </a:r>
+            <a:r>
+              <a:rPr lang="nl-NL" dirty="0" err="1"/>
+              <a:t>Lipoprotein</a:t>
+            </a:r>
+            <a:r>
+              <a:rPr lang="nl-NL" dirty="0"/>
+              <a:t> </a:t>
+            </a:r>
+            <a:r>
+              <a:rPr lang="nl-NL" dirty="0" err="1"/>
+              <a:t>Main</a:t>
+            </a:r>
+            <a:r>
+              <a:rPr lang="nl-NL" dirty="0"/>
+              <a:t> </a:t>
+            </a:r>
+            <a:r>
+              <a:rPr lang="nl-NL" dirty="0" err="1"/>
+              <a:t>Fractions</a:t>
+            </a:r>
+            <a:endParaRPr lang="en-GB" dirty="0"/>
+          </a:p>
+        </p:txBody>
+      </p:sp>
+      <p:sp>
+        <p:nvSpPr>
+          <p:cNvPr id="4" name="Slide Number Placeholder 3">
+            <a:extLst>
+              <a:ext uri="{FF2B5EF4-FFF2-40B4-BE49-F238E27FC236}">
+                <a16:creationId xmlns:a16="http://schemas.microsoft.com/office/drawing/2014/main" id="{2B77DC07-79D6-4FFE-9959-50A6796A90DE}"/>
+              </a:ext>
+            </a:extLst>
+          </p:cNvPr>
+          <p:cNvSpPr>
+            <a:spLocks noGrp="1"/>
+          </p:cNvSpPr>
+          <p:nvPr>
+            <p:ph type="sldNum" sz="quarter" idx="12"/>
+          </p:nvPr>
+        </p:nvSpPr>
+        <p:spPr/>
+        <p:txBody>
+          <a:bodyPr/>
+          <a:lstStyle/>
+          <a:p>
+            <a:fld id="{47D21762-8E6F-420A-9BE8-C943AA3E7C06}" type="slidenum">
+              <a:rPr lang="en-GB" smtClean="0"/>
+              <a:t>25</a:t>
+            </a:fld>
+            <a:endParaRPr lang="en-GB"/>
+          </a:p>
+        </p:txBody>
+      </p:sp>
+    </p:spTree>
+    <p:extLst>
+      <p:ext uri="{BB962C8B-B14F-4D97-AF65-F5344CB8AC3E}">
+        <p14:creationId xmlns:p14="http://schemas.microsoft.com/office/powerpoint/2010/main" val="4136088680"/>
+      </p:ext>
+    </p:extLst>
+  </p:cSld>
+  <p:clrMapOvr>
+    <a:masterClrMapping/>
+  </p:clrMapOvr>
+</p:sld>
+</file>
+
+<file path=ppt/slides/slide26.xml><?xml version="1.0" encoding="utf-8"?>
+<p:sld xmlns:a="http://schemas.openxmlformats.org/drawingml/2006/main" xmlns:r="http://schemas.openxmlformats.org/officeDocument/2006/relationships" xmlns:p="http://schemas.openxmlformats.org/presentationml/2006/main">
+  <p:cSld>
+    <p:spTree>
+      <p:nvGrpSpPr>
+        <p:cNvPr id="1" name=""/>
+        <p:cNvGrpSpPr/>
+        <p:nvPr/>
+      </p:nvGrpSpPr>
+      <p:grpSpPr>
+        <a:xfrm>
+          <a:off x="0" y="0"/>
+          <a:ext cx="0" cy="0"/>
+          <a:chOff x="0" y="0"/>
+          <a:chExt cx="0" cy="0"/>
+        </a:xfrm>
+      </p:grpSpPr>
+      <p:sp>
+        <p:nvSpPr>
+          <p:cNvPr id="2" name="Title 1">
+            <a:extLst>
+              <a:ext uri="{FF2B5EF4-FFF2-40B4-BE49-F238E27FC236}">
+                <a16:creationId xmlns:a16="http://schemas.microsoft.com/office/drawing/2014/main" id="{A48B4AE2-D07E-4F59-9C6A-883B6270C334}"/>
+              </a:ext>
+            </a:extLst>
+          </p:cNvPr>
+          <p:cNvSpPr>
+            <a:spLocks noGrp="1"/>
+          </p:cNvSpPr>
+          <p:nvPr>
+            <p:ph type="title"/>
+          </p:nvPr>
+        </p:nvSpPr>
+        <p:spPr/>
+        <p:txBody>
+          <a:bodyPr/>
+          <a:lstStyle/>
+          <a:p>
+            <a:endParaRPr lang="en-GB"/>
+          </a:p>
+        </p:txBody>
+      </p:sp>
+      <p:sp>
+        <p:nvSpPr>
+          <p:cNvPr id="3" name="Content Placeholder 2">
+            <a:extLst>
+              <a:ext uri="{FF2B5EF4-FFF2-40B4-BE49-F238E27FC236}">
+                <a16:creationId xmlns:a16="http://schemas.microsoft.com/office/drawing/2014/main" id="{94D83928-87D6-4196-A9B1-5EFA01DEC154}"/>
+              </a:ext>
+            </a:extLst>
+          </p:cNvPr>
+          <p:cNvSpPr>
+            <a:spLocks noGrp="1"/>
+          </p:cNvSpPr>
+          <p:nvPr>
+            <p:ph idx="1"/>
+          </p:nvPr>
+        </p:nvSpPr>
+        <p:spPr/>
+        <p:txBody>
+          <a:bodyPr/>
+          <a:lstStyle/>
+          <a:p>
+            <a:endParaRPr lang="en-GB"/>
+          </a:p>
+        </p:txBody>
+      </p:sp>
+      <p:sp>
+        <p:nvSpPr>
+          <p:cNvPr id="4" name="Slide Number Placeholder 3">
+            <a:extLst>
+              <a:ext uri="{FF2B5EF4-FFF2-40B4-BE49-F238E27FC236}">
+                <a16:creationId xmlns:a16="http://schemas.microsoft.com/office/drawing/2014/main" id="{BEAF06C5-9E0C-499B-8829-6D8A77D4D875}"/>
+              </a:ext>
+            </a:extLst>
+          </p:cNvPr>
+          <p:cNvSpPr>
+            <a:spLocks noGrp="1"/>
+          </p:cNvSpPr>
+          <p:nvPr>
+            <p:ph type="sldNum" sz="quarter" idx="12"/>
+          </p:nvPr>
+        </p:nvSpPr>
+        <p:spPr/>
+        <p:txBody>
+          <a:bodyPr/>
+          <a:lstStyle/>
+          <a:p>
+            <a:fld id="{47D21762-8E6F-420A-9BE8-C943AA3E7C06}" type="slidenum">
+              <a:rPr lang="en-GB" smtClean="0"/>
+              <a:t>26</a:t>
+            </a:fld>
+            <a:endParaRPr lang="en-GB"/>
+          </a:p>
+        </p:txBody>
+      </p:sp>
+    </p:spTree>
+    <p:extLst>
+      <p:ext uri="{BB962C8B-B14F-4D97-AF65-F5344CB8AC3E}">
+        <p14:creationId xmlns:p14="http://schemas.microsoft.com/office/powerpoint/2010/main" val="2752648642"/>
       </p:ext>
     </p:extLst>
   </p:cSld>
@@ -5031,6 +7160,35 @@
           </a:prstGeom>
         </p:spPr>
       </p:pic>
+      <p:sp>
+        <p:nvSpPr>
+          <p:cNvPr id="4" name="Slide Number Placeholder 3">
+            <a:extLst>
+              <a:ext uri="{FF2B5EF4-FFF2-40B4-BE49-F238E27FC236}">
+                <a16:creationId xmlns:a16="http://schemas.microsoft.com/office/drawing/2014/main" id="{9A128D00-EC71-4596-939A-419226208E2F}"/>
+              </a:ext>
+            </a:extLst>
+          </p:cNvPr>
+          <p:cNvSpPr>
+            <a:spLocks noGrp="1"/>
+          </p:cNvSpPr>
+          <p:nvPr>
+            <p:ph type="sldNum" sz="quarter" idx="12"/>
+          </p:nvPr>
+        </p:nvSpPr>
+        <p:spPr/>
+        <p:txBody>
+          <a:bodyPr/>
+          <a:lstStyle/>
+          <a:p>
+            <a:fld id="{47D21762-8E6F-420A-9BE8-C943AA3E7C06}" type="slidenum">
+              <a:rPr lang="en-GB" smtClean="0"/>
+              <a:t>3</a:t>
+            </a:fld>
+            <a:endParaRPr lang="en-GB"/>
+          </a:p>
+        </p:txBody>
+      </p:sp>
     </p:spTree>
     <p:extLst>
       <p:ext uri="{BB962C8B-B14F-4D97-AF65-F5344CB8AC3E}">
@@ -5151,6 +7309,35 @@
           </a:p>
         </p:txBody>
       </p:sp>
+      <p:sp>
+        <p:nvSpPr>
+          <p:cNvPr id="4" name="Slide Number Placeholder 3">
+            <a:extLst>
+              <a:ext uri="{FF2B5EF4-FFF2-40B4-BE49-F238E27FC236}">
+                <a16:creationId xmlns:a16="http://schemas.microsoft.com/office/drawing/2014/main" id="{1B27D653-7132-49D3-9A0F-003EB1C75C39}"/>
+              </a:ext>
+            </a:extLst>
+          </p:cNvPr>
+          <p:cNvSpPr>
+            <a:spLocks noGrp="1"/>
+          </p:cNvSpPr>
+          <p:nvPr>
+            <p:ph type="sldNum" sz="quarter" idx="12"/>
+          </p:nvPr>
+        </p:nvSpPr>
+        <p:spPr/>
+        <p:txBody>
+          <a:bodyPr/>
+          <a:lstStyle/>
+          <a:p>
+            <a:fld id="{47D21762-8E6F-420A-9BE8-C943AA3E7C06}" type="slidenum">
+              <a:rPr lang="en-GB" smtClean="0"/>
+              <a:t>4</a:t>
+            </a:fld>
+            <a:endParaRPr lang="en-GB"/>
+          </a:p>
+        </p:txBody>
+      </p:sp>
     </p:spTree>
     <p:extLst>
       <p:ext uri="{BB962C8B-B14F-4D97-AF65-F5344CB8AC3E}">
@@ -5364,6 +7551,35 @@
           </a:prstGeom>
         </p:spPr>
       </p:pic>
+      <p:sp>
+        <p:nvSpPr>
+          <p:cNvPr id="4" name="Slide Number Placeholder 3">
+            <a:extLst>
+              <a:ext uri="{FF2B5EF4-FFF2-40B4-BE49-F238E27FC236}">
+                <a16:creationId xmlns:a16="http://schemas.microsoft.com/office/drawing/2014/main" id="{1824682E-0000-4F87-B7C8-1B474E2574EB}"/>
+              </a:ext>
+            </a:extLst>
+          </p:cNvPr>
+          <p:cNvSpPr>
+            <a:spLocks noGrp="1"/>
+          </p:cNvSpPr>
+          <p:nvPr>
+            <p:ph type="sldNum" sz="quarter" idx="12"/>
+          </p:nvPr>
+        </p:nvSpPr>
+        <p:spPr/>
+        <p:txBody>
+          <a:bodyPr/>
+          <a:lstStyle/>
+          <a:p>
+            <a:fld id="{47D21762-8E6F-420A-9BE8-C943AA3E7C06}" type="slidenum">
+              <a:rPr lang="en-GB" smtClean="0"/>
+              <a:t>5</a:t>
+            </a:fld>
+            <a:endParaRPr lang="en-GB"/>
+          </a:p>
+        </p:txBody>
+      </p:sp>
     </p:spTree>
     <p:extLst>
       <p:ext uri="{BB962C8B-B14F-4D97-AF65-F5344CB8AC3E}">
@@ -5577,6 +7793,35 @@
           </a:prstGeom>
         </p:spPr>
       </p:pic>
+      <p:sp>
+        <p:nvSpPr>
+          <p:cNvPr id="4" name="Slide Number Placeholder 3">
+            <a:extLst>
+              <a:ext uri="{FF2B5EF4-FFF2-40B4-BE49-F238E27FC236}">
+                <a16:creationId xmlns:a16="http://schemas.microsoft.com/office/drawing/2014/main" id="{A212C0B1-4AA1-43C6-AAD2-F3477819B887}"/>
+              </a:ext>
+            </a:extLst>
+          </p:cNvPr>
+          <p:cNvSpPr>
+            <a:spLocks noGrp="1"/>
+          </p:cNvSpPr>
+          <p:nvPr>
+            <p:ph type="sldNum" sz="quarter" idx="12"/>
+          </p:nvPr>
+        </p:nvSpPr>
+        <p:spPr/>
+        <p:txBody>
+          <a:bodyPr/>
+          <a:lstStyle/>
+          <a:p>
+            <a:fld id="{47D21762-8E6F-420A-9BE8-C943AA3E7C06}" type="slidenum">
+              <a:rPr lang="en-GB" smtClean="0"/>
+              <a:t>6</a:t>
+            </a:fld>
+            <a:endParaRPr lang="en-GB"/>
+          </a:p>
+        </p:txBody>
+      </p:sp>
     </p:spTree>
     <p:extLst>
       <p:ext uri="{BB962C8B-B14F-4D97-AF65-F5344CB8AC3E}">
@@ -5661,6 +7906,35 @@
           </a:p>
         </p:txBody>
       </p:sp>
+      <p:sp>
+        <p:nvSpPr>
+          <p:cNvPr id="4" name="Slide Number Placeholder 3">
+            <a:extLst>
+              <a:ext uri="{FF2B5EF4-FFF2-40B4-BE49-F238E27FC236}">
+                <a16:creationId xmlns:a16="http://schemas.microsoft.com/office/drawing/2014/main" id="{ACC6C10A-BD3A-4DB4-A7C4-A7407C4827EE}"/>
+              </a:ext>
+            </a:extLst>
+          </p:cNvPr>
+          <p:cNvSpPr>
+            <a:spLocks noGrp="1"/>
+          </p:cNvSpPr>
+          <p:nvPr>
+            <p:ph type="sldNum" sz="quarter" idx="12"/>
+          </p:nvPr>
+        </p:nvSpPr>
+        <p:spPr/>
+        <p:txBody>
+          <a:bodyPr/>
+          <a:lstStyle/>
+          <a:p>
+            <a:fld id="{47D21762-8E6F-420A-9BE8-C943AA3E7C06}" type="slidenum">
+              <a:rPr lang="en-GB" smtClean="0"/>
+              <a:t>7</a:t>
+            </a:fld>
+            <a:endParaRPr lang="en-GB"/>
+          </a:p>
+        </p:txBody>
+      </p:sp>
     </p:spTree>
     <p:extLst>
       <p:ext uri="{BB962C8B-B14F-4D97-AF65-F5344CB8AC3E}">
@@ -5844,6 +8118,35 @@
           </a:prstGeom>
         </p:spPr>
       </p:pic>
+      <p:sp>
+        <p:nvSpPr>
+          <p:cNvPr id="4" name="Slide Number Placeholder 3">
+            <a:extLst>
+              <a:ext uri="{FF2B5EF4-FFF2-40B4-BE49-F238E27FC236}">
+                <a16:creationId xmlns:a16="http://schemas.microsoft.com/office/drawing/2014/main" id="{C7FF7898-5677-465A-9842-EDF82C5A6586}"/>
+              </a:ext>
+            </a:extLst>
+          </p:cNvPr>
+          <p:cNvSpPr>
+            <a:spLocks noGrp="1"/>
+          </p:cNvSpPr>
+          <p:nvPr>
+            <p:ph type="sldNum" sz="quarter" idx="12"/>
+          </p:nvPr>
+        </p:nvSpPr>
+        <p:spPr/>
+        <p:txBody>
+          <a:bodyPr/>
+          <a:lstStyle/>
+          <a:p>
+            <a:fld id="{47D21762-8E6F-420A-9BE8-C943AA3E7C06}" type="slidenum">
+              <a:rPr lang="en-GB" smtClean="0"/>
+              <a:t>8</a:t>
+            </a:fld>
+            <a:endParaRPr lang="en-GB"/>
+          </a:p>
+        </p:txBody>
+      </p:sp>
     </p:spTree>
     <p:extLst>
       <p:ext uri="{BB962C8B-B14F-4D97-AF65-F5344CB8AC3E}">
@@ -6066,6 +8369,35 @@
           </a:prstGeom>
         </p:spPr>
       </p:pic>
+      <p:sp>
+        <p:nvSpPr>
+          <p:cNvPr id="4" name="Slide Number Placeholder 3">
+            <a:extLst>
+              <a:ext uri="{FF2B5EF4-FFF2-40B4-BE49-F238E27FC236}">
+                <a16:creationId xmlns:a16="http://schemas.microsoft.com/office/drawing/2014/main" id="{50D1C8C5-E1CB-4421-8AD7-9B0A9126B803}"/>
+              </a:ext>
+            </a:extLst>
+          </p:cNvPr>
+          <p:cNvSpPr>
+            <a:spLocks noGrp="1"/>
+          </p:cNvSpPr>
+          <p:nvPr>
+            <p:ph type="sldNum" sz="quarter" idx="12"/>
+          </p:nvPr>
+        </p:nvSpPr>
+        <p:spPr/>
+        <p:txBody>
+          <a:bodyPr/>
+          <a:lstStyle/>
+          <a:p>
+            <a:fld id="{47D21762-8E6F-420A-9BE8-C943AA3E7C06}" type="slidenum">
+              <a:rPr lang="en-GB" smtClean="0"/>
+              <a:t>9</a:t>
+            </a:fld>
+            <a:endParaRPr lang="en-GB"/>
+          </a:p>
+        </p:txBody>
+      </p:sp>
     </p:spTree>
     <p:extLst>
       <p:ext uri="{BB962C8B-B14F-4D97-AF65-F5344CB8AC3E}">
@@ -6372,4 +8704,299 @@
     </a:ext>
   </a:extLst>
 </a:theme>
+</file>
+
+<file path=ppt/theme/theme2.xml><?xml version="1.0" encoding="utf-8"?>
+<a:theme xmlns:a="http://schemas.openxmlformats.org/drawingml/2006/main" name="Office Theme">
+  <a:themeElements>
+    <a:clrScheme name="Office">
+      <a:dk1>
+        <a:sysClr val="windowText" lastClr="000000"/>
+      </a:dk1>
+      <a:lt1>
+        <a:sysClr val="window" lastClr="FFFFFF"/>
+      </a:lt1>
+      <a:dk2>
+        <a:srgbClr val="44546A"/>
+      </a:dk2>
+      <a:lt2>
+        <a:srgbClr val="E7E6E6"/>
+      </a:lt2>
+      <a:accent1>
+        <a:srgbClr val="4472C4"/>
+      </a:accent1>
+      <a:accent2>
+        <a:srgbClr val="ED7D31"/>
+      </a:accent2>
+      <a:accent3>
+        <a:srgbClr val="A5A5A5"/>
+      </a:accent3>
+      <a:accent4>
+        <a:srgbClr val="FFC000"/>
+      </a:accent4>
+      <a:accent5>
+        <a:srgbClr val="5B9BD5"/>
+      </a:accent5>
+      <a:accent6>
+        <a:srgbClr val="70AD47"/>
+      </a:accent6>
+      <a:hlink>
+        <a:srgbClr val="0563C1"/>
+      </a:hlink>
+      <a:folHlink>
+        <a:srgbClr val="954F72"/>
+      </a:folHlink>
+    </a:clrScheme>
+    <a:fontScheme name="Office">
+      <a:majorFont>
+        <a:latin typeface="Calibri Light" panose="020F0302020204030204"/>
+        <a:ea typeface=""/>
+        <a:cs typeface=""/>
+        <a:font script="Jpan" typeface="游ゴシック Light"/>
+        <a:font script="Hang" typeface="맑은 고딕"/>
+        <a:font script="Hans" typeface="等线 Light"/>
+        <a:font script="Hant" typeface="新細明體"/>
+        <a:font script="Arab" typeface="Times New Roman"/>
+        <a:font script="Hebr" typeface="Times New Roman"/>
+        <a:font script="Thai" typeface="Angsana New"/>
+        <a:font script="Ethi" typeface="Nyala"/>
+        <a:font script="Beng" typeface="Vrinda"/>
+        <a:font script="Gujr" typeface="Shruti"/>
+        <a:font script="Khmr" typeface="MoolBoran"/>
+        <a:font script="Knda" typeface="Tunga"/>
+        <a:font script="Guru" typeface="Raavi"/>
+        <a:font script="Cans" typeface="Euphemia"/>
+        <a:font script="Cher" typeface="Plantagenet Cherokee"/>
+        <a:font script="Yiii" typeface="Microsoft Yi Baiti"/>
+        <a:font script="Tibt" typeface="Microsoft Himalaya"/>
+        <a:font script="Thaa" typeface="MV Boli"/>
+        <a:font script="Deva" typeface="Mangal"/>
+        <a:font script="Telu" typeface="Gautami"/>
+        <a:font script="Taml" typeface="Latha"/>
+        <a:font script="Syrc" typeface="Estrangelo Edessa"/>
+        <a:font script="Orya" typeface="Kalinga"/>
+        <a:font script="Mlym" typeface="Kartika"/>
+        <a:font script="Laoo" typeface="DokChampa"/>
+        <a:font script="Sinh" typeface="Iskoola Pota"/>
+        <a:font script="Mong" typeface="Mongolian Baiti"/>
+        <a:font script="Viet" typeface="Times New Roman"/>
+        <a:font script="Uigh" typeface="Microsoft Uighur"/>
+        <a:font script="Geor" typeface="Sylfaen"/>
+        <a:font script="Armn" typeface="Arial"/>
+        <a:font script="Bugi" typeface="Leelawadee UI"/>
+        <a:font script="Bopo" typeface="Microsoft JhengHei"/>
+        <a:font script="Java" typeface="Javanese Text"/>
+        <a:font script="Lisu" typeface="Segoe UI"/>
+        <a:font script="Mymr" typeface="Myanmar Text"/>
+        <a:font script="Nkoo" typeface="Ebrima"/>
+        <a:font script="Olck" typeface="Nirmala UI"/>
+        <a:font script="Osma" typeface="Ebrima"/>
+        <a:font script="Phag" typeface="Phagspa"/>
+        <a:font script="Syrn" typeface="Estrangelo Edessa"/>
+        <a:font script="Syrj" typeface="Estrangelo Edessa"/>
+        <a:font script="Syre" typeface="Estrangelo Edessa"/>
+        <a:font script="Sora" typeface="Nirmala UI"/>
+        <a:font script="Tale" typeface="Microsoft Tai Le"/>
+        <a:font script="Talu" typeface="Microsoft New Tai Lue"/>
+        <a:font script="Tfng" typeface="Ebrima"/>
+      </a:majorFont>
+      <a:minorFont>
+        <a:latin typeface="Calibri" panose="020F0502020204030204"/>
+        <a:ea typeface=""/>
+        <a:cs typeface=""/>
+        <a:font script="Jpan" typeface="游ゴシック"/>
+        <a:font script="Hang" typeface="맑은 고딕"/>
+        <a:font script="Hans" typeface="等线"/>
+        <a:font script="Hant" typeface="新細明體"/>
+        <a:font script="Arab" typeface="Arial"/>
+        <a:font script="Hebr" typeface="Arial"/>
+        <a:font script="Thai" typeface="Cordia New"/>
+        <a:font script="Ethi" typeface="Nyala"/>
+        <a:font script="Beng" typeface="Vrinda"/>
+        <a:font script="Gujr" typeface="Shruti"/>
+        <a:font script="Khmr" typeface="DaunPenh"/>
+        <a:font script="Knda" typeface="Tunga"/>
+        <a:font script="Guru" typeface="Raavi"/>
+        <a:font script="Cans" typeface="Euphemia"/>
+        <a:font script="Cher" typeface="Plantagenet Cherokee"/>
+        <a:font script="Yiii" typeface="Microsoft Yi Baiti"/>
+        <a:font script="Tibt" typeface="Microsoft Himalaya"/>
+        <a:font script="Thaa" typeface="MV Boli"/>
+        <a:font script="Deva" typeface="Mangal"/>
+        <a:font script="Telu" typeface="Gautami"/>
+        <a:font script="Taml" typeface="Latha"/>
+        <a:font script="Syrc" typeface="Estrangelo Edessa"/>
+        <a:font script="Orya" typeface="Kalinga"/>
+        <a:font script="Mlym" typeface="Kartika"/>
+        <a:font script="Laoo" typeface="DokChampa"/>
+        <a:font script="Sinh" typeface="Iskoola Pota"/>
+        <a:font script="Mong" typeface="Mongolian Baiti"/>
+        <a:font script="Viet" typeface="Arial"/>
+        <a:font script="Uigh" typeface="Microsoft Uighur"/>
+        <a:font script="Geor" typeface="Sylfaen"/>
+        <a:font script="Armn" typeface="Arial"/>
+        <a:font script="Bugi" typeface="Leelawadee UI"/>
+        <a:font script="Bopo" typeface="Microsoft JhengHei"/>
+        <a:font script="Java" typeface="Javanese Text"/>
+        <a:font script="Lisu" typeface="Segoe UI"/>
+        <a:font script="Mymr" typeface="Myanmar Text"/>
+        <a:font script="Nkoo" typeface="Ebrima"/>
+        <a:font script="Olck" typeface="Nirmala UI"/>
+        <a:font script="Osma" typeface="Ebrima"/>
+        <a:font script="Phag" typeface="Phagspa"/>
+        <a:font script="Syrn" typeface="Estrangelo Edessa"/>
+        <a:font script="Syrj" typeface="Estrangelo Edessa"/>
+        <a:font script="Syre" typeface="Estrangelo Edessa"/>
+        <a:font script="Sora" typeface="Nirmala UI"/>
+        <a:font script="Tale" typeface="Microsoft Tai Le"/>
+        <a:font script="Talu" typeface="Microsoft New Tai Lue"/>
+        <a:font script="Tfng" typeface="Ebrima"/>
+      </a:minorFont>
+    </a:fontScheme>
+    <a:fmtScheme name="Office">
+      <a:fillStyleLst>
+        <a:solidFill>
+          <a:schemeClr val="phClr"/>
+        </a:solidFill>
+        <a:gradFill rotWithShape="1">
+          <a:gsLst>
+            <a:gs pos="0">
+              <a:schemeClr val="phClr">
+                <a:lumMod val="110000"/>
+                <a:satMod val="105000"/>
+                <a:tint val="67000"/>
+              </a:schemeClr>
+            </a:gs>
+            <a:gs pos="50000">
+              <a:schemeClr val="phClr">
+                <a:lumMod val="105000"/>
+                <a:satMod val="103000"/>
+                <a:tint val="73000"/>
+              </a:schemeClr>
+            </a:gs>
+            <a:gs pos="100000">
+              <a:schemeClr val="phClr">
+                <a:lumMod val="105000"/>
+                <a:satMod val="109000"/>
+                <a:tint val="81000"/>
+              </a:schemeClr>
+            </a:gs>
+          </a:gsLst>
+          <a:lin ang="5400000" scaled="0"/>
+        </a:gradFill>
+        <a:gradFill rotWithShape="1">
+          <a:gsLst>
+            <a:gs pos="0">
+              <a:schemeClr val="phClr">
+                <a:satMod val="103000"/>
+                <a:lumMod val="102000"/>
+                <a:tint val="94000"/>
+              </a:schemeClr>
+            </a:gs>
+            <a:gs pos="50000">
+              <a:schemeClr val="phClr">
+                <a:satMod val="110000"/>
+                <a:lumMod val="100000"/>
+                <a:shade val="100000"/>
+              </a:schemeClr>
+            </a:gs>
+            <a:gs pos="100000">
+              <a:schemeClr val="phClr">
+                <a:lumMod val="99000"/>
+                <a:satMod val="120000"/>
+                <a:shade val="78000"/>
+              </a:schemeClr>
+            </a:gs>
+          </a:gsLst>
+          <a:lin ang="5400000" scaled="0"/>
+        </a:gradFill>
+      </a:fillStyleLst>
+      <a:lnStyleLst>
+        <a:ln w="6350" cap="flat" cmpd="sng" algn="ctr">
+          <a:solidFill>
+            <a:schemeClr val="phClr"/>
+          </a:solidFill>
+          <a:prstDash val="solid"/>
+          <a:miter lim="800000"/>
+        </a:ln>
+        <a:ln w="12700" cap="flat" cmpd="sng" algn="ctr">
+          <a:solidFill>
+            <a:schemeClr val="phClr"/>
+          </a:solidFill>
+          <a:prstDash val="solid"/>
+          <a:miter lim="800000"/>
+        </a:ln>
+        <a:ln w="19050" cap="flat" cmpd="sng" algn="ctr">
+          <a:solidFill>
+            <a:schemeClr val="phClr"/>
+          </a:solidFill>
+          <a:prstDash val="solid"/>
+          <a:miter lim="800000"/>
+        </a:ln>
+      </a:lnStyleLst>
+      <a:effectStyleLst>
+        <a:effectStyle>
+          <a:effectLst/>
+        </a:effectStyle>
+        <a:effectStyle>
+          <a:effectLst/>
+        </a:effectStyle>
+        <a:effectStyle>
+          <a:effectLst>
+            <a:outerShdw blurRad="57150" dist="19050" dir="5400000" algn="ctr" rotWithShape="0">
+              <a:srgbClr val="000000">
+                <a:alpha val="63000"/>
+              </a:srgbClr>
+            </a:outerShdw>
+          </a:effectLst>
+        </a:effectStyle>
+      </a:effectStyleLst>
+      <a:bgFillStyleLst>
+        <a:solidFill>
+          <a:schemeClr val="phClr"/>
+        </a:solidFill>
+        <a:solidFill>
+          <a:schemeClr val="phClr">
+            <a:tint val="95000"/>
+            <a:satMod val="170000"/>
+          </a:schemeClr>
+        </a:solidFill>
+        <a:gradFill rotWithShape="1">
+          <a:gsLst>
+            <a:gs pos="0">
+              <a:schemeClr val="phClr">
+                <a:tint val="93000"/>
+                <a:satMod val="150000"/>
+                <a:shade val="98000"/>
+                <a:lumMod val="102000"/>
+              </a:schemeClr>
+            </a:gs>
+            <a:gs pos="50000">
+              <a:schemeClr val="phClr">
+                <a:tint val="98000"/>
+                <a:satMod val="130000"/>
+                <a:shade val="90000"/>
+                <a:lumMod val="103000"/>
+              </a:schemeClr>
+            </a:gs>
+            <a:gs pos="100000">
+              <a:schemeClr val="phClr">
+                <a:shade val="63000"/>
+                <a:satMod val="120000"/>
+              </a:schemeClr>
+            </a:gs>
+          </a:gsLst>
+          <a:lin ang="5400000" scaled="0"/>
+        </a:gradFill>
+      </a:bgFillStyleLst>
+    </a:fmtScheme>
+  </a:themeElements>
+  <a:objectDefaults/>
+  <a:extraClrSchemeLst/>
+  <a:extLst>
+    <a:ext uri="{05A4C25C-085E-4340-85A3-A5531E510DB2}">
+      <thm15:themeFamily xmlns:thm15="http://schemas.microsoft.com/office/thememl/2012/main" name="Office Theme" id="{62F939B6-93AF-4DB8-9C6B-D6C7DFDC589F}" vid="{4A3C46E8-61CC-4603-A589-7422A47A8E4A}"/>
+    </a:ext>
+  </a:extLst>
+</a:theme>
 </file>
--- a/Results.pptx
+++ b/Results.pptx
@@ -6397,55 +6397,6 @@
           <a:chExt cx="0" cy="0"/>
         </a:xfrm>
       </p:grpSpPr>
-      <p:sp>
-        <p:nvSpPr>
-          <p:cNvPr id="3" name="Content Placeholder 2">
-            <a:extLst>
-              <a:ext uri="{FF2B5EF4-FFF2-40B4-BE49-F238E27FC236}">
-                <a16:creationId xmlns:a16="http://schemas.microsoft.com/office/drawing/2014/main" id="{36BF2B10-4382-439F-AD45-C437FEFCD091}"/>
-              </a:ext>
-            </a:extLst>
-          </p:cNvPr>
-          <p:cNvSpPr>
-            <a:spLocks noGrp="1"/>
-          </p:cNvSpPr>
-          <p:nvPr>
-            <p:ph idx="1"/>
-          </p:nvPr>
-        </p:nvSpPr>
-        <p:spPr>
-          <a:xfrm>
-            <a:off x="2272973" y="482948"/>
-            <a:ext cx="10515600" cy="4351338"/>
-          </a:xfrm>
-        </p:spPr>
-        <p:txBody>
-          <a:bodyPr/>
-          <a:lstStyle/>
-          <a:p>
-            <a:pPr marL="0" indent="0">
-              <a:buNone/>
-            </a:pPr>
-            <a:r>
-              <a:rPr lang="nl-NL" dirty="0"/>
-              <a:t>Q = [2 2]</a:t>
-            </a:r>
-          </a:p>
-          <a:p>
-            <a:pPr marL="0" indent="0">
-              <a:buNone/>
-            </a:pPr>
-            <a:r>
-              <a:rPr lang="nl-NL" dirty="0" err="1"/>
-              <a:t>Fp</a:t>
-            </a:r>
-            <a:r>
-              <a:rPr lang="nl-NL" dirty="0"/>
-              <a:t> = 37.7973</a:t>
-            </a:r>
-          </a:p>
-        </p:txBody>
-      </p:sp>
       <p:pic>
         <p:nvPicPr>
           <p:cNvPr id="5" name="Picture 4">
@@ -6473,7 +6424,7 @@
         </p:blipFill>
         <p:spPr>
           <a:xfrm>
-            <a:off x="446604" y="1753472"/>
+            <a:off x="446604" y="25338"/>
             <a:ext cx="5627833" cy="4621580"/>
           </a:xfrm>
           <a:prstGeom prst="rect">
@@ -6483,6 +6434,55 @@
       </p:pic>
       <p:sp>
         <p:nvSpPr>
+          <p:cNvPr id="3" name="Content Placeholder 2">
+            <a:extLst>
+              <a:ext uri="{FF2B5EF4-FFF2-40B4-BE49-F238E27FC236}">
+                <a16:creationId xmlns:a16="http://schemas.microsoft.com/office/drawing/2014/main" id="{36BF2B10-4382-439F-AD45-C437FEFCD091}"/>
+              </a:ext>
+            </a:extLst>
+          </p:cNvPr>
+          <p:cNvSpPr>
+            <a:spLocks noGrp="1"/>
+          </p:cNvSpPr>
+          <p:nvPr>
+            <p:ph idx="1"/>
+          </p:nvPr>
+        </p:nvSpPr>
+        <p:spPr>
+          <a:xfrm>
+            <a:off x="446604" y="4694253"/>
+            <a:ext cx="10515600" cy="1123539"/>
+          </a:xfrm>
+        </p:spPr>
+        <p:txBody>
+          <a:bodyPr/>
+          <a:lstStyle/>
+          <a:p>
+            <a:pPr marL="0" indent="0">
+              <a:buNone/>
+            </a:pPr>
+            <a:r>
+              <a:rPr lang="nl-NL" dirty="0"/>
+              <a:t>Q = [2 2]</a:t>
+            </a:r>
+          </a:p>
+          <a:p>
+            <a:pPr marL="0" indent="0">
+              <a:buNone/>
+            </a:pPr>
+            <a:r>
+              <a:rPr lang="nl-NL" dirty="0" err="1"/>
+              <a:t>Fp</a:t>
+            </a:r>
+            <a:r>
+              <a:rPr lang="nl-NL" dirty="0"/>
+              <a:t> = 37.7973</a:t>
+            </a:r>
+          </a:p>
+        </p:txBody>
+      </p:sp>
+      <p:sp>
+        <p:nvSpPr>
           <p:cNvPr id="4" name="Slide Number Placeholder 3">
             <a:extLst>
               <a:ext uri="{FF2B5EF4-FFF2-40B4-BE49-F238E27FC236}">
@@ -6512,10 +6512,10 @@
       </p:sp>
       <p:pic>
         <p:nvPicPr>
-          <p:cNvPr id="9" name="Picture 8">
-            <a:extLst>
-              <a:ext uri="{FF2B5EF4-FFF2-40B4-BE49-F238E27FC236}">
-                <a16:creationId xmlns:a16="http://schemas.microsoft.com/office/drawing/2014/main" id="{89273900-F7F5-4B47-906B-B129D97863C9}"/>
+          <p:cNvPr id="6" name="Picture 5">
+            <a:extLst>
+              <a:ext uri="{FF2B5EF4-FFF2-40B4-BE49-F238E27FC236}">
+                <a16:creationId xmlns:a16="http://schemas.microsoft.com/office/drawing/2014/main" id="{30BADED1-6520-42F5-9E54-4C3BA722D929}"/>
               </a:ext>
             </a:extLst>
           </p:cNvPr>
@@ -6532,8 +6532,38 @@
         </p:blipFill>
         <p:spPr>
           <a:xfrm>
-            <a:off x="7595072" y="0"/>
-            <a:ext cx="4317056" cy="6858000"/>
+            <a:off x="6186763" y="476527"/>
+            <a:ext cx="2868571" cy="3600000"/>
+          </a:xfrm>
+          <a:prstGeom prst="rect">
+            <a:avLst/>
+          </a:prstGeom>
+        </p:spPr>
+      </p:pic>
+      <p:pic>
+        <p:nvPicPr>
+          <p:cNvPr id="8" name="Picture 7">
+            <a:extLst>
+              <a:ext uri="{FF2B5EF4-FFF2-40B4-BE49-F238E27FC236}">
+                <a16:creationId xmlns:a16="http://schemas.microsoft.com/office/drawing/2014/main" id="{149FD4BA-E00B-4D89-9261-ACEA82F44312}"/>
+              </a:ext>
+            </a:extLst>
+          </p:cNvPr>
+          <p:cNvPicPr>
+            <a:picLocks noChangeAspect="1"/>
+          </p:cNvPicPr>
+          <p:nvPr/>
+        </p:nvPicPr>
+        <p:blipFill>
+          <a:blip r:embed="rId4"/>
+          <a:stretch>
+            <a:fillRect/>
+          </a:stretch>
+        </p:blipFill>
+        <p:spPr>
+          <a:xfrm>
+            <a:off x="9167660" y="476527"/>
+            <a:ext cx="2864151" cy="3600000"/>
           </a:xfrm>
           <a:prstGeom prst="rect">
             <a:avLst/>
@@ -6555,13 +6585,13 @@
           <p:nvPr>
             <p:extLst>
               <p:ext uri="{D42A27DB-BD31-4B8C-83A1-F6EECF244321}">
-                <p14:modId xmlns:p14="http://schemas.microsoft.com/office/powerpoint/2010/main" val="2219543853"/>
+                <p14:modId xmlns:p14="http://schemas.microsoft.com/office/powerpoint/2010/main" val="981871258"/>
               </p:ext>
             </p:extLst>
           </p:nvPr>
         </p:nvGraphicFramePr>
         <p:xfrm>
-          <a:off x="5814047" y="482948"/>
+          <a:off x="8610600" y="4920742"/>
           <a:ext cx="1235710" cy="670560"/>
         </p:xfrm>
         <a:graphic>
@@ -6663,12 +6693,12 @@
                     <a:lstStyle/>
                     <a:p>
                       <a:r>
-                        <a:rPr lang="en-GB" sz="1100">
+                        <a:rPr lang="en-GB" sz="1100" dirty="0">
                           <a:effectLst/>
                         </a:rPr>
                         <a:t>23.5398</a:t>
                       </a:r>
-                      <a:endParaRPr lang="en-GB" sz="1100">
+                      <a:endParaRPr lang="en-GB" sz="1100" dirty="0">
                         <a:effectLst/>
                         <a:latin typeface="Calibri" panose="020F0502020204030204" pitchFamily="34" charset="0"/>
                         <a:ea typeface="Calibri" panose="020F0502020204030204" pitchFamily="34" charset="0"/>
@@ -6786,6 +6816,78 @@
           </a:graphicData>
         </a:graphic>
       </p:graphicFrame>
+      <p:sp>
+        <p:nvSpPr>
+          <p:cNvPr id="11" name="TextBox 10">
+            <a:extLst>
+              <a:ext uri="{FF2B5EF4-FFF2-40B4-BE49-F238E27FC236}">
+                <a16:creationId xmlns:a16="http://schemas.microsoft.com/office/drawing/2014/main" id="{7B38B453-A470-4855-883B-E5654D09D696}"/>
+              </a:ext>
+            </a:extLst>
+          </p:cNvPr>
+          <p:cNvSpPr txBox="1"/>
+          <p:nvPr/>
+        </p:nvSpPr>
+        <p:spPr>
+          <a:xfrm>
+            <a:off x="6344986" y="107195"/>
+            <a:ext cx="3637214" cy="369332"/>
+          </a:xfrm>
+          <a:prstGeom prst="rect">
+            <a:avLst/>
+          </a:prstGeom>
+          <a:noFill/>
+        </p:spPr>
+        <p:txBody>
+          <a:bodyPr wrap="none" rtlCol="0">
+            <a:spAutoFit/>
+          </a:bodyPr>
+          <a:lstStyle/>
+          <a:p>
+            <a:r>
+              <a:rPr lang="nl-NL" dirty="0"/>
+              <a:t>First			Second</a:t>
+            </a:r>
+            <a:endParaRPr lang="en-GB" dirty="0"/>
+          </a:p>
+        </p:txBody>
+      </p:sp>
+      <p:cxnSp>
+        <p:nvCxnSpPr>
+          <p:cNvPr id="13" name="Straight Connector 12">
+            <a:extLst>
+              <a:ext uri="{FF2B5EF4-FFF2-40B4-BE49-F238E27FC236}">
+                <a16:creationId xmlns:a16="http://schemas.microsoft.com/office/drawing/2014/main" id="{AA2FD3A1-2DCA-445A-86DE-346C4E75CCAF}"/>
+              </a:ext>
+            </a:extLst>
+          </p:cNvPr>
+          <p:cNvCxnSpPr/>
+          <p:nvPr/>
+        </p:nvCxnSpPr>
+        <p:spPr>
+          <a:xfrm>
+            <a:off x="9167660" y="107195"/>
+            <a:ext cx="0" cy="4246691"/>
+          </a:xfrm>
+          <a:prstGeom prst="line">
+            <a:avLst/>
+          </a:prstGeom>
+        </p:spPr>
+        <p:style>
+          <a:lnRef idx="3">
+            <a:schemeClr val="accent1"/>
+          </a:lnRef>
+          <a:fillRef idx="0">
+            <a:schemeClr val="accent1"/>
+          </a:fillRef>
+          <a:effectRef idx="2">
+            <a:schemeClr val="accent1"/>
+          </a:effectRef>
+          <a:fontRef idx="minor">
+            <a:schemeClr val="tx1"/>
+          </a:fontRef>
+        </p:style>
+      </p:cxnSp>
     </p:spTree>
     <p:extLst>
       <p:ext uri="{BB962C8B-B14F-4D97-AF65-F5344CB8AC3E}">

--- a/Results.pptx
+++ b/Results.pptx
@@ -22,18 +22,18 @@
     <p:sldId id="271" r:id="rId13"/>
     <p:sldId id="272" r:id="rId14"/>
     <p:sldId id="262" r:id="rId15"/>
-    <p:sldId id="257" r:id="rId16"/>
-    <p:sldId id="280" r:id="rId17"/>
-    <p:sldId id="258" r:id="rId18"/>
-    <p:sldId id="281" r:id="rId19"/>
-    <p:sldId id="259" r:id="rId20"/>
-    <p:sldId id="282" r:id="rId21"/>
-    <p:sldId id="260" r:id="rId22"/>
-    <p:sldId id="283" r:id="rId23"/>
-    <p:sldId id="276" r:id="rId24"/>
-    <p:sldId id="277" r:id="rId25"/>
-    <p:sldId id="279" r:id="rId26"/>
-    <p:sldId id="278" r:id="rId27"/>
+    <p:sldId id="285" r:id="rId16"/>
+    <p:sldId id="287" r:id="rId17"/>
+    <p:sldId id="288" r:id="rId18"/>
+    <p:sldId id="289" r:id="rId19"/>
+    <p:sldId id="291" r:id="rId20"/>
+    <p:sldId id="290" r:id="rId21"/>
+    <p:sldId id="292" r:id="rId22"/>
+    <p:sldId id="276" r:id="rId23"/>
+    <p:sldId id="277" r:id="rId24"/>
+    <p:sldId id="279" r:id="rId25"/>
+    <p:sldId id="278" r:id="rId26"/>
+    <p:sldId id="284" r:id="rId27"/>
   </p:sldIdLst>
   <p:sldSz cx="12192000" cy="6858000"/>
   <p:notesSz cx="6858000" cy="9144000"/>
@@ -222,7 +222,7 @@
           <a:p>
             <a:fld id="{0C63EF52-D90F-426D-9200-304740A20DCF}" type="datetimeFigureOut">
               <a:rPr lang="en-GB" smtClean="0"/>
-              <a:t>22/02/2021</a:t>
+              <a:t>11/03/2021</a:t>
             </a:fld>
             <a:endParaRPr lang="en-GB"/>
           </a:p>
@@ -639,7 +639,7 @@
           <a:p>
             <a:fld id="{FCA56757-A30B-4386-A3C6-B56C85ED36BA}" type="datetime1">
               <a:rPr lang="en-GB" smtClean="0"/>
-              <a:t>22/02/2021</a:t>
+              <a:t>11/03/2021</a:t>
             </a:fld>
             <a:endParaRPr lang="en-GB"/>
           </a:p>
@@ -839,7 +839,7 @@
           <a:p>
             <a:fld id="{C926D62D-9BC7-4246-B57D-5F08B6D001F8}" type="datetime1">
               <a:rPr lang="en-GB" smtClean="0"/>
-              <a:t>22/02/2021</a:t>
+              <a:t>11/03/2021</a:t>
             </a:fld>
             <a:endParaRPr lang="en-GB"/>
           </a:p>
@@ -1049,7 +1049,7 @@
           <a:p>
             <a:fld id="{1538880A-4189-4160-A6D2-A344617BE577}" type="datetime1">
               <a:rPr lang="en-GB" smtClean="0"/>
-              <a:t>22/02/2021</a:t>
+              <a:t>11/03/2021</a:t>
             </a:fld>
             <a:endParaRPr lang="en-GB"/>
           </a:p>
@@ -1249,7 +1249,7 @@
           <a:p>
             <a:fld id="{36135D8E-8E31-4975-B74F-E2E591F27A4B}" type="datetime1">
               <a:rPr lang="en-GB" smtClean="0"/>
-              <a:t>22/02/2021</a:t>
+              <a:t>11/03/2021</a:t>
             </a:fld>
             <a:endParaRPr lang="en-GB"/>
           </a:p>
@@ -1525,7 +1525,7 @@
           <a:p>
             <a:fld id="{02EE8C8A-BA76-472B-B9D9-C8AB17582A5A}" type="datetime1">
               <a:rPr lang="en-GB" smtClean="0"/>
-              <a:t>22/02/2021</a:t>
+              <a:t>11/03/2021</a:t>
             </a:fld>
             <a:endParaRPr lang="en-GB"/>
           </a:p>
@@ -1793,7 +1793,7 @@
           <a:p>
             <a:fld id="{212F6C58-5D1E-4D46-A3CD-4BDA9CE4F09B}" type="datetime1">
               <a:rPr lang="en-GB" smtClean="0"/>
-              <a:t>22/02/2021</a:t>
+              <a:t>11/03/2021</a:t>
             </a:fld>
             <a:endParaRPr lang="en-GB"/>
           </a:p>
@@ -2208,7 +2208,7 @@
           <a:p>
             <a:fld id="{255CAF79-F3F2-419A-A516-EBAD89BCE76F}" type="datetime1">
               <a:rPr lang="en-GB" smtClean="0"/>
-              <a:t>22/02/2021</a:t>
+              <a:t>11/03/2021</a:t>
             </a:fld>
             <a:endParaRPr lang="en-GB"/>
           </a:p>
@@ -2350,7 +2350,7 @@
           <a:p>
             <a:fld id="{A2B607A2-EF1B-4DB5-AC2E-998A17376CEE}" type="datetime1">
               <a:rPr lang="en-GB" smtClean="0"/>
-              <a:t>22/02/2021</a:t>
+              <a:t>11/03/2021</a:t>
             </a:fld>
             <a:endParaRPr lang="en-GB"/>
           </a:p>
@@ -2463,7 +2463,7 @@
           <a:p>
             <a:fld id="{F3F0E4B5-4B7F-4895-979E-5378DF84026F}" type="datetime1">
               <a:rPr lang="en-GB" smtClean="0"/>
-              <a:t>22/02/2021</a:t>
+              <a:t>11/03/2021</a:t>
             </a:fld>
             <a:endParaRPr lang="en-GB"/>
           </a:p>
@@ -2776,7 +2776,7 @@
           <a:p>
             <a:fld id="{ACED96A3-D373-45DE-80FF-2BC662464128}" type="datetime1">
               <a:rPr lang="en-GB" smtClean="0"/>
-              <a:t>22/02/2021</a:t>
+              <a:t>11/03/2021</a:t>
             </a:fld>
             <a:endParaRPr lang="en-GB"/>
           </a:p>
@@ -3065,7 +3065,7 @@
           <a:p>
             <a:fld id="{C5F9F892-0033-4246-AAC1-089D1859F047}" type="datetime1">
               <a:rPr lang="en-GB" smtClean="0"/>
-              <a:t>22/02/2021</a:t>
+              <a:t>11/03/2021</a:t>
             </a:fld>
             <a:endParaRPr lang="en-GB"/>
           </a:p>
@@ -3308,7 +3308,7 @@
           <a:p>
             <a:fld id="{043F1C1D-41C8-4A9B-8835-EFE734DE3055}" type="datetime1">
               <a:rPr lang="en-GB" smtClean="0"/>
-              <a:t>22/02/2021</a:t>
+              <a:t>11/03/2021</a:t>
             </a:fld>
             <a:endParaRPr lang="en-GB"/>
           </a:p>
@@ -4005,32 +4005,35 @@
           <a:bodyPr/>
           <a:lstStyle/>
           <a:p>
-            <a:endParaRPr lang="en-GB"/>
-          </a:p>
-        </p:txBody>
-      </p:sp>
-      <p:sp>
-        <p:nvSpPr>
-          <p:cNvPr id="3" name="Content Placeholder 2">
-            <a:extLst>
-              <a:ext uri="{FF2B5EF4-FFF2-40B4-BE49-F238E27FC236}">
-                <a16:creationId xmlns:a16="http://schemas.microsoft.com/office/drawing/2014/main" id="{A25B4C41-D911-4281-96B5-547CBDDB341A}"/>
-              </a:ext>
-            </a:extLst>
-          </p:cNvPr>
-          <p:cNvSpPr>
-            <a:spLocks noGrp="1"/>
-          </p:cNvSpPr>
-          <p:nvPr>
-            <p:ph idx="1"/>
-          </p:nvPr>
-        </p:nvSpPr>
-        <p:spPr/>
-        <p:txBody>
-          <a:bodyPr/>
-          <a:lstStyle/>
-          <a:p>
-            <a:endParaRPr lang="en-GB"/>
+            <a:r>
+              <a:rPr lang="nl-NL" dirty="0" err="1"/>
+              <a:t>Wilcoxon</a:t>
+            </a:r>
+            <a:r>
+              <a:rPr lang="nl-NL" dirty="0"/>
+              <a:t> </a:t>
+            </a:r>
+            <a:r>
+              <a:rPr lang="nl-NL" dirty="0" err="1"/>
+              <a:t>with</a:t>
+            </a:r>
+            <a:r>
+              <a:rPr lang="nl-NL" dirty="0"/>
+              <a:t> </a:t>
+            </a:r>
+            <a:r>
+              <a:rPr lang="nl-NL" dirty="0" err="1"/>
+              <a:t>Bonferroni</a:t>
+            </a:r>
+            <a:r>
+              <a:rPr lang="nl-NL" dirty="0"/>
+              <a:t> </a:t>
+            </a:r>
+            <a:r>
+              <a:rPr lang="nl-NL" dirty="0" err="1"/>
+              <a:t>correction</a:t>
+            </a:r>
+            <a:endParaRPr lang="en-GB" dirty="0"/>
           </a:p>
         </p:txBody>
       </p:sp>
@@ -4056,7 +4059,7 @@
         </p:blipFill>
         <p:spPr>
           <a:xfrm>
-            <a:off x="3176587" y="1090612"/>
+            <a:off x="3176587" y="1627508"/>
             <a:ext cx="5838825" cy="4676775"/>
           </a:xfrm>
           <a:prstGeom prst="rect">
@@ -4302,31 +4305,6 @@
           </a:p>
         </p:txBody>
       </p:sp>
-      <p:sp>
-        <p:nvSpPr>
-          <p:cNvPr id="3" name="Content Placeholder 2">
-            <a:extLst>
-              <a:ext uri="{FF2B5EF4-FFF2-40B4-BE49-F238E27FC236}">
-                <a16:creationId xmlns:a16="http://schemas.microsoft.com/office/drawing/2014/main" id="{2CC461EF-BB81-4D3C-AD18-819545C6B1CD}"/>
-              </a:ext>
-            </a:extLst>
-          </p:cNvPr>
-          <p:cNvSpPr>
-            <a:spLocks noGrp="1"/>
-          </p:cNvSpPr>
-          <p:nvPr>
-            <p:ph idx="1"/>
-          </p:nvPr>
-        </p:nvSpPr>
-        <p:spPr/>
-        <p:txBody>
-          <a:bodyPr/>
-          <a:lstStyle/>
-          <a:p>
-            <a:endParaRPr lang="en-GB"/>
-          </a:p>
-        </p:txBody>
-      </p:sp>
       <p:pic>
         <p:nvPicPr>
           <p:cNvPr id="5" name="Picture 4">
@@ -4341,16 +4319,15 @@
           </p:cNvPicPr>
           <p:nvPr/>
         </p:nvPicPr>
-        <p:blipFill>
+        <p:blipFill rotWithShape="1">
           <a:blip r:embed="rId2"/>
-          <a:stretch>
-            <a:fillRect/>
-          </a:stretch>
+          <a:srcRect b="71799"/>
+          <a:stretch/>
         </p:blipFill>
         <p:spPr>
           <a:xfrm>
-            <a:off x="921106" y="2278613"/>
-            <a:ext cx="10349788" cy="2480341"/>
+            <a:off x="921106" y="2278614"/>
+            <a:ext cx="10349788" cy="699478"/>
           </a:xfrm>
           <a:prstGeom prst="rect">
             <a:avLst/>
@@ -4383,6 +4360,470 @@
               <a:t>13</a:t>
             </a:fld>
             <a:endParaRPr lang="en-GB"/>
+          </a:p>
+        </p:txBody>
+      </p:sp>
+      <p:graphicFrame>
+        <p:nvGraphicFramePr>
+          <p:cNvPr id="3" name="Table 2">
+            <a:extLst>
+              <a:ext uri="{FF2B5EF4-FFF2-40B4-BE49-F238E27FC236}">
+                <a16:creationId xmlns:a16="http://schemas.microsoft.com/office/drawing/2014/main" id="{43163AAF-B138-4A40-8D12-057897474269}"/>
+              </a:ext>
+            </a:extLst>
+          </p:cNvPr>
+          <p:cNvGraphicFramePr>
+            <a:graphicFrameLocks noGrp="1"/>
+          </p:cNvGraphicFramePr>
+          <p:nvPr>
+            <p:extLst>
+              <p:ext uri="{D42A27DB-BD31-4B8C-83A1-F6EECF244321}">
+                <p14:modId xmlns:p14="http://schemas.microsoft.com/office/powerpoint/2010/main" val="1747466424"/>
+              </p:ext>
+            </p:extLst>
+          </p:nvPr>
+        </p:nvGraphicFramePr>
+        <p:xfrm>
+          <a:off x="2891726" y="3087244"/>
+          <a:ext cx="6408547" cy="1371600"/>
+        </p:xfrm>
+        <a:graphic>
+          <a:graphicData uri="http://schemas.openxmlformats.org/drawingml/2006/table">
+            <a:tbl>
+              <a:tblPr firstRow="1" firstCol="1" bandRow="1">
+                <a:tableStyleId>{5940675A-B579-460E-94D1-54222C63F5DA}</a:tableStyleId>
+              </a:tblPr>
+              <a:tblGrid>
+                <a:gridCol w="2989199">
+                  <a:extLst>
+                    <a:ext uri="{9D8B030D-6E8A-4147-A177-3AD203B41FA5}">
+                      <a16:colId xmlns:a16="http://schemas.microsoft.com/office/drawing/2014/main" val="3544796685"/>
+                    </a:ext>
+                  </a:extLst>
+                </a:gridCol>
+                <a:gridCol w="1490345">
+                  <a:extLst>
+                    <a:ext uri="{9D8B030D-6E8A-4147-A177-3AD203B41FA5}">
+                      <a16:colId xmlns:a16="http://schemas.microsoft.com/office/drawing/2014/main" val="3662696594"/>
+                    </a:ext>
+                  </a:extLst>
+                </a:gridCol>
+                <a:gridCol w="1929003">
+                  <a:extLst>
+                    <a:ext uri="{9D8B030D-6E8A-4147-A177-3AD203B41FA5}">
+                      <a16:colId xmlns:a16="http://schemas.microsoft.com/office/drawing/2014/main" val="3849223683"/>
+                    </a:ext>
+                  </a:extLst>
+                </a:gridCol>
+              </a:tblGrid>
+              <a:tr h="0">
+                <a:tc>
+                  <a:txBody>
+                    <a:bodyPr/>
+                    <a:lstStyle/>
+                    <a:p>
+                      <a:r>
+                        <a:rPr lang="en-GB" sz="1800" b="1" dirty="0" err="1">
+                          <a:effectLst/>
+                        </a:rPr>
+                        <a:t>RandomForest</a:t>
+                      </a:r>
+                      <a:endParaRPr lang="en-GB" sz="1800" b="1" dirty="0">
+                        <a:effectLst/>
+                        <a:latin typeface="Calibri" panose="020F0502020204030204" pitchFamily="34" charset="0"/>
+                        <a:ea typeface="Calibri" panose="020F0502020204030204" pitchFamily="34" charset="0"/>
+                        <a:cs typeface="Arial" panose="020B0604020202020204" pitchFamily="34" charset="0"/>
+                      </a:endParaRPr>
+                    </a:p>
+                  </a:txBody>
+                  <a:tcPr marL="68580" marR="68580" marT="0" marB="0"/>
+                </a:tc>
+                <a:tc>
+                  <a:txBody>
+                    <a:bodyPr/>
+                    <a:lstStyle/>
+                    <a:p>
+                      <a:r>
+                        <a:rPr lang="en-GB" sz="1800" b="1" dirty="0">
+                          <a:effectLst/>
+                        </a:rPr>
+                        <a:t>AUC (p-value)</a:t>
+                      </a:r>
+                      <a:endParaRPr lang="en-GB" sz="1800" b="1" dirty="0">
+                        <a:effectLst/>
+                        <a:latin typeface="Calibri" panose="020F0502020204030204" pitchFamily="34" charset="0"/>
+                        <a:ea typeface="Calibri" panose="020F0502020204030204" pitchFamily="34" charset="0"/>
+                        <a:cs typeface="Arial" panose="020B0604020202020204" pitchFamily="34" charset="0"/>
+                      </a:endParaRPr>
+                    </a:p>
+                  </a:txBody>
+                  <a:tcPr marL="68580" marR="68580" marT="0" marB="0"/>
+                </a:tc>
+                <a:tc>
+                  <a:txBody>
+                    <a:bodyPr/>
+                    <a:lstStyle/>
+                    <a:p>
+                      <a:r>
+                        <a:rPr lang="en-GB" sz="1800" b="1" dirty="0">
+                          <a:effectLst/>
+                        </a:rPr>
+                        <a:t>Accuracy (p-value)</a:t>
+                      </a:r>
+                      <a:endParaRPr lang="en-GB" sz="1800" b="1" dirty="0">
+                        <a:effectLst/>
+                        <a:latin typeface="Calibri" panose="020F0502020204030204" pitchFamily="34" charset="0"/>
+                        <a:ea typeface="Calibri" panose="020F0502020204030204" pitchFamily="34" charset="0"/>
+                        <a:cs typeface="Arial" panose="020B0604020202020204" pitchFamily="34" charset="0"/>
+                      </a:endParaRPr>
+                    </a:p>
+                  </a:txBody>
+                  <a:tcPr marL="68580" marR="68580" marT="0" marB="0"/>
+                </a:tc>
+                <a:extLst>
+                  <a:ext uri="{0D108BD9-81ED-4DB2-BD59-A6C34878D82A}">
+                    <a16:rowId xmlns:a16="http://schemas.microsoft.com/office/drawing/2014/main" val="2046018092"/>
+                  </a:ext>
+                </a:extLst>
+              </a:tr>
+              <a:tr h="0">
+                <a:tc>
+                  <a:txBody>
+                    <a:bodyPr/>
+                    <a:lstStyle/>
+                    <a:p>
+                      <a:r>
+                        <a:rPr lang="en-GB" sz="1800" b="1" dirty="0">
+                          <a:effectLst/>
+                        </a:rPr>
+                        <a:t>Women vs. Men</a:t>
+                      </a:r>
+                      <a:endParaRPr lang="en-GB" sz="1800" b="1" dirty="0">
+                        <a:effectLst/>
+                        <a:latin typeface="Calibri" panose="020F0502020204030204" pitchFamily="34" charset="0"/>
+                        <a:ea typeface="Calibri" panose="020F0502020204030204" pitchFamily="34" charset="0"/>
+                        <a:cs typeface="Arial" panose="020B0604020202020204" pitchFamily="34" charset="0"/>
+                      </a:endParaRPr>
+                    </a:p>
+                  </a:txBody>
+                  <a:tcPr marL="68580" marR="68580" marT="0" marB="0"/>
+                </a:tc>
+                <a:tc>
+                  <a:txBody>
+                    <a:bodyPr/>
+                    <a:lstStyle/>
+                    <a:p>
+                      <a:r>
+                        <a:rPr lang="en-GB" sz="1800">
+                          <a:effectLst/>
+                        </a:rPr>
+                        <a:t>0.826 (0.001)</a:t>
+                      </a:r>
+                      <a:endParaRPr lang="en-GB" sz="1800">
+                        <a:effectLst/>
+                        <a:latin typeface="Calibri" panose="020F0502020204030204" pitchFamily="34" charset="0"/>
+                        <a:ea typeface="Calibri" panose="020F0502020204030204" pitchFamily="34" charset="0"/>
+                        <a:cs typeface="Arial" panose="020B0604020202020204" pitchFamily="34" charset="0"/>
+                      </a:endParaRPr>
+                    </a:p>
+                  </a:txBody>
+                  <a:tcPr marL="68580" marR="68580" marT="0" marB="0"/>
+                </a:tc>
+                <a:tc>
+                  <a:txBody>
+                    <a:bodyPr/>
+                    <a:lstStyle/>
+                    <a:p>
+                      <a:r>
+                        <a:rPr lang="en-GB" sz="1800">
+                          <a:effectLst/>
+                        </a:rPr>
+                        <a:t>0.776 (0.001)</a:t>
+                      </a:r>
+                      <a:endParaRPr lang="en-GB" sz="1800">
+                        <a:effectLst/>
+                        <a:latin typeface="Calibri" panose="020F0502020204030204" pitchFamily="34" charset="0"/>
+                        <a:ea typeface="Calibri" panose="020F0502020204030204" pitchFamily="34" charset="0"/>
+                        <a:cs typeface="Arial" panose="020B0604020202020204" pitchFamily="34" charset="0"/>
+                      </a:endParaRPr>
+                    </a:p>
+                  </a:txBody>
+                  <a:tcPr marL="68580" marR="68580" marT="0" marB="0"/>
+                </a:tc>
+                <a:extLst>
+                  <a:ext uri="{0D108BD9-81ED-4DB2-BD59-A6C34878D82A}">
+                    <a16:rowId xmlns:a16="http://schemas.microsoft.com/office/drawing/2014/main" val="2726811197"/>
+                  </a:ext>
+                </a:extLst>
+              </a:tr>
+              <a:tr h="0">
+                <a:tc>
+                  <a:txBody>
+                    <a:bodyPr/>
+                    <a:lstStyle/>
+                    <a:p>
+                      <a:r>
+                        <a:rPr lang="en-GB" sz="1800" b="1" dirty="0">
+                          <a:effectLst/>
+                        </a:rPr>
+                        <a:t>Young vs. Old</a:t>
+                      </a:r>
+                      <a:endParaRPr lang="en-GB" sz="1800" b="1" dirty="0">
+                        <a:effectLst/>
+                        <a:latin typeface="Calibri" panose="020F0502020204030204" pitchFamily="34" charset="0"/>
+                        <a:ea typeface="Calibri" panose="020F0502020204030204" pitchFamily="34" charset="0"/>
+                        <a:cs typeface="Arial" panose="020B0604020202020204" pitchFamily="34" charset="0"/>
+                      </a:endParaRPr>
+                    </a:p>
+                  </a:txBody>
+                  <a:tcPr marL="68580" marR="68580" marT="0" marB="0"/>
+                </a:tc>
+                <a:tc>
+                  <a:txBody>
+                    <a:bodyPr/>
+                    <a:lstStyle/>
+                    <a:p>
+                      <a:r>
+                        <a:rPr lang="en-GB" sz="1800">
+                          <a:effectLst/>
+                        </a:rPr>
+                        <a:t>0.794 (0.001)</a:t>
+                      </a:r>
+                      <a:endParaRPr lang="en-GB" sz="1800">
+                        <a:effectLst/>
+                        <a:latin typeface="Calibri" panose="020F0502020204030204" pitchFamily="34" charset="0"/>
+                        <a:ea typeface="Calibri" panose="020F0502020204030204" pitchFamily="34" charset="0"/>
+                        <a:cs typeface="Arial" panose="020B0604020202020204" pitchFamily="34" charset="0"/>
+                      </a:endParaRPr>
+                    </a:p>
+                  </a:txBody>
+                  <a:tcPr marL="68580" marR="68580" marT="0" marB="0"/>
+                </a:tc>
+                <a:tc>
+                  <a:txBody>
+                    <a:bodyPr/>
+                    <a:lstStyle/>
+                    <a:p>
+                      <a:r>
+                        <a:rPr lang="en-GB" sz="1800">
+                          <a:effectLst/>
+                        </a:rPr>
+                        <a:t>0.730 (0.001)</a:t>
+                      </a:r>
+                      <a:endParaRPr lang="en-GB" sz="1800">
+                        <a:effectLst/>
+                        <a:latin typeface="Calibri" panose="020F0502020204030204" pitchFamily="34" charset="0"/>
+                        <a:ea typeface="Calibri" panose="020F0502020204030204" pitchFamily="34" charset="0"/>
+                        <a:cs typeface="Arial" panose="020B0604020202020204" pitchFamily="34" charset="0"/>
+                      </a:endParaRPr>
+                    </a:p>
+                  </a:txBody>
+                  <a:tcPr marL="68580" marR="68580" marT="0" marB="0"/>
+                </a:tc>
+                <a:extLst>
+                  <a:ext uri="{0D108BD9-81ED-4DB2-BD59-A6C34878D82A}">
+                    <a16:rowId xmlns:a16="http://schemas.microsoft.com/office/drawing/2014/main" val="1539493835"/>
+                  </a:ext>
+                </a:extLst>
+              </a:tr>
+              <a:tr h="0">
+                <a:tc>
+                  <a:txBody>
+                    <a:bodyPr/>
+                    <a:lstStyle/>
+                    <a:p>
+                      <a:r>
+                        <a:rPr lang="en-GB" sz="1800" b="1" dirty="0">
+                          <a:effectLst/>
+                        </a:rPr>
+                        <a:t>Young women vs. Old women</a:t>
+                      </a:r>
+                      <a:endParaRPr lang="en-GB" sz="1800" b="1" dirty="0">
+                        <a:effectLst/>
+                        <a:latin typeface="Calibri" panose="020F0502020204030204" pitchFamily="34" charset="0"/>
+                        <a:ea typeface="Calibri" panose="020F0502020204030204" pitchFamily="34" charset="0"/>
+                        <a:cs typeface="Arial" panose="020B0604020202020204" pitchFamily="34" charset="0"/>
+                      </a:endParaRPr>
+                    </a:p>
+                  </a:txBody>
+                  <a:tcPr marL="68580" marR="68580" marT="0" marB="0"/>
+                </a:tc>
+                <a:tc>
+                  <a:txBody>
+                    <a:bodyPr/>
+                    <a:lstStyle/>
+                    <a:p>
+                      <a:r>
+                        <a:rPr lang="en-GB" sz="1800">
+                          <a:effectLst/>
+                        </a:rPr>
+                        <a:t>0.764 (0.001)</a:t>
+                      </a:r>
+                      <a:endParaRPr lang="en-GB" sz="1800">
+                        <a:effectLst/>
+                        <a:latin typeface="Calibri" panose="020F0502020204030204" pitchFamily="34" charset="0"/>
+                        <a:ea typeface="Calibri" panose="020F0502020204030204" pitchFamily="34" charset="0"/>
+                        <a:cs typeface="Arial" panose="020B0604020202020204" pitchFamily="34" charset="0"/>
+                      </a:endParaRPr>
+                    </a:p>
+                  </a:txBody>
+                  <a:tcPr marL="68580" marR="68580" marT="0" marB="0"/>
+                </a:tc>
+                <a:tc>
+                  <a:txBody>
+                    <a:bodyPr/>
+                    <a:lstStyle/>
+                    <a:p>
+                      <a:r>
+                        <a:rPr lang="en-GB" sz="1800">
+                          <a:effectLst/>
+                        </a:rPr>
+                        <a:t>0.741 (0.001)</a:t>
+                      </a:r>
+                      <a:endParaRPr lang="en-GB" sz="1800">
+                        <a:effectLst/>
+                        <a:latin typeface="Calibri" panose="020F0502020204030204" pitchFamily="34" charset="0"/>
+                        <a:ea typeface="Calibri" panose="020F0502020204030204" pitchFamily="34" charset="0"/>
+                        <a:cs typeface="Arial" panose="020B0604020202020204" pitchFamily="34" charset="0"/>
+                      </a:endParaRPr>
+                    </a:p>
+                  </a:txBody>
+                  <a:tcPr marL="68580" marR="68580" marT="0" marB="0"/>
+                </a:tc>
+                <a:extLst>
+                  <a:ext uri="{0D108BD9-81ED-4DB2-BD59-A6C34878D82A}">
+                    <a16:rowId xmlns:a16="http://schemas.microsoft.com/office/drawing/2014/main" val="198378399"/>
+                  </a:ext>
+                </a:extLst>
+              </a:tr>
+              <a:tr h="0">
+                <a:tc>
+                  <a:txBody>
+                    <a:bodyPr/>
+                    <a:lstStyle/>
+                    <a:p>
+                      <a:r>
+                        <a:rPr lang="en-GB" sz="1800" b="1" dirty="0">
+                          <a:effectLst/>
+                        </a:rPr>
+                        <a:t>Young men vs. Old men</a:t>
+                      </a:r>
+                      <a:endParaRPr lang="en-GB" sz="1800" b="1" dirty="0">
+                        <a:effectLst/>
+                        <a:latin typeface="Calibri" panose="020F0502020204030204" pitchFamily="34" charset="0"/>
+                        <a:ea typeface="Calibri" panose="020F0502020204030204" pitchFamily="34" charset="0"/>
+                        <a:cs typeface="Arial" panose="020B0604020202020204" pitchFamily="34" charset="0"/>
+                      </a:endParaRPr>
+                    </a:p>
+                  </a:txBody>
+                  <a:tcPr marL="68580" marR="68580" marT="0" marB="0"/>
+                </a:tc>
+                <a:tc>
+                  <a:txBody>
+                    <a:bodyPr/>
+                    <a:lstStyle/>
+                    <a:p>
+                      <a:r>
+                        <a:rPr lang="en-GB" sz="1800">
+                          <a:effectLst/>
+                        </a:rPr>
+                        <a:t>0.808 (0.001)</a:t>
+                      </a:r>
+                      <a:endParaRPr lang="en-GB" sz="1800">
+                        <a:effectLst/>
+                        <a:latin typeface="Calibri" panose="020F0502020204030204" pitchFamily="34" charset="0"/>
+                        <a:ea typeface="Calibri" panose="020F0502020204030204" pitchFamily="34" charset="0"/>
+                        <a:cs typeface="Arial" panose="020B0604020202020204" pitchFamily="34" charset="0"/>
+                      </a:endParaRPr>
+                    </a:p>
+                  </a:txBody>
+                  <a:tcPr marL="68580" marR="68580" marT="0" marB="0"/>
+                </a:tc>
+                <a:tc>
+                  <a:txBody>
+                    <a:bodyPr/>
+                    <a:lstStyle/>
+                    <a:p>
+                      <a:r>
+                        <a:rPr lang="en-GB" sz="1800" dirty="0">
+                          <a:effectLst/>
+                        </a:rPr>
+                        <a:t>0.739 (0.001)</a:t>
+                      </a:r>
+                      <a:endParaRPr lang="en-GB" sz="1800" dirty="0">
+                        <a:effectLst/>
+                        <a:latin typeface="Calibri" panose="020F0502020204030204" pitchFamily="34" charset="0"/>
+                        <a:ea typeface="Calibri" panose="020F0502020204030204" pitchFamily="34" charset="0"/>
+                        <a:cs typeface="Arial" panose="020B0604020202020204" pitchFamily="34" charset="0"/>
+                      </a:endParaRPr>
+                    </a:p>
+                  </a:txBody>
+                  <a:tcPr marL="68580" marR="68580" marT="0" marB="0"/>
+                </a:tc>
+                <a:extLst>
+                  <a:ext uri="{0D108BD9-81ED-4DB2-BD59-A6C34878D82A}">
+                    <a16:rowId xmlns:a16="http://schemas.microsoft.com/office/drawing/2014/main" val="4130479612"/>
+                  </a:ext>
+                </a:extLst>
+              </a:tr>
+            </a:tbl>
+          </a:graphicData>
+        </a:graphic>
+      </p:graphicFrame>
+      <p:sp>
+        <p:nvSpPr>
+          <p:cNvPr id="6" name="TextBox 5">
+            <a:extLst>
+              <a:ext uri="{FF2B5EF4-FFF2-40B4-BE49-F238E27FC236}">
+                <a16:creationId xmlns:a16="http://schemas.microsoft.com/office/drawing/2014/main" id="{085DC2DC-C405-498F-B0F6-A28A94772C51}"/>
+              </a:ext>
+            </a:extLst>
+          </p:cNvPr>
+          <p:cNvSpPr txBox="1"/>
+          <p:nvPr/>
+        </p:nvSpPr>
+        <p:spPr>
+          <a:xfrm>
+            <a:off x="9454393" y="3288133"/>
+            <a:ext cx="1306768" cy="1200329"/>
+          </a:xfrm>
+          <a:prstGeom prst="rect">
+            <a:avLst/>
+          </a:prstGeom>
+          <a:noFill/>
+        </p:spPr>
+        <p:txBody>
+          <a:bodyPr wrap="none" rtlCol="0">
+            <a:spAutoFit/>
+          </a:bodyPr>
+          <a:lstStyle/>
+          <a:p>
+            <a:r>
+              <a:rPr lang="nl-NL" i="1" dirty="0" err="1"/>
+              <a:t>Unbalanced</a:t>
+            </a:r>
+            <a:endParaRPr lang="nl-NL" i="1" dirty="0"/>
+          </a:p>
+          <a:p>
+            <a:r>
+              <a:rPr lang="nl-NL" i="1" dirty="0" err="1"/>
+              <a:t>Balanced</a:t>
+            </a:r>
+            <a:endParaRPr lang="nl-NL" i="1" dirty="0"/>
+          </a:p>
+          <a:p>
+            <a:r>
+              <a:rPr lang="nl-NL" i="1" dirty="0" err="1"/>
+              <a:t>Balanced</a:t>
+            </a:r>
+            <a:endParaRPr lang="nl-NL" i="1" dirty="0"/>
+          </a:p>
+          <a:p>
+            <a:r>
+              <a:rPr lang="nl-NL" i="1" dirty="0" err="1"/>
+              <a:t>Balanced</a:t>
+            </a:r>
+            <a:endParaRPr lang="nl-NL" i="1" dirty="0"/>
           </a:p>
         </p:txBody>
       </p:sp>
@@ -4566,7 +5007,7 @@
           <p:cNvPr id="2" name="Title 1">
             <a:extLst>
               <a:ext uri="{FF2B5EF4-FFF2-40B4-BE49-F238E27FC236}">
-                <a16:creationId xmlns:a16="http://schemas.microsoft.com/office/drawing/2014/main" id="{A131B7E1-1EEF-4D89-8709-961935B772D0}"/>
+                <a16:creationId xmlns:a16="http://schemas.microsoft.com/office/drawing/2014/main" id="{4A480EFC-BE3A-4FC0-8CA1-E6D1E40DF5B9}"/>
               </a:ext>
             </a:extLst>
           </p:cNvPr>
@@ -4575,6 +5016,71 @@
           </p:cNvSpPr>
           <p:nvPr>
             <p:ph type="title"/>
+          </p:nvPr>
+        </p:nvSpPr>
+        <p:spPr/>
+        <p:txBody>
+          <a:bodyPr>
+            <a:normAutofit/>
+          </a:bodyPr>
+          <a:lstStyle/>
+          <a:p>
+            <a:r>
+              <a:rPr lang="nl-NL" dirty="0"/>
+              <a:t>PCLRC</a:t>
+            </a:r>
+            <a:endParaRPr lang="en-GB" dirty="0"/>
+          </a:p>
+        </p:txBody>
+      </p:sp>
+      <p:pic>
+        <p:nvPicPr>
+          <p:cNvPr id="6" name="Content Placeholder 5">
+            <a:extLst>
+              <a:ext uri="{FF2B5EF4-FFF2-40B4-BE49-F238E27FC236}">
+                <a16:creationId xmlns:a16="http://schemas.microsoft.com/office/drawing/2014/main" id="{53DB382E-4B3C-4EE5-9867-AD4C3335E7C9}"/>
+              </a:ext>
+            </a:extLst>
+          </p:cNvPr>
+          <p:cNvPicPr>
+            <a:picLocks noGrp="1" noChangeAspect="1"/>
+          </p:cNvPicPr>
+          <p:nvPr>
+            <p:ph idx="1"/>
+          </p:nvPr>
+        </p:nvPicPr>
+        <p:blipFill>
+          <a:blip r:embed="rId2">
+            <a:extLst>
+              <a:ext uri="{28A0092B-C50C-407E-A947-70E740481C1C}">
+                <a14:useLocalDpi xmlns:a14="http://schemas.microsoft.com/office/drawing/2010/main" val="0"/>
+              </a:ext>
+            </a:extLst>
+          </a:blip>
+          <a:srcRect/>
+          <a:stretch/>
+        </p:blipFill>
+        <p:spPr>
+          <a:xfrm>
+            <a:off x="8353854" y="779578"/>
+            <a:ext cx="3256693" cy="2518531"/>
+          </a:xfrm>
+        </p:spPr>
+      </p:pic>
+      <p:sp>
+        <p:nvSpPr>
+          <p:cNvPr id="4" name="Slide Number Placeholder 3">
+            <a:extLst>
+              <a:ext uri="{FF2B5EF4-FFF2-40B4-BE49-F238E27FC236}">
+                <a16:creationId xmlns:a16="http://schemas.microsoft.com/office/drawing/2014/main" id="{3BB0580A-9423-4220-91F4-01D8029771FD}"/>
+              </a:ext>
+            </a:extLst>
+          </p:cNvPr>
+          <p:cNvSpPr>
+            <a:spLocks noGrp="1"/>
+          </p:cNvSpPr>
+          <p:nvPr>
+            <p:ph type="sldNum" sz="quarter" idx="12"/>
           </p:nvPr>
         </p:nvSpPr>
         <p:spPr/>
@@ -4582,77 +5088,20 @@
           <a:bodyPr/>
           <a:lstStyle/>
           <a:p>
-            <a:r>
-              <a:rPr lang="nl-NL" dirty="0"/>
-              <a:t>Men vs. </a:t>
-            </a:r>
-            <a:r>
-              <a:rPr lang="nl-NL" dirty="0" err="1"/>
-              <a:t>Women</a:t>
-            </a:r>
-            <a:endParaRPr lang="en-GB" dirty="0"/>
-          </a:p>
-        </p:txBody>
-      </p:sp>
-      <p:sp>
-        <p:nvSpPr>
-          <p:cNvPr id="3" name="Content Placeholder 2">
-            <a:extLst>
-              <a:ext uri="{FF2B5EF4-FFF2-40B4-BE49-F238E27FC236}">
-                <a16:creationId xmlns:a16="http://schemas.microsoft.com/office/drawing/2014/main" id="{A6ECF279-A374-443D-B3ED-8CA7F609A932}"/>
-              </a:ext>
-            </a:extLst>
-          </p:cNvPr>
-          <p:cNvSpPr>
-            <a:spLocks noGrp="1"/>
-          </p:cNvSpPr>
-          <p:nvPr>
-            <p:ph idx="1"/>
-          </p:nvPr>
-        </p:nvSpPr>
-        <p:spPr>
-          <a:xfrm>
-            <a:off x="134224" y="1825625"/>
-            <a:ext cx="10515600" cy="4351338"/>
-          </a:xfrm>
-        </p:spPr>
-        <p:txBody>
-          <a:bodyPr/>
-          <a:lstStyle/>
-          <a:p>
-            <a:pPr marL="0" indent="0">
-              <a:buNone/>
-            </a:pPr>
-            <a:r>
-              <a:rPr lang="nl-NL" dirty="0"/>
-              <a:t>No </a:t>
-            </a:r>
-            <a:r>
-              <a:rPr lang="nl-NL" dirty="0" err="1"/>
-              <a:t>negative</a:t>
-            </a:r>
-            <a:r>
-              <a:rPr lang="nl-NL" dirty="0"/>
-              <a:t> </a:t>
-            </a:r>
-            <a:r>
-              <a:rPr lang="nl-NL" dirty="0" err="1"/>
-              <a:t>values</a:t>
-            </a:r>
-            <a:r>
-              <a:rPr lang="nl-NL" dirty="0"/>
-              <a:t>?</a:t>
-            </a:r>
+            <a:fld id="{47D21762-8E6F-420A-9BE8-C943AA3E7C06}" type="slidenum">
+              <a:rPr lang="en-GB" smtClean="0"/>
+              <a:t>15</a:t>
+            </a:fld>
             <a:endParaRPr lang="en-GB" dirty="0"/>
           </a:p>
         </p:txBody>
       </p:sp>
       <p:pic>
         <p:nvPicPr>
-          <p:cNvPr id="5" name="Picture 4">
-            <a:extLst>
-              <a:ext uri="{FF2B5EF4-FFF2-40B4-BE49-F238E27FC236}">
-                <a16:creationId xmlns:a16="http://schemas.microsoft.com/office/drawing/2014/main" id="{F06F78ED-1E07-45B9-ACEA-864741ABA7ED}"/>
+          <p:cNvPr id="8" name="Picture 7">
+            <a:extLst>
+              <a:ext uri="{FF2B5EF4-FFF2-40B4-BE49-F238E27FC236}">
+                <a16:creationId xmlns:a16="http://schemas.microsoft.com/office/drawing/2014/main" id="{B8E28383-A1A8-4ABB-BBC8-A0345664DDD2}"/>
               </a:ext>
             </a:extLst>
           </p:cNvPr>
@@ -4662,98 +5111,291 @@
           <p:nvPr/>
         </p:nvPicPr>
         <p:blipFill>
-          <a:blip r:embed="rId2"/>
-          <a:stretch>
-            <a:fillRect/>
-          </a:stretch>
+          <a:blip r:embed="rId3">
+            <a:extLst>
+              <a:ext uri="{28A0092B-C50C-407E-A947-70E740481C1C}">
+                <a14:useLocalDpi xmlns:a14="http://schemas.microsoft.com/office/drawing/2010/main" val="0"/>
+              </a:ext>
+            </a:extLst>
+          </a:blip>
+          <a:srcRect/>
+          <a:stretch/>
         </p:blipFill>
         <p:spPr>
           <a:xfrm>
-            <a:off x="3110285" y="1453154"/>
-            <a:ext cx="5971429" cy="4723809"/>
+            <a:off x="4570200" y="3648007"/>
+            <a:ext cx="3256694" cy="2518532"/>
           </a:xfrm>
           <a:prstGeom prst="rect">
             <a:avLst/>
           </a:prstGeom>
         </p:spPr>
       </p:pic>
-      <p:sp>
-        <p:nvSpPr>
-          <p:cNvPr id="4" name="Slide Number Placeholder 3">
-            <a:extLst>
-              <a:ext uri="{FF2B5EF4-FFF2-40B4-BE49-F238E27FC236}">
-                <a16:creationId xmlns:a16="http://schemas.microsoft.com/office/drawing/2014/main" id="{B975F890-6A31-4918-A97B-06A3056306AF}"/>
-              </a:ext>
-            </a:extLst>
-          </p:cNvPr>
-          <p:cNvSpPr>
-            <a:spLocks noGrp="1"/>
-          </p:cNvSpPr>
-          <p:nvPr>
-            <p:ph type="sldNum" sz="quarter" idx="12"/>
-          </p:nvPr>
-        </p:nvSpPr>
-        <p:spPr/>
-        <p:txBody>
-          <a:bodyPr/>
-          <a:lstStyle/>
-          <a:p>
-            <a:fld id="{47D21762-8E6F-420A-9BE8-C943AA3E7C06}" type="slidenum">
-              <a:rPr lang="en-GB" smtClean="0"/>
-              <a:t>15</a:t>
-            </a:fld>
-            <a:endParaRPr lang="en-GB"/>
-          </a:p>
-        </p:txBody>
-      </p:sp>
-      <p:sp>
-        <p:nvSpPr>
-          <p:cNvPr id="6" name="Oval 5">
-            <a:extLst>
-              <a:ext uri="{FF2B5EF4-FFF2-40B4-BE49-F238E27FC236}">
-                <a16:creationId xmlns:a16="http://schemas.microsoft.com/office/drawing/2014/main" id="{627684F0-6BFF-411D-BF17-48A7E0EF81E0}"/>
-              </a:ext>
-            </a:extLst>
-          </p:cNvPr>
-          <p:cNvSpPr/>
+      <p:pic>
+        <p:nvPicPr>
+          <p:cNvPr id="10" name="Picture 9">
+            <a:extLst>
+              <a:ext uri="{FF2B5EF4-FFF2-40B4-BE49-F238E27FC236}">
+                <a16:creationId xmlns:a16="http://schemas.microsoft.com/office/drawing/2014/main" id="{D09DC5A2-0EDA-4C29-96F3-1C3C81FCE609}"/>
+              </a:ext>
+            </a:extLst>
+          </p:cNvPr>
+          <p:cNvPicPr>
+            <a:picLocks noChangeAspect="1"/>
+          </p:cNvPicPr>
           <p:nvPr/>
-        </p:nvSpPr>
+        </p:nvPicPr>
+        <p:blipFill>
+          <a:blip r:embed="rId4">
+            <a:extLst>
+              <a:ext uri="{28A0092B-C50C-407E-A947-70E740481C1C}">
+                <a14:useLocalDpi xmlns:a14="http://schemas.microsoft.com/office/drawing/2010/main" val="0"/>
+              </a:ext>
+            </a:extLst>
+          </a:blip>
+          <a:srcRect/>
+          <a:stretch/>
+        </p:blipFill>
         <p:spPr>
           <a:xfrm>
-            <a:off x="5944997" y="5973123"/>
-            <a:ext cx="134224" cy="142612"/>
+            <a:off x="4467653" y="767599"/>
+            <a:ext cx="3256694" cy="2518532"/>
           </a:xfrm>
-          <a:prstGeom prst="ellipse">
+          <a:prstGeom prst="rect">
+            <a:avLst/>
+          </a:prstGeom>
+        </p:spPr>
+      </p:pic>
+      <p:pic>
+        <p:nvPicPr>
+          <p:cNvPr id="12" name="Picture 11">
+            <a:extLst>
+              <a:ext uri="{FF2B5EF4-FFF2-40B4-BE49-F238E27FC236}">
+                <a16:creationId xmlns:a16="http://schemas.microsoft.com/office/drawing/2014/main" id="{930DC80E-3FC5-4FDF-BBE8-8CC371B83350}"/>
+              </a:ext>
+            </a:extLst>
+          </p:cNvPr>
+          <p:cNvPicPr>
+            <a:picLocks noChangeAspect="1"/>
+          </p:cNvPicPr>
+          <p:nvPr/>
+        </p:nvPicPr>
+        <p:blipFill>
+          <a:blip r:embed="rId5">
+            <a:extLst>
+              <a:ext uri="{28A0092B-C50C-407E-A947-70E740481C1C}">
+                <a14:useLocalDpi xmlns:a14="http://schemas.microsoft.com/office/drawing/2010/main" val="0"/>
+              </a:ext>
+            </a:extLst>
+          </a:blip>
+          <a:srcRect/>
+          <a:stretch/>
+        </p:blipFill>
+        <p:spPr>
+          <a:xfrm>
+            <a:off x="8353853" y="3648007"/>
+            <a:ext cx="3256694" cy="2518532"/>
+          </a:xfrm>
+          <a:prstGeom prst="rect">
+            <a:avLst/>
+          </a:prstGeom>
+        </p:spPr>
+      </p:pic>
+      <p:graphicFrame>
+        <p:nvGraphicFramePr>
+          <p:cNvPr id="13" name="Table 13">
+            <a:extLst>
+              <a:ext uri="{FF2B5EF4-FFF2-40B4-BE49-F238E27FC236}">
+                <a16:creationId xmlns:a16="http://schemas.microsoft.com/office/drawing/2014/main" id="{BB5A2719-FED1-493C-88DA-FEBEA9AC7054}"/>
+              </a:ext>
+            </a:extLst>
+          </p:cNvPr>
+          <p:cNvGraphicFramePr>
+            <a:graphicFrameLocks noGrp="1"/>
+          </p:cNvGraphicFramePr>
+          <p:nvPr>
+            <p:extLst>
+              <p:ext uri="{D42A27DB-BD31-4B8C-83A1-F6EECF244321}">
+                <p14:modId xmlns:p14="http://schemas.microsoft.com/office/powerpoint/2010/main" val="4279152792"/>
+              </p:ext>
+            </p:extLst>
+          </p:nvPr>
+        </p:nvGraphicFramePr>
+        <p:xfrm>
+          <a:off x="279246" y="2742584"/>
+          <a:ext cx="3353499" cy="1112520"/>
+        </p:xfrm>
+        <a:graphic>
+          <a:graphicData uri="http://schemas.openxmlformats.org/drawingml/2006/table">
+            <a:tbl>
+              <a:tblPr firstRow="1" bandRow="1">
+                <a:tableStyleId>{5940675A-B579-460E-94D1-54222C63F5DA}</a:tableStyleId>
+              </a:tblPr>
+              <a:tblGrid>
+                <a:gridCol w="2127250">
+                  <a:extLst>
+                    <a:ext uri="{9D8B030D-6E8A-4147-A177-3AD203B41FA5}">
+                      <a16:colId xmlns:a16="http://schemas.microsoft.com/office/drawing/2014/main" val="2140016609"/>
+                    </a:ext>
+                  </a:extLst>
+                </a:gridCol>
+                <a:gridCol w="1226249">
+                  <a:extLst>
+                    <a:ext uri="{9D8B030D-6E8A-4147-A177-3AD203B41FA5}">
+                      <a16:colId xmlns:a16="http://schemas.microsoft.com/office/drawing/2014/main" val="1628650466"/>
+                    </a:ext>
+                  </a:extLst>
+                </a:gridCol>
+              </a:tblGrid>
+              <a:tr h="370840">
+                <a:tc>
+                  <a:txBody>
+                    <a:bodyPr/>
+                    <a:lstStyle/>
+                    <a:p>
+                      <a:r>
+                        <a:rPr lang="en-US" sz="1800" dirty="0"/>
+                        <a:t>Multiple testing</a:t>
+                      </a:r>
+                      <a:endParaRPr lang="en-GB" dirty="0"/>
+                    </a:p>
+                  </a:txBody>
+                  <a:tcPr/>
+                </a:tc>
+                <a:tc>
+                  <a:txBody>
+                    <a:bodyPr/>
+                    <a:lstStyle/>
+                    <a:p>
+                      <a:r>
+                        <a:rPr lang="en-US" sz="1800" dirty="0"/>
+                        <a:t>Bonferroni</a:t>
+                      </a:r>
+                      <a:endParaRPr lang="en-GB" dirty="0"/>
+                    </a:p>
+                  </a:txBody>
+                  <a:tcPr/>
+                </a:tc>
+                <a:extLst>
+                  <a:ext uri="{0D108BD9-81ED-4DB2-BD59-A6C34878D82A}">
+                    <a16:rowId xmlns:a16="http://schemas.microsoft.com/office/drawing/2014/main" val="2151792869"/>
+                  </a:ext>
+                </a:extLst>
+              </a:tr>
+              <a:tr h="370840">
+                <a:tc>
+                  <a:txBody>
+                    <a:bodyPr/>
+                    <a:lstStyle/>
+                    <a:p>
+                      <a:r>
+                        <a:rPr lang="en-US" sz="1800" dirty="0" err="1"/>
+                        <a:t>Probablity</a:t>
+                      </a:r>
+                      <a:r>
+                        <a:rPr lang="en-US" sz="1800" dirty="0"/>
+                        <a:t> threshold</a:t>
+                      </a:r>
+                      <a:endParaRPr lang="en-GB" dirty="0"/>
+                    </a:p>
+                  </a:txBody>
+                  <a:tcPr/>
+                </a:tc>
+                <a:tc>
+                  <a:txBody>
+                    <a:bodyPr/>
+                    <a:lstStyle/>
+                    <a:p>
+                      <a:r>
+                        <a:rPr lang="en-US" sz="1800" dirty="0"/>
+                        <a:t>0,99</a:t>
+                      </a:r>
+                      <a:endParaRPr lang="en-GB" dirty="0"/>
+                    </a:p>
+                  </a:txBody>
+                  <a:tcPr/>
+                </a:tc>
+                <a:extLst>
+                  <a:ext uri="{0D108BD9-81ED-4DB2-BD59-A6C34878D82A}">
+                    <a16:rowId xmlns:a16="http://schemas.microsoft.com/office/drawing/2014/main" val="3583369966"/>
+                  </a:ext>
+                </a:extLst>
+              </a:tr>
+              <a:tr h="370840">
+                <a:tc>
+                  <a:txBody>
+                    <a:bodyPr/>
+                    <a:lstStyle/>
+                    <a:p>
+                      <a:r>
+                        <a:rPr lang="en-US" sz="1800" dirty="0"/>
+                        <a:t>P-value threshold</a:t>
+                      </a:r>
+                      <a:endParaRPr lang="en-GB" dirty="0"/>
+                    </a:p>
+                  </a:txBody>
+                  <a:tcPr/>
+                </a:tc>
+                <a:tc>
+                  <a:txBody>
+                    <a:bodyPr/>
+                    <a:lstStyle/>
+                    <a:p>
+                      <a:r>
+                        <a:rPr lang="en-US" sz="1800" dirty="0"/>
+                        <a:t>0,01</a:t>
+                      </a:r>
+                      <a:endParaRPr lang="en-GB" dirty="0"/>
+                    </a:p>
+                  </a:txBody>
+                  <a:tcPr/>
+                </a:tc>
+                <a:extLst>
+                  <a:ext uri="{0D108BD9-81ED-4DB2-BD59-A6C34878D82A}">
+                    <a16:rowId xmlns:a16="http://schemas.microsoft.com/office/drawing/2014/main" val="4230773412"/>
+                  </a:ext>
+                </a:extLst>
+              </a:tr>
+            </a:tbl>
+          </a:graphicData>
+        </a:graphic>
+      </p:graphicFrame>
+      <p:sp>
+        <p:nvSpPr>
+          <p:cNvPr id="14" name="TextBox 13">
+            <a:extLst>
+              <a:ext uri="{FF2B5EF4-FFF2-40B4-BE49-F238E27FC236}">
+                <a16:creationId xmlns:a16="http://schemas.microsoft.com/office/drawing/2014/main" id="{6C315DAB-3F3C-4767-9338-4F5465F31B30}"/>
+              </a:ext>
+            </a:extLst>
+          </p:cNvPr>
+          <p:cNvSpPr txBox="1"/>
+          <p:nvPr/>
+        </p:nvSpPr>
+        <p:spPr>
+          <a:xfrm>
+            <a:off x="1106508" y="4379053"/>
+            <a:ext cx="1868012" cy="369332"/>
+          </a:xfrm>
+          <a:prstGeom prst="rect">
             <a:avLst/>
           </a:prstGeom>
           <a:noFill/>
-          <a:ln>
-            <a:solidFill>
-              <a:srgbClr val="FF0000"/>
-            </a:solidFill>
-          </a:ln>
         </p:spPr>
-        <p:style>
-          <a:lnRef idx="2">
-            <a:schemeClr val="accent1">
-              <a:shade val="50000"/>
-            </a:schemeClr>
-          </a:lnRef>
-          <a:fillRef idx="1">
-            <a:schemeClr val="accent1"/>
-          </a:fillRef>
-          <a:effectRef idx="0">
-            <a:schemeClr val="accent1"/>
-          </a:effectRef>
-          <a:fontRef idx="minor">
-            <a:schemeClr val="lt1"/>
-          </a:fontRef>
-        </p:style>
-        <p:txBody>
-          <a:bodyPr rtlCol="0" anchor="ctr"/>
+        <p:txBody>
+          <a:bodyPr wrap="none" rtlCol="0">
+            <a:spAutoFit/>
+          </a:bodyPr>
           <a:lstStyle/>
           <a:p>
-            <a:pPr algn="ctr"/>
+            <a:r>
+              <a:rPr lang="nl-NL" dirty="0"/>
+              <a:t>Same as </a:t>
+            </a:r>
+            <a:r>
+              <a:rPr lang="nl-NL" dirty="0" err="1"/>
+              <a:t>Wilcoxon</a:t>
+            </a:r>
             <a:endParaRPr lang="en-GB" dirty="0"/>
           </a:p>
         </p:txBody>
@@ -4761,7 +5403,7 @@
     </p:spTree>
     <p:extLst>
       <p:ext uri="{BB962C8B-B14F-4D97-AF65-F5344CB8AC3E}">
-        <p14:creationId xmlns:p14="http://schemas.microsoft.com/office/powerpoint/2010/main" val="3799224210"/>
+        <p14:creationId xmlns:p14="http://schemas.microsoft.com/office/powerpoint/2010/main" val="1486202078"/>
       </p:ext>
     </p:extLst>
   </p:cSld>
@@ -4793,7 +5435,7 @@
           <p:cNvPr id="2" name="Title 1">
             <a:extLst>
               <a:ext uri="{FF2B5EF4-FFF2-40B4-BE49-F238E27FC236}">
-                <a16:creationId xmlns:a16="http://schemas.microsoft.com/office/drawing/2014/main" id="{A131B7E1-1EEF-4D89-8709-961935B772D0}"/>
+                <a16:creationId xmlns:a16="http://schemas.microsoft.com/office/drawing/2014/main" id="{4A480EFC-BE3A-4FC0-8CA1-E6D1E40DF5B9}"/>
               </a:ext>
             </a:extLst>
           </p:cNvPr>
@@ -4802,6 +5444,71 @@
           </p:cNvSpPr>
           <p:nvPr>
             <p:ph type="title"/>
+          </p:nvPr>
+        </p:nvSpPr>
+        <p:spPr/>
+        <p:txBody>
+          <a:bodyPr>
+            <a:normAutofit/>
+          </a:bodyPr>
+          <a:lstStyle/>
+          <a:p>
+            <a:r>
+              <a:rPr lang="nl-NL" dirty="0"/>
+              <a:t>PCLRC</a:t>
+            </a:r>
+            <a:endParaRPr lang="en-GB" dirty="0"/>
+          </a:p>
+        </p:txBody>
+      </p:sp>
+      <p:pic>
+        <p:nvPicPr>
+          <p:cNvPr id="6" name="Content Placeholder 5">
+            <a:extLst>
+              <a:ext uri="{FF2B5EF4-FFF2-40B4-BE49-F238E27FC236}">
+                <a16:creationId xmlns:a16="http://schemas.microsoft.com/office/drawing/2014/main" id="{53DB382E-4B3C-4EE5-9867-AD4C3335E7C9}"/>
+              </a:ext>
+            </a:extLst>
+          </p:cNvPr>
+          <p:cNvPicPr>
+            <a:picLocks noGrp="1" noChangeAspect="1"/>
+          </p:cNvPicPr>
+          <p:nvPr>
+            <p:ph idx="1"/>
+          </p:nvPr>
+        </p:nvPicPr>
+        <p:blipFill>
+          <a:blip r:embed="rId2">
+            <a:extLst>
+              <a:ext uri="{28A0092B-C50C-407E-A947-70E740481C1C}">
+                <a14:useLocalDpi xmlns:a14="http://schemas.microsoft.com/office/drawing/2010/main" val="0"/>
+              </a:ext>
+            </a:extLst>
+          </a:blip>
+          <a:srcRect/>
+          <a:stretch/>
+        </p:blipFill>
+        <p:spPr>
+          <a:xfrm>
+            <a:off x="8353940" y="779645"/>
+            <a:ext cx="3256521" cy="2518398"/>
+          </a:xfrm>
+        </p:spPr>
+      </p:pic>
+      <p:sp>
+        <p:nvSpPr>
+          <p:cNvPr id="4" name="Slide Number Placeholder 3">
+            <a:extLst>
+              <a:ext uri="{FF2B5EF4-FFF2-40B4-BE49-F238E27FC236}">
+                <a16:creationId xmlns:a16="http://schemas.microsoft.com/office/drawing/2014/main" id="{3BB0580A-9423-4220-91F4-01D8029771FD}"/>
+              </a:ext>
+            </a:extLst>
+          </p:cNvPr>
+          <p:cNvSpPr>
+            <a:spLocks noGrp="1"/>
+          </p:cNvSpPr>
+          <p:nvPr>
+            <p:ph type="sldNum" sz="quarter" idx="12"/>
           </p:nvPr>
         </p:nvSpPr>
         <p:spPr/>
@@ -4809,57 +5516,20 @@
           <a:bodyPr/>
           <a:lstStyle/>
           <a:p>
-            <a:r>
-              <a:rPr lang="nl-NL" dirty="0"/>
-              <a:t>Men vs. </a:t>
-            </a:r>
-            <a:r>
-              <a:rPr lang="nl-NL" dirty="0" err="1"/>
-              <a:t>Women</a:t>
-            </a:r>
-            <a:endParaRPr lang="en-GB" dirty="0"/>
-          </a:p>
-        </p:txBody>
-      </p:sp>
-      <p:sp>
-        <p:nvSpPr>
-          <p:cNvPr id="3" name="Content Placeholder 2">
-            <a:extLst>
-              <a:ext uri="{FF2B5EF4-FFF2-40B4-BE49-F238E27FC236}">
-                <a16:creationId xmlns:a16="http://schemas.microsoft.com/office/drawing/2014/main" id="{A6ECF279-A374-443D-B3ED-8CA7F609A932}"/>
-              </a:ext>
-            </a:extLst>
-          </p:cNvPr>
-          <p:cNvSpPr>
-            <a:spLocks noGrp="1"/>
-          </p:cNvSpPr>
-          <p:nvPr>
-            <p:ph idx="1"/>
-          </p:nvPr>
-        </p:nvSpPr>
-        <p:spPr>
-          <a:xfrm>
-            <a:off x="134224" y="1825625"/>
-            <a:ext cx="10515600" cy="4351338"/>
-          </a:xfrm>
-        </p:spPr>
-        <p:txBody>
-          <a:bodyPr/>
-          <a:lstStyle/>
-          <a:p>
-            <a:pPr marL="0" indent="0">
-              <a:buNone/>
-            </a:pPr>
+            <a:fld id="{47D21762-8E6F-420A-9BE8-C943AA3E7C06}" type="slidenum">
+              <a:rPr lang="en-GB" smtClean="0"/>
+              <a:t>16</a:t>
+            </a:fld>
             <a:endParaRPr lang="en-GB" dirty="0"/>
           </a:p>
         </p:txBody>
       </p:sp>
       <p:pic>
         <p:nvPicPr>
-          <p:cNvPr id="6" name="Picture 5">
-            <a:extLst>
-              <a:ext uri="{FF2B5EF4-FFF2-40B4-BE49-F238E27FC236}">
-                <a16:creationId xmlns:a16="http://schemas.microsoft.com/office/drawing/2014/main" id="{A3329C5D-5523-460F-AB87-404BE1BA1109}"/>
+          <p:cNvPr id="8" name="Picture 7">
+            <a:extLst>
+              <a:ext uri="{FF2B5EF4-FFF2-40B4-BE49-F238E27FC236}">
+                <a16:creationId xmlns:a16="http://schemas.microsoft.com/office/drawing/2014/main" id="{B8E28383-A1A8-4ABB-BBC8-A0345664DDD2}"/>
               </a:ext>
             </a:extLst>
           </p:cNvPr>
@@ -4869,15 +5539,20 @@
           <p:nvPr/>
         </p:nvPicPr>
         <p:blipFill>
-          <a:blip r:embed="rId2"/>
-          <a:stretch>
-            <a:fillRect/>
-          </a:stretch>
+          <a:blip r:embed="rId3">
+            <a:extLst>
+              <a:ext uri="{28A0092B-C50C-407E-A947-70E740481C1C}">
+                <a14:useLocalDpi xmlns:a14="http://schemas.microsoft.com/office/drawing/2010/main" val="0"/>
+              </a:ext>
+            </a:extLst>
+          </a:blip>
+          <a:srcRect/>
+          <a:stretch/>
         </p:blipFill>
         <p:spPr>
           <a:xfrm>
-            <a:off x="-2" y="1571623"/>
-            <a:ext cx="6120000" cy="3900000"/>
+            <a:off x="4570286" y="3648074"/>
+            <a:ext cx="3256521" cy="2518398"/>
           </a:xfrm>
           <a:prstGeom prst="rect">
             <a:avLst/>
@@ -4886,10 +5561,10 @@
       </p:pic>
       <p:pic>
         <p:nvPicPr>
-          <p:cNvPr id="8" name="Picture 7">
-            <a:extLst>
-              <a:ext uri="{FF2B5EF4-FFF2-40B4-BE49-F238E27FC236}">
-                <a16:creationId xmlns:a16="http://schemas.microsoft.com/office/drawing/2014/main" id="{7AF667E6-F589-414A-B86E-512EAA51D87E}"/>
+          <p:cNvPr id="10" name="Picture 9">
+            <a:extLst>
+              <a:ext uri="{FF2B5EF4-FFF2-40B4-BE49-F238E27FC236}">
+                <a16:creationId xmlns:a16="http://schemas.microsoft.com/office/drawing/2014/main" id="{D09DC5A2-0EDA-4C29-96F3-1C3C81FCE609}"/>
               </a:ext>
             </a:extLst>
           </p:cNvPr>
@@ -4899,54 +5574,224 @@
           <p:nvPr/>
         </p:nvPicPr>
         <p:blipFill>
-          <a:blip r:embed="rId3"/>
-          <a:stretch>
-            <a:fillRect/>
-          </a:stretch>
+          <a:blip r:embed="rId4">
+            <a:extLst>
+              <a:ext uri="{28A0092B-C50C-407E-A947-70E740481C1C}">
+                <a14:useLocalDpi xmlns:a14="http://schemas.microsoft.com/office/drawing/2010/main" val="0"/>
+              </a:ext>
+            </a:extLst>
+          </a:blip>
+          <a:srcRect/>
+          <a:stretch/>
         </p:blipFill>
         <p:spPr>
           <a:xfrm>
-            <a:off x="6072000" y="825014"/>
-            <a:ext cx="6120000" cy="6032986"/>
+            <a:off x="4467653" y="767600"/>
+            <a:ext cx="3256693" cy="2518530"/>
           </a:xfrm>
           <a:prstGeom prst="rect">
             <a:avLst/>
           </a:prstGeom>
         </p:spPr>
       </p:pic>
-      <p:sp>
-        <p:nvSpPr>
-          <p:cNvPr id="9" name="Slide Number Placeholder 8">
-            <a:extLst>
-              <a:ext uri="{FF2B5EF4-FFF2-40B4-BE49-F238E27FC236}">
-                <a16:creationId xmlns:a16="http://schemas.microsoft.com/office/drawing/2014/main" id="{691000A4-F4E6-4085-AEBD-E182BFBB7521}"/>
-              </a:ext>
-            </a:extLst>
-          </p:cNvPr>
-          <p:cNvSpPr>
-            <a:spLocks noGrp="1"/>
-          </p:cNvSpPr>
-          <p:nvPr>
-            <p:ph type="sldNum" sz="quarter" idx="12"/>
-          </p:nvPr>
-        </p:nvSpPr>
-        <p:spPr/>
-        <p:txBody>
-          <a:bodyPr/>
-          <a:lstStyle/>
-          <a:p>
-            <a:fld id="{47D21762-8E6F-420A-9BE8-C943AA3E7C06}" type="slidenum">
-              <a:rPr lang="en-GB" smtClean="0"/>
-              <a:t>16</a:t>
-            </a:fld>
-            <a:endParaRPr lang="en-GB"/>
-          </a:p>
-        </p:txBody>
-      </p:sp>
+      <p:pic>
+        <p:nvPicPr>
+          <p:cNvPr id="12" name="Picture 11">
+            <a:extLst>
+              <a:ext uri="{FF2B5EF4-FFF2-40B4-BE49-F238E27FC236}">
+                <a16:creationId xmlns:a16="http://schemas.microsoft.com/office/drawing/2014/main" id="{930DC80E-3FC5-4FDF-BBE8-8CC371B83350}"/>
+              </a:ext>
+            </a:extLst>
+          </p:cNvPr>
+          <p:cNvPicPr>
+            <a:picLocks noChangeAspect="1"/>
+          </p:cNvPicPr>
+          <p:nvPr/>
+        </p:nvPicPr>
+        <p:blipFill>
+          <a:blip r:embed="rId5">
+            <a:extLst>
+              <a:ext uri="{28A0092B-C50C-407E-A947-70E740481C1C}">
+                <a14:useLocalDpi xmlns:a14="http://schemas.microsoft.com/office/drawing/2010/main" val="0"/>
+              </a:ext>
+            </a:extLst>
+          </a:blip>
+          <a:srcRect/>
+          <a:stretch/>
+        </p:blipFill>
+        <p:spPr>
+          <a:xfrm>
+            <a:off x="8353939" y="3648074"/>
+            <a:ext cx="3256521" cy="2518398"/>
+          </a:xfrm>
+          <a:prstGeom prst="rect">
+            <a:avLst/>
+          </a:prstGeom>
+        </p:spPr>
+      </p:pic>
+      <p:graphicFrame>
+        <p:nvGraphicFramePr>
+          <p:cNvPr id="13" name="Table 13">
+            <a:extLst>
+              <a:ext uri="{FF2B5EF4-FFF2-40B4-BE49-F238E27FC236}">
+                <a16:creationId xmlns:a16="http://schemas.microsoft.com/office/drawing/2014/main" id="{BB5A2719-FED1-493C-88DA-FEBEA9AC7054}"/>
+              </a:ext>
+            </a:extLst>
+          </p:cNvPr>
+          <p:cNvGraphicFramePr>
+            <a:graphicFrameLocks noGrp="1"/>
+          </p:cNvGraphicFramePr>
+          <p:nvPr>
+            <p:extLst>
+              <p:ext uri="{D42A27DB-BD31-4B8C-83A1-F6EECF244321}">
+                <p14:modId xmlns:p14="http://schemas.microsoft.com/office/powerpoint/2010/main" val="3489268368"/>
+              </p:ext>
+            </p:extLst>
+          </p:nvPr>
+        </p:nvGraphicFramePr>
+        <p:xfrm>
+          <a:off x="279246" y="2742584"/>
+          <a:ext cx="3353499" cy="1112520"/>
+        </p:xfrm>
+        <a:graphic>
+          <a:graphicData uri="http://schemas.openxmlformats.org/drawingml/2006/table">
+            <a:tbl>
+              <a:tblPr firstRow="1" bandRow="1">
+                <a:tableStyleId>{5940675A-B579-460E-94D1-54222C63F5DA}</a:tableStyleId>
+              </a:tblPr>
+              <a:tblGrid>
+                <a:gridCol w="2127250">
+                  <a:extLst>
+                    <a:ext uri="{9D8B030D-6E8A-4147-A177-3AD203B41FA5}">
+                      <a16:colId xmlns:a16="http://schemas.microsoft.com/office/drawing/2014/main" val="2140016609"/>
+                    </a:ext>
+                  </a:extLst>
+                </a:gridCol>
+                <a:gridCol w="1226249">
+                  <a:extLst>
+                    <a:ext uri="{9D8B030D-6E8A-4147-A177-3AD203B41FA5}">
+                      <a16:colId xmlns:a16="http://schemas.microsoft.com/office/drawing/2014/main" val="1628650466"/>
+                    </a:ext>
+                  </a:extLst>
+                </a:gridCol>
+              </a:tblGrid>
+              <a:tr h="370840">
+                <a:tc>
+                  <a:txBody>
+                    <a:bodyPr/>
+                    <a:lstStyle/>
+                    <a:p>
+                      <a:r>
+                        <a:rPr lang="en-US" sz="1800" dirty="0"/>
+                        <a:t>Multiple testing</a:t>
+                      </a:r>
+                      <a:endParaRPr lang="en-GB" dirty="0"/>
+                    </a:p>
+                  </a:txBody>
+                  <a:tcPr/>
+                </a:tc>
+                <a:tc>
+                  <a:txBody>
+                    <a:bodyPr/>
+                    <a:lstStyle/>
+                    <a:p>
+                      <a:r>
+                        <a:rPr lang="en-US" sz="1800" dirty="0"/>
+                        <a:t>Bonferroni</a:t>
+                      </a:r>
+                      <a:endParaRPr lang="en-GB" dirty="0"/>
+                    </a:p>
+                  </a:txBody>
+                  <a:tcPr/>
+                </a:tc>
+                <a:extLst>
+                  <a:ext uri="{0D108BD9-81ED-4DB2-BD59-A6C34878D82A}">
+                    <a16:rowId xmlns:a16="http://schemas.microsoft.com/office/drawing/2014/main" val="2151792869"/>
+                  </a:ext>
+                </a:extLst>
+              </a:tr>
+              <a:tr h="370840">
+                <a:tc>
+                  <a:txBody>
+                    <a:bodyPr/>
+                    <a:lstStyle/>
+                    <a:p>
+                      <a:r>
+                        <a:rPr lang="en-US" sz="1800" dirty="0" err="1"/>
+                        <a:t>Probablity</a:t>
+                      </a:r>
+                      <a:r>
+                        <a:rPr lang="en-US" sz="1800" dirty="0"/>
+                        <a:t> threshold</a:t>
+                      </a:r>
+                      <a:endParaRPr lang="en-GB" dirty="0"/>
+                    </a:p>
+                  </a:txBody>
+                  <a:tcPr/>
+                </a:tc>
+                <a:tc>
+                  <a:txBody>
+                    <a:bodyPr/>
+                    <a:lstStyle/>
+                    <a:p>
+                      <a:r>
+                        <a:rPr lang="en-US" sz="1800" dirty="0"/>
+                        <a:t>0,99</a:t>
+                      </a:r>
+                      <a:endParaRPr lang="en-GB" dirty="0"/>
+                    </a:p>
+                  </a:txBody>
+                  <a:tcPr/>
+                </a:tc>
+                <a:extLst>
+                  <a:ext uri="{0D108BD9-81ED-4DB2-BD59-A6C34878D82A}">
+                    <a16:rowId xmlns:a16="http://schemas.microsoft.com/office/drawing/2014/main" val="3583369966"/>
+                  </a:ext>
+                </a:extLst>
+              </a:tr>
+              <a:tr h="370840">
+                <a:tc>
+                  <a:txBody>
+                    <a:bodyPr/>
+                    <a:lstStyle/>
+                    <a:p>
+                      <a:r>
+                        <a:rPr lang="en-US" sz="1800" dirty="0"/>
+                        <a:t>P-value threshold</a:t>
+                      </a:r>
+                      <a:endParaRPr lang="en-GB" dirty="0"/>
+                    </a:p>
+                  </a:txBody>
+                  <a:tcPr/>
+                </a:tc>
+                <a:tc>
+                  <a:txBody>
+                    <a:bodyPr/>
+                    <a:lstStyle/>
+                    <a:p>
+                      <a:r>
+                        <a:rPr lang="en-US" sz="1800" dirty="0"/>
+                        <a:t>0,05</a:t>
+                      </a:r>
+                      <a:endParaRPr lang="en-GB" dirty="0"/>
+                    </a:p>
+                  </a:txBody>
+                  <a:tcPr/>
+                </a:tc>
+                <a:extLst>
+                  <a:ext uri="{0D108BD9-81ED-4DB2-BD59-A6C34878D82A}">
+                    <a16:rowId xmlns:a16="http://schemas.microsoft.com/office/drawing/2014/main" val="4230773412"/>
+                  </a:ext>
+                </a:extLst>
+              </a:tr>
+            </a:tbl>
+          </a:graphicData>
+        </a:graphic>
+      </p:graphicFrame>
     </p:spTree>
     <p:extLst>
       <p:ext uri="{BB962C8B-B14F-4D97-AF65-F5344CB8AC3E}">
-        <p14:creationId xmlns:p14="http://schemas.microsoft.com/office/powerpoint/2010/main" val="1653931628"/>
+        <p14:creationId xmlns:p14="http://schemas.microsoft.com/office/powerpoint/2010/main" val="3052524351"/>
       </p:ext>
     </p:extLst>
   </p:cSld>
@@ -4978,7 +5823,7 @@
           <p:cNvPr id="2" name="Title 1">
             <a:extLst>
               <a:ext uri="{FF2B5EF4-FFF2-40B4-BE49-F238E27FC236}">
-                <a16:creationId xmlns:a16="http://schemas.microsoft.com/office/drawing/2014/main" id="{8D294BAD-32D0-46FD-97A1-87C6B5FC1DA9}"/>
+                <a16:creationId xmlns:a16="http://schemas.microsoft.com/office/drawing/2014/main" id="{4A480EFC-BE3A-4FC0-8CA1-E6D1E40DF5B9}"/>
               </a:ext>
             </a:extLst>
           </p:cNvPr>
@@ -4987,6 +5832,71 @@
           </p:cNvSpPr>
           <p:nvPr>
             <p:ph type="title"/>
+          </p:nvPr>
+        </p:nvSpPr>
+        <p:spPr/>
+        <p:txBody>
+          <a:bodyPr>
+            <a:normAutofit/>
+          </a:bodyPr>
+          <a:lstStyle/>
+          <a:p>
+            <a:r>
+              <a:rPr lang="nl-NL" dirty="0"/>
+              <a:t>PCLRC</a:t>
+            </a:r>
+            <a:endParaRPr lang="en-GB" dirty="0"/>
+          </a:p>
+        </p:txBody>
+      </p:sp>
+      <p:pic>
+        <p:nvPicPr>
+          <p:cNvPr id="6" name="Content Placeholder 5">
+            <a:extLst>
+              <a:ext uri="{FF2B5EF4-FFF2-40B4-BE49-F238E27FC236}">
+                <a16:creationId xmlns:a16="http://schemas.microsoft.com/office/drawing/2014/main" id="{53DB382E-4B3C-4EE5-9867-AD4C3335E7C9}"/>
+              </a:ext>
+            </a:extLst>
+          </p:cNvPr>
+          <p:cNvPicPr>
+            <a:picLocks noGrp="1" noChangeAspect="1"/>
+          </p:cNvPicPr>
+          <p:nvPr>
+            <p:ph idx="1"/>
+          </p:nvPr>
+        </p:nvPicPr>
+        <p:blipFill>
+          <a:blip r:embed="rId2">
+            <a:extLst>
+              <a:ext uri="{28A0092B-C50C-407E-A947-70E740481C1C}">
+                <a14:useLocalDpi xmlns:a14="http://schemas.microsoft.com/office/drawing/2010/main" val="0"/>
+              </a:ext>
+            </a:extLst>
+          </a:blip>
+          <a:srcRect/>
+          <a:stretch/>
+        </p:blipFill>
+        <p:spPr>
+          <a:xfrm>
+            <a:off x="8353940" y="779645"/>
+            <a:ext cx="3256521" cy="2518398"/>
+          </a:xfrm>
+        </p:spPr>
+      </p:pic>
+      <p:sp>
+        <p:nvSpPr>
+          <p:cNvPr id="4" name="Slide Number Placeholder 3">
+            <a:extLst>
+              <a:ext uri="{FF2B5EF4-FFF2-40B4-BE49-F238E27FC236}">
+                <a16:creationId xmlns:a16="http://schemas.microsoft.com/office/drawing/2014/main" id="{3BB0580A-9423-4220-91F4-01D8029771FD}"/>
+              </a:ext>
+            </a:extLst>
+          </p:cNvPr>
+          <p:cNvSpPr>
+            <a:spLocks noGrp="1"/>
+          </p:cNvSpPr>
+          <p:nvPr>
+            <p:ph type="sldNum" sz="quarter" idx="12"/>
           </p:nvPr>
         </p:nvSpPr>
         <p:spPr/>
@@ -4994,45 +5904,20 @@
           <a:bodyPr/>
           <a:lstStyle/>
           <a:p>
-            <a:r>
-              <a:rPr lang="nl-NL" dirty="0"/>
-              <a:t>Old vs. Young</a:t>
-            </a:r>
-            <a:endParaRPr lang="en-GB" dirty="0"/>
-          </a:p>
-        </p:txBody>
-      </p:sp>
-      <p:sp>
-        <p:nvSpPr>
-          <p:cNvPr id="3" name="Content Placeholder 2">
-            <a:extLst>
-              <a:ext uri="{FF2B5EF4-FFF2-40B4-BE49-F238E27FC236}">
-                <a16:creationId xmlns:a16="http://schemas.microsoft.com/office/drawing/2014/main" id="{027A960A-B4D8-4D25-B4F6-827A2C4935EA}"/>
-              </a:ext>
-            </a:extLst>
-          </p:cNvPr>
-          <p:cNvSpPr>
-            <a:spLocks noGrp="1"/>
-          </p:cNvSpPr>
-          <p:nvPr>
-            <p:ph idx="1"/>
-          </p:nvPr>
-        </p:nvSpPr>
-        <p:spPr/>
-        <p:txBody>
-          <a:bodyPr/>
-          <a:lstStyle/>
-          <a:p>
+            <a:fld id="{47D21762-8E6F-420A-9BE8-C943AA3E7C06}" type="slidenum">
+              <a:rPr lang="en-GB" smtClean="0"/>
+              <a:t>17</a:t>
+            </a:fld>
             <a:endParaRPr lang="en-GB" dirty="0"/>
           </a:p>
         </p:txBody>
       </p:sp>
       <p:pic>
         <p:nvPicPr>
-          <p:cNvPr id="5" name="Picture 4">
-            <a:extLst>
-              <a:ext uri="{FF2B5EF4-FFF2-40B4-BE49-F238E27FC236}">
-                <a16:creationId xmlns:a16="http://schemas.microsoft.com/office/drawing/2014/main" id="{29D73D0A-2D19-46AA-BBC8-0458316D7F94}"/>
+          <p:cNvPr id="8" name="Picture 7">
+            <a:extLst>
+              <a:ext uri="{FF2B5EF4-FFF2-40B4-BE49-F238E27FC236}">
+                <a16:creationId xmlns:a16="http://schemas.microsoft.com/office/drawing/2014/main" id="{B8E28383-A1A8-4ABB-BBC8-A0345664DDD2}"/>
               </a:ext>
             </a:extLst>
           </p:cNvPr>
@@ -5042,106 +5927,259 @@
           <p:nvPr/>
         </p:nvPicPr>
         <p:blipFill>
-          <a:blip r:embed="rId2"/>
-          <a:stretch>
-            <a:fillRect/>
-          </a:stretch>
+          <a:blip r:embed="rId3">
+            <a:extLst>
+              <a:ext uri="{28A0092B-C50C-407E-A947-70E740481C1C}">
+                <a14:useLocalDpi xmlns:a14="http://schemas.microsoft.com/office/drawing/2010/main" val="0"/>
+              </a:ext>
+            </a:extLst>
+          </a:blip>
+          <a:srcRect/>
+          <a:stretch/>
         </p:blipFill>
         <p:spPr>
           <a:xfrm>
-            <a:off x="3043619" y="1453154"/>
-            <a:ext cx="6104762" cy="4723809"/>
+            <a:off x="4570286" y="3648074"/>
+            <a:ext cx="3256521" cy="2518398"/>
           </a:xfrm>
           <a:prstGeom prst="rect">
             <a:avLst/>
           </a:prstGeom>
         </p:spPr>
       </p:pic>
-      <p:sp>
-        <p:nvSpPr>
-          <p:cNvPr id="4" name="Slide Number Placeholder 3">
-            <a:extLst>
-              <a:ext uri="{FF2B5EF4-FFF2-40B4-BE49-F238E27FC236}">
-                <a16:creationId xmlns:a16="http://schemas.microsoft.com/office/drawing/2014/main" id="{F4D7D9DD-56F9-4ED0-92ED-0272E6AA76EA}"/>
-              </a:ext>
-            </a:extLst>
-          </p:cNvPr>
-          <p:cNvSpPr>
-            <a:spLocks noGrp="1"/>
-          </p:cNvSpPr>
-          <p:nvPr>
-            <p:ph type="sldNum" sz="quarter" idx="12"/>
-          </p:nvPr>
-        </p:nvSpPr>
-        <p:spPr/>
-        <p:txBody>
-          <a:bodyPr/>
-          <a:lstStyle/>
-          <a:p>
-            <a:fld id="{47D21762-8E6F-420A-9BE8-C943AA3E7C06}" type="slidenum">
-              <a:rPr lang="en-GB" smtClean="0"/>
-              <a:t>17</a:t>
-            </a:fld>
-            <a:endParaRPr lang="en-GB"/>
-          </a:p>
-        </p:txBody>
-      </p:sp>
-      <p:sp>
-        <p:nvSpPr>
-          <p:cNvPr id="7" name="Oval 6">
-            <a:extLst>
-              <a:ext uri="{FF2B5EF4-FFF2-40B4-BE49-F238E27FC236}">
-                <a16:creationId xmlns:a16="http://schemas.microsoft.com/office/drawing/2014/main" id="{BF09DDDB-65F3-4751-A073-A3489ABB563A}"/>
-              </a:ext>
-            </a:extLst>
-          </p:cNvPr>
-          <p:cNvSpPr/>
+      <p:pic>
+        <p:nvPicPr>
+          <p:cNvPr id="10" name="Picture 9">
+            <a:extLst>
+              <a:ext uri="{FF2B5EF4-FFF2-40B4-BE49-F238E27FC236}">
+                <a16:creationId xmlns:a16="http://schemas.microsoft.com/office/drawing/2014/main" id="{D09DC5A2-0EDA-4C29-96F3-1C3C81FCE609}"/>
+              </a:ext>
+            </a:extLst>
+          </p:cNvPr>
+          <p:cNvPicPr>
+            <a:picLocks noChangeAspect="1"/>
+          </p:cNvPicPr>
           <p:nvPr/>
-        </p:nvSpPr>
+        </p:nvPicPr>
+        <p:blipFill>
+          <a:blip r:embed="rId4">
+            <a:extLst>
+              <a:ext uri="{28A0092B-C50C-407E-A947-70E740481C1C}">
+                <a14:useLocalDpi xmlns:a14="http://schemas.microsoft.com/office/drawing/2010/main" val="0"/>
+              </a:ext>
+            </a:extLst>
+          </a:blip>
+          <a:srcRect/>
+          <a:stretch/>
+        </p:blipFill>
         <p:spPr>
           <a:xfrm>
-            <a:off x="5944997" y="5973123"/>
-            <a:ext cx="134224" cy="142612"/>
+            <a:off x="4467739" y="767666"/>
+            <a:ext cx="3256521" cy="2518397"/>
           </a:xfrm>
-          <a:prstGeom prst="ellipse">
+          <a:prstGeom prst="rect">
             <a:avLst/>
           </a:prstGeom>
-          <a:noFill/>
-          <a:ln>
-            <a:solidFill>
-              <a:srgbClr val="FF0000"/>
-            </a:solidFill>
-          </a:ln>
         </p:spPr>
-        <p:style>
-          <a:lnRef idx="2">
-            <a:schemeClr val="accent1">
-              <a:shade val="50000"/>
-            </a:schemeClr>
-          </a:lnRef>
-          <a:fillRef idx="1">
-            <a:schemeClr val="accent1"/>
-          </a:fillRef>
-          <a:effectRef idx="0">
-            <a:schemeClr val="accent1"/>
-          </a:effectRef>
-          <a:fontRef idx="minor">
-            <a:schemeClr val="lt1"/>
-          </a:fontRef>
-        </p:style>
-        <p:txBody>
-          <a:bodyPr rtlCol="0" anchor="ctr"/>
-          <a:lstStyle/>
-          <a:p>
-            <a:pPr algn="ctr"/>
-            <a:endParaRPr lang="en-GB" dirty="0"/>
-          </a:p>
-        </p:txBody>
-      </p:sp>
+      </p:pic>
+      <p:pic>
+        <p:nvPicPr>
+          <p:cNvPr id="12" name="Picture 11">
+            <a:extLst>
+              <a:ext uri="{FF2B5EF4-FFF2-40B4-BE49-F238E27FC236}">
+                <a16:creationId xmlns:a16="http://schemas.microsoft.com/office/drawing/2014/main" id="{930DC80E-3FC5-4FDF-BBE8-8CC371B83350}"/>
+              </a:ext>
+            </a:extLst>
+          </p:cNvPr>
+          <p:cNvPicPr>
+            <a:picLocks noChangeAspect="1"/>
+          </p:cNvPicPr>
+          <p:nvPr/>
+        </p:nvPicPr>
+        <p:blipFill>
+          <a:blip r:embed="rId5">
+            <a:extLst>
+              <a:ext uri="{28A0092B-C50C-407E-A947-70E740481C1C}">
+                <a14:useLocalDpi xmlns:a14="http://schemas.microsoft.com/office/drawing/2010/main" val="0"/>
+              </a:ext>
+            </a:extLst>
+          </a:blip>
+          <a:srcRect/>
+          <a:stretch/>
+        </p:blipFill>
+        <p:spPr>
+          <a:xfrm>
+            <a:off x="8353939" y="3648074"/>
+            <a:ext cx="3256521" cy="2518397"/>
+          </a:xfrm>
+          <a:prstGeom prst="rect">
+            <a:avLst/>
+          </a:prstGeom>
+        </p:spPr>
+      </p:pic>
+      <p:graphicFrame>
+        <p:nvGraphicFramePr>
+          <p:cNvPr id="13" name="Table 13">
+            <a:extLst>
+              <a:ext uri="{FF2B5EF4-FFF2-40B4-BE49-F238E27FC236}">
+                <a16:creationId xmlns:a16="http://schemas.microsoft.com/office/drawing/2014/main" id="{BB5A2719-FED1-493C-88DA-FEBEA9AC7054}"/>
+              </a:ext>
+            </a:extLst>
+          </p:cNvPr>
+          <p:cNvGraphicFramePr>
+            <a:graphicFrameLocks noGrp="1"/>
+          </p:cNvGraphicFramePr>
+          <p:nvPr>
+            <p:extLst>
+              <p:ext uri="{D42A27DB-BD31-4B8C-83A1-F6EECF244321}">
+                <p14:modId xmlns:p14="http://schemas.microsoft.com/office/powerpoint/2010/main" val="2853689685"/>
+              </p:ext>
+            </p:extLst>
+          </p:nvPr>
+        </p:nvGraphicFramePr>
+        <p:xfrm>
+          <a:off x="279246" y="2742584"/>
+          <a:ext cx="3353499" cy="1112520"/>
+        </p:xfrm>
+        <a:graphic>
+          <a:graphicData uri="http://schemas.openxmlformats.org/drawingml/2006/table">
+            <a:tbl>
+              <a:tblPr firstRow="1" bandRow="1">
+                <a:tableStyleId>{5940675A-B579-460E-94D1-54222C63F5DA}</a:tableStyleId>
+              </a:tblPr>
+              <a:tblGrid>
+                <a:gridCol w="2127250">
+                  <a:extLst>
+                    <a:ext uri="{9D8B030D-6E8A-4147-A177-3AD203B41FA5}">
+                      <a16:colId xmlns:a16="http://schemas.microsoft.com/office/drawing/2014/main" val="2140016609"/>
+                    </a:ext>
+                  </a:extLst>
+                </a:gridCol>
+                <a:gridCol w="1226249">
+                  <a:extLst>
+                    <a:ext uri="{9D8B030D-6E8A-4147-A177-3AD203B41FA5}">
+                      <a16:colId xmlns:a16="http://schemas.microsoft.com/office/drawing/2014/main" val="1628650466"/>
+                    </a:ext>
+                  </a:extLst>
+                </a:gridCol>
+              </a:tblGrid>
+              <a:tr h="370840">
+                <a:tc>
+                  <a:txBody>
+                    <a:bodyPr/>
+                    <a:lstStyle/>
+                    <a:p>
+                      <a:r>
+                        <a:rPr lang="en-US" sz="1800" dirty="0"/>
+                        <a:t>Multiple testing</a:t>
+                      </a:r>
+                      <a:endParaRPr lang="en-GB" dirty="0"/>
+                    </a:p>
+                  </a:txBody>
+                  <a:tcPr/>
+                </a:tc>
+                <a:tc>
+                  <a:txBody>
+                    <a:bodyPr/>
+                    <a:lstStyle/>
+                    <a:p>
+                      <a:r>
+                        <a:rPr lang="en-US" sz="1800" dirty="0"/>
+                        <a:t>BH</a:t>
+                      </a:r>
+                      <a:endParaRPr lang="en-GB" dirty="0"/>
+                    </a:p>
+                  </a:txBody>
+                  <a:tcPr/>
+                </a:tc>
+                <a:extLst>
+                  <a:ext uri="{0D108BD9-81ED-4DB2-BD59-A6C34878D82A}">
+                    <a16:rowId xmlns:a16="http://schemas.microsoft.com/office/drawing/2014/main" val="2151792869"/>
+                  </a:ext>
+                </a:extLst>
+              </a:tr>
+              <a:tr h="370840">
+                <a:tc>
+                  <a:txBody>
+                    <a:bodyPr/>
+                    <a:lstStyle/>
+                    <a:p>
+                      <a:r>
+                        <a:rPr lang="en-US" sz="1800" dirty="0" err="1"/>
+                        <a:t>Probablity</a:t>
+                      </a:r>
+                      <a:r>
+                        <a:rPr lang="en-US" sz="1800" dirty="0"/>
+                        <a:t> threshold</a:t>
+                      </a:r>
+                      <a:endParaRPr lang="en-GB" dirty="0"/>
+                    </a:p>
+                  </a:txBody>
+                  <a:tcPr/>
+                </a:tc>
+                <a:tc>
+                  <a:txBody>
+                    <a:bodyPr/>
+                    <a:lstStyle/>
+                    <a:p>
+                      <a:r>
+                        <a:rPr lang="en-US" sz="1800" dirty="0"/>
+                        <a:t>0,99</a:t>
+                      </a:r>
+                      <a:endParaRPr lang="en-GB" dirty="0"/>
+                    </a:p>
+                  </a:txBody>
+                  <a:tcPr/>
+                </a:tc>
+                <a:extLst>
+                  <a:ext uri="{0D108BD9-81ED-4DB2-BD59-A6C34878D82A}">
+                    <a16:rowId xmlns:a16="http://schemas.microsoft.com/office/drawing/2014/main" val="3583369966"/>
+                  </a:ext>
+                </a:extLst>
+              </a:tr>
+              <a:tr h="370840">
+                <a:tc>
+                  <a:txBody>
+                    <a:bodyPr/>
+                    <a:lstStyle/>
+                    <a:p>
+                      <a:r>
+                        <a:rPr lang="en-US" sz="1800" dirty="0"/>
+                        <a:t>P-value threshold</a:t>
+                      </a:r>
+                      <a:endParaRPr lang="en-GB" dirty="0"/>
+                    </a:p>
+                  </a:txBody>
+                  <a:tcPr/>
+                </a:tc>
+                <a:tc>
+                  <a:txBody>
+                    <a:bodyPr/>
+                    <a:lstStyle/>
+                    <a:p>
+                      <a:r>
+                        <a:rPr lang="en-US" sz="1800" dirty="0"/>
+                        <a:t>0,01</a:t>
+                      </a:r>
+                      <a:endParaRPr lang="en-GB" dirty="0"/>
+                    </a:p>
+                  </a:txBody>
+                  <a:tcPr/>
+                </a:tc>
+                <a:extLst>
+                  <a:ext uri="{0D108BD9-81ED-4DB2-BD59-A6C34878D82A}">
+                    <a16:rowId xmlns:a16="http://schemas.microsoft.com/office/drawing/2014/main" val="4230773412"/>
+                  </a:ext>
+                </a:extLst>
+              </a:tr>
+            </a:tbl>
+          </a:graphicData>
+        </a:graphic>
+      </p:graphicFrame>
     </p:spTree>
     <p:extLst>
       <p:ext uri="{BB962C8B-B14F-4D97-AF65-F5344CB8AC3E}">
-        <p14:creationId xmlns:p14="http://schemas.microsoft.com/office/powerpoint/2010/main" val="4242464471"/>
+        <p14:creationId xmlns:p14="http://schemas.microsoft.com/office/powerpoint/2010/main" val="2553483956"/>
       </p:ext>
     </p:extLst>
   </p:cSld>
@@ -5173,7 +6211,7 @@
           <p:cNvPr id="2" name="Title 1">
             <a:extLst>
               <a:ext uri="{FF2B5EF4-FFF2-40B4-BE49-F238E27FC236}">
-                <a16:creationId xmlns:a16="http://schemas.microsoft.com/office/drawing/2014/main" id="{8D294BAD-32D0-46FD-97A1-87C6B5FC1DA9}"/>
+                <a16:creationId xmlns:a16="http://schemas.microsoft.com/office/drawing/2014/main" id="{4A480EFC-BE3A-4FC0-8CA1-E6D1E40DF5B9}"/>
               </a:ext>
             </a:extLst>
           </p:cNvPr>
@@ -5182,6 +6220,71 @@
           </p:cNvSpPr>
           <p:nvPr>
             <p:ph type="title"/>
+          </p:nvPr>
+        </p:nvSpPr>
+        <p:spPr/>
+        <p:txBody>
+          <a:bodyPr>
+            <a:normAutofit/>
+          </a:bodyPr>
+          <a:lstStyle/>
+          <a:p>
+            <a:r>
+              <a:rPr lang="nl-NL" dirty="0"/>
+              <a:t>PCLRC</a:t>
+            </a:r>
+            <a:endParaRPr lang="en-GB" dirty="0"/>
+          </a:p>
+        </p:txBody>
+      </p:sp>
+      <p:pic>
+        <p:nvPicPr>
+          <p:cNvPr id="6" name="Content Placeholder 5">
+            <a:extLst>
+              <a:ext uri="{FF2B5EF4-FFF2-40B4-BE49-F238E27FC236}">
+                <a16:creationId xmlns:a16="http://schemas.microsoft.com/office/drawing/2014/main" id="{53DB382E-4B3C-4EE5-9867-AD4C3335E7C9}"/>
+              </a:ext>
+            </a:extLst>
+          </p:cNvPr>
+          <p:cNvPicPr>
+            <a:picLocks noGrp="1" noChangeAspect="1"/>
+          </p:cNvPicPr>
+          <p:nvPr>
+            <p:ph idx="1"/>
+          </p:nvPr>
+        </p:nvPicPr>
+        <p:blipFill>
+          <a:blip r:embed="rId2">
+            <a:extLst>
+              <a:ext uri="{28A0092B-C50C-407E-A947-70E740481C1C}">
+                <a14:useLocalDpi xmlns:a14="http://schemas.microsoft.com/office/drawing/2010/main" val="0"/>
+              </a:ext>
+            </a:extLst>
+          </a:blip>
+          <a:srcRect/>
+          <a:stretch/>
+        </p:blipFill>
+        <p:spPr>
+          <a:xfrm>
+            <a:off x="8353940" y="779645"/>
+            <a:ext cx="3256521" cy="2518398"/>
+          </a:xfrm>
+        </p:spPr>
+      </p:pic>
+      <p:sp>
+        <p:nvSpPr>
+          <p:cNvPr id="4" name="Slide Number Placeholder 3">
+            <a:extLst>
+              <a:ext uri="{FF2B5EF4-FFF2-40B4-BE49-F238E27FC236}">
+                <a16:creationId xmlns:a16="http://schemas.microsoft.com/office/drawing/2014/main" id="{3BB0580A-9423-4220-91F4-01D8029771FD}"/>
+              </a:ext>
+            </a:extLst>
+          </p:cNvPr>
+          <p:cNvSpPr>
+            <a:spLocks noGrp="1"/>
+          </p:cNvSpPr>
+          <p:nvPr>
+            <p:ph type="sldNum" sz="quarter" idx="12"/>
           </p:nvPr>
         </p:nvSpPr>
         <p:spPr/>
@@ -5189,45 +6292,20 @@
           <a:bodyPr/>
           <a:lstStyle/>
           <a:p>
-            <a:r>
-              <a:rPr lang="nl-NL" dirty="0"/>
-              <a:t>Old vs. Young</a:t>
-            </a:r>
+            <a:fld id="{47D21762-8E6F-420A-9BE8-C943AA3E7C06}" type="slidenum">
+              <a:rPr lang="en-GB" smtClean="0"/>
+              <a:t>18</a:t>
+            </a:fld>
             <a:endParaRPr lang="en-GB" dirty="0"/>
-          </a:p>
-        </p:txBody>
-      </p:sp>
-      <p:sp>
-        <p:nvSpPr>
-          <p:cNvPr id="3" name="Content Placeholder 2">
-            <a:extLst>
-              <a:ext uri="{FF2B5EF4-FFF2-40B4-BE49-F238E27FC236}">
-                <a16:creationId xmlns:a16="http://schemas.microsoft.com/office/drawing/2014/main" id="{027A960A-B4D8-4D25-B4F6-827A2C4935EA}"/>
-              </a:ext>
-            </a:extLst>
-          </p:cNvPr>
-          <p:cNvSpPr>
-            <a:spLocks noGrp="1"/>
-          </p:cNvSpPr>
-          <p:nvPr>
-            <p:ph idx="1"/>
-          </p:nvPr>
-        </p:nvSpPr>
-        <p:spPr/>
-        <p:txBody>
-          <a:bodyPr/>
-          <a:lstStyle/>
-          <a:p>
-            <a:endParaRPr lang="en-GB"/>
           </a:p>
         </p:txBody>
       </p:sp>
       <p:pic>
         <p:nvPicPr>
-          <p:cNvPr id="6" name="Picture 5">
-            <a:extLst>
-              <a:ext uri="{FF2B5EF4-FFF2-40B4-BE49-F238E27FC236}">
-                <a16:creationId xmlns:a16="http://schemas.microsoft.com/office/drawing/2014/main" id="{48F09DBD-0E84-4EDC-B55F-EB58693BE6FA}"/>
+          <p:cNvPr id="8" name="Picture 7">
+            <a:extLst>
+              <a:ext uri="{FF2B5EF4-FFF2-40B4-BE49-F238E27FC236}">
+                <a16:creationId xmlns:a16="http://schemas.microsoft.com/office/drawing/2014/main" id="{B8E28383-A1A8-4ABB-BBC8-A0345664DDD2}"/>
               </a:ext>
             </a:extLst>
           </p:cNvPr>
@@ -5237,15 +6315,20 @@
           <p:nvPr/>
         </p:nvPicPr>
         <p:blipFill>
-          <a:blip r:embed="rId2"/>
-          <a:stretch>
-            <a:fillRect/>
-          </a:stretch>
+          <a:blip r:embed="rId3">
+            <a:extLst>
+              <a:ext uri="{28A0092B-C50C-407E-A947-70E740481C1C}">
+                <a14:useLocalDpi xmlns:a14="http://schemas.microsoft.com/office/drawing/2010/main" val="0"/>
+              </a:ext>
+            </a:extLst>
+          </a:blip>
+          <a:srcRect/>
+          <a:stretch/>
         </p:blipFill>
         <p:spPr>
           <a:xfrm>
-            <a:off x="6055920" y="950266"/>
-            <a:ext cx="6120000" cy="4957467"/>
+            <a:off x="4570286" y="3648074"/>
+            <a:ext cx="3256521" cy="2518398"/>
           </a:xfrm>
           <a:prstGeom prst="rect">
             <a:avLst/>
@@ -5254,10 +6337,10 @@
       </p:pic>
       <p:pic>
         <p:nvPicPr>
-          <p:cNvPr id="8" name="Picture 7">
-            <a:extLst>
-              <a:ext uri="{FF2B5EF4-FFF2-40B4-BE49-F238E27FC236}">
-                <a16:creationId xmlns:a16="http://schemas.microsoft.com/office/drawing/2014/main" id="{88DDB5FD-A295-4EEF-9AD6-863113B82276}"/>
+          <p:cNvPr id="10" name="Picture 9">
+            <a:extLst>
+              <a:ext uri="{FF2B5EF4-FFF2-40B4-BE49-F238E27FC236}">
+                <a16:creationId xmlns:a16="http://schemas.microsoft.com/office/drawing/2014/main" id="{D09DC5A2-0EDA-4C29-96F3-1C3C81FCE609}"/>
               </a:ext>
             </a:extLst>
           </p:cNvPr>
@@ -5267,54 +6350,224 @@
           <p:nvPr/>
         </p:nvPicPr>
         <p:blipFill>
-          <a:blip r:embed="rId3"/>
-          <a:stretch>
-            <a:fillRect/>
-          </a:stretch>
+          <a:blip r:embed="rId4">
+            <a:extLst>
+              <a:ext uri="{28A0092B-C50C-407E-A947-70E740481C1C}">
+                <a14:useLocalDpi xmlns:a14="http://schemas.microsoft.com/office/drawing/2010/main" val="0"/>
+              </a:ext>
+            </a:extLst>
+          </a:blip>
+          <a:srcRect/>
+          <a:stretch/>
         </p:blipFill>
         <p:spPr>
           <a:xfrm>
-            <a:off x="0" y="1270504"/>
-            <a:ext cx="4835190" cy="5272481"/>
+            <a:off x="4467739" y="767666"/>
+            <a:ext cx="3256521" cy="2518397"/>
           </a:xfrm>
           <a:prstGeom prst="rect">
             <a:avLst/>
           </a:prstGeom>
         </p:spPr>
       </p:pic>
-      <p:sp>
-        <p:nvSpPr>
-          <p:cNvPr id="9" name="Slide Number Placeholder 8">
-            <a:extLst>
-              <a:ext uri="{FF2B5EF4-FFF2-40B4-BE49-F238E27FC236}">
-                <a16:creationId xmlns:a16="http://schemas.microsoft.com/office/drawing/2014/main" id="{CF13D432-40AB-444A-A7D0-4ADAB68B40F2}"/>
-              </a:ext>
-            </a:extLst>
-          </p:cNvPr>
-          <p:cNvSpPr>
-            <a:spLocks noGrp="1"/>
-          </p:cNvSpPr>
-          <p:nvPr>
-            <p:ph type="sldNum" sz="quarter" idx="12"/>
-          </p:nvPr>
-        </p:nvSpPr>
-        <p:spPr/>
-        <p:txBody>
-          <a:bodyPr/>
-          <a:lstStyle/>
-          <a:p>
-            <a:fld id="{47D21762-8E6F-420A-9BE8-C943AA3E7C06}" type="slidenum">
-              <a:rPr lang="en-GB" smtClean="0"/>
-              <a:t>18</a:t>
-            </a:fld>
-            <a:endParaRPr lang="en-GB"/>
-          </a:p>
-        </p:txBody>
-      </p:sp>
+      <p:pic>
+        <p:nvPicPr>
+          <p:cNvPr id="12" name="Picture 11">
+            <a:extLst>
+              <a:ext uri="{FF2B5EF4-FFF2-40B4-BE49-F238E27FC236}">
+                <a16:creationId xmlns:a16="http://schemas.microsoft.com/office/drawing/2014/main" id="{930DC80E-3FC5-4FDF-BBE8-8CC371B83350}"/>
+              </a:ext>
+            </a:extLst>
+          </p:cNvPr>
+          <p:cNvPicPr>
+            <a:picLocks noChangeAspect="1"/>
+          </p:cNvPicPr>
+          <p:nvPr/>
+        </p:nvPicPr>
+        <p:blipFill>
+          <a:blip r:embed="rId5">
+            <a:extLst>
+              <a:ext uri="{28A0092B-C50C-407E-A947-70E740481C1C}">
+                <a14:useLocalDpi xmlns:a14="http://schemas.microsoft.com/office/drawing/2010/main" val="0"/>
+              </a:ext>
+            </a:extLst>
+          </a:blip>
+          <a:srcRect/>
+          <a:stretch/>
+        </p:blipFill>
+        <p:spPr>
+          <a:xfrm>
+            <a:off x="8353939" y="3648074"/>
+            <a:ext cx="3256521" cy="2518397"/>
+          </a:xfrm>
+          <a:prstGeom prst="rect">
+            <a:avLst/>
+          </a:prstGeom>
+        </p:spPr>
+      </p:pic>
+      <p:graphicFrame>
+        <p:nvGraphicFramePr>
+          <p:cNvPr id="13" name="Table 13">
+            <a:extLst>
+              <a:ext uri="{FF2B5EF4-FFF2-40B4-BE49-F238E27FC236}">
+                <a16:creationId xmlns:a16="http://schemas.microsoft.com/office/drawing/2014/main" id="{BB5A2719-FED1-493C-88DA-FEBEA9AC7054}"/>
+              </a:ext>
+            </a:extLst>
+          </p:cNvPr>
+          <p:cNvGraphicFramePr>
+            <a:graphicFrameLocks noGrp="1"/>
+          </p:cNvGraphicFramePr>
+          <p:nvPr>
+            <p:extLst>
+              <p:ext uri="{D42A27DB-BD31-4B8C-83A1-F6EECF244321}">
+                <p14:modId xmlns:p14="http://schemas.microsoft.com/office/powerpoint/2010/main" val="926782489"/>
+              </p:ext>
+            </p:extLst>
+          </p:nvPr>
+        </p:nvGraphicFramePr>
+        <p:xfrm>
+          <a:off x="279246" y="2742584"/>
+          <a:ext cx="3353499" cy="1112520"/>
+        </p:xfrm>
+        <a:graphic>
+          <a:graphicData uri="http://schemas.openxmlformats.org/drawingml/2006/table">
+            <a:tbl>
+              <a:tblPr firstRow="1" bandRow="1">
+                <a:tableStyleId>{5940675A-B579-460E-94D1-54222C63F5DA}</a:tableStyleId>
+              </a:tblPr>
+              <a:tblGrid>
+                <a:gridCol w="2127250">
+                  <a:extLst>
+                    <a:ext uri="{9D8B030D-6E8A-4147-A177-3AD203B41FA5}">
+                      <a16:colId xmlns:a16="http://schemas.microsoft.com/office/drawing/2014/main" val="2140016609"/>
+                    </a:ext>
+                  </a:extLst>
+                </a:gridCol>
+                <a:gridCol w="1226249">
+                  <a:extLst>
+                    <a:ext uri="{9D8B030D-6E8A-4147-A177-3AD203B41FA5}">
+                      <a16:colId xmlns:a16="http://schemas.microsoft.com/office/drawing/2014/main" val="1628650466"/>
+                    </a:ext>
+                  </a:extLst>
+                </a:gridCol>
+              </a:tblGrid>
+              <a:tr h="370840">
+                <a:tc>
+                  <a:txBody>
+                    <a:bodyPr/>
+                    <a:lstStyle/>
+                    <a:p>
+                      <a:r>
+                        <a:rPr lang="en-US" sz="1800" dirty="0"/>
+                        <a:t>Multiple testing</a:t>
+                      </a:r>
+                      <a:endParaRPr lang="en-GB" dirty="0"/>
+                    </a:p>
+                  </a:txBody>
+                  <a:tcPr/>
+                </a:tc>
+                <a:tc>
+                  <a:txBody>
+                    <a:bodyPr/>
+                    <a:lstStyle/>
+                    <a:p>
+                      <a:r>
+                        <a:rPr lang="en-US" sz="1800" dirty="0"/>
+                        <a:t>BH</a:t>
+                      </a:r>
+                      <a:endParaRPr lang="en-GB" dirty="0"/>
+                    </a:p>
+                  </a:txBody>
+                  <a:tcPr/>
+                </a:tc>
+                <a:extLst>
+                  <a:ext uri="{0D108BD9-81ED-4DB2-BD59-A6C34878D82A}">
+                    <a16:rowId xmlns:a16="http://schemas.microsoft.com/office/drawing/2014/main" val="2151792869"/>
+                  </a:ext>
+                </a:extLst>
+              </a:tr>
+              <a:tr h="370840">
+                <a:tc>
+                  <a:txBody>
+                    <a:bodyPr/>
+                    <a:lstStyle/>
+                    <a:p>
+                      <a:r>
+                        <a:rPr lang="en-US" sz="1800" dirty="0" err="1"/>
+                        <a:t>Probablity</a:t>
+                      </a:r>
+                      <a:r>
+                        <a:rPr lang="en-US" sz="1800" dirty="0"/>
+                        <a:t> threshold</a:t>
+                      </a:r>
+                      <a:endParaRPr lang="en-GB" dirty="0"/>
+                    </a:p>
+                  </a:txBody>
+                  <a:tcPr/>
+                </a:tc>
+                <a:tc>
+                  <a:txBody>
+                    <a:bodyPr/>
+                    <a:lstStyle/>
+                    <a:p>
+                      <a:r>
+                        <a:rPr lang="en-US" sz="1800" dirty="0"/>
+                        <a:t>0,99</a:t>
+                      </a:r>
+                      <a:endParaRPr lang="en-GB" dirty="0"/>
+                    </a:p>
+                  </a:txBody>
+                  <a:tcPr/>
+                </a:tc>
+                <a:extLst>
+                  <a:ext uri="{0D108BD9-81ED-4DB2-BD59-A6C34878D82A}">
+                    <a16:rowId xmlns:a16="http://schemas.microsoft.com/office/drawing/2014/main" val="3583369966"/>
+                  </a:ext>
+                </a:extLst>
+              </a:tr>
+              <a:tr h="370840">
+                <a:tc>
+                  <a:txBody>
+                    <a:bodyPr/>
+                    <a:lstStyle/>
+                    <a:p>
+                      <a:r>
+                        <a:rPr lang="en-US" sz="1800" dirty="0"/>
+                        <a:t>P-value threshold</a:t>
+                      </a:r>
+                      <a:endParaRPr lang="en-GB" dirty="0"/>
+                    </a:p>
+                  </a:txBody>
+                  <a:tcPr/>
+                </a:tc>
+                <a:tc>
+                  <a:txBody>
+                    <a:bodyPr/>
+                    <a:lstStyle/>
+                    <a:p>
+                      <a:r>
+                        <a:rPr lang="en-US" sz="1800" dirty="0"/>
+                        <a:t>0,05</a:t>
+                      </a:r>
+                      <a:endParaRPr lang="en-GB" dirty="0"/>
+                    </a:p>
+                  </a:txBody>
+                  <a:tcPr/>
+                </a:tc>
+                <a:extLst>
+                  <a:ext uri="{0D108BD9-81ED-4DB2-BD59-A6C34878D82A}">
+                    <a16:rowId xmlns:a16="http://schemas.microsoft.com/office/drawing/2014/main" val="4230773412"/>
+                  </a:ext>
+                </a:extLst>
+              </a:tr>
+            </a:tbl>
+          </a:graphicData>
+        </a:graphic>
+      </p:graphicFrame>
     </p:spTree>
     <p:extLst>
       <p:ext uri="{BB962C8B-B14F-4D97-AF65-F5344CB8AC3E}">
-        <p14:creationId xmlns:p14="http://schemas.microsoft.com/office/powerpoint/2010/main" val="2019807609"/>
+        <p14:creationId xmlns:p14="http://schemas.microsoft.com/office/powerpoint/2010/main" val="946717846"/>
       </p:ext>
     </p:extLst>
   </p:cSld>
@@ -5346,7 +6599,7 @@
           <p:cNvPr id="2" name="Title 1">
             <a:extLst>
               <a:ext uri="{FF2B5EF4-FFF2-40B4-BE49-F238E27FC236}">
-                <a16:creationId xmlns:a16="http://schemas.microsoft.com/office/drawing/2014/main" id="{AD9BE750-E0AD-4A75-A3F9-309F98E20408}"/>
+                <a16:creationId xmlns:a16="http://schemas.microsoft.com/office/drawing/2014/main" id="{4A480EFC-BE3A-4FC0-8CA1-E6D1E40DF5B9}"/>
               </a:ext>
             </a:extLst>
           </p:cNvPr>
@@ -5355,6 +6608,71 @@
           </p:cNvSpPr>
           <p:nvPr>
             <p:ph type="title"/>
+          </p:nvPr>
+        </p:nvSpPr>
+        <p:spPr/>
+        <p:txBody>
+          <a:bodyPr>
+            <a:normAutofit/>
+          </a:bodyPr>
+          <a:lstStyle/>
+          <a:p>
+            <a:r>
+              <a:rPr lang="nl-NL" dirty="0"/>
+              <a:t>PCLRC</a:t>
+            </a:r>
+            <a:endParaRPr lang="en-GB" dirty="0"/>
+          </a:p>
+        </p:txBody>
+      </p:sp>
+      <p:pic>
+        <p:nvPicPr>
+          <p:cNvPr id="6" name="Content Placeholder 5">
+            <a:extLst>
+              <a:ext uri="{FF2B5EF4-FFF2-40B4-BE49-F238E27FC236}">
+                <a16:creationId xmlns:a16="http://schemas.microsoft.com/office/drawing/2014/main" id="{53DB382E-4B3C-4EE5-9867-AD4C3335E7C9}"/>
+              </a:ext>
+            </a:extLst>
+          </p:cNvPr>
+          <p:cNvPicPr>
+            <a:picLocks noGrp="1" noChangeAspect="1"/>
+          </p:cNvPicPr>
+          <p:nvPr>
+            <p:ph idx="1"/>
+          </p:nvPr>
+        </p:nvPicPr>
+        <p:blipFill>
+          <a:blip r:embed="rId2">
+            <a:extLst>
+              <a:ext uri="{28A0092B-C50C-407E-A947-70E740481C1C}">
+                <a14:useLocalDpi xmlns:a14="http://schemas.microsoft.com/office/drawing/2010/main" val="0"/>
+              </a:ext>
+            </a:extLst>
+          </a:blip>
+          <a:srcRect/>
+          <a:stretch/>
+        </p:blipFill>
+        <p:spPr>
+          <a:xfrm>
+            <a:off x="8353940" y="779645"/>
+            <a:ext cx="3256521" cy="2518398"/>
+          </a:xfrm>
+        </p:spPr>
+      </p:pic>
+      <p:sp>
+        <p:nvSpPr>
+          <p:cNvPr id="4" name="Slide Number Placeholder 3">
+            <a:extLst>
+              <a:ext uri="{FF2B5EF4-FFF2-40B4-BE49-F238E27FC236}">
+                <a16:creationId xmlns:a16="http://schemas.microsoft.com/office/drawing/2014/main" id="{3BB0580A-9423-4220-91F4-01D8029771FD}"/>
+              </a:ext>
+            </a:extLst>
+          </p:cNvPr>
+          <p:cNvSpPr>
+            <a:spLocks noGrp="1"/>
+          </p:cNvSpPr>
+          <p:nvPr>
+            <p:ph type="sldNum" sz="quarter" idx="12"/>
           </p:nvPr>
         </p:nvSpPr>
         <p:spPr/>
@@ -5362,45 +6680,20 @@
           <a:bodyPr/>
           <a:lstStyle/>
           <a:p>
-            <a:r>
-              <a:rPr lang="nl-NL" dirty="0"/>
-              <a:t>Young men vs. Old men</a:t>
-            </a:r>
+            <a:fld id="{47D21762-8E6F-420A-9BE8-C943AA3E7C06}" type="slidenum">
+              <a:rPr lang="en-GB" smtClean="0"/>
+              <a:t>19</a:t>
+            </a:fld>
             <a:endParaRPr lang="en-GB" dirty="0"/>
-          </a:p>
-        </p:txBody>
-      </p:sp>
-      <p:sp>
-        <p:nvSpPr>
-          <p:cNvPr id="3" name="Content Placeholder 2">
-            <a:extLst>
-              <a:ext uri="{FF2B5EF4-FFF2-40B4-BE49-F238E27FC236}">
-                <a16:creationId xmlns:a16="http://schemas.microsoft.com/office/drawing/2014/main" id="{92EEC039-BA2F-44EB-8A53-F8E0DAFB9B9B}"/>
-              </a:ext>
-            </a:extLst>
-          </p:cNvPr>
-          <p:cNvSpPr>
-            <a:spLocks noGrp="1"/>
-          </p:cNvSpPr>
-          <p:nvPr>
-            <p:ph idx="1"/>
-          </p:nvPr>
-        </p:nvSpPr>
-        <p:spPr/>
-        <p:txBody>
-          <a:bodyPr/>
-          <a:lstStyle/>
-          <a:p>
-            <a:endParaRPr lang="en-GB"/>
           </a:p>
         </p:txBody>
       </p:sp>
       <p:pic>
         <p:nvPicPr>
-          <p:cNvPr id="5" name="Picture 4">
-            <a:extLst>
-              <a:ext uri="{FF2B5EF4-FFF2-40B4-BE49-F238E27FC236}">
-                <a16:creationId xmlns:a16="http://schemas.microsoft.com/office/drawing/2014/main" id="{014C0926-65FC-4E41-A412-A7E3364B9488}"/>
+          <p:cNvPr id="8" name="Picture 7">
+            <a:extLst>
+              <a:ext uri="{FF2B5EF4-FFF2-40B4-BE49-F238E27FC236}">
+                <a16:creationId xmlns:a16="http://schemas.microsoft.com/office/drawing/2014/main" id="{B8E28383-A1A8-4ABB-BBC8-A0345664DDD2}"/>
               </a:ext>
             </a:extLst>
           </p:cNvPr>
@@ -5410,106 +6703,259 @@
           <p:nvPr/>
         </p:nvPicPr>
         <p:blipFill>
-          <a:blip r:embed="rId2"/>
-          <a:stretch>
-            <a:fillRect/>
-          </a:stretch>
+          <a:blip r:embed="rId3">
+            <a:extLst>
+              <a:ext uri="{28A0092B-C50C-407E-A947-70E740481C1C}">
+                <a14:useLocalDpi xmlns:a14="http://schemas.microsoft.com/office/drawing/2010/main" val="0"/>
+              </a:ext>
+            </a:extLst>
+          </a:blip>
+          <a:srcRect/>
+          <a:stretch/>
         </p:blipFill>
         <p:spPr>
           <a:xfrm>
-            <a:off x="3043619" y="1453154"/>
-            <a:ext cx="6104762" cy="4723809"/>
+            <a:off x="4570286" y="3648074"/>
+            <a:ext cx="3256521" cy="2518398"/>
           </a:xfrm>
           <a:prstGeom prst="rect">
             <a:avLst/>
           </a:prstGeom>
         </p:spPr>
       </p:pic>
-      <p:sp>
-        <p:nvSpPr>
-          <p:cNvPr id="4" name="Slide Number Placeholder 3">
-            <a:extLst>
-              <a:ext uri="{FF2B5EF4-FFF2-40B4-BE49-F238E27FC236}">
-                <a16:creationId xmlns:a16="http://schemas.microsoft.com/office/drawing/2014/main" id="{90567772-EE4F-4B82-BF55-F93F150086E4}"/>
-              </a:ext>
-            </a:extLst>
-          </p:cNvPr>
-          <p:cNvSpPr>
-            <a:spLocks noGrp="1"/>
-          </p:cNvSpPr>
-          <p:nvPr>
-            <p:ph type="sldNum" sz="quarter" idx="12"/>
-          </p:nvPr>
-        </p:nvSpPr>
-        <p:spPr/>
-        <p:txBody>
-          <a:bodyPr/>
-          <a:lstStyle/>
-          <a:p>
-            <a:fld id="{47D21762-8E6F-420A-9BE8-C943AA3E7C06}" type="slidenum">
-              <a:rPr lang="en-GB" smtClean="0"/>
-              <a:t>19</a:t>
-            </a:fld>
-            <a:endParaRPr lang="en-GB"/>
-          </a:p>
-        </p:txBody>
-      </p:sp>
-      <p:sp>
-        <p:nvSpPr>
-          <p:cNvPr id="7" name="Oval 6">
-            <a:extLst>
-              <a:ext uri="{FF2B5EF4-FFF2-40B4-BE49-F238E27FC236}">
-                <a16:creationId xmlns:a16="http://schemas.microsoft.com/office/drawing/2014/main" id="{B84556B6-1E5B-4C3F-8F2E-9233A0BD0340}"/>
-              </a:ext>
-            </a:extLst>
-          </p:cNvPr>
-          <p:cNvSpPr/>
+      <p:pic>
+        <p:nvPicPr>
+          <p:cNvPr id="10" name="Picture 9">
+            <a:extLst>
+              <a:ext uri="{FF2B5EF4-FFF2-40B4-BE49-F238E27FC236}">
+                <a16:creationId xmlns:a16="http://schemas.microsoft.com/office/drawing/2014/main" id="{D09DC5A2-0EDA-4C29-96F3-1C3C81FCE609}"/>
+              </a:ext>
+            </a:extLst>
+          </p:cNvPr>
+          <p:cNvPicPr>
+            <a:picLocks noChangeAspect="1"/>
+          </p:cNvPicPr>
           <p:nvPr/>
-        </p:nvSpPr>
+        </p:nvPicPr>
+        <p:blipFill>
+          <a:blip r:embed="rId4">
+            <a:extLst>
+              <a:ext uri="{28A0092B-C50C-407E-A947-70E740481C1C}">
+                <a14:useLocalDpi xmlns:a14="http://schemas.microsoft.com/office/drawing/2010/main" val="0"/>
+              </a:ext>
+            </a:extLst>
+          </a:blip>
+          <a:srcRect/>
+          <a:stretch/>
+        </p:blipFill>
         <p:spPr>
           <a:xfrm>
-            <a:off x="5944997" y="5973123"/>
-            <a:ext cx="134224" cy="142612"/>
+            <a:off x="4467739" y="767666"/>
+            <a:ext cx="3256521" cy="2518397"/>
           </a:xfrm>
-          <a:prstGeom prst="ellipse">
+          <a:prstGeom prst="rect">
             <a:avLst/>
           </a:prstGeom>
-          <a:noFill/>
-          <a:ln>
-            <a:solidFill>
-              <a:srgbClr val="FF0000"/>
-            </a:solidFill>
-          </a:ln>
         </p:spPr>
-        <p:style>
-          <a:lnRef idx="2">
-            <a:schemeClr val="accent1">
-              <a:shade val="50000"/>
-            </a:schemeClr>
-          </a:lnRef>
-          <a:fillRef idx="1">
-            <a:schemeClr val="accent1"/>
-          </a:fillRef>
-          <a:effectRef idx="0">
-            <a:schemeClr val="accent1"/>
-          </a:effectRef>
-          <a:fontRef idx="minor">
-            <a:schemeClr val="lt1"/>
-          </a:fontRef>
-        </p:style>
-        <p:txBody>
-          <a:bodyPr rtlCol="0" anchor="ctr"/>
-          <a:lstStyle/>
-          <a:p>
-            <a:pPr algn="ctr"/>
-            <a:endParaRPr lang="en-GB" dirty="0"/>
-          </a:p>
-        </p:txBody>
-      </p:sp>
+      </p:pic>
+      <p:pic>
+        <p:nvPicPr>
+          <p:cNvPr id="12" name="Picture 11">
+            <a:extLst>
+              <a:ext uri="{FF2B5EF4-FFF2-40B4-BE49-F238E27FC236}">
+                <a16:creationId xmlns:a16="http://schemas.microsoft.com/office/drawing/2014/main" id="{930DC80E-3FC5-4FDF-BBE8-8CC371B83350}"/>
+              </a:ext>
+            </a:extLst>
+          </p:cNvPr>
+          <p:cNvPicPr>
+            <a:picLocks noChangeAspect="1"/>
+          </p:cNvPicPr>
+          <p:nvPr/>
+        </p:nvPicPr>
+        <p:blipFill>
+          <a:blip r:embed="rId5">
+            <a:extLst>
+              <a:ext uri="{28A0092B-C50C-407E-A947-70E740481C1C}">
+                <a14:useLocalDpi xmlns:a14="http://schemas.microsoft.com/office/drawing/2010/main" val="0"/>
+              </a:ext>
+            </a:extLst>
+          </a:blip>
+          <a:srcRect/>
+          <a:stretch/>
+        </p:blipFill>
+        <p:spPr>
+          <a:xfrm>
+            <a:off x="8353939" y="3648074"/>
+            <a:ext cx="3256521" cy="2518397"/>
+          </a:xfrm>
+          <a:prstGeom prst="rect">
+            <a:avLst/>
+          </a:prstGeom>
+        </p:spPr>
+      </p:pic>
+      <p:graphicFrame>
+        <p:nvGraphicFramePr>
+          <p:cNvPr id="13" name="Table 13">
+            <a:extLst>
+              <a:ext uri="{FF2B5EF4-FFF2-40B4-BE49-F238E27FC236}">
+                <a16:creationId xmlns:a16="http://schemas.microsoft.com/office/drawing/2014/main" id="{BB5A2719-FED1-493C-88DA-FEBEA9AC7054}"/>
+              </a:ext>
+            </a:extLst>
+          </p:cNvPr>
+          <p:cNvGraphicFramePr>
+            <a:graphicFrameLocks noGrp="1"/>
+          </p:cNvGraphicFramePr>
+          <p:nvPr>
+            <p:extLst>
+              <p:ext uri="{D42A27DB-BD31-4B8C-83A1-F6EECF244321}">
+                <p14:modId xmlns:p14="http://schemas.microsoft.com/office/powerpoint/2010/main" val="2870427754"/>
+              </p:ext>
+            </p:extLst>
+          </p:nvPr>
+        </p:nvGraphicFramePr>
+        <p:xfrm>
+          <a:off x="279246" y="2742584"/>
+          <a:ext cx="3353499" cy="1112520"/>
+        </p:xfrm>
+        <a:graphic>
+          <a:graphicData uri="http://schemas.openxmlformats.org/drawingml/2006/table">
+            <a:tbl>
+              <a:tblPr firstRow="1" bandRow="1">
+                <a:tableStyleId>{5940675A-B579-460E-94D1-54222C63F5DA}</a:tableStyleId>
+              </a:tblPr>
+              <a:tblGrid>
+                <a:gridCol w="2127250">
+                  <a:extLst>
+                    <a:ext uri="{9D8B030D-6E8A-4147-A177-3AD203B41FA5}">
+                      <a16:colId xmlns:a16="http://schemas.microsoft.com/office/drawing/2014/main" val="2140016609"/>
+                    </a:ext>
+                  </a:extLst>
+                </a:gridCol>
+                <a:gridCol w="1226249">
+                  <a:extLst>
+                    <a:ext uri="{9D8B030D-6E8A-4147-A177-3AD203B41FA5}">
+                      <a16:colId xmlns:a16="http://schemas.microsoft.com/office/drawing/2014/main" val="1628650466"/>
+                    </a:ext>
+                  </a:extLst>
+                </a:gridCol>
+              </a:tblGrid>
+              <a:tr h="370840">
+                <a:tc>
+                  <a:txBody>
+                    <a:bodyPr/>
+                    <a:lstStyle/>
+                    <a:p>
+                      <a:r>
+                        <a:rPr lang="en-US" sz="1800" dirty="0"/>
+                        <a:t>Multiple testing</a:t>
+                      </a:r>
+                      <a:endParaRPr lang="en-GB" dirty="0"/>
+                    </a:p>
+                  </a:txBody>
+                  <a:tcPr/>
+                </a:tc>
+                <a:tc>
+                  <a:txBody>
+                    <a:bodyPr/>
+                    <a:lstStyle/>
+                    <a:p>
+                      <a:r>
+                        <a:rPr lang="en-US" sz="1800" dirty="0" err="1"/>
+                        <a:t>Storey</a:t>
+                      </a:r>
+                      <a:endParaRPr lang="en-GB" dirty="0"/>
+                    </a:p>
+                  </a:txBody>
+                  <a:tcPr/>
+                </a:tc>
+                <a:extLst>
+                  <a:ext uri="{0D108BD9-81ED-4DB2-BD59-A6C34878D82A}">
+                    <a16:rowId xmlns:a16="http://schemas.microsoft.com/office/drawing/2014/main" val="2151792869"/>
+                  </a:ext>
+                </a:extLst>
+              </a:tr>
+              <a:tr h="370840">
+                <a:tc>
+                  <a:txBody>
+                    <a:bodyPr/>
+                    <a:lstStyle/>
+                    <a:p>
+                      <a:r>
+                        <a:rPr lang="en-US" sz="1800" dirty="0" err="1"/>
+                        <a:t>Probablity</a:t>
+                      </a:r>
+                      <a:r>
+                        <a:rPr lang="en-US" sz="1800" dirty="0"/>
+                        <a:t> threshold</a:t>
+                      </a:r>
+                      <a:endParaRPr lang="en-GB" dirty="0"/>
+                    </a:p>
+                  </a:txBody>
+                  <a:tcPr/>
+                </a:tc>
+                <a:tc>
+                  <a:txBody>
+                    <a:bodyPr/>
+                    <a:lstStyle/>
+                    <a:p>
+                      <a:r>
+                        <a:rPr lang="en-US" sz="1800" dirty="0"/>
+                        <a:t>0,99</a:t>
+                      </a:r>
+                      <a:endParaRPr lang="en-GB" dirty="0"/>
+                    </a:p>
+                  </a:txBody>
+                  <a:tcPr/>
+                </a:tc>
+                <a:extLst>
+                  <a:ext uri="{0D108BD9-81ED-4DB2-BD59-A6C34878D82A}">
+                    <a16:rowId xmlns:a16="http://schemas.microsoft.com/office/drawing/2014/main" val="3583369966"/>
+                  </a:ext>
+                </a:extLst>
+              </a:tr>
+              <a:tr h="370840">
+                <a:tc>
+                  <a:txBody>
+                    <a:bodyPr/>
+                    <a:lstStyle/>
+                    <a:p>
+                      <a:r>
+                        <a:rPr lang="en-US" sz="1800" dirty="0"/>
+                        <a:t>FDR threshold</a:t>
+                      </a:r>
+                      <a:endParaRPr lang="en-GB" dirty="0"/>
+                    </a:p>
+                  </a:txBody>
+                  <a:tcPr/>
+                </a:tc>
+                <a:tc>
+                  <a:txBody>
+                    <a:bodyPr/>
+                    <a:lstStyle/>
+                    <a:p>
+                      <a:r>
+                        <a:rPr lang="en-US" sz="1800" dirty="0"/>
+                        <a:t>0,01</a:t>
+                      </a:r>
+                      <a:endParaRPr lang="en-GB" dirty="0"/>
+                    </a:p>
+                  </a:txBody>
+                  <a:tcPr/>
+                </a:tc>
+                <a:extLst>
+                  <a:ext uri="{0D108BD9-81ED-4DB2-BD59-A6C34878D82A}">
+                    <a16:rowId xmlns:a16="http://schemas.microsoft.com/office/drawing/2014/main" val="4230773412"/>
+                  </a:ext>
+                </a:extLst>
+              </a:tr>
+            </a:tbl>
+          </a:graphicData>
+        </a:graphic>
+      </p:graphicFrame>
     </p:spTree>
     <p:extLst>
       <p:ext uri="{BB962C8B-B14F-4D97-AF65-F5344CB8AC3E}">
-        <p14:creationId xmlns:p14="http://schemas.microsoft.com/office/powerpoint/2010/main" val="782174761"/>
+        <p14:creationId xmlns:p14="http://schemas.microsoft.com/office/powerpoint/2010/main" val="3478480925"/>
       </p:ext>
     </p:extLst>
   </p:cSld>
@@ -5696,7 +7142,7 @@
           <p:cNvPr id="2" name="Title 1">
             <a:extLst>
               <a:ext uri="{FF2B5EF4-FFF2-40B4-BE49-F238E27FC236}">
-                <a16:creationId xmlns:a16="http://schemas.microsoft.com/office/drawing/2014/main" id="{AD9BE750-E0AD-4A75-A3F9-309F98E20408}"/>
+                <a16:creationId xmlns:a16="http://schemas.microsoft.com/office/drawing/2014/main" id="{4A480EFC-BE3A-4FC0-8CA1-E6D1E40DF5B9}"/>
               </a:ext>
             </a:extLst>
           </p:cNvPr>
@@ -5705,6 +7151,71 @@
           </p:cNvSpPr>
           <p:nvPr>
             <p:ph type="title"/>
+          </p:nvPr>
+        </p:nvSpPr>
+        <p:spPr/>
+        <p:txBody>
+          <a:bodyPr>
+            <a:normAutofit/>
+          </a:bodyPr>
+          <a:lstStyle/>
+          <a:p>
+            <a:r>
+              <a:rPr lang="nl-NL" dirty="0"/>
+              <a:t>PCLRC</a:t>
+            </a:r>
+            <a:endParaRPr lang="en-GB" dirty="0"/>
+          </a:p>
+        </p:txBody>
+      </p:sp>
+      <p:pic>
+        <p:nvPicPr>
+          <p:cNvPr id="6" name="Content Placeholder 5">
+            <a:extLst>
+              <a:ext uri="{FF2B5EF4-FFF2-40B4-BE49-F238E27FC236}">
+                <a16:creationId xmlns:a16="http://schemas.microsoft.com/office/drawing/2014/main" id="{53DB382E-4B3C-4EE5-9867-AD4C3335E7C9}"/>
+              </a:ext>
+            </a:extLst>
+          </p:cNvPr>
+          <p:cNvPicPr>
+            <a:picLocks noGrp="1" noChangeAspect="1"/>
+          </p:cNvPicPr>
+          <p:nvPr>
+            <p:ph idx="1"/>
+          </p:nvPr>
+        </p:nvPicPr>
+        <p:blipFill>
+          <a:blip r:embed="rId2">
+            <a:extLst>
+              <a:ext uri="{28A0092B-C50C-407E-A947-70E740481C1C}">
+                <a14:useLocalDpi xmlns:a14="http://schemas.microsoft.com/office/drawing/2010/main" val="0"/>
+              </a:ext>
+            </a:extLst>
+          </a:blip>
+          <a:srcRect/>
+          <a:stretch/>
+        </p:blipFill>
+        <p:spPr>
+          <a:xfrm>
+            <a:off x="8353940" y="779645"/>
+            <a:ext cx="3256521" cy="2518398"/>
+          </a:xfrm>
+        </p:spPr>
+      </p:pic>
+      <p:sp>
+        <p:nvSpPr>
+          <p:cNvPr id="4" name="Slide Number Placeholder 3">
+            <a:extLst>
+              <a:ext uri="{FF2B5EF4-FFF2-40B4-BE49-F238E27FC236}">
+                <a16:creationId xmlns:a16="http://schemas.microsoft.com/office/drawing/2014/main" id="{3BB0580A-9423-4220-91F4-01D8029771FD}"/>
+              </a:ext>
+            </a:extLst>
+          </p:cNvPr>
+          <p:cNvSpPr>
+            <a:spLocks noGrp="1"/>
+          </p:cNvSpPr>
+          <p:nvPr>
+            <p:ph type="sldNum" sz="quarter" idx="12"/>
           </p:nvPr>
         </p:nvSpPr>
         <p:spPr/>
@@ -5712,45 +7223,20 @@
           <a:bodyPr/>
           <a:lstStyle/>
           <a:p>
-            <a:r>
-              <a:rPr lang="nl-NL" dirty="0"/>
-              <a:t>Young men vs. Old men</a:t>
-            </a:r>
+            <a:fld id="{47D21762-8E6F-420A-9BE8-C943AA3E7C06}" type="slidenum">
+              <a:rPr lang="en-GB" smtClean="0"/>
+              <a:t>20</a:t>
+            </a:fld>
             <a:endParaRPr lang="en-GB" dirty="0"/>
-          </a:p>
-        </p:txBody>
-      </p:sp>
-      <p:sp>
-        <p:nvSpPr>
-          <p:cNvPr id="3" name="Content Placeholder 2">
-            <a:extLst>
-              <a:ext uri="{FF2B5EF4-FFF2-40B4-BE49-F238E27FC236}">
-                <a16:creationId xmlns:a16="http://schemas.microsoft.com/office/drawing/2014/main" id="{92EEC039-BA2F-44EB-8A53-F8E0DAFB9B9B}"/>
-              </a:ext>
-            </a:extLst>
-          </p:cNvPr>
-          <p:cNvSpPr>
-            <a:spLocks noGrp="1"/>
-          </p:cNvSpPr>
-          <p:nvPr>
-            <p:ph idx="1"/>
-          </p:nvPr>
-        </p:nvSpPr>
-        <p:spPr/>
-        <p:txBody>
-          <a:bodyPr/>
-          <a:lstStyle/>
-          <a:p>
-            <a:endParaRPr lang="en-GB"/>
           </a:p>
         </p:txBody>
       </p:sp>
       <p:pic>
         <p:nvPicPr>
-          <p:cNvPr id="6" name="Picture 5">
-            <a:extLst>
-              <a:ext uri="{FF2B5EF4-FFF2-40B4-BE49-F238E27FC236}">
-                <a16:creationId xmlns:a16="http://schemas.microsoft.com/office/drawing/2014/main" id="{6F88865A-7141-427C-BFFB-DC5AC77A1B88}"/>
+          <p:cNvPr id="8" name="Picture 7">
+            <a:extLst>
+              <a:ext uri="{FF2B5EF4-FFF2-40B4-BE49-F238E27FC236}">
+                <a16:creationId xmlns:a16="http://schemas.microsoft.com/office/drawing/2014/main" id="{B8E28383-A1A8-4ABB-BBC8-A0345664DDD2}"/>
               </a:ext>
             </a:extLst>
           </p:cNvPr>
@@ -5760,15 +7246,20 @@
           <p:nvPr/>
         </p:nvPicPr>
         <p:blipFill>
-          <a:blip r:embed="rId2"/>
-          <a:stretch>
-            <a:fillRect/>
-          </a:stretch>
+          <a:blip r:embed="rId3">
+            <a:extLst>
+              <a:ext uri="{28A0092B-C50C-407E-A947-70E740481C1C}">
+                <a14:useLocalDpi xmlns:a14="http://schemas.microsoft.com/office/drawing/2010/main" val="0"/>
+              </a:ext>
+            </a:extLst>
+          </a:blip>
+          <a:srcRect/>
+          <a:stretch/>
         </p:blipFill>
         <p:spPr>
           <a:xfrm>
-            <a:off x="0" y="1714500"/>
-            <a:ext cx="6120000" cy="4269767"/>
+            <a:off x="4570286" y="3648074"/>
+            <a:ext cx="3256521" cy="2518398"/>
           </a:xfrm>
           <a:prstGeom prst="rect">
             <a:avLst/>
@@ -5777,10 +7268,10 @@
       </p:pic>
       <p:pic>
         <p:nvPicPr>
-          <p:cNvPr id="8" name="Picture 7">
-            <a:extLst>
-              <a:ext uri="{FF2B5EF4-FFF2-40B4-BE49-F238E27FC236}">
-                <a16:creationId xmlns:a16="http://schemas.microsoft.com/office/drawing/2014/main" id="{930CCB81-FC97-414F-BA20-A4753B01715C}"/>
+          <p:cNvPr id="10" name="Picture 9">
+            <a:extLst>
+              <a:ext uri="{FF2B5EF4-FFF2-40B4-BE49-F238E27FC236}">
+                <a16:creationId xmlns:a16="http://schemas.microsoft.com/office/drawing/2014/main" id="{D09DC5A2-0EDA-4C29-96F3-1C3C81FCE609}"/>
               </a:ext>
             </a:extLst>
           </p:cNvPr>
@@ -5790,54 +7281,224 @@
           <p:nvPr/>
         </p:nvPicPr>
         <p:blipFill>
-          <a:blip r:embed="rId3"/>
-          <a:stretch>
-            <a:fillRect/>
-          </a:stretch>
+          <a:blip r:embed="rId4">
+            <a:extLst>
+              <a:ext uri="{28A0092B-C50C-407E-A947-70E740481C1C}">
+                <a14:useLocalDpi xmlns:a14="http://schemas.microsoft.com/office/drawing/2010/main" val="0"/>
+              </a:ext>
+            </a:extLst>
+          </a:blip>
+          <a:srcRect/>
+          <a:stretch/>
         </p:blipFill>
         <p:spPr>
           <a:xfrm>
-            <a:off x="6072000" y="571103"/>
-            <a:ext cx="6120000" cy="6150372"/>
+            <a:off x="4467739" y="767666"/>
+            <a:ext cx="3256521" cy="2518397"/>
           </a:xfrm>
           <a:prstGeom prst="rect">
             <a:avLst/>
           </a:prstGeom>
         </p:spPr>
       </p:pic>
-      <p:sp>
-        <p:nvSpPr>
-          <p:cNvPr id="9" name="Slide Number Placeholder 8">
-            <a:extLst>
-              <a:ext uri="{FF2B5EF4-FFF2-40B4-BE49-F238E27FC236}">
-                <a16:creationId xmlns:a16="http://schemas.microsoft.com/office/drawing/2014/main" id="{95097991-5D6E-4224-8FEB-75B63FC8349E}"/>
-              </a:ext>
-            </a:extLst>
-          </p:cNvPr>
-          <p:cNvSpPr>
-            <a:spLocks noGrp="1"/>
-          </p:cNvSpPr>
-          <p:nvPr>
-            <p:ph type="sldNum" sz="quarter" idx="12"/>
-          </p:nvPr>
-        </p:nvSpPr>
-        <p:spPr/>
-        <p:txBody>
-          <a:bodyPr/>
-          <a:lstStyle/>
-          <a:p>
-            <a:fld id="{47D21762-8E6F-420A-9BE8-C943AA3E7C06}" type="slidenum">
-              <a:rPr lang="en-GB" smtClean="0"/>
-              <a:t>20</a:t>
-            </a:fld>
-            <a:endParaRPr lang="en-GB"/>
-          </a:p>
-        </p:txBody>
-      </p:sp>
+      <p:pic>
+        <p:nvPicPr>
+          <p:cNvPr id="12" name="Picture 11">
+            <a:extLst>
+              <a:ext uri="{FF2B5EF4-FFF2-40B4-BE49-F238E27FC236}">
+                <a16:creationId xmlns:a16="http://schemas.microsoft.com/office/drawing/2014/main" id="{930DC80E-3FC5-4FDF-BBE8-8CC371B83350}"/>
+              </a:ext>
+            </a:extLst>
+          </p:cNvPr>
+          <p:cNvPicPr>
+            <a:picLocks noChangeAspect="1"/>
+          </p:cNvPicPr>
+          <p:nvPr/>
+        </p:nvPicPr>
+        <p:blipFill>
+          <a:blip r:embed="rId5">
+            <a:extLst>
+              <a:ext uri="{28A0092B-C50C-407E-A947-70E740481C1C}">
+                <a14:useLocalDpi xmlns:a14="http://schemas.microsoft.com/office/drawing/2010/main" val="0"/>
+              </a:ext>
+            </a:extLst>
+          </a:blip>
+          <a:srcRect/>
+          <a:stretch/>
+        </p:blipFill>
+        <p:spPr>
+          <a:xfrm>
+            <a:off x="8353939" y="3648074"/>
+            <a:ext cx="3256521" cy="2518397"/>
+          </a:xfrm>
+          <a:prstGeom prst="rect">
+            <a:avLst/>
+          </a:prstGeom>
+        </p:spPr>
+      </p:pic>
+      <p:graphicFrame>
+        <p:nvGraphicFramePr>
+          <p:cNvPr id="13" name="Table 13">
+            <a:extLst>
+              <a:ext uri="{FF2B5EF4-FFF2-40B4-BE49-F238E27FC236}">
+                <a16:creationId xmlns:a16="http://schemas.microsoft.com/office/drawing/2014/main" id="{BB5A2719-FED1-493C-88DA-FEBEA9AC7054}"/>
+              </a:ext>
+            </a:extLst>
+          </p:cNvPr>
+          <p:cNvGraphicFramePr>
+            <a:graphicFrameLocks noGrp="1"/>
+          </p:cNvGraphicFramePr>
+          <p:nvPr>
+            <p:extLst>
+              <p:ext uri="{D42A27DB-BD31-4B8C-83A1-F6EECF244321}">
+                <p14:modId xmlns:p14="http://schemas.microsoft.com/office/powerpoint/2010/main" val="2505688202"/>
+              </p:ext>
+            </p:extLst>
+          </p:nvPr>
+        </p:nvGraphicFramePr>
+        <p:xfrm>
+          <a:off x="279246" y="2742584"/>
+          <a:ext cx="3353499" cy="1112520"/>
+        </p:xfrm>
+        <a:graphic>
+          <a:graphicData uri="http://schemas.openxmlformats.org/drawingml/2006/table">
+            <a:tbl>
+              <a:tblPr firstRow="1" bandRow="1">
+                <a:tableStyleId>{5940675A-B579-460E-94D1-54222C63F5DA}</a:tableStyleId>
+              </a:tblPr>
+              <a:tblGrid>
+                <a:gridCol w="2127250">
+                  <a:extLst>
+                    <a:ext uri="{9D8B030D-6E8A-4147-A177-3AD203B41FA5}">
+                      <a16:colId xmlns:a16="http://schemas.microsoft.com/office/drawing/2014/main" val="2140016609"/>
+                    </a:ext>
+                  </a:extLst>
+                </a:gridCol>
+                <a:gridCol w="1226249">
+                  <a:extLst>
+                    <a:ext uri="{9D8B030D-6E8A-4147-A177-3AD203B41FA5}">
+                      <a16:colId xmlns:a16="http://schemas.microsoft.com/office/drawing/2014/main" val="1628650466"/>
+                    </a:ext>
+                  </a:extLst>
+                </a:gridCol>
+              </a:tblGrid>
+              <a:tr h="370840">
+                <a:tc>
+                  <a:txBody>
+                    <a:bodyPr/>
+                    <a:lstStyle/>
+                    <a:p>
+                      <a:r>
+                        <a:rPr lang="en-US" sz="1800" dirty="0"/>
+                        <a:t>Multiple testing</a:t>
+                      </a:r>
+                      <a:endParaRPr lang="en-GB" dirty="0"/>
+                    </a:p>
+                  </a:txBody>
+                  <a:tcPr/>
+                </a:tc>
+                <a:tc>
+                  <a:txBody>
+                    <a:bodyPr/>
+                    <a:lstStyle/>
+                    <a:p>
+                      <a:r>
+                        <a:rPr lang="en-US" sz="1800" dirty="0" err="1"/>
+                        <a:t>Storey</a:t>
+                      </a:r>
+                      <a:endParaRPr lang="en-GB" dirty="0"/>
+                    </a:p>
+                  </a:txBody>
+                  <a:tcPr/>
+                </a:tc>
+                <a:extLst>
+                  <a:ext uri="{0D108BD9-81ED-4DB2-BD59-A6C34878D82A}">
+                    <a16:rowId xmlns:a16="http://schemas.microsoft.com/office/drawing/2014/main" val="2151792869"/>
+                  </a:ext>
+                </a:extLst>
+              </a:tr>
+              <a:tr h="370840">
+                <a:tc>
+                  <a:txBody>
+                    <a:bodyPr/>
+                    <a:lstStyle/>
+                    <a:p>
+                      <a:r>
+                        <a:rPr lang="en-US" sz="1800" dirty="0" err="1"/>
+                        <a:t>Probablity</a:t>
+                      </a:r>
+                      <a:r>
+                        <a:rPr lang="en-US" sz="1800" dirty="0"/>
+                        <a:t> threshold</a:t>
+                      </a:r>
+                      <a:endParaRPr lang="en-GB" dirty="0"/>
+                    </a:p>
+                  </a:txBody>
+                  <a:tcPr/>
+                </a:tc>
+                <a:tc>
+                  <a:txBody>
+                    <a:bodyPr/>
+                    <a:lstStyle/>
+                    <a:p>
+                      <a:r>
+                        <a:rPr lang="en-US" sz="1800" dirty="0"/>
+                        <a:t>0,99</a:t>
+                      </a:r>
+                      <a:endParaRPr lang="en-GB" dirty="0"/>
+                    </a:p>
+                  </a:txBody>
+                  <a:tcPr/>
+                </a:tc>
+                <a:extLst>
+                  <a:ext uri="{0D108BD9-81ED-4DB2-BD59-A6C34878D82A}">
+                    <a16:rowId xmlns:a16="http://schemas.microsoft.com/office/drawing/2014/main" val="3583369966"/>
+                  </a:ext>
+                </a:extLst>
+              </a:tr>
+              <a:tr h="370840">
+                <a:tc>
+                  <a:txBody>
+                    <a:bodyPr/>
+                    <a:lstStyle/>
+                    <a:p>
+                      <a:r>
+                        <a:rPr lang="en-US" sz="1800" dirty="0"/>
+                        <a:t>FDR threshold</a:t>
+                      </a:r>
+                      <a:endParaRPr lang="en-GB" dirty="0"/>
+                    </a:p>
+                  </a:txBody>
+                  <a:tcPr/>
+                </a:tc>
+                <a:tc>
+                  <a:txBody>
+                    <a:bodyPr/>
+                    <a:lstStyle/>
+                    <a:p>
+                      <a:r>
+                        <a:rPr lang="en-US" sz="1800" dirty="0"/>
+                        <a:t>0,05</a:t>
+                      </a:r>
+                      <a:endParaRPr lang="en-GB" dirty="0"/>
+                    </a:p>
+                  </a:txBody>
+                  <a:tcPr/>
+                </a:tc>
+                <a:extLst>
+                  <a:ext uri="{0D108BD9-81ED-4DB2-BD59-A6C34878D82A}">
+                    <a16:rowId xmlns:a16="http://schemas.microsoft.com/office/drawing/2014/main" val="4230773412"/>
+                  </a:ext>
+                </a:extLst>
+              </a:tr>
+            </a:tbl>
+          </a:graphicData>
+        </a:graphic>
+      </p:graphicFrame>
     </p:spTree>
     <p:extLst>
       <p:ext uri="{BB962C8B-B14F-4D97-AF65-F5344CB8AC3E}">
-        <p14:creationId xmlns:p14="http://schemas.microsoft.com/office/powerpoint/2010/main" val="2242727531"/>
+        <p14:creationId xmlns:p14="http://schemas.microsoft.com/office/powerpoint/2010/main" val="2524114474"/>
       </p:ext>
     </p:extLst>
   </p:cSld>
@@ -5869,7 +7530,7 @@
           <p:cNvPr id="2" name="Title 1">
             <a:extLst>
               <a:ext uri="{FF2B5EF4-FFF2-40B4-BE49-F238E27FC236}">
-                <a16:creationId xmlns:a16="http://schemas.microsoft.com/office/drawing/2014/main" id="{3C13B566-32A1-4F99-8EED-A7C6D8475255}"/>
+                <a16:creationId xmlns:a16="http://schemas.microsoft.com/office/drawing/2014/main" id="{4A480EFC-BE3A-4FC0-8CA1-E6D1E40DF5B9}"/>
               </a:ext>
             </a:extLst>
           </p:cNvPr>
@@ -5878,6 +7539,71 @@
           </p:cNvSpPr>
           <p:nvPr>
             <p:ph type="title"/>
+          </p:nvPr>
+        </p:nvSpPr>
+        <p:spPr/>
+        <p:txBody>
+          <a:bodyPr>
+            <a:normAutofit/>
+          </a:bodyPr>
+          <a:lstStyle/>
+          <a:p>
+            <a:r>
+              <a:rPr lang="nl-NL" dirty="0"/>
+              <a:t>PCLRC</a:t>
+            </a:r>
+            <a:endParaRPr lang="en-GB" dirty="0"/>
+          </a:p>
+        </p:txBody>
+      </p:sp>
+      <p:pic>
+        <p:nvPicPr>
+          <p:cNvPr id="6" name="Content Placeholder 5">
+            <a:extLst>
+              <a:ext uri="{FF2B5EF4-FFF2-40B4-BE49-F238E27FC236}">
+                <a16:creationId xmlns:a16="http://schemas.microsoft.com/office/drawing/2014/main" id="{53DB382E-4B3C-4EE5-9867-AD4C3335E7C9}"/>
+              </a:ext>
+            </a:extLst>
+          </p:cNvPr>
+          <p:cNvPicPr>
+            <a:picLocks noGrp="1" noChangeAspect="1"/>
+          </p:cNvPicPr>
+          <p:nvPr>
+            <p:ph idx="1"/>
+          </p:nvPr>
+        </p:nvPicPr>
+        <p:blipFill>
+          <a:blip r:embed="rId2">
+            <a:extLst>
+              <a:ext uri="{28A0092B-C50C-407E-A947-70E740481C1C}">
+                <a14:useLocalDpi xmlns:a14="http://schemas.microsoft.com/office/drawing/2010/main" val="0"/>
+              </a:ext>
+            </a:extLst>
+          </a:blip>
+          <a:srcRect/>
+          <a:stretch/>
+        </p:blipFill>
+        <p:spPr>
+          <a:xfrm>
+            <a:off x="8353940" y="779645"/>
+            <a:ext cx="3256520" cy="2518398"/>
+          </a:xfrm>
+        </p:spPr>
+      </p:pic>
+      <p:sp>
+        <p:nvSpPr>
+          <p:cNvPr id="4" name="Slide Number Placeholder 3">
+            <a:extLst>
+              <a:ext uri="{FF2B5EF4-FFF2-40B4-BE49-F238E27FC236}">
+                <a16:creationId xmlns:a16="http://schemas.microsoft.com/office/drawing/2014/main" id="{3BB0580A-9423-4220-91F4-01D8029771FD}"/>
+              </a:ext>
+            </a:extLst>
+          </p:cNvPr>
+          <p:cNvSpPr>
+            <a:spLocks noGrp="1"/>
+          </p:cNvSpPr>
+          <p:nvPr>
+            <p:ph type="sldNum" sz="quarter" idx="12"/>
           </p:nvPr>
         </p:nvSpPr>
         <p:spPr/>
@@ -5885,57 +7611,20 @@
           <a:bodyPr/>
           <a:lstStyle/>
           <a:p>
-            <a:r>
-              <a:rPr lang="nl-NL" dirty="0"/>
-              <a:t>Young </a:t>
-            </a:r>
-            <a:r>
-              <a:rPr lang="nl-NL" dirty="0" err="1"/>
-              <a:t>women</a:t>
-            </a:r>
-            <a:r>
-              <a:rPr lang="nl-NL" dirty="0"/>
-              <a:t> vs. Old </a:t>
-            </a:r>
-            <a:r>
-              <a:rPr lang="nl-NL" dirty="0" err="1"/>
-              <a:t>women</a:t>
-            </a:r>
+            <a:fld id="{47D21762-8E6F-420A-9BE8-C943AA3E7C06}" type="slidenum">
+              <a:rPr lang="en-GB" smtClean="0"/>
+              <a:t>21</a:t>
+            </a:fld>
             <a:endParaRPr lang="en-GB" dirty="0"/>
-          </a:p>
-        </p:txBody>
-      </p:sp>
-      <p:sp>
-        <p:nvSpPr>
-          <p:cNvPr id="3" name="Content Placeholder 2">
-            <a:extLst>
-              <a:ext uri="{FF2B5EF4-FFF2-40B4-BE49-F238E27FC236}">
-                <a16:creationId xmlns:a16="http://schemas.microsoft.com/office/drawing/2014/main" id="{EDEE13CB-647F-431B-8362-6AFF0D376216}"/>
-              </a:ext>
-            </a:extLst>
-          </p:cNvPr>
-          <p:cNvSpPr>
-            <a:spLocks noGrp="1"/>
-          </p:cNvSpPr>
-          <p:nvPr>
-            <p:ph idx="1"/>
-          </p:nvPr>
-        </p:nvSpPr>
-        <p:spPr/>
-        <p:txBody>
-          <a:bodyPr/>
-          <a:lstStyle/>
-          <a:p>
-            <a:endParaRPr lang="en-GB"/>
           </a:p>
         </p:txBody>
       </p:sp>
       <p:pic>
         <p:nvPicPr>
-          <p:cNvPr id="5" name="Picture 4">
-            <a:extLst>
-              <a:ext uri="{FF2B5EF4-FFF2-40B4-BE49-F238E27FC236}">
-                <a16:creationId xmlns:a16="http://schemas.microsoft.com/office/drawing/2014/main" id="{7F55613A-9351-4585-9B48-EE90B1DF7B53}"/>
+          <p:cNvPr id="8" name="Picture 7">
+            <a:extLst>
+              <a:ext uri="{FF2B5EF4-FFF2-40B4-BE49-F238E27FC236}">
+                <a16:creationId xmlns:a16="http://schemas.microsoft.com/office/drawing/2014/main" id="{B8E28383-A1A8-4ABB-BBC8-A0345664DDD2}"/>
               </a:ext>
             </a:extLst>
           </p:cNvPr>
@@ -5945,106 +7634,259 @@
           <p:nvPr/>
         </p:nvPicPr>
         <p:blipFill>
-          <a:blip r:embed="rId2"/>
-          <a:stretch>
-            <a:fillRect/>
-          </a:stretch>
+          <a:blip r:embed="rId3">
+            <a:extLst>
+              <a:ext uri="{28A0092B-C50C-407E-A947-70E740481C1C}">
+                <a14:useLocalDpi xmlns:a14="http://schemas.microsoft.com/office/drawing/2010/main" val="0"/>
+              </a:ext>
+            </a:extLst>
+          </a:blip>
+          <a:srcRect/>
+          <a:stretch/>
         </p:blipFill>
         <p:spPr>
           <a:xfrm>
-            <a:off x="3043619" y="1453154"/>
-            <a:ext cx="6104762" cy="4723809"/>
+            <a:off x="4570286" y="3648074"/>
+            <a:ext cx="3256520" cy="2518398"/>
           </a:xfrm>
           <a:prstGeom prst="rect">
             <a:avLst/>
           </a:prstGeom>
         </p:spPr>
       </p:pic>
-      <p:sp>
-        <p:nvSpPr>
-          <p:cNvPr id="4" name="Slide Number Placeholder 3">
-            <a:extLst>
-              <a:ext uri="{FF2B5EF4-FFF2-40B4-BE49-F238E27FC236}">
-                <a16:creationId xmlns:a16="http://schemas.microsoft.com/office/drawing/2014/main" id="{019806B9-6E63-4D46-ADBC-F914ED33BA89}"/>
-              </a:ext>
-            </a:extLst>
-          </p:cNvPr>
-          <p:cNvSpPr>
-            <a:spLocks noGrp="1"/>
-          </p:cNvSpPr>
-          <p:nvPr>
-            <p:ph type="sldNum" sz="quarter" idx="12"/>
-          </p:nvPr>
-        </p:nvSpPr>
-        <p:spPr/>
-        <p:txBody>
-          <a:bodyPr/>
-          <a:lstStyle/>
-          <a:p>
-            <a:fld id="{47D21762-8E6F-420A-9BE8-C943AA3E7C06}" type="slidenum">
-              <a:rPr lang="en-GB" smtClean="0"/>
-              <a:t>21</a:t>
-            </a:fld>
-            <a:endParaRPr lang="en-GB"/>
-          </a:p>
-        </p:txBody>
-      </p:sp>
-      <p:sp>
-        <p:nvSpPr>
-          <p:cNvPr id="7" name="Oval 6">
-            <a:extLst>
-              <a:ext uri="{FF2B5EF4-FFF2-40B4-BE49-F238E27FC236}">
-                <a16:creationId xmlns:a16="http://schemas.microsoft.com/office/drawing/2014/main" id="{7098F196-D334-4759-9FEC-C14D7627BA8D}"/>
-              </a:ext>
-            </a:extLst>
-          </p:cNvPr>
-          <p:cNvSpPr/>
+      <p:pic>
+        <p:nvPicPr>
+          <p:cNvPr id="10" name="Picture 9">
+            <a:extLst>
+              <a:ext uri="{FF2B5EF4-FFF2-40B4-BE49-F238E27FC236}">
+                <a16:creationId xmlns:a16="http://schemas.microsoft.com/office/drawing/2014/main" id="{D09DC5A2-0EDA-4C29-96F3-1C3C81FCE609}"/>
+              </a:ext>
+            </a:extLst>
+          </p:cNvPr>
+          <p:cNvPicPr>
+            <a:picLocks noChangeAspect="1"/>
+          </p:cNvPicPr>
           <p:nvPr/>
-        </p:nvSpPr>
+        </p:nvPicPr>
+        <p:blipFill>
+          <a:blip r:embed="rId4">
+            <a:extLst>
+              <a:ext uri="{28A0092B-C50C-407E-A947-70E740481C1C}">
+                <a14:useLocalDpi xmlns:a14="http://schemas.microsoft.com/office/drawing/2010/main" val="0"/>
+              </a:ext>
+            </a:extLst>
+          </a:blip>
+          <a:srcRect/>
+          <a:stretch/>
+        </p:blipFill>
         <p:spPr>
           <a:xfrm>
-            <a:off x="5944997" y="5973123"/>
-            <a:ext cx="134224" cy="142612"/>
+            <a:off x="4467740" y="767666"/>
+            <a:ext cx="3256519" cy="2518397"/>
           </a:xfrm>
-          <a:prstGeom prst="ellipse">
+          <a:prstGeom prst="rect">
             <a:avLst/>
           </a:prstGeom>
-          <a:noFill/>
-          <a:ln>
-            <a:solidFill>
-              <a:srgbClr val="FF0000"/>
-            </a:solidFill>
-          </a:ln>
         </p:spPr>
-        <p:style>
-          <a:lnRef idx="2">
-            <a:schemeClr val="accent1">
-              <a:shade val="50000"/>
-            </a:schemeClr>
-          </a:lnRef>
-          <a:fillRef idx="1">
-            <a:schemeClr val="accent1"/>
-          </a:fillRef>
-          <a:effectRef idx="0">
-            <a:schemeClr val="accent1"/>
-          </a:effectRef>
-          <a:fontRef idx="minor">
-            <a:schemeClr val="lt1"/>
-          </a:fontRef>
-        </p:style>
-        <p:txBody>
-          <a:bodyPr rtlCol="0" anchor="ctr"/>
-          <a:lstStyle/>
-          <a:p>
-            <a:pPr algn="ctr"/>
-            <a:endParaRPr lang="en-GB" dirty="0"/>
-          </a:p>
-        </p:txBody>
-      </p:sp>
+      </p:pic>
+      <p:pic>
+        <p:nvPicPr>
+          <p:cNvPr id="12" name="Picture 11">
+            <a:extLst>
+              <a:ext uri="{FF2B5EF4-FFF2-40B4-BE49-F238E27FC236}">
+                <a16:creationId xmlns:a16="http://schemas.microsoft.com/office/drawing/2014/main" id="{930DC80E-3FC5-4FDF-BBE8-8CC371B83350}"/>
+              </a:ext>
+            </a:extLst>
+          </p:cNvPr>
+          <p:cNvPicPr>
+            <a:picLocks noChangeAspect="1"/>
+          </p:cNvPicPr>
+          <p:nvPr/>
+        </p:nvPicPr>
+        <p:blipFill>
+          <a:blip r:embed="rId5">
+            <a:extLst>
+              <a:ext uri="{28A0092B-C50C-407E-A947-70E740481C1C}">
+                <a14:useLocalDpi xmlns:a14="http://schemas.microsoft.com/office/drawing/2010/main" val="0"/>
+              </a:ext>
+            </a:extLst>
+          </a:blip>
+          <a:srcRect/>
+          <a:stretch/>
+        </p:blipFill>
+        <p:spPr>
+          <a:xfrm>
+            <a:off x="8353940" y="3648074"/>
+            <a:ext cx="3256519" cy="2518397"/>
+          </a:xfrm>
+          <a:prstGeom prst="rect">
+            <a:avLst/>
+          </a:prstGeom>
+        </p:spPr>
+      </p:pic>
+      <p:graphicFrame>
+        <p:nvGraphicFramePr>
+          <p:cNvPr id="13" name="Table 13">
+            <a:extLst>
+              <a:ext uri="{FF2B5EF4-FFF2-40B4-BE49-F238E27FC236}">
+                <a16:creationId xmlns:a16="http://schemas.microsoft.com/office/drawing/2014/main" id="{BB5A2719-FED1-493C-88DA-FEBEA9AC7054}"/>
+              </a:ext>
+            </a:extLst>
+          </p:cNvPr>
+          <p:cNvGraphicFramePr>
+            <a:graphicFrameLocks noGrp="1"/>
+          </p:cNvGraphicFramePr>
+          <p:nvPr>
+            <p:extLst>
+              <p:ext uri="{D42A27DB-BD31-4B8C-83A1-F6EECF244321}">
+                <p14:modId xmlns:p14="http://schemas.microsoft.com/office/powerpoint/2010/main" val="2878556781"/>
+              </p:ext>
+            </p:extLst>
+          </p:nvPr>
+        </p:nvGraphicFramePr>
+        <p:xfrm>
+          <a:off x="279246" y="2742584"/>
+          <a:ext cx="3353499" cy="1112520"/>
+        </p:xfrm>
+        <a:graphic>
+          <a:graphicData uri="http://schemas.openxmlformats.org/drawingml/2006/table">
+            <a:tbl>
+              <a:tblPr firstRow="1" bandRow="1">
+                <a:tableStyleId>{5940675A-B579-460E-94D1-54222C63F5DA}</a:tableStyleId>
+              </a:tblPr>
+              <a:tblGrid>
+                <a:gridCol w="2127250">
+                  <a:extLst>
+                    <a:ext uri="{9D8B030D-6E8A-4147-A177-3AD203B41FA5}">
+                      <a16:colId xmlns:a16="http://schemas.microsoft.com/office/drawing/2014/main" val="2140016609"/>
+                    </a:ext>
+                  </a:extLst>
+                </a:gridCol>
+                <a:gridCol w="1226249">
+                  <a:extLst>
+                    <a:ext uri="{9D8B030D-6E8A-4147-A177-3AD203B41FA5}">
+                      <a16:colId xmlns:a16="http://schemas.microsoft.com/office/drawing/2014/main" val="1628650466"/>
+                    </a:ext>
+                  </a:extLst>
+                </a:gridCol>
+              </a:tblGrid>
+              <a:tr h="370840">
+                <a:tc>
+                  <a:txBody>
+                    <a:bodyPr/>
+                    <a:lstStyle/>
+                    <a:p>
+                      <a:r>
+                        <a:rPr lang="en-US" sz="1800" dirty="0"/>
+                        <a:t>Multiple testing</a:t>
+                      </a:r>
+                      <a:endParaRPr lang="en-GB" dirty="0"/>
+                    </a:p>
+                  </a:txBody>
+                  <a:tcPr/>
+                </a:tc>
+                <a:tc>
+                  <a:txBody>
+                    <a:bodyPr/>
+                    <a:lstStyle/>
+                    <a:p>
+                      <a:r>
+                        <a:rPr lang="en-US" sz="1800" dirty="0" err="1"/>
+                        <a:t>Storey</a:t>
+                      </a:r>
+                      <a:endParaRPr lang="en-GB" dirty="0"/>
+                    </a:p>
+                  </a:txBody>
+                  <a:tcPr/>
+                </a:tc>
+                <a:extLst>
+                  <a:ext uri="{0D108BD9-81ED-4DB2-BD59-A6C34878D82A}">
+                    <a16:rowId xmlns:a16="http://schemas.microsoft.com/office/drawing/2014/main" val="2151792869"/>
+                  </a:ext>
+                </a:extLst>
+              </a:tr>
+              <a:tr h="370840">
+                <a:tc>
+                  <a:txBody>
+                    <a:bodyPr/>
+                    <a:lstStyle/>
+                    <a:p>
+                      <a:r>
+                        <a:rPr lang="en-US" sz="1800" dirty="0" err="1"/>
+                        <a:t>Probablity</a:t>
+                      </a:r>
+                      <a:r>
+                        <a:rPr lang="en-US" sz="1800" dirty="0"/>
+                        <a:t> threshold</a:t>
+                      </a:r>
+                      <a:endParaRPr lang="en-GB" dirty="0"/>
+                    </a:p>
+                  </a:txBody>
+                  <a:tcPr/>
+                </a:tc>
+                <a:tc>
+                  <a:txBody>
+                    <a:bodyPr/>
+                    <a:lstStyle/>
+                    <a:p>
+                      <a:r>
+                        <a:rPr lang="en-US" sz="1800" dirty="0"/>
+                        <a:t>0,99</a:t>
+                      </a:r>
+                      <a:endParaRPr lang="en-GB" dirty="0"/>
+                    </a:p>
+                  </a:txBody>
+                  <a:tcPr/>
+                </a:tc>
+                <a:extLst>
+                  <a:ext uri="{0D108BD9-81ED-4DB2-BD59-A6C34878D82A}">
+                    <a16:rowId xmlns:a16="http://schemas.microsoft.com/office/drawing/2014/main" val="3583369966"/>
+                  </a:ext>
+                </a:extLst>
+              </a:tr>
+              <a:tr h="370840">
+                <a:tc>
+                  <a:txBody>
+                    <a:bodyPr/>
+                    <a:lstStyle/>
+                    <a:p>
+                      <a:r>
+                        <a:rPr lang="en-US" sz="1800" dirty="0"/>
+                        <a:t>FDR threshold</a:t>
+                      </a:r>
+                      <a:endParaRPr lang="en-GB" dirty="0"/>
+                    </a:p>
+                  </a:txBody>
+                  <a:tcPr/>
+                </a:tc>
+                <a:tc>
+                  <a:txBody>
+                    <a:bodyPr/>
+                    <a:lstStyle/>
+                    <a:p>
+                      <a:r>
+                        <a:rPr lang="en-US" sz="1800" dirty="0"/>
+                        <a:t>0,005</a:t>
+                      </a:r>
+                      <a:endParaRPr lang="en-GB" dirty="0"/>
+                    </a:p>
+                  </a:txBody>
+                  <a:tcPr/>
+                </a:tc>
+                <a:extLst>
+                  <a:ext uri="{0D108BD9-81ED-4DB2-BD59-A6C34878D82A}">
+                    <a16:rowId xmlns:a16="http://schemas.microsoft.com/office/drawing/2014/main" val="4230773412"/>
+                  </a:ext>
+                </a:extLst>
+              </a:tr>
+            </a:tbl>
+          </a:graphicData>
+        </a:graphic>
+      </p:graphicFrame>
     </p:spTree>
     <p:extLst>
       <p:ext uri="{BB962C8B-B14F-4D97-AF65-F5344CB8AC3E}">
-        <p14:creationId xmlns:p14="http://schemas.microsoft.com/office/powerpoint/2010/main" val="3467327411"/>
+        <p14:creationId xmlns:p14="http://schemas.microsoft.com/office/powerpoint/2010/main" val="3762785898"/>
       </p:ext>
     </p:extLst>
   </p:cSld>
@@ -6076,15 +7918,15 @@
           <p:cNvPr id="2" name="Title 1">
             <a:extLst>
               <a:ext uri="{FF2B5EF4-FFF2-40B4-BE49-F238E27FC236}">
-                <a16:creationId xmlns:a16="http://schemas.microsoft.com/office/drawing/2014/main" id="{3C13B566-32A1-4F99-8EED-A7C6D8475255}"/>
-              </a:ext>
-            </a:extLst>
-          </p:cNvPr>
-          <p:cNvSpPr>
-            <a:spLocks noGrp="1"/>
-          </p:cNvSpPr>
-          <p:nvPr>
-            <p:ph type="title"/>
+                <a16:creationId xmlns:a16="http://schemas.microsoft.com/office/drawing/2014/main" id="{FB291AE7-6B3E-4893-B6DB-3173E79F298B}"/>
+              </a:ext>
+            </a:extLst>
+          </p:cNvPr>
+          <p:cNvSpPr>
+            <a:spLocks noGrp="1"/>
+          </p:cNvSpPr>
+          <p:nvPr>
+            <p:ph type="ctrTitle"/>
           </p:nvPr>
         </p:nvSpPr>
         <p:spPr/>
@@ -6094,19 +7936,7 @@
           <a:p>
             <a:r>
               <a:rPr lang="nl-NL" dirty="0"/>
-              <a:t>Young </a:t>
-            </a:r>
-            <a:r>
-              <a:rPr lang="nl-NL" dirty="0" err="1"/>
-              <a:t>women</a:t>
-            </a:r>
-            <a:r>
-              <a:rPr lang="nl-NL" dirty="0"/>
-              <a:t> vs. Old </a:t>
-            </a:r>
-            <a:r>
-              <a:rPr lang="nl-NL" dirty="0" err="1"/>
-              <a:t>women</a:t>
+              <a:t>COVSCA</a:t>
             </a:r>
             <a:endParaRPr lang="en-GB" dirty="0"/>
           </a:p>
@@ -6114,18 +7944,18 @@
       </p:sp>
       <p:sp>
         <p:nvSpPr>
-          <p:cNvPr id="3" name="Content Placeholder 2">
-            <a:extLst>
-              <a:ext uri="{FF2B5EF4-FFF2-40B4-BE49-F238E27FC236}">
-                <a16:creationId xmlns:a16="http://schemas.microsoft.com/office/drawing/2014/main" id="{EDEE13CB-647F-431B-8362-6AFF0D376216}"/>
-              </a:ext>
-            </a:extLst>
-          </p:cNvPr>
-          <p:cNvSpPr>
-            <a:spLocks noGrp="1"/>
-          </p:cNvSpPr>
-          <p:nvPr>
-            <p:ph idx="1"/>
+          <p:cNvPr id="3" name="Subtitle 2">
+            <a:extLst>
+              <a:ext uri="{FF2B5EF4-FFF2-40B4-BE49-F238E27FC236}">
+                <a16:creationId xmlns:a16="http://schemas.microsoft.com/office/drawing/2014/main" id="{7BEE05D5-A717-444F-BBFF-721E19368E52}"/>
+              </a:ext>
+            </a:extLst>
+          </p:cNvPr>
+          <p:cNvSpPr>
+            <a:spLocks noGrp="1"/>
+          </p:cNvSpPr>
+          <p:nvPr>
+            <p:ph type="subTitle" idx="1"/>
           </p:nvPr>
         </p:nvSpPr>
         <p:spPr/>
@@ -6133,76 +7963,44 @@
           <a:bodyPr/>
           <a:lstStyle/>
           <a:p>
-            <a:endParaRPr lang="en-GB"/>
-          </a:p>
-        </p:txBody>
-      </p:sp>
-      <p:pic>
-        <p:nvPicPr>
-          <p:cNvPr id="6" name="Picture 5">
-            <a:extLst>
-              <a:ext uri="{FF2B5EF4-FFF2-40B4-BE49-F238E27FC236}">
-                <a16:creationId xmlns:a16="http://schemas.microsoft.com/office/drawing/2014/main" id="{48373593-59F0-4501-BE20-F04E4F8C4A0C}"/>
-              </a:ext>
-            </a:extLst>
-          </p:cNvPr>
-          <p:cNvPicPr>
-            <a:picLocks noChangeAspect="1"/>
-          </p:cNvPicPr>
-          <p:nvPr/>
-        </p:nvPicPr>
-        <p:blipFill>
-          <a:blip r:embed="rId2"/>
-          <a:stretch>
-            <a:fillRect/>
-          </a:stretch>
-        </p:blipFill>
-        <p:spPr>
-          <a:xfrm>
-            <a:off x="131161" y="1888380"/>
-            <a:ext cx="5749501" cy="3901063"/>
-          </a:xfrm>
-          <a:prstGeom prst="rect">
-            <a:avLst/>
-          </a:prstGeom>
-        </p:spPr>
-      </p:pic>
-      <p:pic>
-        <p:nvPicPr>
-          <p:cNvPr id="8" name="Picture 7">
-            <a:extLst>
-              <a:ext uri="{FF2B5EF4-FFF2-40B4-BE49-F238E27FC236}">
-                <a16:creationId xmlns:a16="http://schemas.microsoft.com/office/drawing/2014/main" id="{C2E96F3A-7B3A-48B7-872B-B503C95C69DA}"/>
-              </a:ext>
-            </a:extLst>
-          </p:cNvPr>
-          <p:cNvPicPr>
-            <a:picLocks noChangeAspect="1"/>
-          </p:cNvPicPr>
-          <p:nvPr/>
-        </p:nvPicPr>
-        <p:blipFill>
-          <a:blip r:embed="rId3"/>
-          <a:stretch>
-            <a:fillRect/>
-          </a:stretch>
-        </p:blipFill>
-        <p:spPr>
-          <a:xfrm>
-            <a:off x="7843007" y="1138912"/>
-            <a:ext cx="4348993" cy="5400000"/>
-          </a:xfrm>
-          <a:prstGeom prst="rect">
-            <a:avLst/>
-          </a:prstGeom>
-        </p:spPr>
-      </p:pic>
-      <p:sp>
-        <p:nvSpPr>
-          <p:cNvPr id="9" name="Slide Number Placeholder 8">
-            <a:extLst>
-              <a:ext uri="{FF2B5EF4-FFF2-40B4-BE49-F238E27FC236}">
-                <a16:creationId xmlns:a16="http://schemas.microsoft.com/office/drawing/2014/main" id="{BD95D2EF-359F-418A-BA0A-4EF5C5DCAB76}"/>
+            <a:r>
+              <a:rPr lang="nl-NL" dirty="0" err="1"/>
+              <a:t>Only</a:t>
+            </a:r>
+            <a:r>
+              <a:rPr lang="nl-NL" dirty="0"/>
+              <a:t> </a:t>
+            </a:r>
+            <a:r>
+              <a:rPr lang="nl-NL" dirty="0" err="1"/>
+              <a:t>Lipoprotein</a:t>
+            </a:r>
+            <a:r>
+              <a:rPr lang="nl-NL" dirty="0"/>
+              <a:t> </a:t>
+            </a:r>
+            <a:r>
+              <a:rPr lang="nl-NL" dirty="0" err="1"/>
+              <a:t>Main</a:t>
+            </a:r>
+            <a:r>
+              <a:rPr lang="nl-NL" dirty="0"/>
+              <a:t> </a:t>
+            </a:r>
+            <a:r>
+              <a:rPr lang="nl-NL" dirty="0" err="1"/>
+              <a:t>Fractions</a:t>
+            </a:r>
+            <a:endParaRPr lang="en-GB" dirty="0"/>
+          </a:p>
+        </p:txBody>
+      </p:sp>
+      <p:sp>
+        <p:nvSpPr>
+          <p:cNvPr id="4" name="Slide Number Placeholder 3">
+            <a:extLst>
+              <a:ext uri="{FF2B5EF4-FFF2-40B4-BE49-F238E27FC236}">
+                <a16:creationId xmlns:a16="http://schemas.microsoft.com/office/drawing/2014/main" id="{59B0C478-A17C-4FF4-BCFE-3A30DEC53377}"/>
               </a:ext>
             </a:extLst>
           </p:cNvPr>
@@ -6229,7 +8027,7 @@
     </p:spTree>
     <p:extLst>
       <p:ext uri="{BB962C8B-B14F-4D97-AF65-F5344CB8AC3E}">
-        <p14:creationId xmlns:p14="http://schemas.microsoft.com/office/powerpoint/2010/main" val="3408372754"/>
+        <p14:creationId xmlns:p14="http://schemas.microsoft.com/office/powerpoint/2010/main" val="1156986223"/>
       </p:ext>
     </p:extLst>
   </p:cSld>
@@ -6256,147 +8054,6 @@
           <a:chExt cx="0" cy="0"/>
         </a:xfrm>
       </p:grpSpPr>
-      <p:sp>
-        <p:nvSpPr>
-          <p:cNvPr id="2" name="Title 1">
-            <a:extLst>
-              <a:ext uri="{FF2B5EF4-FFF2-40B4-BE49-F238E27FC236}">
-                <a16:creationId xmlns:a16="http://schemas.microsoft.com/office/drawing/2014/main" id="{FB291AE7-6B3E-4893-B6DB-3173E79F298B}"/>
-              </a:ext>
-            </a:extLst>
-          </p:cNvPr>
-          <p:cNvSpPr>
-            <a:spLocks noGrp="1"/>
-          </p:cNvSpPr>
-          <p:nvPr>
-            <p:ph type="ctrTitle"/>
-          </p:nvPr>
-        </p:nvSpPr>
-        <p:spPr/>
-        <p:txBody>
-          <a:bodyPr/>
-          <a:lstStyle/>
-          <a:p>
-            <a:r>
-              <a:rPr lang="nl-NL" dirty="0"/>
-              <a:t>COVSCA</a:t>
-            </a:r>
-            <a:endParaRPr lang="en-GB" dirty="0"/>
-          </a:p>
-        </p:txBody>
-      </p:sp>
-      <p:sp>
-        <p:nvSpPr>
-          <p:cNvPr id="3" name="Subtitle 2">
-            <a:extLst>
-              <a:ext uri="{FF2B5EF4-FFF2-40B4-BE49-F238E27FC236}">
-                <a16:creationId xmlns:a16="http://schemas.microsoft.com/office/drawing/2014/main" id="{7BEE05D5-A717-444F-BBFF-721E19368E52}"/>
-              </a:ext>
-            </a:extLst>
-          </p:cNvPr>
-          <p:cNvSpPr>
-            <a:spLocks noGrp="1"/>
-          </p:cNvSpPr>
-          <p:nvPr>
-            <p:ph type="subTitle" idx="1"/>
-          </p:nvPr>
-        </p:nvSpPr>
-        <p:spPr/>
-        <p:txBody>
-          <a:bodyPr/>
-          <a:lstStyle/>
-          <a:p>
-            <a:r>
-              <a:rPr lang="nl-NL" dirty="0" err="1"/>
-              <a:t>Only</a:t>
-            </a:r>
-            <a:r>
-              <a:rPr lang="nl-NL" dirty="0"/>
-              <a:t> </a:t>
-            </a:r>
-            <a:r>
-              <a:rPr lang="nl-NL" dirty="0" err="1"/>
-              <a:t>Lipoprotein</a:t>
-            </a:r>
-            <a:r>
-              <a:rPr lang="nl-NL" dirty="0"/>
-              <a:t> </a:t>
-            </a:r>
-            <a:r>
-              <a:rPr lang="nl-NL" dirty="0" err="1"/>
-              <a:t>Main</a:t>
-            </a:r>
-            <a:r>
-              <a:rPr lang="nl-NL" dirty="0"/>
-              <a:t> </a:t>
-            </a:r>
-            <a:r>
-              <a:rPr lang="nl-NL" dirty="0" err="1"/>
-              <a:t>Fractions</a:t>
-            </a:r>
-            <a:endParaRPr lang="en-GB" dirty="0"/>
-          </a:p>
-        </p:txBody>
-      </p:sp>
-      <p:sp>
-        <p:nvSpPr>
-          <p:cNvPr id="4" name="Slide Number Placeholder 3">
-            <a:extLst>
-              <a:ext uri="{FF2B5EF4-FFF2-40B4-BE49-F238E27FC236}">
-                <a16:creationId xmlns:a16="http://schemas.microsoft.com/office/drawing/2014/main" id="{59B0C478-A17C-4FF4-BCFE-3A30DEC53377}"/>
-              </a:ext>
-            </a:extLst>
-          </p:cNvPr>
-          <p:cNvSpPr>
-            <a:spLocks noGrp="1"/>
-          </p:cNvSpPr>
-          <p:nvPr>
-            <p:ph type="sldNum" sz="quarter" idx="12"/>
-          </p:nvPr>
-        </p:nvSpPr>
-        <p:spPr/>
-        <p:txBody>
-          <a:bodyPr/>
-          <a:lstStyle/>
-          <a:p>
-            <a:fld id="{47D21762-8E6F-420A-9BE8-C943AA3E7C06}" type="slidenum">
-              <a:rPr lang="en-GB" smtClean="0"/>
-              <a:t>23</a:t>
-            </a:fld>
-            <a:endParaRPr lang="en-GB"/>
-          </a:p>
-        </p:txBody>
-      </p:sp>
-    </p:spTree>
-    <p:extLst>
-      <p:ext uri="{BB962C8B-B14F-4D97-AF65-F5344CB8AC3E}">
-        <p14:creationId xmlns:p14="http://schemas.microsoft.com/office/powerpoint/2010/main" val="1156986223"/>
-      </p:ext>
-    </p:extLst>
-  </p:cSld>
-  <p:clrMapOvr>
-    <a:masterClrMapping/>
-  </p:clrMapOvr>
-</p:sld>
-</file>
-
-<file path=ppt/slides/slide24.xml><?xml version="1.0" encoding="utf-8"?>
-<p:sld xmlns:a="http://schemas.openxmlformats.org/drawingml/2006/main" xmlns:r="http://schemas.openxmlformats.org/officeDocument/2006/relationships" xmlns:p="http://schemas.openxmlformats.org/presentationml/2006/main">
-  <p:cSld>
-    <p:spTree>
-      <p:nvGrpSpPr>
-        <p:cNvPr id="1" name=""/>
-        <p:cNvGrpSpPr/>
-        <p:nvPr/>
-      </p:nvGrpSpPr>
-      <p:grpSpPr>
-        <a:xfrm>
-          <a:off x="0" y="0"/>
-          <a:ext cx="0" cy="0"/>
-          <a:chOff x="0" y="0"/>
-          <a:chExt cx="0" cy="0"/>
-        </a:xfrm>
-      </p:grpSpPr>
       <p:pic>
         <p:nvPicPr>
           <p:cNvPr id="5" name="Picture 4">
@@ -6504,7 +8161,7 @@
           <a:p>
             <a:fld id="{47D21762-8E6F-420A-9BE8-C943AA3E7C06}" type="slidenum">
               <a:rPr lang="en-GB" smtClean="0"/>
-              <a:t>24</a:t>
+              <a:t>23</a:t>
             </a:fld>
             <a:endParaRPr lang="en-GB"/>
           </a:p>
@@ -6585,14 +8242,14 @@
           <p:nvPr>
             <p:extLst>
               <p:ext uri="{D42A27DB-BD31-4B8C-83A1-F6EECF244321}">
-                <p14:modId xmlns:p14="http://schemas.microsoft.com/office/powerpoint/2010/main" val="981871258"/>
+                <p14:modId xmlns:p14="http://schemas.microsoft.com/office/powerpoint/2010/main" val="902261374"/>
               </p:ext>
             </p:extLst>
           </p:nvPr>
         </p:nvGraphicFramePr>
         <p:xfrm>
-          <a:off x="8610600" y="4920742"/>
-          <a:ext cx="1235710" cy="670560"/>
+          <a:off x="8582342" y="4728638"/>
+          <a:ext cx="1399858" cy="1706880"/>
         </p:xfrm>
         <a:graphic>
           <a:graphicData uri="http://schemas.openxmlformats.org/drawingml/2006/table">
@@ -6601,14 +8258,14 @@
                 <a:tableStyleId>{5940675A-B579-460E-94D1-54222C63F5DA}</a:tableStyleId>
               </a:tblPr>
               <a:tblGrid>
-                <a:gridCol w="568325">
+                <a:gridCol w="635635">
                   <a:extLst>
                     <a:ext uri="{9D8B030D-6E8A-4147-A177-3AD203B41FA5}">
                       <a16:colId xmlns:a16="http://schemas.microsoft.com/office/drawing/2014/main" val="3485696975"/>
                     </a:ext>
                   </a:extLst>
                 </a:gridCol>
-                <a:gridCol w="667385">
+                <a:gridCol w="764223">
                   <a:extLst>
                     <a:ext uri="{9D8B030D-6E8A-4147-A177-3AD203B41FA5}">
                       <a16:colId xmlns:a16="http://schemas.microsoft.com/office/drawing/2014/main" val="2285715717"/>
@@ -6623,12 +8280,12 @@
                     <a:lstStyle/>
                     <a:p>
                       <a:r>
-                        <a:rPr lang="en-GB" sz="1100" b="1" dirty="0">
+                        <a:rPr lang="en-GB" sz="1400" b="1" dirty="0">
                           <a:effectLst/>
                         </a:rPr>
                         <a:t>Q</a:t>
                       </a:r>
-                      <a:endParaRPr lang="en-GB" sz="1100" b="1" dirty="0">
+                      <a:endParaRPr lang="en-GB" sz="1400" b="1" dirty="0">
                         <a:effectLst/>
                         <a:latin typeface="Calibri" panose="020F0502020204030204" pitchFamily="34" charset="0"/>
                         <a:ea typeface="Calibri" panose="020F0502020204030204" pitchFamily="34" charset="0"/>
@@ -6644,12 +8301,12 @@
                     <a:lstStyle/>
                     <a:p>
                       <a:r>
-                        <a:rPr lang="en-GB" sz="1100" b="1" dirty="0" err="1">
+                        <a:rPr lang="en-GB" sz="1400" b="1" dirty="0" err="1">
                           <a:effectLst/>
                         </a:rPr>
                         <a:t>Fp</a:t>
                       </a:r>
-                      <a:endParaRPr lang="en-GB" sz="1100" b="1" dirty="0">
+                      <a:endParaRPr lang="en-GB" sz="1400" b="1" dirty="0">
                         <a:effectLst/>
                         <a:latin typeface="Calibri" panose="020F0502020204030204" pitchFamily="34" charset="0"/>
                         <a:ea typeface="Calibri" panose="020F0502020204030204" pitchFamily="34" charset="0"/>
@@ -6672,12 +8329,12 @@
                     <a:lstStyle/>
                     <a:p>
                       <a:r>
-                        <a:rPr lang="en-GB" sz="1100">
+                        <a:rPr lang="en-GB" sz="1400">
                           <a:effectLst/>
                         </a:rPr>
                         <a:t>[1 1]</a:t>
                       </a:r>
-                      <a:endParaRPr lang="en-GB" sz="1100">
+                      <a:endParaRPr lang="en-GB" sz="1400">
                         <a:effectLst/>
                         <a:latin typeface="Calibri" panose="020F0502020204030204" pitchFamily="34" charset="0"/>
                         <a:ea typeface="Calibri" panose="020F0502020204030204" pitchFamily="34" charset="0"/>
@@ -6693,12 +8350,12 @@
                     <a:lstStyle/>
                     <a:p>
                       <a:r>
-                        <a:rPr lang="en-GB" sz="1100" dirty="0">
+                        <a:rPr lang="en-GB" sz="1400" dirty="0">
                           <a:effectLst/>
                         </a:rPr>
                         <a:t>23.5398</a:t>
                       </a:r>
-                      <a:endParaRPr lang="en-GB" sz="1100" dirty="0">
+                      <a:endParaRPr lang="en-GB" sz="1400" dirty="0">
                         <a:effectLst/>
                         <a:latin typeface="Calibri" panose="020F0502020204030204" pitchFamily="34" charset="0"/>
                         <a:ea typeface="Calibri" panose="020F0502020204030204" pitchFamily="34" charset="0"/>
@@ -6721,12 +8378,12 @@
                     <a:lstStyle/>
                     <a:p>
                       <a:r>
-                        <a:rPr lang="en-GB" sz="1100">
+                        <a:rPr lang="en-GB" sz="1400">
                           <a:effectLst/>
                         </a:rPr>
                         <a:t>[1 2]</a:t>
                       </a:r>
-                      <a:endParaRPr lang="en-GB" sz="1100">
+                      <a:endParaRPr lang="en-GB" sz="1400">
                         <a:effectLst/>
                         <a:latin typeface="Calibri" panose="020F0502020204030204" pitchFamily="34" charset="0"/>
                         <a:ea typeface="Calibri" panose="020F0502020204030204" pitchFamily="34" charset="0"/>
@@ -6742,12 +8399,12 @@
                     <a:lstStyle/>
                     <a:p>
                       <a:r>
-                        <a:rPr lang="en-GB" sz="1100">
+                        <a:rPr lang="en-GB" sz="1400">
                           <a:effectLst/>
                         </a:rPr>
                         <a:t>34.9452</a:t>
                       </a:r>
-                      <a:endParaRPr lang="en-GB" sz="1100">
+                      <a:endParaRPr lang="en-GB" sz="1400">
                         <a:effectLst/>
                         <a:latin typeface="Calibri" panose="020F0502020204030204" pitchFamily="34" charset="0"/>
                         <a:ea typeface="Calibri" panose="020F0502020204030204" pitchFamily="34" charset="0"/>
@@ -6770,12 +8427,12 @@
                     <a:lstStyle/>
                     <a:p>
                       <a:r>
-                        <a:rPr lang="en-GB" sz="1100">
+                        <a:rPr lang="en-GB" sz="1400" dirty="0">
                           <a:effectLst/>
                         </a:rPr>
                         <a:t>[2 2]</a:t>
                       </a:r>
-                      <a:endParaRPr lang="en-GB" sz="1100">
+                      <a:endParaRPr lang="en-GB" sz="1400" dirty="0">
                         <a:effectLst/>
                         <a:latin typeface="Calibri" panose="020F0502020204030204" pitchFamily="34" charset="0"/>
                         <a:ea typeface="Calibri" panose="020F0502020204030204" pitchFamily="34" charset="0"/>
@@ -6791,12 +8448,12 @@
                     <a:lstStyle/>
                     <a:p>
                       <a:r>
-                        <a:rPr lang="en-GB" sz="1100" dirty="0">
+                        <a:rPr lang="en-GB" sz="1400" dirty="0">
                           <a:effectLst/>
                         </a:rPr>
                         <a:t>37.7973</a:t>
                       </a:r>
-                      <a:endParaRPr lang="en-GB" sz="1100" dirty="0">
+                      <a:endParaRPr lang="en-GB" sz="1400" dirty="0">
                         <a:effectLst/>
                         <a:latin typeface="Calibri" panose="020F0502020204030204" pitchFamily="34" charset="0"/>
                         <a:ea typeface="Calibri" panose="020F0502020204030204" pitchFamily="34" charset="0"/>
@@ -6809,6 +8466,202 @@
                 <a:extLst>
                   <a:ext uri="{0D108BD9-81ED-4DB2-BD59-A6C34878D82A}">
                     <a16:rowId xmlns:a16="http://schemas.microsoft.com/office/drawing/2014/main" val="2422056678"/>
+                  </a:ext>
+                </a:extLst>
+              </a:tr>
+              <a:tr h="37851">
+                <a:tc>
+                  <a:txBody>
+                    <a:bodyPr/>
+                    <a:lstStyle/>
+                    <a:p>
+                      <a:r>
+                        <a:rPr lang="nl-NL" sz="1400" dirty="0">
+                          <a:effectLst/>
+                          <a:latin typeface="Calibri" panose="020F0502020204030204" pitchFamily="34" charset="0"/>
+                          <a:ea typeface="Calibri" panose="020F0502020204030204" pitchFamily="34" charset="0"/>
+                          <a:cs typeface="Arial" panose="020B0604020202020204" pitchFamily="34" charset="0"/>
+                        </a:rPr>
+                        <a:t>[1 1 1]</a:t>
+                      </a:r>
+                      <a:endParaRPr lang="en-GB" sz="1400" dirty="0">
+                        <a:effectLst/>
+                        <a:latin typeface="Calibri" panose="020F0502020204030204" pitchFamily="34" charset="0"/>
+                        <a:ea typeface="Calibri" panose="020F0502020204030204" pitchFamily="34" charset="0"/>
+                        <a:cs typeface="Arial" panose="020B0604020202020204" pitchFamily="34" charset="0"/>
+                      </a:endParaRPr>
+                    </a:p>
+                  </a:txBody>
+                  <a:tcPr marL="68580" marR="68580" marT="0" marB="0"/>
+                </a:tc>
+                <a:tc>
+                  <a:txBody>
+                    <a:bodyPr/>
+                    <a:lstStyle/>
+                    <a:p>
+                      <a:r>
+                        <a:rPr lang="en-GB" sz="1400" dirty="0">
+                          <a:effectLst/>
+                          <a:latin typeface="Calibri" panose="020F0502020204030204" pitchFamily="34" charset="0"/>
+                          <a:ea typeface="Calibri" panose="020F0502020204030204" pitchFamily="34" charset="0"/>
+                          <a:cs typeface="Arial" panose="020B0604020202020204" pitchFamily="34" charset="0"/>
+                        </a:rPr>
+                        <a:t>33.6757</a:t>
+                      </a:r>
+                    </a:p>
+                  </a:txBody>
+                  <a:tcPr marL="68580" marR="68580" marT="0" marB="0"/>
+                </a:tc>
+                <a:extLst>
+                  <a:ext uri="{0D108BD9-81ED-4DB2-BD59-A6C34878D82A}">
+                    <a16:rowId xmlns:a16="http://schemas.microsoft.com/office/drawing/2014/main" val="688712207"/>
+                  </a:ext>
+                </a:extLst>
+              </a:tr>
+              <a:tr h="0">
+                <a:tc>
+                  <a:txBody>
+                    <a:bodyPr/>
+                    <a:lstStyle/>
+                    <a:p>
+                      <a:r>
+                        <a:rPr lang="nl-NL" sz="1400" dirty="0">
+                          <a:effectLst/>
+                          <a:latin typeface="Calibri" panose="020F0502020204030204" pitchFamily="34" charset="0"/>
+                          <a:ea typeface="Calibri" panose="020F0502020204030204" pitchFamily="34" charset="0"/>
+                          <a:cs typeface="Arial" panose="020B0604020202020204" pitchFamily="34" charset="0"/>
+                        </a:rPr>
+                        <a:t>[2 1 1]</a:t>
+                      </a:r>
+                      <a:endParaRPr lang="en-GB" sz="1400" dirty="0">
+                        <a:effectLst/>
+                        <a:latin typeface="Calibri" panose="020F0502020204030204" pitchFamily="34" charset="0"/>
+                        <a:ea typeface="Calibri" panose="020F0502020204030204" pitchFamily="34" charset="0"/>
+                        <a:cs typeface="Arial" panose="020B0604020202020204" pitchFamily="34" charset="0"/>
+                      </a:endParaRPr>
+                    </a:p>
+                  </a:txBody>
+                  <a:tcPr marL="68580" marR="68580" marT="0" marB="0"/>
+                </a:tc>
+                <a:tc>
+                  <a:txBody>
+                    <a:bodyPr/>
+                    <a:lstStyle/>
+                    <a:p>
+                      <a:r>
+                        <a:rPr lang="en-GB" sz="1400" dirty="0">
+                          <a:effectLst/>
+                          <a:latin typeface="Calibri" panose="020F0502020204030204" pitchFamily="34" charset="0"/>
+                          <a:ea typeface="Calibri" panose="020F0502020204030204" pitchFamily="34" charset="0"/>
+                          <a:cs typeface="Arial" panose="020B0604020202020204" pitchFamily="34" charset="0"/>
+                        </a:rPr>
+                        <a:t>43.5141</a:t>
+                      </a:r>
+                    </a:p>
+                  </a:txBody>
+                  <a:tcPr marL="68580" marR="68580" marT="0" marB="0"/>
+                </a:tc>
+                <a:extLst>
+                  <a:ext uri="{0D108BD9-81ED-4DB2-BD59-A6C34878D82A}">
+                    <a16:rowId xmlns:a16="http://schemas.microsoft.com/office/drawing/2014/main" val="4245762280"/>
+                  </a:ext>
+                </a:extLst>
+              </a:tr>
+              <a:tr h="0">
+                <a:tc>
+                  <a:txBody>
+                    <a:bodyPr/>
+                    <a:lstStyle/>
+                    <a:p>
+                      <a:r>
+                        <a:rPr lang="nl-NL" sz="1400" dirty="0">
+                          <a:effectLst/>
+                          <a:latin typeface="Calibri" panose="020F0502020204030204" pitchFamily="34" charset="0"/>
+                          <a:ea typeface="Calibri" panose="020F0502020204030204" pitchFamily="34" charset="0"/>
+                          <a:cs typeface="Arial" panose="020B0604020202020204" pitchFamily="34" charset="0"/>
+                        </a:rPr>
+                        <a:t>[2 2 1]</a:t>
+                      </a:r>
+                      <a:endParaRPr lang="en-GB" sz="1400" dirty="0">
+                        <a:effectLst/>
+                        <a:latin typeface="Calibri" panose="020F0502020204030204" pitchFamily="34" charset="0"/>
+                        <a:ea typeface="Calibri" panose="020F0502020204030204" pitchFamily="34" charset="0"/>
+                        <a:cs typeface="Arial" panose="020B0604020202020204" pitchFamily="34" charset="0"/>
+                      </a:endParaRPr>
+                    </a:p>
+                  </a:txBody>
+                  <a:tcPr marL="68580" marR="68580" marT="0" marB="0"/>
+                </a:tc>
+                <a:tc>
+                  <a:txBody>
+                    <a:bodyPr/>
+                    <a:lstStyle/>
+                    <a:p>
+                      <a:r>
+                        <a:rPr lang="en-GB" sz="1400" dirty="0">
+                          <a:effectLst/>
+                          <a:latin typeface="Calibri" panose="020F0502020204030204" pitchFamily="34" charset="0"/>
+                          <a:ea typeface="Calibri" panose="020F0502020204030204" pitchFamily="34" charset="0"/>
+                          <a:cs typeface="Arial" panose="020B0604020202020204" pitchFamily="34" charset="0"/>
+                        </a:rPr>
+                        <a:t>44.0263</a:t>
+                      </a:r>
+                    </a:p>
+                  </a:txBody>
+                  <a:tcPr marL="68580" marR="68580" marT="0" marB="0"/>
+                </a:tc>
+                <a:extLst>
+                  <a:ext uri="{0D108BD9-81ED-4DB2-BD59-A6C34878D82A}">
+                    <a16:rowId xmlns:a16="http://schemas.microsoft.com/office/drawing/2014/main" val="897843556"/>
+                  </a:ext>
+                </a:extLst>
+              </a:tr>
+              <a:tr h="0">
+                <a:tc>
+                  <a:txBody>
+                    <a:bodyPr/>
+                    <a:lstStyle/>
+                    <a:p>
+                      <a:r>
+                        <a:rPr lang="nl-NL" sz="1400" dirty="0">
+                          <a:effectLst/>
+                          <a:latin typeface="Calibri" panose="020F0502020204030204" pitchFamily="34" charset="0"/>
+                          <a:ea typeface="Calibri" panose="020F0502020204030204" pitchFamily="34" charset="0"/>
+                          <a:cs typeface="Arial" panose="020B0604020202020204" pitchFamily="34" charset="0"/>
+                        </a:rPr>
+                        <a:t>[2 2 2]</a:t>
+                      </a:r>
+                      <a:endParaRPr lang="en-GB" sz="1400" dirty="0">
+                        <a:effectLst/>
+                        <a:latin typeface="Calibri" panose="020F0502020204030204" pitchFamily="34" charset="0"/>
+                        <a:ea typeface="Calibri" panose="020F0502020204030204" pitchFamily="34" charset="0"/>
+                        <a:cs typeface="Arial" panose="020B0604020202020204" pitchFamily="34" charset="0"/>
+                      </a:endParaRPr>
+                    </a:p>
+                  </a:txBody>
+                  <a:tcPr marL="68580" marR="68580" marT="0" marB="0"/>
+                </a:tc>
+                <a:tc>
+                  <a:txBody>
+                    <a:bodyPr/>
+                    <a:lstStyle/>
+                    <a:p>
+                      <a:r>
+                        <a:rPr lang="en-GB" sz="1400" dirty="0">
+                          <a:effectLst/>
+                          <a:latin typeface="Calibri" panose="020F0502020204030204" pitchFamily="34" charset="0"/>
+                          <a:ea typeface="Calibri" panose="020F0502020204030204" pitchFamily="34" charset="0"/>
+                          <a:cs typeface="Arial" panose="020B0604020202020204" pitchFamily="34" charset="0"/>
+                        </a:rPr>
+                        <a:t>48.0740</a:t>
+                      </a:r>
+                    </a:p>
+                  </a:txBody>
+                  <a:tcPr marL="68580" marR="68580" marT="0" marB="0"/>
+                </a:tc>
+                <a:extLst>
+                  <a:ext uri="{0D108BD9-81ED-4DB2-BD59-A6C34878D82A}">
+                    <a16:rowId xmlns:a16="http://schemas.microsoft.com/office/drawing/2014/main" val="825697372"/>
                   </a:ext>
                 </a:extLst>
               </a:tr>
@@ -6901,6 +8754,147 @@
 </p:sld>
 </file>
 
+<file path=ppt/slides/slide24.xml><?xml version="1.0" encoding="utf-8"?>
+<p:sld xmlns:a="http://schemas.openxmlformats.org/drawingml/2006/main" xmlns:r="http://schemas.openxmlformats.org/officeDocument/2006/relationships" xmlns:p="http://schemas.openxmlformats.org/presentationml/2006/main">
+  <p:cSld>
+    <p:spTree>
+      <p:nvGrpSpPr>
+        <p:cNvPr id="1" name=""/>
+        <p:cNvGrpSpPr/>
+        <p:nvPr/>
+      </p:nvGrpSpPr>
+      <p:grpSpPr>
+        <a:xfrm>
+          <a:off x="0" y="0"/>
+          <a:ext cx="0" cy="0"/>
+          <a:chOff x="0" y="0"/>
+          <a:chExt cx="0" cy="0"/>
+        </a:xfrm>
+      </p:grpSpPr>
+      <p:sp>
+        <p:nvSpPr>
+          <p:cNvPr id="2" name="Title 1">
+            <a:extLst>
+              <a:ext uri="{FF2B5EF4-FFF2-40B4-BE49-F238E27FC236}">
+                <a16:creationId xmlns:a16="http://schemas.microsoft.com/office/drawing/2014/main" id="{38AAAAEA-1171-42A0-B017-85C483456732}"/>
+              </a:ext>
+            </a:extLst>
+          </p:cNvPr>
+          <p:cNvSpPr>
+            <a:spLocks noGrp="1"/>
+          </p:cNvSpPr>
+          <p:nvPr>
+            <p:ph type="ctrTitle"/>
+          </p:nvPr>
+        </p:nvSpPr>
+        <p:spPr/>
+        <p:txBody>
+          <a:bodyPr/>
+          <a:lstStyle/>
+          <a:p>
+            <a:r>
+              <a:rPr lang="nl-NL" dirty="0"/>
+              <a:t>INDSCAL</a:t>
+            </a:r>
+            <a:endParaRPr lang="en-GB" dirty="0"/>
+          </a:p>
+        </p:txBody>
+      </p:sp>
+      <p:sp>
+        <p:nvSpPr>
+          <p:cNvPr id="3" name="Subtitle 2">
+            <a:extLst>
+              <a:ext uri="{FF2B5EF4-FFF2-40B4-BE49-F238E27FC236}">
+                <a16:creationId xmlns:a16="http://schemas.microsoft.com/office/drawing/2014/main" id="{52F2507D-4828-48AF-9702-024D996D8E44}"/>
+              </a:ext>
+            </a:extLst>
+          </p:cNvPr>
+          <p:cNvSpPr>
+            <a:spLocks noGrp="1"/>
+          </p:cNvSpPr>
+          <p:nvPr>
+            <p:ph type="subTitle" idx="1"/>
+          </p:nvPr>
+        </p:nvSpPr>
+        <p:spPr/>
+        <p:txBody>
+          <a:bodyPr/>
+          <a:lstStyle/>
+          <a:p>
+            <a:r>
+              <a:rPr lang="nl-NL" dirty="0" err="1"/>
+              <a:t>Only</a:t>
+            </a:r>
+            <a:r>
+              <a:rPr lang="nl-NL" dirty="0"/>
+              <a:t> </a:t>
+            </a:r>
+            <a:r>
+              <a:rPr lang="nl-NL" dirty="0" err="1"/>
+              <a:t>Lipoprotein</a:t>
+            </a:r>
+            <a:r>
+              <a:rPr lang="nl-NL" dirty="0"/>
+              <a:t> </a:t>
+            </a:r>
+            <a:r>
+              <a:rPr lang="nl-NL" dirty="0" err="1"/>
+              <a:t>Main</a:t>
+            </a:r>
+            <a:r>
+              <a:rPr lang="nl-NL" dirty="0"/>
+              <a:t> </a:t>
+            </a:r>
+            <a:r>
+              <a:rPr lang="nl-NL" dirty="0" err="1"/>
+              <a:t>Fractions</a:t>
+            </a:r>
+            <a:endParaRPr lang="en-GB" dirty="0"/>
+          </a:p>
+        </p:txBody>
+      </p:sp>
+      <p:sp>
+        <p:nvSpPr>
+          <p:cNvPr id="4" name="Slide Number Placeholder 3">
+            <a:extLst>
+              <a:ext uri="{FF2B5EF4-FFF2-40B4-BE49-F238E27FC236}">
+                <a16:creationId xmlns:a16="http://schemas.microsoft.com/office/drawing/2014/main" id="{2B77DC07-79D6-4FFE-9959-50A6796A90DE}"/>
+              </a:ext>
+            </a:extLst>
+          </p:cNvPr>
+          <p:cNvSpPr>
+            <a:spLocks noGrp="1"/>
+          </p:cNvSpPr>
+          <p:nvPr>
+            <p:ph type="sldNum" sz="quarter" idx="12"/>
+          </p:nvPr>
+        </p:nvSpPr>
+        <p:spPr/>
+        <p:txBody>
+          <a:bodyPr/>
+          <a:lstStyle/>
+          <a:p>
+            <a:fld id="{47D21762-8E6F-420A-9BE8-C943AA3E7C06}" type="slidenum">
+              <a:rPr lang="en-GB" smtClean="0"/>
+              <a:t>24</a:t>
+            </a:fld>
+            <a:endParaRPr lang="en-GB"/>
+          </a:p>
+        </p:txBody>
+      </p:sp>
+    </p:spTree>
+    <p:extLst>
+      <p:ext uri="{BB962C8B-B14F-4D97-AF65-F5344CB8AC3E}">
+        <p14:creationId xmlns:p14="http://schemas.microsoft.com/office/powerpoint/2010/main" val="4136088680"/>
+      </p:ext>
+    </p:extLst>
+  </p:cSld>
+  <p:clrMapOvr>
+    <a:masterClrMapping/>
+  </p:clrMapOvr>
+</p:sld>
+</file>
+
 <file path=ppt/slides/slide25.xml><?xml version="1.0" encoding="utf-8"?>
 <p:sld xmlns:a="http://schemas.openxmlformats.org/drawingml/2006/main" xmlns:r="http://schemas.openxmlformats.org/officeDocument/2006/relationships" xmlns:p="http://schemas.openxmlformats.org/presentationml/2006/main">
   <p:cSld>
@@ -6923,15 +8917,15 @@
           <p:cNvPr id="2" name="Title 1">
             <a:extLst>
               <a:ext uri="{FF2B5EF4-FFF2-40B4-BE49-F238E27FC236}">
-                <a16:creationId xmlns:a16="http://schemas.microsoft.com/office/drawing/2014/main" id="{38AAAAEA-1171-42A0-B017-85C483456732}"/>
-              </a:ext>
-            </a:extLst>
-          </p:cNvPr>
-          <p:cNvSpPr>
-            <a:spLocks noGrp="1"/>
-          </p:cNvSpPr>
-          <p:nvPr>
-            <p:ph type="ctrTitle"/>
+                <a16:creationId xmlns:a16="http://schemas.microsoft.com/office/drawing/2014/main" id="{A48B4AE2-D07E-4F59-9C6A-883B6270C334}"/>
+              </a:ext>
+            </a:extLst>
+          </p:cNvPr>
+          <p:cNvSpPr>
+            <a:spLocks noGrp="1"/>
+          </p:cNvSpPr>
+          <p:nvPr>
+            <p:ph type="title"/>
           </p:nvPr>
         </p:nvSpPr>
         <p:spPr/>
@@ -6939,28 +8933,24 @@
           <a:bodyPr/>
           <a:lstStyle/>
           <a:p>
-            <a:r>
-              <a:rPr lang="nl-NL" dirty="0"/>
-              <a:t>INDSCAL</a:t>
-            </a:r>
-            <a:endParaRPr lang="en-GB" dirty="0"/>
-          </a:p>
-        </p:txBody>
-      </p:sp>
-      <p:sp>
-        <p:nvSpPr>
-          <p:cNvPr id="3" name="Subtitle 2">
-            <a:extLst>
-              <a:ext uri="{FF2B5EF4-FFF2-40B4-BE49-F238E27FC236}">
-                <a16:creationId xmlns:a16="http://schemas.microsoft.com/office/drawing/2014/main" id="{52F2507D-4828-48AF-9702-024D996D8E44}"/>
-              </a:ext>
-            </a:extLst>
-          </p:cNvPr>
-          <p:cNvSpPr>
-            <a:spLocks noGrp="1"/>
-          </p:cNvSpPr>
-          <p:nvPr>
-            <p:ph type="subTitle" idx="1"/>
+            <a:endParaRPr lang="en-GB"/>
+          </a:p>
+        </p:txBody>
+      </p:sp>
+      <p:sp>
+        <p:nvSpPr>
+          <p:cNvPr id="3" name="Content Placeholder 2">
+            <a:extLst>
+              <a:ext uri="{FF2B5EF4-FFF2-40B4-BE49-F238E27FC236}">
+                <a16:creationId xmlns:a16="http://schemas.microsoft.com/office/drawing/2014/main" id="{94D83928-87D6-4196-A9B1-5EFA01DEC154}"/>
+              </a:ext>
+            </a:extLst>
+          </p:cNvPr>
+          <p:cNvSpPr>
+            <a:spLocks noGrp="1"/>
+          </p:cNvSpPr>
+          <p:nvPr>
+            <p:ph idx="1"/>
           </p:nvPr>
         </p:nvSpPr>
         <p:spPr/>
@@ -6968,35 +8958,7 @@
           <a:bodyPr/>
           <a:lstStyle/>
           <a:p>
-            <a:r>
-              <a:rPr lang="nl-NL" dirty="0" err="1"/>
-              <a:t>Only</a:t>
-            </a:r>
-            <a:r>
-              <a:rPr lang="nl-NL" dirty="0"/>
-              <a:t> </a:t>
-            </a:r>
-            <a:r>
-              <a:rPr lang="nl-NL" dirty="0" err="1"/>
-              <a:t>Lipoprotein</a:t>
-            </a:r>
-            <a:r>
-              <a:rPr lang="nl-NL" dirty="0"/>
-              <a:t> </a:t>
-            </a:r>
-            <a:r>
-              <a:rPr lang="nl-NL" dirty="0" err="1"/>
-              <a:t>Main</a:t>
-            </a:r>
-            <a:r>
-              <a:rPr lang="nl-NL" dirty="0"/>
-              <a:t> </a:t>
-            </a:r>
-            <a:r>
-              <a:rPr lang="nl-NL" dirty="0" err="1"/>
-              <a:t>Fractions</a:t>
-            </a:r>
-            <a:endParaRPr lang="en-GB" dirty="0"/>
+            <a:endParaRPr lang="en-GB"/>
           </a:p>
         </p:txBody>
       </p:sp>
@@ -7005,7 +8967,7 @@
           <p:cNvPr id="4" name="Slide Number Placeholder 3">
             <a:extLst>
               <a:ext uri="{FF2B5EF4-FFF2-40B4-BE49-F238E27FC236}">
-                <a16:creationId xmlns:a16="http://schemas.microsoft.com/office/drawing/2014/main" id="{2B77DC07-79D6-4FFE-9959-50A6796A90DE}"/>
+                <a16:creationId xmlns:a16="http://schemas.microsoft.com/office/drawing/2014/main" id="{BEAF06C5-9E0C-499B-8829-6D8A77D4D875}"/>
               </a:ext>
             </a:extLst>
           </p:cNvPr>
@@ -7032,7 +8994,7 @@
     </p:spTree>
     <p:extLst>
       <p:ext uri="{BB962C8B-B14F-4D97-AF65-F5344CB8AC3E}">
-        <p14:creationId xmlns:p14="http://schemas.microsoft.com/office/powerpoint/2010/main" val="4136088680"/>
+        <p14:creationId xmlns:p14="http://schemas.microsoft.com/office/powerpoint/2010/main" val="2752648642"/>
       </p:ext>
     </p:extLst>
   </p:cSld>
@@ -7064,7 +9026,7 @@
           <p:cNvPr id="2" name="Title 1">
             <a:extLst>
               <a:ext uri="{FF2B5EF4-FFF2-40B4-BE49-F238E27FC236}">
-                <a16:creationId xmlns:a16="http://schemas.microsoft.com/office/drawing/2014/main" id="{A48B4AE2-D07E-4F59-9C6A-883B6270C334}"/>
+                <a16:creationId xmlns:a16="http://schemas.microsoft.com/office/drawing/2014/main" id="{E680A995-66C8-4325-BCB9-84DE172B734B}"/>
               </a:ext>
             </a:extLst>
           </p:cNvPr>
@@ -7075,46 +9037,1299 @@
             <p:ph type="title"/>
           </p:nvPr>
         </p:nvSpPr>
-        <p:spPr/>
-        <p:txBody>
-          <a:bodyPr/>
+        <p:spPr>
+          <a:xfrm>
+            <a:off x="838200" y="540940"/>
+            <a:ext cx="10515600" cy="1325563"/>
+          </a:xfrm>
+        </p:spPr>
+        <p:txBody>
+          <a:bodyPr>
+            <a:normAutofit fontScale="90000"/>
+          </a:bodyPr>
           <a:lstStyle/>
           <a:p>
-            <a:endParaRPr lang="en-GB"/>
-          </a:p>
-        </p:txBody>
-      </p:sp>
-      <p:sp>
-        <p:nvSpPr>
-          <p:cNvPr id="3" name="Content Placeholder 2">
-            <a:extLst>
-              <a:ext uri="{FF2B5EF4-FFF2-40B4-BE49-F238E27FC236}">
-                <a16:creationId xmlns:a16="http://schemas.microsoft.com/office/drawing/2014/main" id="{94D83928-87D6-4196-A9B1-5EFA01DEC154}"/>
-              </a:ext>
-            </a:extLst>
-          </p:cNvPr>
-          <p:cNvSpPr>
-            <a:spLocks noGrp="1"/>
-          </p:cNvSpPr>
+            <a:r>
+              <a:rPr lang="en-GB" dirty="0">
+                <a:effectLst/>
+                <a:latin typeface="Calibri" panose="020F0502020204030204" pitchFamily="34" charset="0"/>
+                <a:ea typeface="Calibri" panose="020F0502020204030204" pitchFamily="34" charset="0"/>
+                <a:cs typeface="Calibri" panose="020F0502020204030204" pitchFamily="34" charset="0"/>
+              </a:rPr>
+              <a:t>Effect of multiple testing correction and p-value threshold on the number of significant lipids (young women vs. old women)</a:t>
+            </a:r>
+            <a:br>
+              <a:rPr lang="en-GB" sz="1800" i="1" dirty="0">
+                <a:solidFill>
+                  <a:srgbClr val="44546A"/>
+                </a:solidFill>
+                <a:effectLst/>
+                <a:latin typeface="Calibri" panose="020F0502020204030204" pitchFamily="34" charset="0"/>
+                <a:ea typeface="Calibri" panose="020F0502020204030204" pitchFamily="34" charset="0"/>
+                <a:cs typeface="Calibri" panose="020F0502020204030204" pitchFamily="34" charset="0"/>
+              </a:rPr>
+            </a:br>
+            <a:endParaRPr lang="en-GB" dirty="0">
+              <a:latin typeface="Calibri" panose="020F0502020204030204" pitchFamily="34" charset="0"/>
+              <a:cs typeface="Calibri" panose="020F0502020204030204" pitchFamily="34" charset="0"/>
+            </a:endParaRPr>
+          </a:p>
+        </p:txBody>
+      </p:sp>
+      <p:graphicFrame>
+        <p:nvGraphicFramePr>
+          <p:cNvPr id="5" name="Content Placeholder 4">
+            <a:extLst>
+              <a:ext uri="{FF2B5EF4-FFF2-40B4-BE49-F238E27FC236}">
+                <a16:creationId xmlns:a16="http://schemas.microsoft.com/office/drawing/2014/main" id="{7903627D-9478-4B62-AD04-E5C156C036DD}"/>
+              </a:ext>
+            </a:extLst>
+          </p:cNvPr>
+          <p:cNvGraphicFramePr>
+            <a:graphicFrameLocks noGrp="1"/>
+          </p:cNvGraphicFramePr>
           <p:nvPr>
             <p:ph idx="1"/>
-          </p:nvPr>
-        </p:nvSpPr>
-        <p:spPr/>
-        <p:txBody>
-          <a:bodyPr/>
-          <a:lstStyle/>
-          <a:p>
-            <a:endParaRPr lang="en-GB"/>
-          </a:p>
-        </p:txBody>
-      </p:sp>
+            <p:extLst>
+              <p:ext uri="{D42A27DB-BD31-4B8C-83A1-F6EECF244321}">
+                <p14:modId xmlns:p14="http://schemas.microsoft.com/office/powerpoint/2010/main" val="2985754059"/>
+              </p:ext>
+            </p:extLst>
+          </p:nvPr>
+        </p:nvGraphicFramePr>
+        <p:xfrm>
+          <a:off x="1217072" y="2042319"/>
+          <a:ext cx="9757855" cy="3962400"/>
+        </p:xfrm>
+        <a:graphic>
+          <a:graphicData uri="http://schemas.openxmlformats.org/drawingml/2006/table">
+            <a:tbl>
+              <a:tblPr firstRow="1" firstCol="1" bandRow="1">
+                <a:tableStyleId>{5940675A-B579-460E-94D1-54222C63F5DA}</a:tableStyleId>
+              </a:tblPr>
+              <a:tblGrid>
+                <a:gridCol w="2945511">
+                  <a:extLst>
+                    <a:ext uri="{9D8B030D-6E8A-4147-A177-3AD203B41FA5}">
+                      <a16:colId xmlns:a16="http://schemas.microsoft.com/office/drawing/2014/main" val="183821811"/>
+                    </a:ext>
+                  </a:extLst>
+                </a:gridCol>
+                <a:gridCol w="1788668">
+                  <a:extLst>
+                    <a:ext uri="{9D8B030D-6E8A-4147-A177-3AD203B41FA5}">
+                      <a16:colId xmlns:a16="http://schemas.microsoft.com/office/drawing/2014/main" val="556382519"/>
+                    </a:ext>
+                  </a:extLst>
+                </a:gridCol>
+                <a:gridCol w="2003298">
+                  <a:extLst>
+                    <a:ext uri="{9D8B030D-6E8A-4147-A177-3AD203B41FA5}">
+                      <a16:colId xmlns:a16="http://schemas.microsoft.com/office/drawing/2014/main" val="1224058300"/>
+                    </a:ext>
+                  </a:extLst>
+                </a:gridCol>
+                <a:gridCol w="3020378">
+                  <a:extLst>
+                    <a:ext uri="{9D8B030D-6E8A-4147-A177-3AD203B41FA5}">
+                      <a16:colId xmlns:a16="http://schemas.microsoft.com/office/drawing/2014/main" val="2227892381"/>
+                    </a:ext>
+                  </a:extLst>
+                </a:gridCol>
+              </a:tblGrid>
+              <a:tr h="0">
+                <a:tc>
+                  <a:txBody>
+                    <a:bodyPr/>
+                    <a:lstStyle/>
+                    <a:p>
+                      <a:r>
+                        <a:rPr lang="en-GB" sz="2000" dirty="0">
+                          <a:effectLst/>
+                        </a:rPr>
+                        <a:t>Multiple testing correction</a:t>
+                      </a:r>
+                      <a:endParaRPr lang="en-GB" sz="2000" dirty="0">
+                        <a:effectLst/>
+                        <a:latin typeface="Calibri" panose="020F0502020204030204" pitchFamily="34" charset="0"/>
+                        <a:ea typeface="Calibri" panose="020F0502020204030204" pitchFamily="34" charset="0"/>
+                        <a:cs typeface="Arial" panose="020B0604020202020204" pitchFamily="34" charset="0"/>
+                      </a:endParaRPr>
+                    </a:p>
+                  </a:txBody>
+                  <a:tcPr marL="68580" marR="68580" marT="0" marB="0"/>
+                </a:tc>
+                <a:tc>
+                  <a:txBody>
+                    <a:bodyPr/>
+                    <a:lstStyle/>
+                    <a:p>
+                      <a:r>
+                        <a:rPr lang="en-GB" sz="2000">
+                          <a:effectLst/>
+                        </a:rPr>
+                        <a:t>Prob. threshold</a:t>
+                      </a:r>
+                      <a:endParaRPr lang="en-GB" sz="2000">
+                        <a:effectLst/>
+                        <a:latin typeface="Calibri" panose="020F0502020204030204" pitchFamily="34" charset="0"/>
+                        <a:ea typeface="Calibri" panose="020F0502020204030204" pitchFamily="34" charset="0"/>
+                        <a:cs typeface="Arial" panose="020B0604020202020204" pitchFamily="34" charset="0"/>
+                      </a:endParaRPr>
+                    </a:p>
+                  </a:txBody>
+                  <a:tcPr marL="68580" marR="68580" marT="0" marB="0"/>
+                </a:tc>
+                <a:tc>
+                  <a:txBody>
+                    <a:bodyPr/>
+                    <a:lstStyle/>
+                    <a:p>
+                      <a:r>
+                        <a:rPr lang="en-GB" sz="2000">
+                          <a:effectLst/>
+                        </a:rPr>
+                        <a:t>P-value threshold</a:t>
+                      </a:r>
+                      <a:endParaRPr lang="en-GB" sz="2000">
+                        <a:effectLst/>
+                        <a:latin typeface="Calibri" panose="020F0502020204030204" pitchFamily="34" charset="0"/>
+                        <a:ea typeface="Calibri" panose="020F0502020204030204" pitchFamily="34" charset="0"/>
+                        <a:cs typeface="Arial" panose="020B0604020202020204" pitchFamily="34" charset="0"/>
+                      </a:endParaRPr>
+                    </a:p>
+                  </a:txBody>
+                  <a:tcPr marL="68580" marR="68580" marT="0" marB="0"/>
+                </a:tc>
+                <a:tc>
+                  <a:txBody>
+                    <a:bodyPr/>
+                    <a:lstStyle/>
+                    <a:p>
+                      <a:r>
+                        <a:rPr lang="en-GB" sz="2000" dirty="0">
+                          <a:effectLst/>
+                        </a:rPr>
+                        <a:t>Number of significant lipids</a:t>
+                      </a:r>
+                      <a:endParaRPr lang="en-GB" sz="2000" dirty="0">
+                        <a:effectLst/>
+                        <a:latin typeface="Calibri" panose="020F0502020204030204" pitchFamily="34" charset="0"/>
+                        <a:ea typeface="Calibri" panose="020F0502020204030204" pitchFamily="34" charset="0"/>
+                        <a:cs typeface="Arial" panose="020B0604020202020204" pitchFamily="34" charset="0"/>
+                      </a:endParaRPr>
+                    </a:p>
+                  </a:txBody>
+                  <a:tcPr marL="68580" marR="68580" marT="0" marB="0"/>
+                </a:tc>
+                <a:extLst>
+                  <a:ext uri="{0D108BD9-81ED-4DB2-BD59-A6C34878D82A}">
+                    <a16:rowId xmlns:a16="http://schemas.microsoft.com/office/drawing/2014/main" val="3875158278"/>
+                  </a:ext>
+                </a:extLst>
+              </a:tr>
+              <a:tr h="0">
+                <a:tc>
+                  <a:txBody>
+                    <a:bodyPr/>
+                    <a:lstStyle/>
+                    <a:p>
+                      <a:r>
+                        <a:rPr lang="en-GB" sz="2000">
+                          <a:effectLst/>
+                        </a:rPr>
+                        <a:t>BH</a:t>
+                      </a:r>
+                      <a:endParaRPr lang="en-GB" sz="2000">
+                        <a:effectLst/>
+                        <a:latin typeface="Calibri" panose="020F0502020204030204" pitchFamily="34" charset="0"/>
+                        <a:ea typeface="Calibri" panose="020F0502020204030204" pitchFamily="34" charset="0"/>
+                        <a:cs typeface="Arial" panose="020B0604020202020204" pitchFamily="34" charset="0"/>
+                      </a:endParaRPr>
+                    </a:p>
+                  </a:txBody>
+                  <a:tcPr marL="68580" marR="68580" marT="0" marB="0"/>
+                </a:tc>
+                <a:tc>
+                  <a:txBody>
+                    <a:bodyPr/>
+                    <a:lstStyle/>
+                    <a:p>
+                      <a:r>
+                        <a:rPr lang="en-GB" sz="2000">
+                          <a:effectLst/>
+                        </a:rPr>
+                        <a:t>0.95</a:t>
+                      </a:r>
+                      <a:endParaRPr lang="en-GB" sz="2000">
+                        <a:effectLst/>
+                        <a:latin typeface="Calibri" panose="020F0502020204030204" pitchFamily="34" charset="0"/>
+                        <a:ea typeface="Calibri" panose="020F0502020204030204" pitchFamily="34" charset="0"/>
+                        <a:cs typeface="Arial" panose="020B0604020202020204" pitchFamily="34" charset="0"/>
+                      </a:endParaRPr>
+                    </a:p>
+                  </a:txBody>
+                  <a:tcPr marL="68580" marR="68580" marT="0" marB="0"/>
+                </a:tc>
+                <a:tc>
+                  <a:txBody>
+                    <a:bodyPr/>
+                    <a:lstStyle/>
+                    <a:p>
+                      <a:r>
+                        <a:rPr lang="en-GB" sz="2000">
+                          <a:effectLst/>
+                        </a:rPr>
+                        <a:t>0.01</a:t>
+                      </a:r>
+                      <a:endParaRPr lang="en-GB" sz="2000">
+                        <a:effectLst/>
+                        <a:latin typeface="Calibri" panose="020F0502020204030204" pitchFamily="34" charset="0"/>
+                        <a:ea typeface="Calibri" panose="020F0502020204030204" pitchFamily="34" charset="0"/>
+                        <a:cs typeface="Arial" panose="020B0604020202020204" pitchFamily="34" charset="0"/>
+                      </a:endParaRPr>
+                    </a:p>
+                  </a:txBody>
+                  <a:tcPr marL="68580" marR="68580" marT="0" marB="0"/>
+                </a:tc>
+                <a:tc>
+                  <a:txBody>
+                    <a:bodyPr/>
+                    <a:lstStyle/>
+                    <a:p>
+                      <a:r>
+                        <a:rPr lang="en-GB" sz="2000">
+                          <a:effectLst/>
+                        </a:rPr>
+                        <a:t>17/21</a:t>
+                      </a:r>
+                      <a:endParaRPr lang="en-GB" sz="2000">
+                        <a:effectLst/>
+                        <a:latin typeface="Calibri" panose="020F0502020204030204" pitchFamily="34" charset="0"/>
+                        <a:ea typeface="Calibri" panose="020F0502020204030204" pitchFamily="34" charset="0"/>
+                        <a:cs typeface="Arial" panose="020B0604020202020204" pitchFamily="34" charset="0"/>
+                      </a:endParaRPr>
+                    </a:p>
+                  </a:txBody>
+                  <a:tcPr marL="68580" marR="68580" marT="0" marB="0"/>
+                </a:tc>
+                <a:extLst>
+                  <a:ext uri="{0D108BD9-81ED-4DB2-BD59-A6C34878D82A}">
+                    <a16:rowId xmlns:a16="http://schemas.microsoft.com/office/drawing/2014/main" val="1853633270"/>
+                  </a:ext>
+                </a:extLst>
+              </a:tr>
+              <a:tr h="0">
+                <a:tc>
+                  <a:txBody>
+                    <a:bodyPr/>
+                    <a:lstStyle/>
+                    <a:p>
+                      <a:r>
+                        <a:rPr lang="en-GB" sz="2000">
+                          <a:effectLst/>
+                        </a:rPr>
+                        <a:t>BH</a:t>
+                      </a:r>
+                      <a:endParaRPr lang="en-GB" sz="2000">
+                        <a:effectLst/>
+                        <a:latin typeface="Calibri" panose="020F0502020204030204" pitchFamily="34" charset="0"/>
+                        <a:ea typeface="Calibri" panose="020F0502020204030204" pitchFamily="34" charset="0"/>
+                        <a:cs typeface="Arial" panose="020B0604020202020204" pitchFamily="34" charset="0"/>
+                      </a:endParaRPr>
+                    </a:p>
+                  </a:txBody>
+                  <a:tcPr marL="68580" marR="68580" marT="0" marB="0"/>
+                </a:tc>
+                <a:tc>
+                  <a:txBody>
+                    <a:bodyPr/>
+                    <a:lstStyle/>
+                    <a:p>
+                      <a:r>
+                        <a:rPr lang="en-GB" sz="2000">
+                          <a:effectLst/>
+                        </a:rPr>
+                        <a:t>0.95</a:t>
+                      </a:r>
+                      <a:endParaRPr lang="en-GB" sz="2000">
+                        <a:effectLst/>
+                        <a:latin typeface="Calibri" panose="020F0502020204030204" pitchFamily="34" charset="0"/>
+                        <a:ea typeface="Calibri" panose="020F0502020204030204" pitchFamily="34" charset="0"/>
+                        <a:cs typeface="Arial" panose="020B0604020202020204" pitchFamily="34" charset="0"/>
+                      </a:endParaRPr>
+                    </a:p>
+                  </a:txBody>
+                  <a:tcPr marL="68580" marR="68580" marT="0" marB="0"/>
+                </a:tc>
+                <a:tc>
+                  <a:txBody>
+                    <a:bodyPr/>
+                    <a:lstStyle/>
+                    <a:p>
+                      <a:r>
+                        <a:rPr lang="en-GB" sz="2000">
+                          <a:effectLst/>
+                        </a:rPr>
+                        <a:t>0.025</a:t>
+                      </a:r>
+                      <a:endParaRPr lang="en-GB" sz="2000">
+                        <a:effectLst/>
+                        <a:latin typeface="Calibri" panose="020F0502020204030204" pitchFamily="34" charset="0"/>
+                        <a:ea typeface="Calibri" panose="020F0502020204030204" pitchFamily="34" charset="0"/>
+                        <a:cs typeface="Arial" panose="020B0604020202020204" pitchFamily="34" charset="0"/>
+                      </a:endParaRPr>
+                    </a:p>
+                  </a:txBody>
+                  <a:tcPr marL="68580" marR="68580" marT="0" marB="0"/>
+                </a:tc>
+                <a:tc>
+                  <a:txBody>
+                    <a:bodyPr/>
+                    <a:lstStyle/>
+                    <a:p>
+                      <a:r>
+                        <a:rPr lang="en-GB" sz="2000">
+                          <a:effectLst/>
+                        </a:rPr>
+                        <a:t>16/21</a:t>
+                      </a:r>
+                      <a:endParaRPr lang="en-GB" sz="2000">
+                        <a:effectLst/>
+                        <a:latin typeface="Calibri" panose="020F0502020204030204" pitchFamily="34" charset="0"/>
+                        <a:ea typeface="Calibri" panose="020F0502020204030204" pitchFamily="34" charset="0"/>
+                        <a:cs typeface="Arial" panose="020B0604020202020204" pitchFamily="34" charset="0"/>
+                      </a:endParaRPr>
+                    </a:p>
+                  </a:txBody>
+                  <a:tcPr marL="68580" marR="68580" marT="0" marB="0"/>
+                </a:tc>
+                <a:extLst>
+                  <a:ext uri="{0D108BD9-81ED-4DB2-BD59-A6C34878D82A}">
+                    <a16:rowId xmlns:a16="http://schemas.microsoft.com/office/drawing/2014/main" val="3439510808"/>
+                  </a:ext>
+                </a:extLst>
+              </a:tr>
+              <a:tr h="0">
+                <a:tc>
+                  <a:txBody>
+                    <a:bodyPr/>
+                    <a:lstStyle/>
+                    <a:p>
+                      <a:r>
+                        <a:rPr lang="en-GB" sz="2000">
+                          <a:effectLst/>
+                        </a:rPr>
+                        <a:t>BH</a:t>
+                      </a:r>
+                      <a:endParaRPr lang="en-GB" sz="2000">
+                        <a:effectLst/>
+                        <a:latin typeface="Calibri" panose="020F0502020204030204" pitchFamily="34" charset="0"/>
+                        <a:ea typeface="Calibri" panose="020F0502020204030204" pitchFamily="34" charset="0"/>
+                        <a:cs typeface="Arial" panose="020B0604020202020204" pitchFamily="34" charset="0"/>
+                      </a:endParaRPr>
+                    </a:p>
+                  </a:txBody>
+                  <a:tcPr marL="68580" marR="68580" marT="0" marB="0"/>
+                </a:tc>
+                <a:tc>
+                  <a:txBody>
+                    <a:bodyPr/>
+                    <a:lstStyle/>
+                    <a:p>
+                      <a:r>
+                        <a:rPr lang="en-GB" sz="2000">
+                          <a:effectLst/>
+                        </a:rPr>
+                        <a:t>0.95</a:t>
+                      </a:r>
+                      <a:endParaRPr lang="en-GB" sz="2000">
+                        <a:effectLst/>
+                        <a:latin typeface="Calibri" panose="020F0502020204030204" pitchFamily="34" charset="0"/>
+                        <a:ea typeface="Calibri" panose="020F0502020204030204" pitchFamily="34" charset="0"/>
+                        <a:cs typeface="Arial" panose="020B0604020202020204" pitchFamily="34" charset="0"/>
+                      </a:endParaRPr>
+                    </a:p>
+                  </a:txBody>
+                  <a:tcPr marL="68580" marR="68580" marT="0" marB="0"/>
+                </a:tc>
+                <a:tc>
+                  <a:txBody>
+                    <a:bodyPr/>
+                    <a:lstStyle/>
+                    <a:p>
+                      <a:r>
+                        <a:rPr lang="en-GB" sz="2000">
+                          <a:effectLst/>
+                        </a:rPr>
+                        <a:t>0.05</a:t>
+                      </a:r>
+                      <a:endParaRPr lang="en-GB" sz="2000">
+                        <a:effectLst/>
+                        <a:latin typeface="Calibri" panose="020F0502020204030204" pitchFamily="34" charset="0"/>
+                        <a:ea typeface="Calibri" panose="020F0502020204030204" pitchFamily="34" charset="0"/>
+                        <a:cs typeface="Arial" panose="020B0604020202020204" pitchFamily="34" charset="0"/>
+                      </a:endParaRPr>
+                    </a:p>
+                  </a:txBody>
+                  <a:tcPr marL="68580" marR="68580" marT="0" marB="0"/>
+                </a:tc>
+                <a:tc>
+                  <a:txBody>
+                    <a:bodyPr/>
+                    <a:lstStyle/>
+                    <a:p>
+                      <a:r>
+                        <a:rPr lang="en-GB" sz="2000">
+                          <a:effectLst/>
+                        </a:rPr>
+                        <a:t>19/21</a:t>
+                      </a:r>
+                      <a:endParaRPr lang="en-GB" sz="2000">
+                        <a:effectLst/>
+                        <a:latin typeface="Calibri" panose="020F0502020204030204" pitchFamily="34" charset="0"/>
+                        <a:ea typeface="Calibri" panose="020F0502020204030204" pitchFamily="34" charset="0"/>
+                        <a:cs typeface="Arial" panose="020B0604020202020204" pitchFamily="34" charset="0"/>
+                      </a:endParaRPr>
+                    </a:p>
+                  </a:txBody>
+                  <a:tcPr marL="68580" marR="68580" marT="0" marB="0"/>
+                </a:tc>
+                <a:extLst>
+                  <a:ext uri="{0D108BD9-81ED-4DB2-BD59-A6C34878D82A}">
+                    <a16:rowId xmlns:a16="http://schemas.microsoft.com/office/drawing/2014/main" val="588589175"/>
+                  </a:ext>
+                </a:extLst>
+              </a:tr>
+              <a:tr h="0">
+                <a:tc>
+                  <a:txBody>
+                    <a:bodyPr/>
+                    <a:lstStyle/>
+                    <a:p>
+                      <a:r>
+                        <a:rPr lang="en-GB" sz="2000">
+                          <a:effectLst/>
+                        </a:rPr>
+                        <a:t>BH</a:t>
+                      </a:r>
+                      <a:endParaRPr lang="en-GB" sz="2000">
+                        <a:effectLst/>
+                        <a:latin typeface="Calibri" panose="020F0502020204030204" pitchFamily="34" charset="0"/>
+                        <a:ea typeface="Calibri" panose="020F0502020204030204" pitchFamily="34" charset="0"/>
+                        <a:cs typeface="Arial" panose="020B0604020202020204" pitchFamily="34" charset="0"/>
+                      </a:endParaRPr>
+                    </a:p>
+                  </a:txBody>
+                  <a:tcPr marL="68580" marR="68580" marT="0" marB="0"/>
+                </a:tc>
+                <a:tc>
+                  <a:txBody>
+                    <a:bodyPr/>
+                    <a:lstStyle/>
+                    <a:p>
+                      <a:r>
+                        <a:rPr lang="en-GB" sz="2000">
+                          <a:effectLst/>
+                        </a:rPr>
+                        <a:t>0.99</a:t>
+                      </a:r>
+                      <a:endParaRPr lang="en-GB" sz="2000">
+                        <a:effectLst/>
+                        <a:latin typeface="Calibri" panose="020F0502020204030204" pitchFamily="34" charset="0"/>
+                        <a:ea typeface="Calibri" panose="020F0502020204030204" pitchFamily="34" charset="0"/>
+                        <a:cs typeface="Arial" panose="020B0604020202020204" pitchFamily="34" charset="0"/>
+                      </a:endParaRPr>
+                    </a:p>
+                  </a:txBody>
+                  <a:tcPr marL="68580" marR="68580" marT="0" marB="0"/>
+                </a:tc>
+                <a:tc>
+                  <a:txBody>
+                    <a:bodyPr/>
+                    <a:lstStyle/>
+                    <a:p>
+                      <a:r>
+                        <a:rPr lang="en-GB" sz="2000">
+                          <a:effectLst/>
+                        </a:rPr>
+                        <a:t>0.01</a:t>
+                      </a:r>
+                      <a:endParaRPr lang="en-GB" sz="2000">
+                        <a:effectLst/>
+                        <a:latin typeface="Calibri" panose="020F0502020204030204" pitchFamily="34" charset="0"/>
+                        <a:ea typeface="Calibri" panose="020F0502020204030204" pitchFamily="34" charset="0"/>
+                        <a:cs typeface="Arial" panose="020B0604020202020204" pitchFamily="34" charset="0"/>
+                      </a:endParaRPr>
+                    </a:p>
+                  </a:txBody>
+                  <a:tcPr marL="68580" marR="68580" marT="0" marB="0"/>
+                </a:tc>
+                <a:tc>
+                  <a:txBody>
+                    <a:bodyPr/>
+                    <a:lstStyle/>
+                    <a:p>
+                      <a:r>
+                        <a:rPr lang="en-GB" sz="2000">
+                          <a:effectLst/>
+                        </a:rPr>
+                        <a:t>19/21</a:t>
+                      </a:r>
+                      <a:endParaRPr lang="en-GB" sz="2000">
+                        <a:effectLst/>
+                        <a:latin typeface="Calibri" panose="020F0502020204030204" pitchFamily="34" charset="0"/>
+                        <a:ea typeface="Calibri" panose="020F0502020204030204" pitchFamily="34" charset="0"/>
+                        <a:cs typeface="Arial" panose="020B0604020202020204" pitchFamily="34" charset="0"/>
+                      </a:endParaRPr>
+                    </a:p>
+                  </a:txBody>
+                  <a:tcPr marL="68580" marR="68580" marT="0" marB="0"/>
+                </a:tc>
+                <a:extLst>
+                  <a:ext uri="{0D108BD9-81ED-4DB2-BD59-A6C34878D82A}">
+                    <a16:rowId xmlns:a16="http://schemas.microsoft.com/office/drawing/2014/main" val="4143396443"/>
+                  </a:ext>
+                </a:extLst>
+              </a:tr>
+              <a:tr h="0">
+                <a:tc>
+                  <a:txBody>
+                    <a:bodyPr/>
+                    <a:lstStyle/>
+                    <a:p>
+                      <a:r>
+                        <a:rPr lang="en-GB" sz="2000">
+                          <a:effectLst/>
+                        </a:rPr>
+                        <a:t>BH</a:t>
+                      </a:r>
+                      <a:endParaRPr lang="en-GB" sz="2000">
+                        <a:effectLst/>
+                        <a:latin typeface="Calibri" panose="020F0502020204030204" pitchFamily="34" charset="0"/>
+                        <a:ea typeface="Calibri" panose="020F0502020204030204" pitchFamily="34" charset="0"/>
+                        <a:cs typeface="Arial" panose="020B0604020202020204" pitchFamily="34" charset="0"/>
+                      </a:endParaRPr>
+                    </a:p>
+                  </a:txBody>
+                  <a:tcPr marL="68580" marR="68580" marT="0" marB="0"/>
+                </a:tc>
+                <a:tc>
+                  <a:txBody>
+                    <a:bodyPr/>
+                    <a:lstStyle/>
+                    <a:p>
+                      <a:r>
+                        <a:rPr lang="en-GB" sz="2000">
+                          <a:effectLst/>
+                        </a:rPr>
+                        <a:t>0.99</a:t>
+                      </a:r>
+                      <a:endParaRPr lang="en-GB" sz="2000">
+                        <a:effectLst/>
+                        <a:latin typeface="Calibri" panose="020F0502020204030204" pitchFamily="34" charset="0"/>
+                        <a:ea typeface="Calibri" panose="020F0502020204030204" pitchFamily="34" charset="0"/>
+                        <a:cs typeface="Arial" panose="020B0604020202020204" pitchFamily="34" charset="0"/>
+                      </a:endParaRPr>
+                    </a:p>
+                  </a:txBody>
+                  <a:tcPr marL="68580" marR="68580" marT="0" marB="0"/>
+                </a:tc>
+                <a:tc>
+                  <a:txBody>
+                    <a:bodyPr/>
+                    <a:lstStyle/>
+                    <a:p>
+                      <a:r>
+                        <a:rPr lang="en-GB" sz="2000">
+                          <a:effectLst/>
+                        </a:rPr>
+                        <a:t>0.025</a:t>
+                      </a:r>
+                      <a:endParaRPr lang="en-GB" sz="2000">
+                        <a:effectLst/>
+                        <a:latin typeface="Calibri" panose="020F0502020204030204" pitchFamily="34" charset="0"/>
+                        <a:ea typeface="Calibri" panose="020F0502020204030204" pitchFamily="34" charset="0"/>
+                        <a:cs typeface="Arial" panose="020B0604020202020204" pitchFamily="34" charset="0"/>
+                      </a:endParaRPr>
+                    </a:p>
+                  </a:txBody>
+                  <a:tcPr marL="68580" marR="68580" marT="0" marB="0"/>
+                </a:tc>
+                <a:tc>
+                  <a:txBody>
+                    <a:bodyPr/>
+                    <a:lstStyle/>
+                    <a:p>
+                      <a:r>
+                        <a:rPr lang="en-GB" sz="2000">
+                          <a:effectLst/>
+                        </a:rPr>
+                        <a:t>19/21</a:t>
+                      </a:r>
+                      <a:endParaRPr lang="en-GB" sz="2000">
+                        <a:effectLst/>
+                        <a:latin typeface="Calibri" panose="020F0502020204030204" pitchFamily="34" charset="0"/>
+                        <a:ea typeface="Calibri" panose="020F0502020204030204" pitchFamily="34" charset="0"/>
+                        <a:cs typeface="Arial" panose="020B0604020202020204" pitchFamily="34" charset="0"/>
+                      </a:endParaRPr>
+                    </a:p>
+                  </a:txBody>
+                  <a:tcPr marL="68580" marR="68580" marT="0" marB="0"/>
+                </a:tc>
+                <a:extLst>
+                  <a:ext uri="{0D108BD9-81ED-4DB2-BD59-A6C34878D82A}">
+                    <a16:rowId xmlns:a16="http://schemas.microsoft.com/office/drawing/2014/main" val="3350977509"/>
+                  </a:ext>
+                </a:extLst>
+              </a:tr>
+              <a:tr h="0">
+                <a:tc>
+                  <a:txBody>
+                    <a:bodyPr/>
+                    <a:lstStyle/>
+                    <a:p>
+                      <a:r>
+                        <a:rPr lang="en-GB" sz="2000">
+                          <a:effectLst/>
+                        </a:rPr>
+                        <a:t>BH</a:t>
+                      </a:r>
+                      <a:endParaRPr lang="en-GB" sz="2000">
+                        <a:effectLst/>
+                        <a:latin typeface="Calibri" panose="020F0502020204030204" pitchFamily="34" charset="0"/>
+                        <a:ea typeface="Calibri" panose="020F0502020204030204" pitchFamily="34" charset="0"/>
+                        <a:cs typeface="Arial" panose="020B0604020202020204" pitchFamily="34" charset="0"/>
+                      </a:endParaRPr>
+                    </a:p>
+                  </a:txBody>
+                  <a:tcPr marL="68580" marR="68580" marT="0" marB="0"/>
+                </a:tc>
+                <a:tc>
+                  <a:txBody>
+                    <a:bodyPr/>
+                    <a:lstStyle/>
+                    <a:p>
+                      <a:r>
+                        <a:rPr lang="en-GB" sz="2000">
+                          <a:effectLst/>
+                        </a:rPr>
+                        <a:t>0.99</a:t>
+                      </a:r>
+                      <a:endParaRPr lang="en-GB" sz="2000">
+                        <a:effectLst/>
+                        <a:latin typeface="Calibri" panose="020F0502020204030204" pitchFamily="34" charset="0"/>
+                        <a:ea typeface="Calibri" panose="020F0502020204030204" pitchFamily="34" charset="0"/>
+                        <a:cs typeface="Arial" panose="020B0604020202020204" pitchFamily="34" charset="0"/>
+                      </a:endParaRPr>
+                    </a:p>
+                  </a:txBody>
+                  <a:tcPr marL="68580" marR="68580" marT="0" marB="0"/>
+                </a:tc>
+                <a:tc>
+                  <a:txBody>
+                    <a:bodyPr/>
+                    <a:lstStyle/>
+                    <a:p>
+                      <a:r>
+                        <a:rPr lang="en-GB" sz="2000">
+                          <a:effectLst/>
+                        </a:rPr>
+                        <a:t>0.05</a:t>
+                      </a:r>
+                      <a:endParaRPr lang="en-GB" sz="2000">
+                        <a:effectLst/>
+                        <a:latin typeface="Calibri" panose="020F0502020204030204" pitchFamily="34" charset="0"/>
+                        <a:ea typeface="Calibri" panose="020F0502020204030204" pitchFamily="34" charset="0"/>
+                        <a:cs typeface="Arial" panose="020B0604020202020204" pitchFamily="34" charset="0"/>
+                      </a:endParaRPr>
+                    </a:p>
+                  </a:txBody>
+                  <a:tcPr marL="68580" marR="68580" marT="0" marB="0"/>
+                </a:tc>
+                <a:tc>
+                  <a:txBody>
+                    <a:bodyPr/>
+                    <a:lstStyle/>
+                    <a:p>
+                      <a:r>
+                        <a:rPr lang="en-GB" sz="2000">
+                          <a:effectLst/>
+                        </a:rPr>
+                        <a:t>19/21</a:t>
+                      </a:r>
+                      <a:endParaRPr lang="en-GB" sz="2000">
+                        <a:effectLst/>
+                        <a:latin typeface="Calibri" panose="020F0502020204030204" pitchFamily="34" charset="0"/>
+                        <a:ea typeface="Calibri" panose="020F0502020204030204" pitchFamily="34" charset="0"/>
+                        <a:cs typeface="Arial" panose="020B0604020202020204" pitchFamily="34" charset="0"/>
+                      </a:endParaRPr>
+                    </a:p>
+                  </a:txBody>
+                  <a:tcPr marL="68580" marR="68580" marT="0" marB="0"/>
+                </a:tc>
+                <a:extLst>
+                  <a:ext uri="{0D108BD9-81ED-4DB2-BD59-A6C34878D82A}">
+                    <a16:rowId xmlns:a16="http://schemas.microsoft.com/office/drawing/2014/main" val="1819215746"/>
+                  </a:ext>
+                </a:extLst>
+              </a:tr>
+              <a:tr h="0">
+                <a:tc>
+                  <a:txBody>
+                    <a:bodyPr/>
+                    <a:lstStyle/>
+                    <a:p>
+                      <a:r>
+                        <a:rPr lang="en-GB" sz="2000">
+                          <a:effectLst/>
+                        </a:rPr>
+                        <a:t>Bonferroni</a:t>
+                      </a:r>
+                      <a:endParaRPr lang="en-GB" sz="2000">
+                        <a:effectLst/>
+                        <a:latin typeface="Calibri" panose="020F0502020204030204" pitchFamily="34" charset="0"/>
+                        <a:ea typeface="Calibri" panose="020F0502020204030204" pitchFamily="34" charset="0"/>
+                        <a:cs typeface="Arial" panose="020B0604020202020204" pitchFamily="34" charset="0"/>
+                      </a:endParaRPr>
+                    </a:p>
+                  </a:txBody>
+                  <a:tcPr marL="68580" marR="68580" marT="0" marB="0"/>
+                </a:tc>
+                <a:tc>
+                  <a:txBody>
+                    <a:bodyPr/>
+                    <a:lstStyle/>
+                    <a:p>
+                      <a:r>
+                        <a:rPr lang="en-GB" sz="2000">
+                          <a:effectLst/>
+                        </a:rPr>
+                        <a:t>0.95</a:t>
+                      </a:r>
+                      <a:endParaRPr lang="en-GB" sz="2000">
+                        <a:effectLst/>
+                        <a:latin typeface="Calibri" panose="020F0502020204030204" pitchFamily="34" charset="0"/>
+                        <a:ea typeface="Calibri" panose="020F0502020204030204" pitchFamily="34" charset="0"/>
+                        <a:cs typeface="Arial" panose="020B0604020202020204" pitchFamily="34" charset="0"/>
+                      </a:endParaRPr>
+                    </a:p>
+                  </a:txBody>
+                  <a:tcPr marL="68580" marR="68580" marT="0" marB="0"/>
+                </a:tc>
+                <a:tc>
+                  <a:txBody>
+                    <a:bodyPr/>
+                    <a:lstStyle/>
+                    <a:p>
+                      <a:r>
+                        <a:rPr lang="en-GB" sz="2000">
+                          <a:effectLst/>
+                        </a:rPr>
+                        <a:t>0.01</a:t>
+                      </a:r>
+                      <a:endParaRPr lang="en-GB" sz="2000">
+                        <a:effectLst/>
+                        <a:latin typeface="Calibri" panose="020F0502020204030204" pitchFamily="34" charset="0"/>
+                        <a:ea typeface="Calibri" panose="020F0502020204030204" pitchFamily="34" charset="0"/>
+                        <a:cs typeface="Arial" panose="020B0604020202020204" pitchFamily="34" charset="0"/>
+                      </a:endParaRPr>
+                    </a:p>
+                  </a:txBody>
+                  <a:tcPr marL="68580" marR="68580" marT="0" marB="0"/>
+                </a:tc>
+                <a:tc>
+                  <a:txBody>
+                    <a:bodyPr/>
+                    <a:lstStyle/>
+                    <a:p>
+                      <a:r>
+                        <a:rPr lang="en-GB" sz="2000">
+                          <a:effectLst/>
+                        </a:rPr>
+                        <a:t>00/21</a:t>
+                      </a:r>
+                      <a:endParaRPr lang="en-GB" sz="2000">
+                        <a:effectLst/>
+                        <a:latin typeface="Calibri" panose="020F0502020204030204" pitchFamily="34" charset="0"/>
+                        <a:ea typeface="Calibri" panose="020F0502020204030204" pitchFamily="34" charset="0"/>
+                        <a:cs typeface="Arial" panose="020B0604020202020204" pitchFamily="34" charset="0"/>
+                      </a:endParaRPr>
+                    </a:p>
+                  </a:txBody>
+                  <a:tcPr marL="68580" marR="68580" marT="0" marB="0"/>
+                </a:tc>
+                <a:extLst>
+                  <a:ext uri="{0D108BD9-81ED-4DB2-BD59-A6C34878D82A}">
+                    <a16:rowId xmlns:a16="http://schemas.microsoft.com/office/drawing/2014/main" val="4281523888"/>
+                  </a:ext>
+                </a:extLst>
+              </a:tr>
+              <a:tr h="0">
+                <a:tc>
+                  <a:txBody>
+                    <a:bodyPr/>
+                    <a:lstStyle/>
+                    <a:p>
+                      <a:r>
+                        <a:rPr lang="en-GB" sz="2000">
+                          <a:effectLst/>
+                        </a:rPr>
+                        <a:t>Bonferroni</a:t>
+                      </a:r>
+                      <a:endParaRPr lang="en-GB" sz="2000">
+                        <a:effectLst/>
+                        <a:latin typeface="Calibri" panose="020F0502020204030204" pitchFamily="34" charset="0"/>
+                        <a:ea typeface="Calibri" panose="020F0502020204030204" pitchFamily="34" charset="0"/>
+                        <a:cs typeface="Arial" panose="020B0604020202020204" pitchFamily="34" charset="0"/>
+                      </a:endParaRPr>
+                    </a:p>
+                  </a:txBody>
+                  <a:tcPr marL="68580" marR="68580" marT="0" marB="0"/>
+                </a:tc>
+                <a:tc>
+                  <a:txBody>
+                    <a:bodyPr/>
+                    <a:lstStyle/>
+                    <a:p>
+                      <a:r>
+                        <a:rPr lang="en-GB" sz="2000">
+                          <a:effectLst/>
+                        </a:rPr>
+                        <a:t>0.95</a:t>
+                      </a:r>
+                      <a:endParaRPr lang="en-GB" sz="2000">
+                        <a:effectLst/>
+                        <a:latin typeface="Calibri" panose="020F0502020204030204" pitchFamily="34" charset="0"/>
+                        <a:ea typeface="Calibri" panose="020F0502020204030204" pitchFamily="34" charset="0"/>
+                        <a:cs typeface="Arial" panose="020B0604020202020204" pitchFamily="34" charset="0"/>
+                      </a:endParaRPr>
+                    </a:p>
+                  </a:txBody>
+                  <a:tcPr marL="68580" marR="68580" marT="0" marB="0"/>
+                </a:tc>
+                <a:tc>
+                  <a:txBody>
+                    <a:bodyPr/>
+                    <a:lstStyle/>
+                    <a:p>
+                      <a:r>
+                        <a:rPr lang="en-GB" sz="2000">
+                          <a:effectLst/>
+                        </a:rPr>
+                        <a:t>0.025</a:t>
+                      </a:r>
+                      <a:endParaRPr lang="en-GB" sz="2000">
+                        <a:effectLst/>
+                        <a:latin typeface="Calibri" panose="020F0502020204030204" pitchFamily="34" charset="0"/>
+                        <a:ea typeface="Calibri" panose="020F0502020204030204" pitchFamily="34" charset="0"/>
+                        <a:cs typeface="Arial" panose="020B0604020202020204" pitchFamily="34" charset="0"/>
+                      </a:endParaRPr>
+                    </a:p>
+                  </a:txBody>
+                  <a:tcPr marL="68580" marR="68580" marT="0" marB="0"/>
+                </a:tc>
+                <a:tc>
+                  <a:txBody>
+                    <a:bodyPr/>
+                    <a:lstStyle/>
+                    <a:p>
+                      <a:r>
+                        <a:rPr lang="en-GB" sz="2000">
+                          <a:effectLst/>
+                        </a:rPr>
+                        <a:t>16/21</a:t>
+                      </a:r>
+                      <a:endParaRPr lang="en-GB" sz="2000">
+                        <a:effectLst/>
+                        <a:latin typeface="Calibri" panose="020F0502020204030204" pitchFamily="34" charset="0"/>
+                        <a:ea typeface="Calibri" panose="020F0502020204030204" pitchFamily="34" charset="0"/>
+                        <a:cs typeface="Arial" panose="020B0604020202020204" pitchFamily="34" charset="0"/>
+                      </a:endParaRPr>
+                    </a:p>
+                  </a:txBody>
+                  <a:tcPr marL="68580" marR="68580" marT="0" marB="0"/>
+                </a:tc>
+                <a:extLst>
+                  <a:ext uri="{0D108BD9-81ED-4DB2-BD59-A6C34878D82A}">
+                    <a16:rowId xmlns:a16="http://schemas.microsoft.com/office/drawing/2014/main" val="260939724"/>
+                  </a:ext>
+                </a:extLst>
+              </a:tr>
+              <a:tr h="0">
+                <a:tc>
+                  <a:txBody>
+                    <a:bodyPr/>
+                    <a:lstStyle/>
+                    <a:p>
+                      <a:r>
+                        <a:rPr lang="en-GB" sz="2000">
+                          <a:effectLst/>
+                        </a:rPr>
+                        <a:t>Bonferroni</a:t>
+                      </a:r>
+                      <a:endParaRPr lang="en-GB" sz="2000">
+                        <a:effectLst/>
+                        <a:latin typeface="Calibri" panose="020F0502020204030204" pitchFamily="34" charset="0"/>
+                        <a:ea typeface="Calibri" panose="020F0502020204030204" pitchFamily="34" charset="0"/>
+                        <a:cs typeface="Arial" panose="020B0604020202020204" pitchFamily="34" charset="0"/>
+                      </a:endParaRPr>
+                    </a:p>
+                  </a:txBody>
+                  <a:tcPr marL="68580" marR="68580" marT="0" marB="0"/>
+                </a:tc>
+                <a:tc>
+                  <a:txBody>
+                    <a:bodyPr/>
+                    <a:lstStyle/>
+                    <a:p>
+                      <a:r>
+                        <a:rPr lang="en-GB" sz="2000">
+                          <a:effectLst/>
+                        </a:rPr>
+                        <a:t>0.95</a:t>
+                      </a:r>
+                      <a:endParaRPr lang="en-GB" sz="2000">
+                        <a:effectLst/>
+                        <a:latin typeface="Calibri" panose="020F0502020204030204" pitchFamily="34" charset="0"/>
+                        <a:ea typeface="Calibri" panose="020F0502020204030204" pitchFamily="34" charset="0"/>
+                        <a:cs typeface="Arial" panose="020B0604020202020204" pitchFamily="34" charset="0"/>
+                      </a:endParaRPr>
+                    </a:p>
+                  </a:txBody>
+                  <a:tcPr marL="68580" marR="68580" marT="0" marB="0"/>
+                </a:tc>
+                <a:tc>
+                  <a:txBody>
+                    <a:bodyPr/>
+                    <a:lstStyle/>
+                    <a:p>
+                      <a:r>
+                        <a:rPr lang="en-GB" sz="2000">
+                          <a:effectLst/>
+                        </a:rPr>
+                        <a:t>0.05</a:t>
+                      </a:r>
+                      <a:endParaRPr lang="en-GB" sz="2000">
+                        <a:effectLst/>
+                        <a:latin typeface="Calibri" panose="020F0502020204030204" pitchFamily="34" charset="0"/>
+                        <a:ea typeface="Calibri" panose="020F0502020204030204" pitchFamily="34" charset="0"/>
+                        <a:cs typeface="Arial" panose="020B0604020202020204" pitchFamily="34" charset="0"/>
+                      </a:endParaRPr>
+                    </a:p>
+                  </a:txBody>
+                  <a:tcPr marL="68580" marR="68580" marT="0" marB="0"/>
+                </a:tc>
+                <a:tc>
+                  <a:txBody>
+                    <a:bodyPr/>
+                    <a:lstStyle/>
+                    <a:p>
+                      <a:r>
+                        <a:rPr lang="en-GB" sz="2000">
+                          <a:effectLst/>
+                        </a:rPr>
+                        <a:t>14/21</a:t>
+                      </a:r>
+                      <a:endParaRPr lang="en-GB" sz="2000">
+                        <a:effectLst/>
+                        <a:latin typeface="Calibri" panose="020F0502020204030204" pitchFamily="34" charset="0"/>
+                        <a:ea typeface="Calibri" panose="020F0502020204030204" pitchFamily="34" charset="0"/>
+                        <a:cs typeface="Arial" panose="020B0604020202020204" pitchFamily="34" charset="0"/>
+                      </a:endParaRPr>
+                    </a:p>
+                  </a:txBody>
+                  <a:tcPr marL="68580" marR="68580" marT="0" marB="0"/>
+                </a:tc>
+                <a:extLst>
+                  <a:ext uri="{0D108BD9-81ED-4DB2-BD59-A6C34878D82A}">
+                    <a16:rowId xmlns:a16="http://schemas.microsoft.com/office/drawing/2014/main" val="3722504665"/>
+                  </a:ext>
+                </a:extLst>
+              </a:tr>
+              <a:tr h="0">
+                <a:tc>
+                  <a:txBody>
+                    <a:bodyPr/>
+                    <a:lstStyle/>
+                    <a:p>
+                      <a:r>
+                        <a:rPr lang="en-GB" sz="2000">
+                          <a:effectLst/>
+                        </a:rPr>
+                        <a:t>Bonferroni</a:t>
+                      </a:r>
+                      <a:endParaRPr lang="en-GB" sz="2000">
+                        <a:effectLst/>
+                        <a:latin typeface="Calibri" panose="020F0502020204030204" pitchFamily="34" charset="0"/>
+                        <a:ea typeface="Calibri" panose="020F0502020204030204" pitchFamily="34" charset="0"/>
+                        <a:cs typeface="Arial" panose="020B0604020202020204" pitchFamily="34" charset="0"/>
+                      </a:endParaRPr>
+                    </a:p>
+                  </a:txBody>
+                  <a:tcPr marL="68580" marR="68580" marT="0" marB="0"/>
+                </a:tc>
+                <a:tc>
+                  <a:txBody>
+                    <a:bodyPr/>
+                    <a:lstStyle/>
+                    <a:p>
+                      <a:r>
+                        <a:rPr lang="en-GB" sz="2000">
+                          <a:effectLst/>
+                        </a:rPr>
+                        <a:t>0.99</a:t>
+                      </a:r>
+                      <a:endParaRPr lang="en-GB" sz="2000">
+                        <a:effectLst/>
+                        <a:latin typeface="Calibri" panose="020F0502020204030204" pitchFamily="34" charset="0"/>
+                        <a:ea typeface="Calibri" panose="020F0502020204030204" pitchFamily="34" charset="0"/>
+                        <a:cs typeface="Arial" panose="020B0604020202020204" pitchFamily="34" charset="0"/>
+                      </a:endParaRPr>
+                    </a:p>
+                  </a:txBody>
+                  <a:tcPr marL="68580" marR="68580" marT="0" marB="0"/>
+                </a:tc>
+                <a:tc>
+                  <a:txBody>
+                    <a:bodyPr/>
+                    <a:lstStyle/>
+                    <a:p>
+                      <a:r>
+                        <a:rPr lang="en-GB" sz="2000">
+                          <a:effectLst/>
+                        </a:rPr>
+                        <a:t>0.01</a:t>
+                      </a:r>
+                      <a:endParaRPr lang="en-GB" sz="2000">
+                        <a:effectLst/>
+                        <a:latin typeface="Calibri" panose="020F0502020204030204" pitchFamily="34" charset="0"/>
+                        <a:ea typeface="Calibri" panose="020F0502020204030204" pitchFamily="34" charset="0"/>
+                        <a:cs typeface="Arial" panose="020B0604020202020204" pitchFamily="34" charset="0"/>
+                      </a:endParaRPr>
+                    </a:p>
+                  </a:txBody>
+                  <a:tcPr marL="68580" marR="68580" marT="0" marB="0"/>
+                </a:tc>
+                <a:tc>
+                  <a:txBody>
+                    <a:bodyPr/>
+                    <a:lstStyle/>
+                    <a:p>
+                      <a:r>
+                        <a:rPr lang="en-GB" sz="2000">
+                          <a:effectLst/>
+                        </a:rPr>
+                        <a:t>00/21</a:t>
+                      </a:r>
+                      <a:endParaRPr lang="en-GB" sz="2000">
+                        <a:effectLst/>
+                        <a:latin typeface="Calibri" panose="020F0502020204030204" pitchFamily="34" charset="0"/>
+                        <a:ea typeface="Calibri" panose="020F0502020204030204" pitchFamily="34" charset="0"/>
+                        <a:cs typeface="Arial" panose="020B0604020202020204" pitchFamily="34" charset="0"/>
+                      </a:endParaRPr>
+                    </a:p>
+                  </a:txBody>
+                  <a:tcPr marL="68580" marR="68580" marT="0" marB="0"/>
+                </a:tc>
+                <a:extLst>
+                  <a:ext uri="{0D108BD9-81ED-4DB2-BD59-A6C34878D82A}">
+                    <a16:rowId xmlns:a16="http://schemas.microsoft.com/office/drawing/2014/main" val="3474431488"/>
+                  </a:ext>
+                </a:extLst>
+              </a:tr>
+              <a:tr h="0">
+                <a:tc>
+                  <a:txBody>
+                    <a:bodyPr/>
+                    <a:lstStyle/>
+                    <a:p>
+                      <a:r>
+                        <a:rPr lang="en-GB" sz="2000">
+                          <a:effectLst/>
+                        </a:rPr>
+                        <a:t>Bonferroni</a:t>
+                      </a:r>
+                      <a:endParaRPr lang="en-GB" sz="2000">
+                        <a:effectLst/>
+                        <a:latin typeface="Calibri" panose="020F0502020204030204" pitchFamily="34" charset="0"/>
+                        <a:ea typeface="Calibri" panose="020F0502020204030204" pitchFamily="34" charset="0"/>
+                        <a:cs typeface="Arial" panose="020B0604020202020204" pitchFamily="34" charset="0"/>
+                      </a:endParaRPr>
+                    </a:p>
+                  </a:txBody>
+                  <a:tcPr marL="68580" marR="68580" marT="0" marB="0"/>
+                </a:tc>
+                <a:tc>
+                  <a:txBody>
+                    <a:bodyPr/>
+                    <a:lstStyle/>
+                    <a:p>
+                      <a:r>
+                        <a:rPr lang="en-GB" sz="2000">
+                          <a:effectLst/>
+                        </a:rPr>
+                        <a:t>0.99</a:t>
+                      </a:r>
+                      <a:endParaRPr lang="en-GB" sz="2000">
+                        <a:effectLst/>
+                        <a:latin typeface="Calibri" panose="020F0502020204030204" pitchFamily="34" charset="0"/>
+                        <a:ea typeface="Calibri" panose="020F0502020204030204" pitchFamily="34" charset="0"/>
+                        <a:cs typeface="Arial" panose="020B0604020202020204" pitchFamily="34" charset="0"/>
+                      </a:endParaRPr>
+                    </a:p>
+                  </a:txBody>
+                  <a:tcPr marL="68580" marR="68580" marT="0" marB="0"/>
+                </a:tc>
+                <a:tc>
+                  <a:txBody>
+                    <a:bodyPr/>
+                    <a:lstStyle/>
+                    <a:p>
+                      <a:r>
+                        <a:rPr lang="en-GB" sz="2000">
+                          <a:effectLst/>
+                        </a:rPr>
+                        <a:t>0.025</a:t>
+                      </a:r>
+                      <a:endParaRPr lang="en-GB" sz="2000">
+                        <a:effectLst/>
+                        <a:latin typeface="Calibri" panose="020F0502020204030204" pitchFamily="34" charset="0"/>
+                        <a:ea typeface="Calibri" panose="020F0502020204030204" pitchFamily="34" charset="0"/>
+                        <a:cs typeface="Arial" panose="020B0604020202020204" pitchFamily="34" charset="0"/>
+                      </a:endParaRPr>
+                    </a:p>
+                  </a:txBody>
+                  <a:tcPr marL="68580" marR="68580" marT="0" marB="0"/>
+                </a:tc>
+                <a:tc>
+                  <a:txBody>
+                    <a:bodyPr/>
+                    <a:lstStyle/>
+                    <a:p>
+                      <a:r>
+                        <a:rPr lang="en-GB" sz="2000">
+                          <a:effectLst/>
+                        </a:rPr>
+                        <a:t>13/21</a:t>
+                      </a:r>
+                      <a:endParaRPr lang="en-GB" sz="2000">
+                        <a:effectLst/>
+                        <a:latin typeface="Calibri" panose="020F0502020204030204" pitchFamily="34" charset="0"/>
+                        <a:ea typeface="Calibri" panose="020F0502020204030204" pitchFamily="34" charset="0"/>
+                        <a:cs typeface="Arial" panose="020B0604020202020204" pitchFamily="34" charset="0"/>
+                      </a:endParaRPr>
+                    </a:p>
+                  </a:txBody>
+                  <a:tcPr marL="68580" marR="68580" marT="0" marB="0"/>
+                </a:tc>
+                <a:extLst>
+                  <a:ext uri="{0D108BD9-81ED-4DB2-BD59-A6C34878D82A}">
+                    <a16:rowId xmlns:a16="http://schemas.microsoft.com/office/drawing/2014/main" val="560694801"/>
+                  </a:ext>
+                </a:extLst>
+              </a:tr>
+              <a:tr h="0">
+                <a:tc>
+                  <a:txBody>
+                    <a:bodyPr/>
+                    <a:lstStyle/>
+                    <a:p>
+                      <a:r>
+                        <a:rPr lang="en-GB" sz="2000">
+                          <a:effectLst/>
+                        </a:rPr>
+                        <a:t>Bonferroni</a:t>
+                      </a:r>
+                      <a:endParaRPr lang="en-GB" sz="2000">
+                        <a:effectLst/>
+                        <a:latin typeface="Calibri" panose="020F0502020204030204" pitchFamily="34" charset="0"/>
+                        <a:ea typeface="Calibri" panose="020F0502020204030204" pitchFamily="34" charset="0"/>
+                        <a:cs typeface="Arial" panose="020B0604020202020204" pitchFamily="34" charset="0"/>
+                      </a:endParaRPr>
+                    </a:p>
+                  </a:txBody>
+                  <a:tcPr marL="68580" marR="68580" marT="0" marB="0"/>
+                </a:tc>
+                <a:tc>
+                  <a:txBody>
+                    <a:bodyPr/>
+                    <a:lstStyle/>
+                    <a:p>
+                      <a:r>
+                        <a:rPr lang="en-GB" sz="2000">
+                          <a:effectLst/>
+                        </a:rPr>
+                        <a:t>0.99</a:t>
+                      </a:r>
+                      <a:endParaRPr lang="en-GB" sz="2000">
+                        <a:effectLst/>
+                        <a:latin typeface="Calibri" panose="020F0502020204030204" pitchFamily="34" charset="0"/>
+                        <a:ea typeface="Calibri" panose="020F0502020204030204" pitchFamily="34" charset="0"/>
+                        <a:cs typeface="Arial" panose="020B0604020202020204" pitchFamily="34" charset="0"/>
+                      </a:endParaRPr>
+                    </a:p>
+                  </a:txBody>
+                  <a:tcPr marL="68580" marR="68580" marT="0" marB="0"/>
+                </a:tc>
+                <a:tc>
+                  <a:txBody>
+                    <a:bodyPr/>
+                    <a:lstStyle/>
+                    <a:p>
+                      <a:r>
+                        <a:rPr lang="en-GB" sz="2000">
+                          <a:effectLst/>
+                        </a:rPr>
+                        <a:t>0.05</a:t>
+                      </a:r>
+                      <a:endParaRPr lang="en-GB" sz="2000">
+                        <a:effectLst/>
+                        <a:latin typeface="Calibri" panose="020F0502020204030204" pitchFamily="34" charset="0"/>
+                        <a:ea typeface="Calibri" panose="020F0502020204030204" pitchFamily="34" charset="0"/>
+                        <a:cs typeface="Arial" panose="020B0604020202020204" pitchFamily="34" charset="0"/>
+                      </a:endParaRPr>
+                    </a:p>
+                  </a:txBody>
+                  <a:tcPr marL="68580" marR="68580" marT="0" marB="0"/>
+                </a:tc>
+                <a:tc>
+                  <a:txBody>
+                    <a:bodyPr/>
+                    <a:lstStyle/>
+                    <a:p>
+                      <a:r>
+                        <a:rPr lang="en-GB" sz="2000" dirty="0">
+                          <a:effectLst/>
+                        </a:rPr>
+                        <a:t>20/21</a:t>
+                      </a:r>
+                      <a:endParaRPr lang="en-GB" sz="2000" dirty="0">
+                        <a:effectLst/>
+                        <a:latin typeface="Calibri" panose="020F0502020204030204" pitchFamily="34" charset="0"/>
+                        <a:ea typeface="Calibri" panose="020F0502020204030204" pitchFamily="34" charset="0"/>
+                        <a:cs typeface="Arial" panose="020B0604020202020204" pitchFamily="34" charset="0"/>
+                      </a:endParaRPr>
+                    </a:p>
+                  </a:txBody>
+                  <a:tcPr marL="68580" marR="68580" marT="0" marB="0"/>
+                </a:tc>
+                <a:extLst>
+                  <a:ext uri="{0D108BD9-81ED-4DB2-BD59-A6C34878D82A}">
+                    <a16:rowId xmlns:a16="http://schemas.microsoft.com/office/drawing/2014/main" val="2112016458"/>
+                  </a:ext>
+                </a:extLst>
+              </a:tr>
+            </a:tbl>
+          </a:graphicData>
+        </a:graphic>
+      </p:graphicFrame>
       <p:sp>
         <p:nvSpPr>
           <p:cNvPr id="4" name="Slide Number Placeholder 3">
             <a:extLst>
               <a:ext uri="{FF2B5EF4-FFF2-40B4-BE49-F238E27FC236}">
-                <a16:creationId xmlns:a16="http://schemas.microsoft.com/office/drawing/2014/main" id="{BEAF06C5-9E0C-499B-8829-6D8A77D4D875}"/>
+                <a16:creationId xmlns:a16="http://schemas.microsoft.com/office/drawing/2014/main" id="{D43ACEF0-0B07-40A0-B3B0-16E8441E0D58}"/>
               </a:ext>
             </a:extLst>
           </p:cNvPr>
@@ -7141,7 +10356,7 @@
     </p:spTree>
     <p:extLst>
       <p:ext uri="{BB962C8B-B14F-4D97-AF65-F5344CB8AC3E}">
-        <p14:creationId xmlns:p14="http://schemas.microsoft.com/office/powerpoint/2010/main" val="2752648642"/>
+        <p14:creationId xmlns:p14="http://schemas.microsoft.com/office/powerpoint/2010/main" val="2032402155"/>
       </p:ext>
     </p:extLst>
   </p:cSld>
